--- a/Presentation/HTTP-Services/HTTP-Services.pptx
+++ b/Presentation/HTTP-Services/HTTP-Services.pptx
@@ -9,29 +9,31 @@
     <p:sldMasterId id="2147483741" r:id="rId5"/>
     <p:sldMasterId id="2147483748" r:id="rId6"/>
     <p:sldMasterId id="2147483758" r:id="rId7"/>
+    <p:sldMasterId id="2147483791" r:id="rId8"/>
   </p:sldMasterIdLst>
   <p:notesMasterIdLst>
-    <p:notesMasterId r:id="rId26"/>
+    <p:notesMasterId r:id="rId28"/>
   </p:notesMasterIdLst>
   <p:sldIdLst>
-    <p:sldId id="257" r:id="rId8"/>
-    <p:sldId id="259" r:id="rId9"/>
-    <p:sldId id="270" r:id="rId10"/>
-    <p:sldId id="256" r:id="rId11"/>
-    <p:sldId id="286" r:id="rId12"/>
-    <p:sldId id="272" r:id="rId13"/>
-    <p:sldId id="273" r:id="rId14"/>
-    <p:sldId id="274" r:id="rId15"/>
-    <p:sldId id="275" r:id="rId16"/>
-    <p:sldId id="276" r:id="rId17"/>
-    <p:sldId id="277" r:id="rId18"/>
-    <p:sldId id="278" r:id="rId19"/>
-    <p:sldId id="279" r:id="rId20"/>
-    <p:sldId id="282" r:id="rId21"/>
-    <p:sldId id="283" r:id="rId22"/>
-    <p:sldId id="284" r:id="rId23"/>
-    <p:sldId id="285" r:id="rId24"/>
-    <p:sldId id="263" r:id="rId25"/>
+    <p:sldId id="257" r:id="rId9"/>
+    <p:sldId id="287" r:id="rId10"/>
+    <p:sldId id="259" r:id="rId11"/>
+    <p:sldId id="270" r:id="rId12"/>
+    <p:sldId id="256" r:id="rId13"/>
+    <p:sldId id="286" r:id="rId14"/>
+    <p:sldId id="272" r:id="rId15"/>
+    <p:sldId id="273" r:id="rId16"/>
+    <p:sldId id="274" r:id="rId17"/>
+    <p:sldId id="275" r:id="rId18"/>
+    <p:sldId id="276" r:id="rId19"/>
+    <p:sldId id="277" r:id="rId20"/>
+    <p:sldId id="278" r:id="rId21"/>
+    <p:sldId id="279" r:id="rId22"/>
+    <p:sldId id="282" r:id="rId23"/>
+    <p:sldId id="283" r:id="rId24"/>
+    <p:sldId id="284" r:id="rId25"/>
+    <p:sldId id="285" r:id="rId26"/>
+    <p:sldId id="263" r:id="rId27"/>
   </p:sldIdLst>
   <p:sldSz cx="12192000" cy="6858000"/>
   <p:notesSz cx="6858000" cy="9144000"/>
@@ -220,7 +222,7 @@
           <a:p>
             <a:fld id="{0E990FE3-7537-4D15-A9F5-FDF1805FD5F8}" type="datetimeFigureOut">
               <a:rPr lang="en-US" smtClean="0"/>
-              <a:t>12/8/2013</a:t>
+              <a:t>10/12/2015</a:t>
             </a:fld>
             <a:endParaRPr lang="en-US"/>
           </a:p>
@@ -573,7 +575,7 @@
           <a:p>
             <a:fld id="{6E8C67A6-C0E7-47DF-97C2-CA9B11275397}" type="slidenum">
               <a:rPr lang="en-US" smtClean="0"/>
-              <a:t>3</a:t>
+              <a:t>4</a:t>
             </a:fld>
             <a:endParaRPr lang="en-US"/>
           </a:p>
@@ -665,7 +667,7 @@
           <a:p>
             <a:fld id="{6E8C67A6-C0E7-47DF-97C2-CA9B11275397}" type="slidenum">
               <a:rPr lang="en-US" smtClean="0"/>
-              <a:t>4</a:t>
+              <a:t>5</a:t>
             </a:fld>
             <a:endParaRPr lang="en-US"/>
           </a:p>
@@ -890,10 +892,34 @@
                 <a:tableStyleId>{5C22544A-7EE6-4342-B048-85BDC9FD1C3A}</a:tableStyleId>
               </a:tblPr>
               <a:tblGrid>
-                <a:gridCol w="2764105"/>
-                <a:gridCol w="2764105"/>
-                <a:gridCol w="2764105"/>
-                <a:gridCol w="2764105"/>
+                <a:gridCol w="2764105">
+                  <a:extLst>
+                    <a:ext uri="{9D8B030D-6E8A-4147-A177-3AD203B41FA5}">
+                      <a16:colId xmlns:a16="http://schemas.microsoft.com/office/drawing/2014/main" val="20000"/>
+                    </a:ext>
+                  </a:extLst>
+                </a:gridCol>
+                <a:gridCol w="2764105">
+                  <a:extLst>
+                    <a:ext uri="{9D8B030D-6E8A-4147-A177-3AD203B41FA5}">
+                      <a16:colId xmlns:a16="http://schemas.microsoft.com/office/drawing/2014/main" val="20001"/>
+                    </a:ext>
+                  </a:extLst>
+                </a:gridCol>
+                <a:gridCol w="2764105">
+                  <a:extLst>
+                    <a:ext uri="{9D8B030D-6E8A-4147-A177-3AD203B41FA5}">
+                      <a16:colId xmlns:a16="http://schemas.microsoft.com/office/drawing/2014/main" val="20002"/>
+                    </a:ext>
+                  </a:extLst>
+                </a:gridCol>
+                <a:gridCol w="2764105">
+                  <a:extLst>
+                    <a:ext uri="{9D8B030D-6E8A-4147-A177-3AD203B41FA5}">
+                      <a16:colId xmlns:a16="http://schemas.microsoft.com/office/drawing/2014/main" val="20003"/>
+                    </a:ext>
+                  </a:extLst>
+                </a:gridCol>
               </a:tblGrid>
               <a:tr h="644435">
                 <a:tc>
@@ -1068,6 +1094,11 @@
                     </a:lnBlToTr>
                   </a:tcPr>
                 </a:tc>
+                <a:extLst>
+                  <a:ext uri="{0D108BD9-81ED-4DB2-BD59-A6C34878D82A}">
+                    <a16:rowId xmlns:a16="http://schemas.microsoft.com/office/drawing/2014/main" val="10000"/>
+                  </a:ext>
+                </a:extLst>
               </a:tr>
               <a:tr h="1225319">
                 <a:tc>
@@ -1299,6 +1330,11 @@
                     </a:lnBlToTr>
                   </a:tcPr>
                 </a:tc>
+                <a:extLst>
+                  <a:ext uri="{0D108BD9-81ED-4DB2-BD59-A6C34878D82A}">
+                    <a16:rowId xmlns:a16="http://schemas.microsoft.com/office/drawing/2014/main" val="10001"/>
+                  </a:ext>
+                </a:extLst>
               </a:tr>
               <a:tr h="1225319">
                 <a:tc>
@@ -1549,6 +1585,11 @@
                     </a:lnBlToTr>
                   </a:tcPr>
                 </a:tc>
+                <a:extLst>
+                  <a:ext uri="{0D108BD9-81ED-4DB2-BD59-A6C34878D82A}">
+                    <a16:rowId xmlns:a16="http://schemas.microsoft.com/office/drawing/2014/main" val="10002"/>
+                  </a:ext>
+                </a:extLst>
               </a:tr>
               <a:tr h="1225319">
                 <a:tc>
@@ -1799,6 +1840,11 @@
                     </a:lnBlToTr>
                   </a:tcPr>
                 </a:tc>
+                <a:extLst>
+                  <a:ext uri="{0D108BD9-81ED-4DB2-BD59-A6C34878D82A}">
+                    <a16:rowId xmlns:a16="http://schemas.microsoft.com/office/drawing/2014/main" val="10003"/>
+                  </a:ext>
+                </a:extLst>
               </a:tr>
             </a:tbl>
           </a:graphicData>
@@ -5332,10 +5378,34 @@
                 <a:tableStyleId>{93296810-A885-4BE3-A3E7-6D5BEEA58F35}</a:tableStyleId>
               </a:tblPr>
               <a:tblGrid>
-                <a:gridCol w="2764105"/>
-                <a:gridCol w="2764105"/>
-                <a:gridCol w="2764105"/>
-                <a:gridCol w="2764105"/>
+                <a:gridCol w="2764105">
+                  <a:extLst>
+                    <a:ext uri="{9D8B030D-6E8A-4147-A177-3AD203B41FA5}">
+                      <a16:colId xmlns:a16="http://schemas.microsoft.com/office/drawing/2014/main" val="20000"/>
+                    </a:ext>
+                  </a:extLst>
+                </a:gridCol>
+                <a:gridCol w="2764105">
+                  <a:extLst>
+                    <a:ext uri="{9D8B030D-6E8A-4147-A177-3AD203B41FA5}">
+                      <a16:colId xmlns:a16="http://schemas.microsoft.com/office/drawing/2014/main" val="20001"/>
+                    </a:ext>
+                  </a:extLst>
+                </a:gridCol>
+                <a:gridCol w="2764105">
+                  <a:extLst>
+                    <a:ext uri="{9D8B030D-6E8A-4147-A177-3AD203B41FA5}">
+                      <a16:colId xmlns:a16="http://schemas.microsoft.com/office/drawing/2014/main" val="20002"/>
+                    </a:ext>
+                  </a:extLst>
+                </a:gridCol>
+                <a:gridCol w="2764105">
+                  <a:extLst>
+                    <a:ext uri="{9D8B030D-6E8A-4147-A177-3AD203B41FA5}">
+                      <a16:colId xmlns:a16="http://schemas.microsoft.com/office/drawing/2014/main" val="20003"/>
+                    </a:ext>
+                  </a:extLst>
+                </a:gridCol>
               </a:tblGrid>
               <a:tr h="644435">
                 <a:tc>
@@ -5494,6 +5564,11 @@
                     </a:lnBlToTr>
                   </a:tcPr>
                 </a:tc>
+                <a:extLst>
+                  <a:ext uri="{0D108BD9-81ED-4DB2-BD59-A6C34878D82A}">
+                    <a16:rowId xmlns:a16="http://schemas.microsoft.com/office/drawing/2014/main" val="10000"/>
+                  </a:ext>
+                </a:extLst>
               </a:tr>
               <a:tr h="1225319">
                 <a:tc>
@@ -5709,6 +5784,11 @@
                     </a:lnBlToTr>
                   </a:tcPr>
                 </a:tc>
+                <a:extLst>
+                  <a:ext uri="{0D108BD9-81ED-4DB2-BD59-A6C34878D82A}">
+                    <a16:rowId xmlns:a16="http://schemas.microsoft.com/office/drawing/2014/main" val="10001"/>
+                  </a:ext>
+                </a:extLst>
               </a:tr>
               <a:tr h="1225319">
                 <a:tc>
@@ -5943,6 +6023,11 @@
                     </a:lnBlToTr>
                   </a:tcPr>
                 </a:tc>
+                <a:extLst>
+                  <a:ext uri="{0D108BD9-81ED-4DB2-BD59-A6C34878D82A}">
+                    <a16:rowId xmlns:a16="http://schemas.microsoft.com/office/drawing/2014/main" val="10002"/>
+                  </a:ext>
+                </a:extLst>
               </a:tr>
               <a:tr h="1225319">
                 <a:tc>
@@ -6177,6 +6262,11 @@
                     </a:lnBlToTr>
                   </a:tcPr>
                 </a:tc>
+                <a:extLst>
+                  <a:ext uri="{0D108BD9-81ED-4DB2-BD59-A6C34878D82A}">
+                    <a16:rowId xmlns:a16="http://schemas.microsoft.com/office/drawing/2014/main" val="10003"/>
+                  </a:ext>
+                </a:extLst>
               </a:tr>
             </a:tbl>
           </a:graphicData>
@@ -7395,10 +7485,34 @@
                 <a:tableStyleId>{21E4AEA4-8DFA-4A89-87EB-49C32662AFE0}</a:tableStyleId>
               </a:tblPr>
               <a:tblGrid>
-                <a:gridCol w="2764105"/>
-                <a:gridCol w="2764105"/>
-                <a:gridCol w="2764105"/>
-                <a:gridCol w="2764105"/>
+                <a:gridCol w="2764105">
+                  <a:extLst>
+                    <a:ext uri="{9D8B030D-6E8A-4147-A177-3AD203B41FA5}">
+                      <a16:colId xmlns:a16="http://schemas.microsoft.com/office/drawing/2014/main" val="20000"/>
+                    </a:ext>
+                  </a:extLst>
+                </a:gridCol>
+                <a:gridCol w="2764105">
+                  <a:extLst>
+                    <a:ext uri="{9D8B030D-6E8A-4147-A177-3AD203B41FA5}">
+                      <a16:colId xmlns:a16="http://schemas.microsoft.com/office/drawing/2014/main" val="20001"/>
+                    </a:ext>
+                  </a:extLst>
+                </a:gridCol>
+                <a:gridCol w="2764105">
+                  <a:extLst>
+                    <a:ext uri="{9D8B030D-6E8A-4147-A177-3AD203B41FA5}">
+                      <a16:colId xmlns:a16="http://schemas.microsoft.com/office/drawing/2014/main" val="20002"/>
+                    </a:ext>
+                  </a:extLst>
+                </a:gridCol>
+                <a:gridCol w="2764105">
+                  <a:extLst>
+                    <a:ext uri="{9D8B030D-6E8A-4147-A177-3AD203B41FA5}">
+                      <a16:colId xmlns:a16="http://schemas.microsoft.com/office/drawing/2014/main" val="20003"/>
+                    </a:ext>
+                  </a:extLst>
+                </a:gridCol>
               </a:tblGrid>
               <a:tr h="644435">
                 <a:tc>
@@ -7569,6 +7683,11 @@
                     </a:solidFill>
                   </a:tcPr>
                 </a:tc>
+                <a:extLst>
+                  <a:ext uri="{0D108BD9-81ED-4DB2-BD59-A6C34878D82A}">
+                    <a16:rowId xmlns:a16="http://schemas.microsoft.com/office/drawing/2014/main" val="10000"/>
+                  </a:ext>
+                </a:extLst>
               </a:tr>
               <a:tr h="1225319">
                 <a:tc>
@@ -7796,6 +7915,11 @@
                     </a:solidFill>
                   </a:tcPr>
                 </a:tc>
+                <a:extLst>
+                  <a:ext uri="{0D108BD9-81ED-4DB2-BD59-A6C34878D82A}">
+                    <a16:rowId xmlns:a16="http://schemas.microsoft.com/office/drawing/2014/main" val="10001"/>
+                  </a:ext>
+                </a:extLst>
               </a:tr>
               <a:tr h="1225319">
                 <a:tc>
@@ -8050,6 +8174,11 @@
                     </a:solidFill>
                   </a:tcPr>
                 </a:tc>
+                <a:extLst>
+                  <a:ext uri="{0D108BD9-81ED-4DB2-BD59-A6C34878D82A}">
+                    <a16:rowId xmlns:a16="http://schemas.microsoft.com/office/drawing/2014/main" val="10002"/>
+                  </a:ext>
+                </a:extLst>
               </a:tr>
               <a:tr h="1225319">
                 <a:tc>
@@ -8296,6 +8425,11 @@
                     </a:solidFill>
                   </a:tcPr>
                 </a:tc>
+                <a:extLst>
+                  <a:ext uri="{0D108BD9-81ED-4DB2-BD59-A6C34878D82A}">
+                    <a16:rowId xmlns:a16="http://schemas.microsoft.com/office/drawing/2014/main" val="10003"/>
+                  </a:ext>
+                </a:extLst>
               </a:tr>
             </a:tbl>
           </a:graphicData>
@@ -9508,10 +9642,34 @@
                 <a:tableStyleId>{5C22544A-7EE6-4342-B048-85BDC9FD1C3A}</a:tableStyleId>
               </a:tblPr>
               <a:tblGrid>
-                <a:gridCol w="2764105"/>
-                <a:gridCol w="2764105"/>
-                <a:gridCol w="2764105"/>
-                <a:gridCol w="2764105"/>
+                <a:gridCol w="2764105">
+                  <a:extLst>
+                    <a:ext uri="{9D8B030D-6E8A-4147-A177-3AD203B41FA5}">
+                      <a16:colId xmlns:a16="http://schemas.microsoft.com/office/drawing/2014/main" val="20000"/>
+                    </a:ext>
+                  </a:extLst>
+                </a:gridCol>
+                <a:gridCol w="2764105">
+                  <a:extLst>
+                    <a:ext uri="{9D8B030D-6E8A-4147-A177-3AD203B41FA5}">
+                      <a16:colId xmlns:a16="http://schemas.microsoft.com/office/drawing/2014/main" val="20001"/>
+                    </a:ext>
+                  </a:extLst>
+                </a:gridCol>
+                <a:gridCol w="2764105">
+                  <a:extLst>
+                    <a:ext uri="{9D8B030D-6E8A-4147-A177-3AD203B41FA5}">
+                      <a16:colId xmlns:a16="http://schemas.microsoft.com/office/drawing/2014/main" val="20002"/>
+                    </a:ext>
+                  </a:extLst>
+                </a:gridCol>
+                <a:gridCol w="2764105">
+                  <a:extLst>
+                    <a:ext uri="{9D8B030D-6E8A-4147-A177-3AD203B41FA5}">
+                      <a16:colId xmlns:a16="http://schemas.microsoft.com/office/drawing/2014/main" val="20003"/>
+                    </a:ext>
+                  </a:extLst>
+                </a:gridCol>
               </a:tblGrid>
               <a:tr h="644435">
                 <a:tc>
@@ -9686,6 +9844,11 @@
                     </a:lnBlToTr>
                   </a:tcPr>
                 </a:tc>
+                <a:extLst>
+                  <a:ext uri="{0D108BD9-81ED-4DB2-BD59-A6C34878D82A}">
+                    <a16:rowId xmlns:a16="http://schemas.microsoft.com/office/drawing/2014/main" val="10000"/>
+                  </a:ext>
+                </a:extLst>
               </a:tr>
               <a:tr h="1225319">
                 <a:tc>
@@ -9917,6 +10080,11 @@
                     </a:lnBlToTr>
                   </a:tcPr>
                 </a:tc>
+                <a:extLst>
+                  <a:ext uri="{0D108BD9-81ED-4DB2-BD59-A6C34878D82A}">
+                    <a16:rowId xmlns:a16="http://schemas.microsoft.com/office/drawing/2014/main" val="10001"/>
+                  </a:ext>
+                </a:extLst>
               </a:tr>
               <a:tr h="1225319">
                 <a:tc>
@@ -10167,6 +10335,11 @@
                     </a:lnBlToTr>
                   </a:tcPr>
                 </a:tc>
+                <a:extLst>
+                  <a:ext uri="{0D108BD9-81ED-4DB2-BD59-A6C34878D82A}">
+                    <a16:rowId xmlns:a16="http://schemas.microsoft.com/office/drawing/2014/main" val="10002"/>
+                  </a:ext>
+                </a:extLst>
               </a:tr>
               <a:tr h="1225319">
                 <a:tc>
@@ -10417,6 +10590,11 @@
                     </a:lnBlToTr>
                   </a:tcPr>
                 </a:tc>
+                <a:extLst>
+                  <a:ext uri="{0D108BD9-81ED-4DB2-BD59-A6C34878D82A}">
+                    <a16:rowId xmlns:a16="http://schemas.microsoft.com/office/drawing/2014/main" val="10003"/>
+                  </a:ext>
+                </a:extLst>
               </a:tr>
             </a:tbl>
           </a:graphicData>
@@ -11518,10 +11696,34 @@
                 <a:tableStyleId>{5C22544A-7EE6-4342-B048-85BDC9FD1C3A}</a:tableStyleId>
               </a:tblPr>
               <a:tblGrid>
-                <a:gridCol w="2764105"/>
-                <a:gridCol w="2764105"/>
-                <a:gridCol w="2764105"/>
-                <a:gridCol w="2764105"/>
+                <a:gridCol w="2764105">
+                  <a:extLst>
+                    <a:ext uri="{9D8B030D-6E8A-4147-A177-3AD203B41FA5}">
+                      <a16:colId xmlns:a16="http://schemas.microsoft.com/office/drawing/2014/main" val="20000"/>
+                    </a:ext>
+                  </a:extLst>
+                </a:gridCol>
+                <a:gridCol w="2764105">
+                  <a:extLst>
+                    <a:ext uri="{9D8B030D-6E8A-4147-A177-3AD203B41FA5}">
+                      <a16:colId xmlns:a16="http://schemas.microsoft.com/office/drawing/2014/main" val="20001"/>
+                    </a:ext>
+                  </a:extLst>
+                </a:gridCol>
+                <a:gridCol w="2764105">
+                  <a:extLst>
+                    <a:ext uri="{9D8B030D-6E8A-4147-A177-3AD203B41FA5}">
+                      <a16:colId xmlns:a16="http://schemas.microsoft.com/office/drawing/2014/main" val="20002"/>
+                    </a:ext>
+                  </a:extLst>
+                </a:gridCol>
+                <a:gridCol w="2764105">
+                  <a:extLst>
+                    <a:ext uri="{9D8B030D-6E8A-4147-A177-3AD203B41FA5}">
+                      <a16:colId xmlns:a16="http://schemas.microsoft.com/office/drawing/2014/main" val="20003"/>
+                    </a:ext>
+                  </a:extLst>
+                </a:gridCol>
               </a:tblGrid>
               <a:tr h="644435">
                 <a:tc>
@@ -11696,6 +11898,11 @@
                     </a:lnBlToTr>
                   </a:tcPr>
                 </a:tc>
+                <a:extLst>
+                  <a:ext uri="{0D108BD9-81ED-4DB2-BD59-A6C34878D82A}">
+                    <a16:rowId xmlns:a16="http://schemas.microsoft.com/office/drawing/2014/main" val="10000"/>
+                  </a:ext>
+                </a:extLst>
               </a:tr>
               <a:tr h="1225319">
                 <a:tc>
@@ -11927,6 +12134,11 @@
                     </a:lnBlToTr>
                   </a:tcPr>
                 </a:tc>
+                <a:extLst>
+                  <a:ext uri="{0D108BD9-81ED-4DB2-BD59-A6C34878D82A}">
+                    <a16:rowId xmlns:a16="http://schemas.microsoft.com/office/drawing/2014/main" val="10001"/>
+                  </a:ext>
+                </a:extLst>
               </a:tr>
               <a:tr h="1225319">
                 <a:tc>
@@ -12177,6 +12389,11 @@
                     </a:lnBlToTr>
                   </a:tcPr>
                 </a:tc>
+                <a:extLst>
+                  <a:ext uri="{0D108BD9-81ED-4DB2-BD59-A6C34878D82A}">
+                    <a16:rowId xmlns:a16="http://schemas.microsoft.com/office/drawing/2014/main" val="10002"/>
+                  </a:ext>
+                </a:extLst>
               </a:tr>
               <a:tr h="1225319">
                 <a:tc>
@@ -12427,6 +12644,11 @@
                     </a:lnBlToTr>
                   </a:tcPr>
                 </a:tc>
+                <a:extLst>
+                  <a:ext uri="{0D108BD9-81ED-4DB2-BD59-A6C34878D82A}">
+                    <a16:rowId xmlns:a16="http://schemas.microsoft.com/office/drawing/2014/main" val="10003"/>
+                  </a:ext>
+                </a:extLst>
               </a:tr>
             </a:tbl>
           </a:graphicData>
@@ -14075,6 +14297,2868 @@
 </p:sldLayout>
 </file>
 
+<file path=ppt/slideLayouts/slideLayout60.xml><?xml version="1.0" encoding="utf-8"?>
+<p:sldLayout xmlns:a="http://schemas.openxmlformats.org/drawingml/2006/main" xmlns:r="http://schemas.openxmlformats.org/officeDocument/2006/relationships" xmlns:p="http://schemas.openxmlformats.org/presentationml/2006/main" type="title" preserve="1">
+  <p:cSld name="Title Slide">
+    <p:spTree>
+      <p:nvGrpSpPr>
+        <p:cNvPr id="1" name=""/>
+        <p:cNvGrpSpPr/>
+        <p:nvPr/>
+      </p:nvGrpSpPr>
+      <p:grpSpPr>
+        <a:xfrm>
+          <a:off x="0" y="0"/>
+          <a:ext cx="0" cy="0"/>
+          <a:chOff x="0" y="0"/>
+          <a:chExt cx="0" cy="0"/>
+        </a:xfrm>
+      </p:grpSpPr>
+      <p:sp>
+        <p:nvSpPr>
+          <p:cNvPr id="2" name="Title 1"/>
+          <p:cNvSpPr>
+            <a:spLocks noGrp="1"/>
+          </p:cNvSpPr>
+          <p:nvPr>
+            <p:ph type="ctrTitle"/>
+          </p:nvPr>
+        </p:nvSpPr>
+        <p:spPr>
+          <a:xfrm>
+            <a:off x="606175" y="1122363"/>
+            <a:ext cx="11034445" cy="2387600"/>
+          </a:xfrm>
+        </p:spPr>
+        <p:txBody>
+          <a:bodyPr anchor="b"/>
+          <a:lstStyle>
+            <a:lvl1pPr algn="l">
+              <a:defRPr sz="6000"/>
+            </a:lvl1pPr>
+          </a:lstStyle>
+          <a:p>
+            <a:r>
+              <a:rPr lang="en-US" dirty="0" smtClean="0"/>
+              <a:t>Click to edit Master title style</a:t>
+            </a:r>
+            <a:endParaRPr lang="en-US" dirty="0"/>
+          </a:p>
+        </p:txBody>
+      </p:sp>
+      <p:sp>
+        <p:nvSpPr>
+          <p:cNvPr id="3" name="Subtitle 2"/>
+          <p:cNvSpPr>
+            <a:spLocks noGrp="1"/>
+          </p:cNvSpPr>
+          <p:nvPr>
+            <p:ph type="subTitle" idx="1"/>
+          </p:nvPr>
+        </p:nvSpPr>
+        <p:spPr>
+          <a:xfrm>
+            <a:off x="606175" y="3602038"/>
+            <a:ext cx="11034445" cy="1655762"/>
+          </a:xfrm>
+        </p:spPr>
+        <p:txBody>
+          <a:bodyPr>
+            <a:normAutofit/>
+          </a:bodyPr>
+          <a:lstStyle>
+            <a:lvl1pPr marL="0" indent="0" algn="l">
+              <a:buNone/>
+              <a:defRPr sz="3600"/>
+            </a:lvl1pPr>
+            <a:lvl2pPr marL="457200" indent="0" algn="ctr">
+              <a:buNone/>
+              <a:defRPr sz="2000"/>
+            </a:lvl2pPr>
+            <a:lvl3pPr marL="914400" indent="0" algn="ctr">
+              <a:buNone/>
+              <a:defRPr sz="1800"/>
+            </a:lvl3pPr>
+            <a:lvl4pPr marL="1371600" indent="0" algn="ctr">
+              <a:buNone/>
+              <a:defRPr sz="1600"/>
+            </a:lvl4pPr>
+            <a:lvl5pPr marL="1828800" indent="0" algn="ctr">
+              <a:buNone/>
+              <a:defRPr sz="1600"/>
+            </a:lvl5pPr>
+            <a:lvl6pPr marL="2286000" indent="0" algn="ctr">
+              <a:buNone/>
+              <a:defRPr sz="1600"/>
+            </a:lvl6pPr>
+            <a:lvl7pPr marL="2743200" indent="0" algn="ctr">
+              <a:buNone/>
+              <a:defRPr sz="1600"/>
+            </a:lvl7pPr>
+            <a:lvl8pPr marL="3200400" indent="0" algn="ctr">
+              <a:buNone/>
+              <a:defRPr sz="1600"/>
+            </a:lvl8pPr>
+            <a:lvl9pPr marL="3657600" indent="0" algn="ctr">
+              <a:buNone/>
+              <a:defRPr sz="1600"/>
+            </a:lvl9pPr>
+          </a:lstStyle>
+          <a:p>
+            <a:r>
+              <a:rPr lang="en-US" dirty="0" smtClean="0"/>
+              <a:t>Click to edit Master subtitle style</a:t>
+            </a:r>
+            <a:endParaRPr lang="en-US" dirty="0"/>
+          </a:p>
+        </p:txBody>
+      </p:sp>
+    </p:spTree>
+    <p:extLst>
+      <p:ext uri="{BB962C8B-B14F-4D97-AF65-F5344CB8AC3E}">
+        <p14:creationId xmlns:p14="http://schemas.microsoft.com/office/powerpoint/2010/main" val="3727639739"/>
+      </p:ext>
+    </p:extLst>
+  </p:cSld>
+  <p:clrMapOvr>
+    <a:masterClrMapping/>
+  </p:clrMapOvr>
+  <p:timing>
+    <p:tnLst>
+      <p:par>
+        <p:cTn id="1" dur="indefinite" restart="never" nodeType="tmRoot"/>
+      </p:par>
+    </p:tnLst>
+  </p:timing>
+</p:sldLayout>
+</file>
+
+<file path=ppt/slideLayouts/slideLayout61.xml><?xml version="1.0" encoding="utf-8"?>
+<p:sldLayout xmlns:a="http://schemas.openxmlformats.org/drawingml/2006/main" xmlns:r="http://schemas.openxmlformats.org/officeDocument/2006/relationships" xmlns:p="http://schemas.openxmlformats.org/presentationml/2006/main" type="obj" preserve="1">
+  <p:cSld name="Title and Content">
+    <p:spTree>
+      <p:nvGrpSpPr>
+        <p:cNvPr id="1" name=""/>
+        <p:cNvGrpSpPr/>
+        <p:nvPr/>
+      </p:nvGrpSpPr>
+      <p:grpSpPr>
+        <a:xfrm>
+          <a:off x="0" y="0"/>
+          <a:ext cx="0" cy="0"/>
+          <a:chOff x="0" y="0"/>
+          <a:chExt cx="0" cy="0"/>
+        </a:xfrm>
+      </p:grpSpPr>
+      <p:sp>
+        <p:nvSpPr>
+          <p:cNvPr id="2" name="Title 1"/>
+          <p:cNvSpPr>
+            <a:spLocks noGrp="1"/>
+          </p:cNvSpPr>
+          <p:nvPr>
+            <p:ph type="title"/>
+          </p:nvPr>
+        </p:nvSpPr>
+        <p:spPr/>
+        <p:txBody>
+          <a:bodyPr/>
+          <a:lstStyle/>
+          <a:p>
+            <a:r>
+              <a:rPr lang="en-US" smtClean="0"/>
+              <a:t>Click to edit Master title style</a:t>
+            </a:r>
+            <a:endParaRPr lang="en-US"/>
+          </a:p>
+        </p:txBody>
+      </p:sp>
+      <p:sp>
+        <p:nvSpPr>
+          <p:cNvPr id="3" name="Content Placeholder 2"/>
+          <p:cNvSpPr>
+            <a:spLocks noGrp="1"/>
+          </p:cNvSpPr>
+          <p:nvPr>
+            <p:ph idx="1"/>
+          </p:nvPr>
+        </p:nvSpPr>
+        <p:spPr/>
+        <p:txBody>
+          <a:bodyPr/>
+          <a:lstStyle/>
+          <a:p>
+            <a:pPr lvl="0"/>
+            <a:r>
+              <a:rPr lang="en-US" smtClean="0"/>
+              <a:t>Click to edit Master text styles</a:t>
+            </a:r>
+          </a:p>
+          <a:p>
+            <a:pPr lvl="1"/>
+            <a:r>
+              <a:rPr lang="en-US" smtClean="0"/>
+              <a:t>Second level</a:t>
+            </a:r>
+          </a:p>
+          <a:p>
+            <a:pPr lvl="2"/>
+            <a:r>
+              <a:rPr lang="en-US" smtClean="0"/>
+              <a:t>Third level</a:t>
+            </a:r>
+          </a:p>
+          <a:p>
+            <a:pPr lvl="3"/>
+            <a:r>
+              <a:rPr lang="en-US" smtClean="0"/>
+              <a:t>Fourth level</a:t>
+            </a:r>
+          </a:p>
+          <a:p>
+            <a:pPr lvl="4"/>
+            <a:r>
+              <a:rPr lang="en-US" smtClean="0"/>
+              <a:t>Fifth level</a:t>
+            </a:r>
+            <a:endParaRPr lang="en-US"/>
+          </a:p>
+        </p:txBody>
+      </p:sp>
+      <p:sp>
+        <p:nvSpPr>
+          <p:cNvPr id="6" name="Slide Number Placeholder 5"/>
+          <p:cNvSpPr>
+            <a:spLocks noGrp="1"/>
+          </p:cNvSpPr>
+          <p:nvPr>
+            <p:ph type="sldNum" sz="quarter" idx="12"/>
+          </p:nvPr>
+        </p:nvSpPr>
+        <p:spPr>
+          <a:xfrm>
+            <a:off x="8897420" y="6256216"/>
+            <a:ext cx="2743200" cy="365125"/>
+          </a:xfrm>
+          <a:prstGeom prst="rect">
+            <a:avLst/>
+          </a:prstGeom>
+        </p:spPr>
+        <p:txBody>
+          <a:bodyPr/>
+          <a:lstStyle/>
+          <a:p>
+            <a:pPr marL="0" marR="0" lvl="0" indent="0" algn="r" defTabSz="914400" rtl="0" eaLnBrk="1" fontAlgn="auto" latinLnBrk="0" hangingPunct="1">
+              <a:lnSpc>
+                <a:spcPct val="100000"/>
+              </a:lnSpc>
+              <a:spcBef>
+                <a:spcPts val="0"/>
+              </a:spcBef>
+              <a:spcAft>
+                <a:spcPts val="0"/>
+              </a:spcAft>
+              <a:buClrTx/>
+              <a:buSzTx/>
+              <a:buFontTx/>
+              <a:buNone/>
+              <a:tabLst/>
+              <a:defRPr/>
+            </a:pPr>
+            <a:fld id="{0A164282-434E-41D4-9582-783D542A7B68}" type="slidenum">
+              <a:rPr kumimoji="0" lang="en-US" sz="2000" b="0" i="0" u="none" strike="noStrike" kern="1200" cap="none" spc="0" normalizeH="0" baseline="0" noProof="0" smtClean="0">
+                <a:ln>
+                  <a:noFill/>
+                </a:ln>
+                <a:solidFill>
+                  <a:srgbClr val="289FD7"/>
+                </a:solidFill>
+                <a:effectLst/>
+                <a:uLnTx/>
+                <a:uFillTx/>
+                <a:latin typeface="Segoe UI Light"/>
+                <a:ea typeface="+mn-ea"/>
+                <a:cs typeface="+mn-cs"/>
+              </a:rPr>
+              <a:pPr marL="0" marR="0" lvl="0" indent="0" algn="r" defTabSz="914400" rtl="0" eaLnBrk="1" fontAlgn="auto" latinLnBrk="0" hangingPunct="1">
+                <a:lnSpc>
+                  <a:spcPct val="100000"/>
+                </a:lnSpc>
+                <a:spcBef>
+                  <a:spcPts val="0"/>
+                </a:spcBef>
+                <a:spcAft>
+                  <a:spcPts val="0"/>
+                </a:spcAft>
+                <a:buClrTx/>
+                <a:buSzTx/>
+                <a:buFontTx/>
+                <a:buNone/>
+                <a:tabLst/>
+                <a:defRPr/>
+              </a:pPr>
+              <a:t>‹#›</a:t>
+            </a:fld>
+            <a:endParaRPr kumimoji="0" lang="en-US" sz="2000" b="0" i="0" u="none" strike="noStrike" kern="1200" cap="none" spc="0" normalizeH="0" baseline="0" noProof="0">
+              <a:ln>
+                <a:noFill/>
+              </a:ln>
+              <a:solidFill>
+                <a:srgbClr val="289FD7"/>
+              </a:solidFill>
+              <a:effectLst/>
+              <a:uLnTx/>
+              <a:uFillTx/>
+              <a:latin typeface="Segoe UI Light"/>
+              <a:ea typeface="+mn-ea"/>
+              <a:cs typeface="+mn-cs"/>
+            </a:endParaRPr>
+          </a:p>
+        </p:txBody>
+      </p:sp>
+    </p:spTree>
+    <p:extLst>
+      <p:ext uri="{BB962C8B-B14F-4D97-AF65-F5344CB8AC3E}">
+        <p14:creationId xmlns:p14="http://schemas.microsoft.com/office/powerpoint/2010/main" val="3293491965"/>
+      </p:ext>
+    </p:extLst>
+  </p:cSld>
+  <p:clrMapOvr>
+    <a:masterClrMapping/>
+  </p:clrMapOvr>
+  <p:timing>
+    <p:tnLst>
+      <p:par>
+        <p:cTn id="1" dur="indefinite" restart="never" nodeType="tmRoot"/>
+      </p:par>
+    </p:tnLst>
+  </p:timing>
+</p:sldLayout>
+</file>
+
+<file path=ppt/slideLayouts/slideLayout62.xml><?xml version="1.0" encoding="utf-8"?>
+<p:sldLayout xmlns:a="http://schemas.openxmlformats.org/drawingml/2006/main" xmlns:r="http://schemas.openxmlformats.org/officeDocument/2006/relationships" xmlns:p="http://schemas.openxmlformats.org/presentationml/2006/main" preserve="1" userDrawn="1">
+  <p:cSld name="1_Title and Content">
+    <p:spTree>
+      <p:nvGrpSpPr>
+        <p:cNvPr id="1" name=""/>
+        <p:cNvGrpSpPr/>
+        <p:nvPr/>
+      </p:nvGrpSpPr>
+      <p:grpSpPr>
+        <a:xfrm>
+          <a:off x="0" y="0"/>
+          <a:ext cx="0" cy="0"/>
+          <a:chOff x="0" y="0"/>
+          <a:chExt cx="0" cy="0"/>
+        </a:xfrm>
+      </p:grpSpPr>
+      <p:sp>
+        <p:nvSpPr>
+          <p:cNvPr id="2" name="Title 1"/>
+          <p:cNvSpPr>
+            <a:spLocks noGrp="1"/>
+          </p:cNvSpPr>
+          <p:nvPr>
+            <p:ph type="title"/>
+          </p:nvPr>
+        </p:nvSpPr>
+        <p:spPr/>
+        <p:txBody>
+          <a:bodyPr/>
+          <a:lstStyle/>
+          <a:p>
+            <a:r>
+              <a:rPr lang="en-US" smtClean="0"/>
+              <a:t>Click to edit Master title style</a:t>
+            </a:r>
+            <a:endParaRPr lang="en-US"/>
+          </a:p>
+        </p:txBody>
+      </p:sp>
+      <p:sp>
+        <p:nvSpPr>
+          <p:cNvPr id="3" name="Content Placeholder 2"/>
+          <p:cNvSpPr>
+            <a:spLocks noGrp="1"/>
+          </p:cNvSpPr>
+          <p:nvPr>
+            <p:ph idx="1"/>
+          </p:nvPr>
+        </p:nvSpPr>
+        <p:spPr>
+          <a:xfrm>
+            <a:off x="560798" y="2111604"/>
+            <a:ext cx="11079822" cy="3980971"/>
+          </a:xfrm>
+        </p:spPr>
+        <p:txBody>
+          <a:bodyPr/>
+          <a:lstStyle/>
+          <a:p>
+            <a:pPr lvl="0"/>
+            <a:r>
+              <a:rPr lang="en-US" smtClean="0"/>
+              <a:t>Click to edit Master text styles</a:t>
+            </a:r>
+          </a:p>
+          <a:p>
+            <a:pPr lvl="1"/>
+            <a:r>
+              <a:rPr lang="en-US" smtClean="0"/>
+              <a:t>Second level</a:t>
+            </a:r>
+          </a:p>
+          <a:p>
+            <a:pPr lvl="2"/>
+            <a:r>
+              <a:rPr lang="en-US" smtClean="0"/>
+              <a:t>Third level</a:t>
+            </a:r>
+          </a:p>
+          <a:p>
+            <a:pPr lvl="3"/>
+            <a:r>
+              <a:rPr lang="en-US" smtClean="0"/>
+              <a:t>Fourth level</a:t>
+            </a:r>
+          </a:p>
+          <a:p>
+            <a:pPr lvl="4"/>
+            <a:r>
+              <a:rPr lang="en-US" smtClean="0"/>
+              <a:t>Fifth level</a:t>
+            </a:r>
+            <a:endParaRPr lang="en-US"/>
+          </a:p>
+        </p:txBody>
+      </p:sp>
+      <p:sp>
+        <p:nvSpPr>
+          <p:cNvPr id="6" name="Slide Number Placeholder 5"/>
+          <p:cNvSpPr>
+            <a:spLocks noGrp="1"/>
+          </p:cNvSpPr>
+          <p:nvPr>
+            <p:ph type="sldNum" sz="quarter" idx="12"/>
+          </p:nvPr>
+        </p:nvSpPr>
+        <p:spPr>
+          <a:xfrm>
+            <a:off x="8897420" y="6256216"/>
+            <a:ext cx="2743200" cy="365125"/>
+          </a:xfrm>
+          <a:prstGeom prst="rect">
+            <a:avLst/>
+          </a:prstGeom>
+        </p:spPr>
+        <p:txBody>
+          <a:bodyPr/>
+          <a:lstStyle/>
+          <a:p>
+            <a:pPr marL="0" marR="0" lvl="0" indent="0" algn="r" defTabSz="914400" rtl="0" eaLnBrk="1" fontAlgn="auto" latinLnBrk="0" hangingPunct="1">
+              <a:lnSpc>
+                <a:spcPct val="100000"/>
+              </a:lnSpc>
+              <a:spcBef>
+                <a:spcPts val="0"/>
+              </a:spcBef>
+              <a:spcAft>
+                <a:spcPts val="0"/>
+              </a:spcAft>
+              <a:buClrTx/>
+              <a:buSzTx/>
+              <a:buFontTx/>
+              <a:buNone/>
+              <a:tabLst/>
+              <a:defRPr/>
+            </a:pPr>
+            <a:fld id="{0A164282-434E-41D4-9582-783D542A7B68}" type="slidenum">
+              <a:rPr kumimoji="0" lang="en-US" sz="2000" b="0" i="0" u="none" strike="noStrike" kern="1200" cap="none" spc="0" normalizeH="0" baseline="0" noProof="0" smtClean="0">
+                <a:ln>
+                  <a:noFill/>
+                </a:ln>
+                <a:solidFill>
+                  <a:srgbClr val="289FD7"/>
+                </a:solidFill>
+                <a:effectLst/>
+                <a:uLnTx/>
+                <a:uFillTx/>
+                <a:latin typeface="Segoe UI Light"/>
+                <a:ea typeface="+mn-ea"/>
+                <a:cs typeface="+mn-cs"/>
+              </a:rPr>
+              <a:pPr marL="0" marR="0" lvl="0" indent="0" algn="r" defTabSz="914400" rtl="0" eaLnBrk="1" fontAlgn="auto" latinLnBrk="0" hangingPunct="1">
+                <a:lnSpc>
+                  <a:spcPct val="100000"/>
+                </a:lnSpc>
+                <a:spcBef>
+                  <a:spcPts val="0"/>
+                </a:spcBef>
+                <a:spcAft>
+                  <a:spcPts val="0"/>
+                </a:spcAft>
+                <a:buClrTx/>
+                <a:buSzTx/>
+                <a:buFontTx/>
+                <a:buNone/>
+                <a:tabLst/>
+                <a:defRPr/>
+              </a:pPr>
+              <a:t>‹#›</a:t>
+            </a:fld>
+            <a:endParaRPr kumimoji="0" lang="en-US" sz="2000" b="0" i="0" u="none" strike="noStrike" kern="1200" cap="none" spc="0" normalizeH="0" baseline="0" noProof="0">
+              <a:ln>
+                <a:noFill/>
+              </a:ln>
+              <a:solidFill>
+                <a:srgbClr val="289FD7"/>
+              </a:solidFill>
+              <a:effectLst/>
+              <a:uLnTx/>
+              <a:uFillTx/>
+              <a:latin typeface="Segoe UI Light"/>
+              <a:ea typeface="+mn-ea"/>
+              <a:cs typeface="+mn-cs"/>
+            </a:endParaRPr>
+          </a:p>
+        </p:txBody>
+      </p:sp>
+      <p:sp>
+        <p:nvSpPr>
+          <p:cNvPr id="5" name="Text Placeholder 4"/>
+          <p:cNvSpPr>
+            <a:spLocks noGrp="1"/>
+          </p:cNvSpPr>
+          <p:nvPr>
+            <p:ph type="body" sz="quarter" idx="13" hasCustomPrompt="1"/>
+          </p:nvPr>
+        </p:nvSpPr>
+        <p:spPr>
+          <a:xfrm>
+            <a:off x="560388" y="1534096"/>
+            <a:ext cx="11080750" cy="437594"/>
+          </a:xfrm>
+        </p:spPr>
+        <p:txBody>
+          <a:bodyPr>
+            <a:normAutofit/>
+          </a:bodyPr>
+          <a:lstStyle>
+            <a:lvl1pPr marL="0" indent="0">
+              <a:buFontTx/>
+              <a:buNone/>
+              <a:defRPr sz="2000" cap="all" baseline="0"/>
+            </a:lvl1pPr>
+            <a:lvl5pPr>
+              <a:defRPr/>
+            </a:lvl5pPr>
+          </a:lstStyle>
+          <a:p>
+            <a:pPr lvl="0"/>
+            <a:r>
+              <a:rPr lang="en-US" dirty="0" smtClean="0"/>
+              <a:t>Secondary refining headline</a:t>
+            </a:r>
+            <a:endParaRPr lang="en-US" dirty="0"/>
+          </a:p>
+        </p:txBody>
+      </p:sp>
+    </p:spTree>
+    <p:extLst>
+      <p:ext uri="{BB962C8B-B14F-4D97-AF65-F5344CB8AC3E}">
+        <p14:creationId xmlns:p14="http://schemas.microsoft.com/office/powerpoint/2010/main" val="3102460366"/>
+      </p:ext>
+    </p:extLst>
+  </p:cSld>
+  <p:clrMapOvr>
+    <a:masterClrMapping/>
+  </p:clrMapOvr>
+  <p:timing>
+    <p:tnLst>
+      <p:par>
+        <p:cTn id="1" dur="indefinite" restart="never" nodeType="tmRoot"/>
+      </p:par>
+    </p:tnLst>
+  </p:timing>
+</p:sldLayout>
+</file>
+
+<file path=ppt/slideLayouts/slideLayout63.xml><?xml version="1.0" encoding="utf-8"?>
+<p:sldLayout xmlns:a="http://schemas.openxmlformats.org/drawingml/2006/main" xmlns:r="http://schemas.openxmlformats.org/officeDocument/2006/relationships" xmlns:p="http://schemas.openxmlformats.org/presentationml/2006/main" type="titleOnly" preserve="1">
+  <p:cSld name="Title Only">
+    <p:spTree>
+      <p:nvGrpSpPr>
+        <p:cNvPr id="1" name=""/>
+        <p:cNvGrpSpPr/>
+        <p:nvPr/>
+      </p:nvGrpSpPr>
+      <p:grpSpPr>
+        <a:xfrm>
+          <a:off x="0" y="0"/>
+          <a:ext cx="0" cy="0"/>
+          <a:chOff x="0" y="0"/>
+          <a:chExt cx="0" cy="0"/>
+        </a:xfrm>
+      </p:grpSpPr>
+      <p:sp>
+        <p:nvSpPr>
+          <p:cNvPr id="2" name="Title 1"/>
+          <p:cNvSpPr>
+            <a:spLocks noGrp="1"/>
+          </p:cNvSpPr>
+          <p:nvPr>
+            <p:ph type="title"/>
+          </p:nvPr>
+        </p:nvSpPr>
+        <p:spPr/>
+        <p:txBody>
+          <a:bodyPr/>
+          <a:lstStyle/>
+          <a:p>
+            <a:r>
+              <a:rPr lang="en-US" smtClean="0"/>
+              <a:t>Click to edit Master title style</a:t>
+            </a:r>
+            <a:endParaRPr lang="en-US"/>
+          </a:p>
+        </p:txBody>
+      </p:sp>
+      <p:sp>
+        <p:nvSpPr>
+          <p:cNvPr id="5" name="Slide Number Placeholder 4"/>
+          <p:cNvSpPr>
+            <a:spLocks noGrp="1"/>
+          </p:cNvSpPr>
+          <p:nvPr>
+            <p:ph type="sldNum" sz="quarter" idx="12"/>
+          </p:nvPr>
+        </p:nvSpPr>
+        <p:spPr>
+          <a:xfrm>
+            <a:off x="8897420" y="6256216"/>
+            <a:ext cx="2743200" cy="365125"/>
+          </a:xfrm>
+          <a:prstGeom prst="rect">
+            <a:avLst/>
+          </a:prstGeom>
+        </p:spPr>
+        <p:txBody>
+          <a:bodyPr/>
+          <a:lstStyle/>
+          <a:p>
+            <a:pPr marL="0" marR="0" lvl="0" indent="0" algn="r" defTabSz="914400" rtl="0" eaLnBrk="1" fontAlgn="auto" latinLnBrk="0" hangingPunct="1">
+              <a:lnSpc>
+                <a:spcPct val="100000"/>
+              </a:lnSpc>
+              <a:spcBef>
+                <a:spcPts val="0"/>
+              </a:spcBef>
+              <a:spcAft>
+                <a:spcPts val="0"/>
+              </a:spcAft>
+              <a:buClrTx/>
+              <a:buSzTx/>
+              <a:buFontTx/>
+              <a:buNone/>
+              <a:tabLst/>
+              <a:defRPr/>
+            </a:pPr>
+            <a:fld id="{0A164282-434E-41D4-9582-783D542A7B68}" type="slidenum">
+              <a:rPr kumimoji="0" lang="en-US" sz="2000" b="0" i="0" u="none" strike="noStrike" kern="1200" cap="none" spc="0" normalizeH="0" baseline="0" noProof="0" smtClean="0">
+                <a:ln>
+                  <a:noFill/>
+                </a:ln>
+                <a:solidFill>
+                  <a:srgbClr val="289FD7"/>
+                </a:solidFill>
+                <a:effectLst/>
+                <a:uLnTx/>
+                <a:uFillTx/>
+                <a:latin typeface="Segoe UI Light"/>
+                <a:ea typeface="+mn-ea"/>
+                <a:cs typeface="+mn-cs"/>
+              </a:rPr>
+              <a:pPr marL="0" marR="0" lvl="0" indent="0" algn="r" defTabSz="914400" rtl="0" eaLnBrk="1" fontAlgn="auto" latinLnBrk="0" hangingPunct="1">
+                <a:lnSpc>
+                  <a:spcPct val="100000"/>
+                </a:lnSpc>
+                <a:spcBef>
+                  <a:spcPts val="0"/>
+                </a:spcBef>
+                <a:spcAft>
+                  <a:spcPts val="0"/>
+                </a:spcAft>
+                <a:buClrTx/>
+                <a:buSzTx/>
+                <a:buFontTx/>
+                <a:buNone/>
+                <a:tabLst/>
+                <a:defRPr/>
+              </a:pPr>
+              <a:t>‹#›</a:t>
+            </a:fld>
+            <a:endParaRPr kumimoji="0" lang="en-US" sz="2000" b="0" i="0" u="none" strike="noStrike" kern="1200" cap="none" spc="0" normalizeH="0" baseline="0" noProof="0">
+              <a:ln>
+                <a:noFill/>
+              </a:ln>
+              <a:solidFill>
+                <a:srgbClr val="289FD7"/>
+              </a:solidFill>
+              <a:effectLst/>
+              <a:uLnTx/>
+              <a:uFillTx/>
+              <a:latin typeface="Segoe UI Light"/>
+              <a:ea typeface="+mn-ea"/>
+              <a:cs typeface="+mn-cs"/>
+            </a:endParaRPr>
+          </a:p>
+        </p:txBody>
+      </p:sp>
+    </p:spTree>
+    <p:extLst>
+      <p:ext uri="{BB962C8B-B14F-4D97-AF65-F5344CB8AC3E}">
+        <p14:creationId xmlns:p14="http://schemas.microsoft.com/office/powerpoint/2010/main" val="766185799"/>
+      </p:ext>
+    </p:extLst>
+  </p:cSld>
+  <p:clrMapOvr>
+    <a:masterClrMapping/>
+  </p:clrMapOvr>
+  <p:timing>
+    <p:tnLst>
+      <p:par>
+        <p:cTn id="1" dur="indefinite" restart="never" nodeType="tmRoot"/>
+      </p:par>
+    </p:tnLst>
+  </p:timing>
+</p:sldLayout>
+</file>
+
+<file path=ppt/slideLayouts/slideLayout64.xml><?xml version="1.0" encoding="utf-8"?>
+<p:sldLayout xmlns:a="http://schemas.openxmlformats.org/drawingml/2006/main" xmlns:r="http://schemas.openxmlformats.org/officeDocument/2006/relationships" xmlns:p="http://schemas.openxmlformats.org/presentationml/2006/main" preserve="1" userDrawn="1">
+  <p:cSld name="1_Title Only">
+    <p:spTree>
+      <p:nvGrpSpPr>
+        <p:cNvPr id="1" name=""/>
+        <p:cNvGrpSpPr/>
+        <p:nvPr/>
+      </p:nvGrpSpPr>
+      <p:grpSpPr>
+        <a:xfrm>
+          <a:off x="0" y="0"/>
+          <a:ext cx="0" cy="0"/>
+          <a:chOff x="0" y="0"/>
+          <a:chExt cx="0" cy="0"/>
+        </a:xfrm>
+      </p:grpSpPr>
+      <p:sp>
+        <p:nvSpPr>
+          <p:cNvPr id="2" name="Title 1"/>
+          <p:cNvSpPr>
+            <a:spLocks noGrp="1"/>
+          </p:cNvSpPr>
+          <p:nvPr>
+            <p:ph type="title"/>
+          </p:nvPr>
+        </p:nvSpPr>
+        <p:spPr>
+          <a:xfrm>
+            <a:off x="560798" y="416497"/>
+            <a:ext cx="11079822" cy="922110"/>
+          </a:xfrm>
+        </p:spPr>
+        <p:txBody>
+          <a:bodyPr>
+            <a:normAutofit/>
+          </a:bodyPr>
+          <a:lstStyle>
+            <a:lvl1pPr>
+              <a:defRPr sz="4400"/>
+            </a:lvl1pPr>
+          </a:lstStyle>
+          <a:p>
+            <a:r>
+              <a:rPr lang="en-US" smtClean="0"/>
+              <a:t>Click to edit Master title style</a:t>
+            </a:r>
+            <a:endParaRPr lang="en-US"/>
+          </a:p>
+        </p:txBody>
+      </p:sp>
+      <p:sp>
+        <p:nvSpPr>
+          <p:cNvPr id="5" name="Slide Number Placeholder 4"/>
+          <p:cNvSpPr>
+            <a:spLocks noGrp="1"/>
+          </p:cNvSpPr>
+          <p:nvPr>
+            <p:ph type="sldNum" sz="quarter" idx="12"/>
+          </p:nvPr>
+        </p:nvSpPr>
+        <p:spPr>
+          <a:xfrm>
+            <a:off x="8897420" y="6256216"/>
+            <a:ext cx="2743200" cy="365125"/>
+          </a:xfrm>
+          <a:prstGeom prst="rect">
+            <a:avLst/>
+          </a:prstGeom>
+        </p:spPr>
+        <p:txBody>
+          <a:bodyPr/>
+          <a:lstStyle/>
+          <a:p>
+            <a:pPr marL="0" marR="0" lvl="0" indent="0" algn="r" defTabSz="914400" rtl="0" eaLnBrk="1" fontAlgn="auto" latinLnBrk="0" hangingPunct="1">
+              <a:lnSpc>
+                <a:spcPct val="100000"/>
+              </a:lnSpc>
+              <a:spcBef>
+                <a:spcPts val="0"/>
+              </a:spcBef>
+              <a:spcAft>
+                <a:spcPts val="0"/>
+              </a:spcAft>
+              <a:buClrTx/>
+              <a:buSzTx/>
+              <a:buFontTx/>
+              <a:buNone/>
+              <a:tabLst/>
+              <a:defRPr/>
+            </a:pPr>
+            <a:fld id="{0A164282-434E-41D4-9582-783D542A7B68}" type="slidenum">
+              <a:rPr kumimoji="0" lang="en-US" sz="2000" b="0" i="0" u="none" strike="noStrike" kern="1200" cap="none" spc="0" normalizeH="0" baseline="0" noProof="0" smtClean="0">
+                <a:ln>
+                  <a:noFill/>
+                </a:ln>
+                <a:solidFill>
+                  <a:srgbClr val="289FD7"/>
+                </a:solidFill>
+                <a:effectLst/>
+                <a:uLnTx/>
+                <a:uFillTx/>
+                <a:latin typeface="Segoe UI Light"/>
+                <a:ea typeface="+mn-ea"/>
+                <a:cs typeface="+mn-cs"/>
+              </a:rPr>
+              <a:pPr marL="0" marR="0" lvl="0" indent="0" algn="r" defTabSz="914400" rtl="0" eaLnBrk="1" fontAlgn="auto" latinLnBrk="0" hangingPunct="1">
+                <a:lnSpc>
+                  <a:spcPct val="100000"/>
+                </a:lnSpc>
+                <a:spcBef>
+                  <a:spcPts val="0"/>
+                </a:spcBef>
+                <a:spcAft>
+                  <a:spcPts val="0"/>
+                </a:spcAft>
+                <a:buClrTx/>
+                <a:buSzTx/>
+                <a:buFontTx/>
+                <a:buNone/>
+                <a:tabLst/>
+                <a:defRPr/>
+              </a:pPr>
+              <a:t>‹#›</a:t>
+            </a:fld>
+            <a:endParaRPr kumimoji="0" lang="en-US" sz="2000" b="0" i="0" u="none" strike="noStrike" kern="1200" cap="none" spc="0" normalizeH="0" baseline="0" noProof="0">
+              <a:ln>
+                <a:noFill/>
+              </a:ln>
+              <a:solidFill>
+                <a:srgbClr val="289FD7"/>
+              </a:solidFill>
+              <a:effectLst/>
+              <a:uLnTx/>
+              <a:uFillTx/>
+              <a:latin typeface="Segoe UI Light"/>
+              <a:ea typeface="+mn-ea"/>
+              <a:cs typeface="+mn-cs"/>
+            </a:endParaRPr>
+          </a:p>
+        </p:txBody>
+      </p:sp>
+      <p:graphicFrame>
+        <p:nvGraphicFramePr>
+          <p:cNvPr id="6" name="Table 5"/>
+          <p:cNvGraphicFramePr>
+            <a:graphicFrameLocks noGrp="1"/>
+          </p:cNvGraphicFramePr>
+          <p:nvPr userDrawn="1">
+            <p:extLst/>
+          </p:nvPr>
+        </p:nvGraphicFramePr>
+        <p:xfrm>
+          <a:off x="584200" y="1476596"/>
+          <a:ext cx="11056420" cy="4320392"/>
+        </p:xfrm>
+        <a:graphic>
+          <a:graphicData uri="http://schemas.openxmlformats.org/drawingml/2006/table">
+            <a:tbl>
+              <a:tblPr firstRow="1" bandRow="1">
+                <a:tableStyleId>{5C22544A-7EE6-4342-B048-85BDC9FD1C3A}</a:tableStyleId>
+              </a:tblPr>
+              <a:tblGrid>
+                <a:gridCol w="2764105">
+                  <a:extLst>
+                    <a:ext uri="{9D8B030D-6E8A-4147-A177-3AD203B41FA5}">
+                      <a16:colId xmlns:a16="http://schemas.microsoft.com/office/drawing/2014/main" val="20000"/>
+                    </a:ext>
+                  </a:extLst>
+                </a:gridCol>
+                <a:gridCol w="2764105">
+                  <a:extLst>
+                    <a:ext uri="{9D8B030D-6E8A-4147-A177-3AD203B41FA5}">
+                      <a16:colId xmlns:a16="http://schemas.microsoft.com/office/drawing/2014/main" val="20001"/>
+                    </a:ext>
+                  </a:extLst>
+                </a:gridCol>
+                <a:gridCol w="2764105">
+                  <a:extLst>
+                    <a:ext uri="{9D8B030D-6E8A-4147-A177-3AD203B41FA5}">
+                      <a16:colId xmlns:a16="http://schemas.microsoft.com/office/drawing/2014/main" val="20002"/>
+                    </a:ext>
+                  </a:extLst>
+                </a:gridCol>
+                <a:gridCol w="2764105">
+                  <a:extLst>
+                    <a:ext uri="{9D8B030D-6E8A-4147-A177-3AD203B41FA5}">
+                      <a16:colId xmlns:a16="http://schemas.microsoft.com/office/drawing/2014/main" val="20003"/>
+                    </a:ext>
+                  </a:extLst>
+                </a:gridCol>
+              </a:tblGrid>
+              <a:tr h="644435">
+                <a:tc>
+                  <a:txBody>
+                    <a:bodyPr/>
+                    <a:lstStyle/>
+                    <a:p>
+                      <a:r>
+                        <a:rPr lang="en-US" sz="2000" dirty="0" smtClean="0">
+                          <a:solidFill>
+                            <a:schemeClr val="bg1"/>
+                          </a:solidFill>
+                        </a:rPr>
+                        <a:t>Heading</a:t>
+                      </a:r>
+                      <a:endParaRPr lang="en-US" sz="2000" dirty="0">
+                        <a:solidFill>
+                          <a:schemeClr val="bg1"/>
+                        </a:solidFill>
+                      </a:endParaRPr>
+                    </a:p>
+                  </a:txBody>
+                  <a:tcPr marL="137160" marR="137160" marT="137160" marB="137160" anchor="ctr">
+                    <a:lnL w="12700" cmpd="sng">
+                      <a:noFill/>
+                    </a:lnL>
+                    <a:lnR w="12700" cmpd="sng">
+                      <a:noFill/>
+                    </a:lnR>
+                    <a:lnT w="12700" cmpd="sng">
+                      <a:noFill/>
+                    </a:lnT>
+                    <a:lnB w="38100" cmpd="sng">
+                      <a:noFill/>
+                    </a:lnB>
+                    <a:lnTlToBr w="12700" cmpd="sng">
+                      <a:noFill/>
+                      <a:prstDash val="solid"/>
+                    </a:lnTlToBr>
+                    <a:lnBlToTr w="12700" cmpd="sng">
+                      <a:noFill/>
+                      <a:prstDash val="solid"/>
+                    </a:lnBlToTr>
+                  </a:tcPr>
+                </a:tc>
+                <a:tc>
+                  <a:txBody>
+                    <a:bodyPr/>
+                    <a:lstStyle/>
+                    <a:p>
+                      <a:r>
+                        <a:rPr lang="en-US" sz="2000" dirty="0" smtClean="0">
+                          <a:solidFill>
+                            <a:schemeClr val="bg1"/>
+                          </a:solidFill>
+                        </a:rPr>
+                        <a:t>Heading</a:t>
+                      </a:r>
+                      <a:endParaRPr lang="en-US" sz="2000" dirty="0">
+                        <a:solidFill>
+                          <a:schemeClr val="bg1"/>
+                        </a:solidFill>
+                      </a:endParaRPr>
+                    </a:p>
+                  </a:txBody>
+                  <a:tcPr marL="137160" marR="137160" marT="137160" marB="137160" anchor="ctr">
+                    <a:lnL w="12700" cmpd="sng">
+                      <a:noFill/>
+                    </a:lnL>
+                    <a:lnR w="12700" cmpd="sng">
+                      <a:noFill/>
+                    </a:lnR>
+                    <a:lnT w="12700" cmpd="sng">
+                      <a:noFill/>
+                    </a:lnT>
+                    <a:lnB w="38100" cmpd="sng">
+                      <a:noFill/>
+                    </a:lnB>
+                    <a:lnTlToBr w="12700" cmpd="sng">
+                      <a:noFill/>
+                      <a:prstDash val="solid"/>
+                    </a:lnTlToBr>
+                    <a:lnBlToTr w="12700" cmpd="sng">
+                      <a:noFill/>
+                      <a:prstDash val="solid"/>
+                    </a:lnBlToTr>
+                  </a:tcPr>
+                </a:tc>
+                <a:tc>
+                  <a:txBody>
+                    <a:bodyPr/>
+                    <a:lstStyle/>
+                    <a:p>
+                      <a:r>
+                        <a:rPr lang="en-US" sz="2000" dirty="0" smtClean="0">
+                          <a:solidFill>
+                            <a:schemeClr val="bg1"/>
+                          </a:solidFill>
+                        </a:rPr>
+                        <a:t>Heading</a:t>
+                      </a:r>
+                      <a:endParaRPr lang="en-US" sz="2000" dirty="0">
+                        <a:solidFill>
+                          <a:schemeClr val="bg1"/>
+                        </a:solidFill>
+                      </a:endParaRPr>
+                    </a:p>
+                  </a:txBody>
+                  <a:tcPr marL="137160" marR="137160" marT="137160" marB="137160" anchor="ctr">
+                    <a:lnL w="12700" cmpd="sng">
+                      <a:noFill/>
+                    </a:lnL>
+                    <a:lnR w="12700" cmpd="sng">
+                      <a:noFill/>
+                    </a:lnR>
+                    <a:lnT w="12700" cmpd="sng">
+                      <a:noFill/>
+                    </a:lnT>
+                    <a:lnB w="38100" cmpd="sng">
+                      <a:noFill/>
+                    </a:lnB>
+                    <a:lnTlToBr w="12700" cmpd="sng">
+                      <a:noFill/>
+                      <a:prstDash val="solid"/>
+                    </a:lnTlToBr>
+                    <a:lnBlToTr w="12700" cmpd="sng">
+                      <a:noFill/>
+                      <a:prstDash val="solid"/>
+                    </a:lnBlToTr>
+                  </a:tcPr>
+                </a:tc>
+                <a:tc>
+                  <a:txBody>
+                    <a:bodyPr/>
+                    <a:lstStyle/>
+                    <a:p>
+                      <a:r>
+                        <a:rPr lang="en-US" sz="2000" dirty="0" smtClean="0">
+                          <a:solidFill>
+                            <a:schemeClr val="bg1"/>
+                          </a:solidFill>
+                        </a:rPr>
+                        <a:t>Heading</a:t>
+                      </a:r>
+                      <a:endParaRPr lang="en-US" sz="2000" dirty="0">
+                        <a:solidFill>
+                          <a:schemeClr val="bg1"/>
+                        </a:solidFill>
+                      </a:endParaRPr>
+                    </a:p>
+                  </a:txBody>
+                  <a:tcPr marL="137160" marR="137160" marT="137160" marB="137160" anchor="ctr">
+                    <a:lnL w="12700" cmpd="sng">
+                      <a:noFill/>
+                    </a:lnL>
+                    <a:lnR w="12700" cmpd="sng">
+                      <a:noFill/>
+                    </a:lnR>
+                    <a:lnT w="12700" cmpd="sng">
+                      <a:noFill/>
+                    </a:lnT>
+                    <a:lnB w="38100" cmpd="sng">
+                      <a:noFill/>
+                    </a:lnB>
+                    <a:lnTlToBr w="12700" cmpd="sng">
+                      <a:noFill/>
+                      <a:prstDash val="solid"/>
+                    </a:lnTlToBr>
+                    <a:lnBlToTr w="12700" cmpd="sng">
+                      <a:noFill/>
+                      <a:prstDash val="solid"/>
+                    </a:lnBlToTr>
+                  </a:tcPr>
+                </a:tc>
+                <a:extLst>
+                  <a:ext uri="{0D108BD9-81ED-4DB2-BD59-A6C34878D82A}">
+                    <a16:rowId xmlns:a16="http://schemas.microsoft.com/office/drawing/2014/main" val="10000"/>
+                  </a:ext>
+                </a:extLst>
+              </a:tr>
+              <a:tr h="1225319">
+                <a:tc>
+                  <a:txBody>
+                    <a:bodyPr/>
+                    <a:lstStyle/>
+                    <a:p>
+                      <a:r>
+                        <a:rPr lang="en-US" sz="1600" dirty="0" smtClean="0">
+                          <a:solidFill>
+                            <a:srgbClr val="3C454F"/>
+                          </a:solidFill>
+                        </a:rPr>
+                        <a:t>Content</a:t>
+                      </a:r>
+                      <a:endParaRPr lang="en-US" sz="1600" dirty="0">
+                        <a:solidFill>
+                          <a:srgbClr val="3C454F"/>
+                        </a:solidFill>
+                      </a:endParaRPr>
+                    </a:p>
+                  </a:txBody>
+                  <a:tcPr marL="137160" marR="137160" marT="137160" marB="137160">
+                    <a:lnL w="12700" cmpd="sng">
+                      <a:noFill/>
+                    </a:lnL>
+                    <a:lnR w="12700" cmpd="sng">
+                      <a:noFill/>
+                    </a:lnR>
+                    <a:lnT w="38100" cmpd="sng">
+                      <a:noFill/>
+                    </a:lnT>
+                    <a:lnB w="12700" cmpd="sng">
+                      <a:noFill/>
+                    </a:lnB>
+                    <a:lnTlToBr w="12700" cmpd="sng">
+                      <a:noFill/>
+                      <a:prstDash val="solid"/>
+                    </a:lnTlToBr>
+                    <a:lnBlToTr w="12700" cmpd="sng">
+                      <a:noFill/>
+                      <a:prstDash val="solid"/>
+                    </a:lnBlToTr>
+                  </a:tcPr>
+                </a:tc>
+                <a:tc>
+                  <a:txBody>
+                    <a:bodyPr/>
+                    <a:lstStyle/>
+                    <a:p>
+                      <a:pPr marL="0" marR="0" indent="0" algn="l" defTabSz="914400" rtl="0" eaLnBrk="1" fontAlgn="auto" latinLnBrk="0" hangingPunct="1">
+                        <a:lnSpc>
+                          <a:spcPct val="100000"/>
+                        </a:lnSpc>
+                        <a:spcBef>
+                          <a:spcPts val="0"/>
+                        </a:spcBef>
+                        <a:spcAft>
+                          <a:spcPts val="0"/>
+                        </a:spcAft>
+                        <a:buClrTx/>
+                        <a:buSzTx/>
+                        <a:buFontTx/>
+                        <a:buNone/>
+                        <a:tabLst/>
+                        <a:defRPr/>
+                      </a:pPr>
+                      <a:r>
+                        <a:rPr lang="en-US" sz="1600" dirty="0" smtClean="0">
+                          <a:solidFill>
+                            <a:srgbClr val="3C454F"/>
+                          </a:solidFill>
+                        </a:rPr>
+                        <a:t>Content</a:t>
+                      </a:r>
+                    </a:p>
+                    <a:p>
+                      <a:endParaRPr lang="en-US" sz="1600" dirty="0">
+                        <a:solidFill>
+                          <a:srgbClr val="3C454F"/>
+                        </a:solidFill>
+                      </a:endParaRPr>
+                    </a:p>
+                  </a:txBody>
+                  <a:tcPr marL="137160" marR="137160" marT="137160" marB="137160">
+                    <a:lnL w="12700" cmpd="sng">
+                      <a:noFill/>
+                    </a:lnL>
+                    <a:lnR w="12700" cmpd="sng">
+                      <a:noFill/>
+                    </a:lnR>
+                    <a:lnT w="38100" cmpd="sng">
+                      <a:noFill/>
+                    </a:lnT>
+                    <a:lnB w="12700" cmpd="sng">
+                      <a:noFill/>
+                    </a:lnB>
+                    <a:lnTlToBr w="12700" cmpd="sng">
+                      <a:noFill/>
+                      <a:prstDash val="solid"/>
+                    </a:lnTlToBr>
+                    <a:lnBlToTr w="12700" cmpd="sng">
+                      <a:noFill/>
+                      <a:prstDash val="solid"/>
+                    </a:lnBlToTr>
+                  </a:tcPr>
+                </a:tc>
+                <a:tc>
+                  <a:txBody>
+                    <a:bodyPr/>
+                    <a:lstStyle/>
+                    <a:p>
+                      <a:pPr marL="0" marR="0" indent="0" algn="l" defTabSz="914400" rtl="0" eaLnBrk="1" fontAlgn="auto" latinLnBrk="0" hangingPunct="1">
+                        <a:lnSpc>
+                          <a:spcPct val="100000"/>
+                        </a:lnSpc>
+                        <a:spcBef>
+                          <a:spcPts val="0"/>
+                        </a:spcBef>
+                        <a:spcAft>
+                          <a:spcPts val="0"/>
+                        </a:spcAft>
+                        <a:buClrTx/>
+                        <a:buSzTx/>
+                        <a:buFontTx/>
+                        <a:buNone/>
+                        <a:tabLst/>
+                        <a:defRPr/>
+                      </a:pPr>
+                      <a:r>
+                        <a:rPr lang="en-US" sz="1600" dirty="0" smtClean="0">
+                          <a:solidFill>
+                            <a:srgbClr val="3C454F"/>
+                          </a:solidFill>
+                        </a:rPr>
+                        <a:t>Content</a:t>
+                      </a:r>
+                    </a:p>
+                    <a:p>
+                      <a:endParaRPr lang="en-US" sz="1600" dirty="0">
+                        <a:solidFill>
+                          <a:srgbClr val="3C454F"/>
+                        </a:solidFill>
+                      </a:endParaRPr>
+                    </a:p>
+                  </a:txBody>
+                  <a:tcPr marL="137160" marR="137160" marT="137160" marB="137160">
+                    <a:lnL w="12700" cmpd="sng">
+                      <a:noFill/>
+                    </a:lnL>
+                    <a:lnR w="12700" cmpd="sng">
+                      <a:noFill/>
+                    </a:lnR>
+                    <a:lnT w="38100" cmpd="sng">
+                      <a:noFill/>
+                    </a:lnT>
+                    <a:lnB w="12700" cmpd="sng">
+                      <a:noFill/>
+                    </a:lnB>
+                    <a:lnTlToBr w="12700" cmpd="sng">
+                      <a:noFill/>
+                      <a:prstDash val="solid"/>
+                    </a:lnTlToBr>
+                    <a:lnBlToTr w="12700" cmpd="sng">
+                      <a:noFill/>
+                      <a:prstDash val="solid"/>
+                    </a:lnBlToTr>
+                  </a:tcPr>
+                </a:tc>
+                <a:tc>
+                  <a:txBody>
+                    <a:bodyPr/>
+                    <a:lstStyle/>
+                    <a:p>
+                      <a:pPr marL="0" marR="0" indent="0" algn="l" defTabSz="914400" rtl="0" eaLnBrk="1" fontAlgn="auto" latinLnBrk="0" hangingPunct="1">
+                        <a:lnSpc>
+                          <a:spcPct val="100000"/>
+                        </a:lnSpc>
+                        <a:spcBef>
+                          <a:spcPts val="0"/>
+                        </a:spcBef>
+                        <a:spcAft>
+                          <a:spcPts val="0"/>
+                        </a:spcAft>
+                        <a:buClrTx/>
+                        <a:buSzTx/>
+                        <a:buFontTx/>
+                        <a:buNone/>
+                        <a:tabLst/>
+                        <a:defRPr/>
+                      </a:pPr>
+                      <a:r>
+                        <a:rPr lang="en-US" sz="1600" dirty="0" smtClean="0">
+                          <a:solidFill>
+                            <a:srgbClr val="3C454F"/>
+                          </a:solidFill>
+                        </a:rPr>
+                        <a:t>Content</a:t>
+                      </a:r>
+                    </a:p>
+                    <a:p>
+                      <a:endParaRPr lang="en-US" sz="1600" dirty="0">
+                        <a:solidFill>
+                          <a:srgbClr val="3C454F"/>
+                        </a:solidFill>
+                      </a:endParaRPr>
+                    </a:p>
+                  </a:txBody>
+                  <a:tcPr marL="137160" marR="137160" marT="137160" marB="137160">
+                    <a:lnL w="12700" cmpd="sng">
+                      <a:noFill/>
+                    </a:lnL>
+                    <a:lnR w="12700" cmpd="sng">
+                      <a:noFill/>
+                    </a:lnR>
+                    <a:lnT w="38100" cmpd="sng">
+                      <a:noFill/>
+                    </a:lnT>
+                    <a:lnB w="12700" cmpd="sng">
+                      <a:noFill/>
+                    </a:lnB>
+                    <a:lnTlToBr w="12700" cmpd="sng">
+                      <a:noFill/>
+                      <a:prstDash val="solid"/>
+                    </a:lnTlToBr>
+                    <a:lnBlToTr w="12700" cmpd="sng">
+                      <a:noFill/>
+                      <a:prstDash val="solid"/>
+                    </a:lnBlToTr>
+                  </a:tcPr>
+                </a:tc>
+                <a:extLst>
+                  <a:ext uri="{0D108BD9-81ED-4DB2-BD59-A6C34878D82A}">
+                    <a16:rowId xmlns:a16="http://schemas.microsoft.com/office/drawing/2014/main" val="10001"/>
+                  </a:ext>
+                </a:extLst>
+              </a:tr>
+              <a:tr h="1225319">
+                <a:tc>
+                  <a:txBody>
+                    <a:bodyPr/>
+                    <a:lstStyle/>
+                    <a:p>
+                      <a:pPr marL="0" marR="0" indent="0" algn="l" defTabSz="914400" rtl="0" eaLnBrk="1" fontAlgn="auto" latinLnBrk="0" hangingPunct="1">
+                        <a:lnSpc>
+                          <a:spcPct val="100000"/>
+                        </a:lnSpc>
+                        <a:spcBef>
+                          <a:spcPts val="0"/>
+                        </a:spcBef>
+                        <a:spcAft>
+                          <a:spcPts val="0"/>
+                        </a:spcAft>
+                        <a:buClrTx/>
+                        <a:buSzTx/>
+                        <a:buFontTx/>
+                        <a:buNone/>
+                        <a:tabLst/>
+                        <a:defRPr/>
+                      </a:pPr>
+                      <a:r>
+                        <a:rPr lang="en-US" sz="1600" dirty="0" smtClean="0">
+                          <a:solidFill>
+                            <a:srgbClr val="3C454F"/>
+                          </a:solidFill>
+                        </a:rPr>
+                        <a:t>Content</a:t>
+                      </a:r>
+                    </a:p>
+                    <a:p>
+                      <a:endParaRPr lang="en-US" sz="1600" dirty="0">
+                        <a:solidFill>
+                          <a:srgbClr val="3C454F"/>
+                        </a:solidFill>
+                      </a:endParaRPr>
+                    </a:p>
+                  </a:txBody>
+                  <a:tcPr marL="137160" marR="137160" marT="137160" marB="137160">
+                    <a:lnL w="12700" cmpd="sng">
+                      <a:noFill/>
+                    </a:lnL>
+                    <a:lnR w="12700" cmpd="sng">
+                      <a:noFill/>
+                    </a:lnR>
+                    <a:lnT w="12700" cmpd="sng">
+                      <a:noFill/>
+                    </a:lnT>
+                    <a:lnB w="12700" cmpd="sng">
+                      <a:noFill/>
+                    </a:lnB>
+                    <a:lnTlToBr w="12700" cmpd="sng">
+                      <a:noFill/>
+                      <a:prstDash val="solid"/>
+                    </a:lnTlToBr>
+                    <a:lnBlToTr w="12700" cmpd="sng">
+                      <a:noFill/>
+                      <a:prstDash val="solid"/>
+                    </a:lnBlToTr>
+                  </a:tcPr>
+                </a:tc>
+                <a:tc>
+                  <a:txBody>
+                    <a:bodyPr/>
+                    <a:lstStyle/>
+                    <a:p>
+                      <a:pPr marL="0" marR="0" indent="0" algn="l" defTabSz="914400" rtl="0" eaLnBrk="1" fontAlgn="auto" latinLnBrk="0" hangingPunct="1">
+                        <a:lnSpc>
+                          <a:spcPct val="100000"/>
+                        </a:lnSpc>
+                        <a:spcBef>
+                          <a:spcPts val="0"/>
+                        </a:spcBef>
+                        <a:spcAft>
+                          <a:spcPts val="0"/>
+                        </a:spcAft>
+                        <a:buClrTx/>
+                        <a:buSzTx/>
+                        <a:buFontTx/>
+                        <a:buNone/>
+                        <a:tabLst/>
+                        <a:defRPr/>
+                      </a:pPr>
+                      <a:r>
+                        <a:rPr lang="en-US" sz="1600" dirty="0" smtClean="0">
+                          <a:solidFill>
+                            <a:srgbClr val="3C454F"/>
+                          </a:solidFill>
+                        </a:rPr>
+                        <a:t>Content</a:t>
+                      </a:r>
+                    </a:p>
+                    <a:p>
+                      <a:endParaRPr lang="en-US" sz="1600" dirty="0">
+                        <a:solidFill>
+                          <a:srgbClr val="3C454F"/>
+                        </a:solidFill>
+                      </a:endParaRPr>
+                    </a:p>
+                  </a:txBody>
+                  <a:tcPr marL="137160" marR="137160" marT="137160" marB="137160">
+                    <a:lnL w="12700" cmpd="sng">
+                      <a:noFill/>
+                    </a:lnL>
+                    <a:lnR w="12700" cmpd="sng">
+                      <a:noFill/>
+                    </a:lnR>
+                    <a:lnT w="12700" cmpd="sng">
+                      <a:noFill/>
+                    </a:lnT>
+                    <a:lnB w="12700" cmpd="sng">
+                      <a:noFill/>
+                    </a:lnB>
+                    <a:lnTlToBr w="12700" cmpd="sng">
+                      <a:noFill/>
+                      <a:prstDash val="solid"/>
+                    </a:lnTlToBr>
+                    <a:lnBlToTr w="12700" cmpd="sng">
+                      <a:noFill/>
+                      <a:prstDash val="solid"/>
+                    </a:lnBlToTr>
+                  </a:tcPr>
+                </a:tc>
+                <a:tc>
+                  <a:txBody>
+                    <a:bodyPr/>
+                    <a:lstStyle/>
+                    <a:p>
+                      <a:pPr marL="0" marR="0" indent="0" algn="l" defTabSz="914400" rtl="0" eaLnBrk="1" fontAlgn="auto" latinLnBrk="0" hangingPunct="1">
+                        <a:lnSpc>
+                          <a:spcPct val="100000"/>
+                        </a:lnSpc>
+                        <a:spcBef>
+                          <a:spcPts val="0"/>
+                        </a:spcBef>
+                        <a:spcAft>
+                          <a:spcPts val="0"/>
+                        </a:spcAft>
+                        <a:buClrTx/>
+                        <a:buSzTx/>
+                        <a:buFontTx/>
+                        <a:buNone/>
+                        <a:tabLst/>
+                        <a:defRPr/>
+                      </a:pPr>
+                      <a:r>
+                        <a:rPr lang="en-US" sz="1600" dirty="0" smtClean="0">
+                          <a:solidFill>
+                            <a:srgbClr val="3C454F"/>
+                          </a:solidFill>
+                        </a:rPr>
+                        <a:t>Content</a:t>
+                      </a:r>
+                    </a:p>
+                    <a:p>
+                      <a:endParaRPr lang="en-US" sz="1600" dirty="0">
+                        <a:solidFill>
+                          <a:srgbClr val="3C454F"/>
+                        </a:solidFill>
+                      </a:endParaRPr>
+                    </a:p>
+                  </a:txBody>
+                  <a:tcPr marL="137160" marR="137160" marT="137160" marB="137160">
+                    <a:lnL w="12700" cmpd="sng">
+                      <a:noFill/>
+                    </a:lnL>
+                    <a:lnR w="12700" cmpd="sng">
+                      <a:noFill/>
+                    </a:lnR>
+                    <a:lnT w="12700" cmpd="sng">
+                      <a:noFill/>
+                    </a:lnT>
+                    <a:lnB w="12700" cmpd="sng">
+                      <a:noFill/>
+                    </a:lnB>
+                    <a:lnTlToBr w="12700" cmpd="sng">
+                      <a:noFill/>
+                      <a:prstDash val="solid"/>
+                    </a:lnTlToBr>
+                    <a:lnBlToTr w="12700" cmpd="sng">
+                      <a:noFill/>
+                      <a:prstDash val="solid"/>
+                    </a:lnBlToTr>
+                  </a:tcPr>
+                </a:tc>
+                <a:tc>
+                  <a:txBody>
+                    <a:bodyPr/>
+                    <a:lstStyle/>
+                    <a:p>
+                      <a:pPr marL="0" marR="0" indent="0" algn="l" defTabSz="914400" rtl="0" eaLnBrk="1" fontAlgn="auto" latinLnBrk="0" hangingPunct="1">
+                        <a:lnSpc>
+                          <a:spcPct val="100000"/>
+                        </a:lnSpc>
+                        <a:spcBef>
+                          <a:spcPts val="0"/>
+                        </a:spcBef>
+                        <a:spcAft>
+                          <a:spcPts val="0"/>
+                        </a:spcAft>
+                        <a:buClrTx/>
+                        <a:buSzTx/>
+                        <a:buFontTx/>
+                        <a:buNone/>
+                        <a:tabLst/>
+                        <a:defRPr/>
+                      </a:pPr>
+                      <a:r>
+                        <a:rPr lang="en-US" sz="1600" dirty="0" smtClean="0">
+                          <a:solidFill>
+                            <a:srgbClr val="3C454F"/>
+                          </a:solidFill>
+                        </a:rPr>
+                        <a:t>Content</a:t>
+                      </a:r>
+                    </a:p>
+                    <a:p>
+                      <a:endParaRPr lang="en-US" sz="1600" dirty="0">
+                        <a:solidFill>
+                          <a:srgbClr val="3C454F"/>
+                        </a:solidFill>
+                      </a:endParaRPr>
+                    </a:p>
+                  </a:txBody>
+                  <a:tcPr marL="137160" marR="137160" marT="137160" marB="137160">
+                    <a:lnL w="12700" cmpd="sng">
+                      <a:noFill/>
+                    </a:lnL>
+                    <a:lnR w="12700" cmpd="sng">
+                      <a:noFill/>
+                    </a:lnR>
+                    <a:lnT w="12700" cmpd="sng">
+                      <a:noFill/>
+                    </a:lnT>
+                    <a:lnB w="12700" cmpd="sng">
+                      <a:noFill/>
+                    </a:lnB>
+                    <a:lnTlToBr w="12700" cmpd="sng">
+                      <a:noFill/>
+                      <a:prstDash val="solid"/>
+                    </a:lnTlToBr>
+                    <a:lnBlToTr w="12700" cmpd="sng">
+                      <a:noFill/>
+                      <a:prstDash val="solid"/>
+                    </a:lnBlToTr>
+                  </a:tcPr>
+                </a:tc>
+                <a:extLst>
+                  <a:ext uri="{0D108BD9-81ED-4DB2-BD59-A6C34878D82A}">
+                    <a16:rowId xmlns:a16="http://schemas.microsoft.com/office/drawing/2014/main" val="10002"/>
+                  </a:ext>
+                </a:extLst>
+              </a:tr>
+              <a:tr h="1225319">
+                <a:tc>
+                  <a:txBody>
+                    <a:bodyPr/>
+                    <a:lstStyle/>
+                    <a:p>
+                      <a:pPr marL="0" marR="0" indent="0" algn="l" defTabSz="914400" rtl="0" eaLnBrk="1" fontAlgn="auto" latinLnBrk="0" hangingPunct="1">
+                        <a:lnSpc>
+                          <a:spcPct val="100000"/>
+                        </a:lnSpc>
+                        <a:spcBef>
+                          <a:spcPts val="0"/>
+                        </a:spcBef>
+                        <a:spcAft>
+                          <a:spcPts val="0"/>
+                        </a:spcAft>
+                        <a:buClrTx/>
+                        <a:buSzTx/>
+                        <a:buFontTx/>
+                        <a:buNone/>
+                        <a:tabLst/>
+                        <a:defRPr/>
+                      </a:pPr>
+                      <a:r>
+                        <a:rPr lang="en-US" sz="1600" dirty="0" smtClean="0">
+                          <a:solidFill>
+                            <a:srgbClr val="3C454F"/>
+                          </a:solidFill>
+                        </a:rPr>
+                        <a:t>Content</a:t>
+                      </a:r>
+                    </a:p>
+                    <a:p>
+                      <a:endParaRPr lang="en-US" sz="1600" dirty="0">
+                        <a:solidFill>
+                          <a:srgbClr val="3C454F"/>
+                        </a:solidFill>
+                      </a:endParaRPr>
+                    </a:p>
+                  </a:txBody>
+                  <a:tcPr marL="137160" marR="137160" marT="137160" marB="137160">
+                    <a:lnL w="12700" cmpd="sng">
+                      <a:noFill/>
+                    </a:lnL>
+                    <a:lnR w="12700" cmpd="sng">
+                      <a:noFill/>
+                    </a:lnR>
+                    <a:lnT w="12700" cmpd="sng">
+                      <a:noFill/>
+                    </a:lnT>
+                    <a:lnB w="12700" cmpd="sng">
+                      <a:noFill/>
+                    </a:lnB>
+                    <a:lnTlToBr w="12700" cmpd="sng">
+                      <a:noFill/>
+                      <a:prstDash val="solid"/>
+                    </a:lnTlToBr>
+                    <a:lnBlToTr w="12700" cmpd="sng">
+                      <a:noFill/>
+                      <a:prstDash val="solid"/>
+                    </a:lnBlToTr>
+                  </a:tcPr>
+                </a:tc>
+                <a:tc>
+                  <a:txBody>
+                    <a:bodyPr/>
+                    <a:lstStyle/>
+                    <a:p>
+                      <a:pPr marL="0" marR="0" indent="0" algn="l" defTabSz="914400" rtl="0" eaLnBrk="1" fontAlgn="auto" latinLnBrk="0" hangingPunct="1">
+                        <a:lnSpc>
+                          <a:spcPct val="100000"/>
+                        </a:lnSpc>
+                        <a:spcBef>
+                          <a:spcPts val="0"/>
+                        </a:spcBef>
+                        <a:spcAft>
+                          <a:spcPts val="0"/>
+                        </a:spcAft>
+                        <a:buClrTx/>
+                        <a:buSzTx/>
+                        <a:buFontTx/>
+                        <a:buNone/>
+                        <a:tabLst/>
+                        <a:defRPr/>
+                      </a:pPr>
+                      <a:r>
+                        <a:rPr lang="en-US" sz="1600" dirty="0" smtClean="0">
+                          <a:solidFill>
+                            <a:srgbClr val="3C454F"/>
+                          </a:solidFill>
+                        </a:rPr>
+                        <a:t>Content</a:t>
+                      </a:r>
+                    </a:p>
+                    <a:p>
+                      <a:endParaRPr lang="en-US" sz="1600" dirty="0">
+                        <a:solidFill>
+                          <a:srgbClr val="3C454F"/>
+                        </a:solidFill>
+                      </a:endParaRPr>
+                    </a:p>
+                  </a:txBody>
+                  <a:tcPr marL="137160" marR="137160" marT="137160" marB="137160">
+                    <a:lnL w="12700" cmpd="sng">
+                      <a:noFill/>
+                    </a:lnL>
+                    <a:lnR w="12700" cmpd="sng">
+                      <a:noFill/>
+                    </a:lnR>
+                    <a:lnT w="12700" cmpd="sng">
+                      <a:noFill/>
+                    </a:lnT>
+                    <a:lnB w="12700" cmpd="sng">
+                      <a:noFill/>
+                    </a:lnB>
+                    <a:lnTlToBr w="12700" cmpd="sng">
+                      <a:noFill/>
+                      <a:prstDash val="solid"/>
+                    </a:lnTlToBr>
+                    <a:lnBlToTr w="12700" cmpd="sng">
+                      <a:noFill/>
+                      <a:prstDash val="solid"/>
+                    </a:lnBlToTr>
+                  </a:tcPr>
+                </a:tc>
+                <a:tc>
+                  <a:txBody>
+                    <a:bodyPr/>
+                    <a:lstStyle/>
+                    <a:p>
+                      <a:pPr marL="0" marR="0" indent="0" algn="l" defTabSz="914400" rtl="0" eaLnBrk="1" fontAlgn="auto" latinLnBrk="0" hangingPunct="1">
+                        <a:lnSpc>
+                          <a:spcPct val="100000"/>
+                        </a:lnSpc>
+                        <a:spcBef>
+                          <a:spcPts val="0"/>
+                        </a:spcBef>
+                        <a:spcAft>
+                          <a:spcPts val="0"/>
+                        </a:spcAft>
+                        <a:buClrTx/>
+                        <a:buSzTx/>
+                        <a:buFontTx/>
+                        <a:buNone/>
+                        <a:tabLst/>
+                        <a:defRPr/>
+                      </a:pPr>
+                      <a:r>
+                        <a:rPr lang="en-US" sz="1600" dirty="0" smtClean="0">
+                          <a:solidFill>
+                            <a:srgbClr val="3C454F"/>
+                          </a:solidFill>
+                        </a:rPr>
+                        <a:t>Content</a:t>
+                      </a:r>
+                    </a:p>
+                    <a:p>
+                      <a:endParaRPr lang="en-US" sz="1600" dirty="0">
+                        <a:solidFill>
+                          <a:srgbClr val="3C454F"/>
+                        </a:solidFill>
+                      </a:endParaRPr>
+                    </a:p>
+                  </a:txBody>
+                  <a:tcPr marL="137160" marR="137160" marT="137160" marB="137160">
+                    <a:lnL w="12700" cmpd="sng">
+                      <a:noFill/>
+                    </a:lnL>
+                    <a:lnR w="12700" cmpd="sng">
+                      <a:noFill/>
+                    </a:lnR>
+                    <a:lnT w="12700" cmpd="sng">
+                      <a:noFill/>
+                    </a:lnT>
+                    <a:lnB w="12700" cmpd="sng">
+                      <a:noFill/>
+                    </a:lnB>
+                    <a:lnTlToBr w="12700" cmpd="sng">
+                      <a:noFill/>
+                      <a:prstDash val="solid"/>
+                    </a:lnTlToBr>
+                    <a:lnBlToTr w="12700" cmpd="sng">
+                      <a:noFill/>
+                      <a:prstDash val="solid"/>
+                    </a:lnBlToTr>
+                  </a:tcPr>
+                </a:tc>
+                <a:tc>
+                  <a:txBody>
+                    <a:bodyPr/>
+                    <a:lstStyle/>
+                    <a:p>
+                      <a:pPr marL="0" marR="0" indent="0" algn="l" defTabSz="914400" rtl="0" eaLnBrk="1" fontAlgn="auto" latinLnBrk="0" hangingPunct="1">
+                        <a:lnSpc>
+                          <a:spcPct val="100000"/>
+                        </a:lnSpc>
+                        <a:spcBef>
+                          <a:spcPts val="0"/>
+                        </a:spcBef>
+                        <a:spcAft>
+                          <a:spcPts val="0"/>
+                        </a:spcAft>
+                        <a:buClrTx/>
+                        <a:buSzTx/>
+                        <a:buFontTx/>
+                        <a:buNone/>
+                        <a:tabLst/>
+                        <a:defRPr/>
+                      </a:pPr>
+                      <a:r>
+                        <a:rPr lang="en-US" sz="1600" dirty="0" smtClean="0">
+                          <a:solidFill>
+                            <a:srgbClr val="3C454F"/>
+                          </a:solidFill>
+                        </a:rPr>
+                        <a:t>Content</a:t>
+                      </a:r>
+                    </a:p>
+                    <a:p>
+                      <a:endParaRPr lang="en-US" sz="1600" dirty="0">
+                        <a:solidFill>
+                          <a:srgbClr val="3C454F"/>
+                        </a:solidFill>
+                      </a:endParaRPr>
+                    </a:p>
+                  </a:txBody>
+                  <a:tcPr marL="137160" marR="137160" marT="137160" marB="137160">
+                    <a:lnL w="12700" cmpd="sng">
+                      <a:noFill/>
+                    </a:lnL>
+                    <a:lnR w="12700" cmpd="sng">
+                      <a:noFill/>
+                    </a:lnR>
+                    <a:lnT w="12700" cmpd="sng">
+                      <a:noFill/>
+                    </a:lnT>
+                    <a:lnB w="12700" cmpd="sng">
+                      <a:noFill/>
+                    </a:lnB>
+                    <a:lnTlToBr w="12700" cmpd="sng">
+                      <a:noFill/>
+                      <a:prstDash val="solid"/>
+                    </a:lnTlToBr>
+                    <a:lnBlToTr w="12700" cmpd="sng">
+                      <a:noFill/>
+                      <a:prstDash val="solid"/>
+                    </a:lnBlToTr>
+                  </a:tcPr>
+                </a:tc>
+                <a:extLst>
+                  <a:ext uri="{0D108BD9-81ED-4DB2-BD59-A6C34878D82A}">
+                    <a16:rowId xmlns:a16="http://schemas.microsoft.com/office/drawing/2014/main" val="10003"/>
+                  </a:ext>
+                </a:extLst>
+              </a:tr>
+            </a:tbl>
+          </a:graphicData>
+        </a:graphic>
+      </p:graphicFrame>
+    </p:spTree>
+    <p:extLst>
+      <p:ext uri="{BB962C8B-B14F-4D97-AF65-F5344CB8AC3E}">
+        <p14:creationId xmlns:p14="http://schemas.microsoft.com/office/powerpoint/2010/main" val="3011732979"/>
+      </p:ext>
+    </p:extLst>
+  </p:cSld>
+  <p:clrMapOvr>
+    <a:masterClrMapping/>
+  </p:clrMapOvr>
+  <p:timing>
+    <p:tnLst>
+      <p:par>
+        <p:cTn id="1" dur="indefinite" restart="never" nodeType="tmRoot"/>
+      </p:par>
+    </p:tnLst>
+  </p:timing>
+</p:sldLayout>
+</file>
+
+<file path=ppt/slideLayouts/slideLayout65.xml><?xml version="1.0" encoding="utf-8"?>
+<p:sldLayout xmlns:a="http://schemas.openxmlformats.org/drawingml/2006/main" xmlns:r="http://schemas.openxmlformats.org/officeDocument/2006/relationships" xmlns:p="http://schemas.openxmlformats.org/presentationml/2006/main" type="blank" preserve="1">
+  <p:cSld name="Blank">
+    <p:spTree>
+      <p:nvGrpSpPr>
+        <p:cNvPr id="1" name=""/>
+        <p:cNvGrpSpPr/>
+        <p:nvPr/>
+      </p:nvGrpSpPr>
+      <p:grpSpPr>
+        <a:xfrm>
+          <a:off x="0" y="0"/>
+          <a:ext cx="0" cy="0"/>
+          <a:chOff x="0" y="0"/>
+          <a:chExt cx="0" cy="0"/>
+        </a:xfrm>
+      </p:grpSpPr>
+      <p:sp>
+        <p:nvSpPr>
+          <p:cNvPr id="4" name="Slide Number Placeholder 3"/>
+          <p:cNvSpPr>
+            <a:spLocks noGrp="1"/>
+          </p:cNvSpPr>
+          <p:nvPr>
+            <p:ph type="sldNum" sz="quarter" idx="12"/>
+          </p:nvPr>
+        </p:nvSpPr>
+        <p:spPr>
+          <a:xfrm>
+            <a:off x="8903414" y="6256216"/>
+            <a:ext cx="2743200" cy="365125"/>
+          </a:xfrm>
+          <a:prstGeom prst="rect">
+            <a:avLst/>
+          </a:prstGeom>
+        </p:spPr>
+        <p:txBody>
+          <a:bodyPr/>
+          <a:lstStyle/>
+          <a:p>
+            <a:pPr marL="0" marR="0" lvl="0" indent="0" algn="r" defTabSz="914400" rtl="0" eaLnBrk="1" fontAlgn="auto" latinLnBrk="0" hangingPunct="1">
+              <a:lnSpc>
+                <a:spcPct val="100000"/>
+              </a:lnSpc>
+              <a:spcBef>
+                <a:spcPts val="0"/>
+              </a:spcBef>
+              <a:spcAft>
+                <a:spcPts val="0"/>
+              </a:spcAft>
+              <a:buClrTx/>
+              <a:buSzTx/>
+              <a:buFontTx/>
+              <a:buNone/>
+              <a:tabLst/>
+              <a:defRPr/>
+            </a:pPr>
+            <a:fld id="{0A164282-434E-41D4-9582-783D542A7B68}" type="slidenum">
+              <a:rPr kumimoji="0" lang="en-US" sz="2000" b="0" i="0" u="none" strike="noStrike" kern="1200" cap="none" spc="0" normalizeH="0" baseline="0" noProof="0" smtClean="0">
+                <a:ln>
+                  <a:noFill/>
+                </a:ln>
+                <a:solidFill>
+                  <a:srgbClr val="289FD7"/>
+                </a:solidFill>
+                <a:effectLst/>
+                <a:uLnTx/>
+                <a:uFillTx/>
+                <a:latin typeface="Segoe UI Light"/>
+                <a:ea typeface="+mn-ea"/>
+                <a:cs typeface="+mn-cs"/>
+              </a:rPr>
+              <a:pPr marL="0" marR="0" lvl="0" indent="0" algn="r" defTabSz="914400" rtl="0" eaLnBrk="1" fontAlgn="auto" latinLnBrk="0" hangingPunct="1">
+                <a:lnSpc>
+                  <a:spcPct val="100000"/>
+                </a:lnSpc>
+                <a:spcBef>
+                  <a:spcPts val="0"/>
+                </a:spcBef>
+                <a:spcAft>
+                  <a:spcPts val="0"/>
+                </a:spcAft>
+                <a:buClrTx/>
+                <a:buSzTx/>
+                <a:buFontTx/>
+                <a:buNone/>
+                <a:tabLst/>
+                <a:defRPr/>
+              </a:pPr>
+              <a:t>‹#›</a:t>
+            </a:fld>
+            <a:endParaRPr kumimoji="0" lang="en-US" sz="2000" b="0" i="0" u="none" strike="noStrike" kern="1200" cap="none" spc="0" normalizeH="0" baseline="0" noProof="0">
+              <a:ln>
+                <a:noFill/>
+              </a:ln>
+              <a:solidFill>
+                <a:srgbClr val="289FD7"/>
+              </a:solidFill>
+              <a:effectLst/>
+              <a:uLnTx/>
+              <a:uFillTx/>
+              <a:latin typeface="Segoe UI Light"/>
+              <a:ea typeface="+mn-ea"/>
+              <a:cs typeface="+mn-cs"/>
+            </a:endParaRPr>
+          </a:p>
+        </p:txBody>
+      </p:sp>
+    </p:spTree>
+    <p:extLst>
+      <p:ext uri="{BB962C8B-B14F-4D97-AF65-F5344CB8AC3E}">
+        <p14:creationId xmlns:p14="http://schemas.microsoft.com/office/powerpoint/2010/main" val="214287029"/>
+      </p:ext>
+    </p:extLst>
+  </p:cSld>
+  <p:clrMapOvr>
+    <a:masterClrMapping/>
+  </p:clrMapOvr>
+  <p:timing>
+    <p:tnLst>
+      <p:par>
+        <p:cTn id="1" dur="indefinite" restart="never" nodeType="tmRoot"/>
+      </p:par>
+    </p:tnLst>
+  </p:timing>
+</p:sldLayout>
+</file>
+
+<file path=ppt/slideLayouts/slideLayout66.xml><?xml version="1.0" encoding="utf-8"?>
+<p:sldLayout xmlns:a="http://schemas.openxmlformats.org/drawingml/2006/main" xmlns:r="http://schemas.openxmlformats.org/officeDocument/2006/relationships" xmlns:p="http://schemas.openxmlformats.org/presentationml/2006/main" type="blank" preserve="1">
+  <p:cSld name="1_Blank">
+    <p:spTree>
+      <p:nvGrpSpPr>
+        <p:cNvPr id="1" name=""/>
+        <p:cNvGrpSpPr/>
+        <p:nvPr/>
+      </p:nvGrpSpPr>
+      <p:grpSpPr>
+        <a:xfrm>
+          <a:off x="0" y="0"/>
+          <a:ext cx="0" cy="0"/>
+          <a:chOff x="0" y="0"/>
+          <a:chExt cx="0" cy="0"/>
+        </a:xfrm>
+      </p:grpSpPr>
+    </p:spTree>
+    <p:extLst>
+      <p:ext uri="{BB962C8B-B14F-4D97-AF65-F5344CB8AC3E}">
+        <p14:creationId xmlns:p14="http://schemas.microsoft.com/office/powerpoint/2010/main" val="562262913"/>
+      </p:ext>
+    </p:extLst>
+  </p:cSld>
+  <p:clrMapOvr>
+    <a:masterClrMapping/>
+  </p:clrMapOvr>
+  <p:timing>
+    <p:tnLst>
+      <p:par>
+        <p:cTn id="1" dur="indefinite" restart="never" nodeType="tmRoot"/>
+      </p:par>
+    </p:tnLst>
+  </p:timing>
+</p:sldLayout>
+</file>
+
+<file path=ppt/slideLayouts/slideLayout67.xml><?xml version="1.0" encoding="utf-8"?>
+<p:sldLayout xmlns:a="http://schemas.openxmlformats.org/drawingml/2006/main" xmlns:r="http://schemas.openxmlformats.org/officeDocument/2006/relationships" xmlns:p="http://schemas.openxmlformats.org/presentationml/2006/main" type="objTx" preserve="1">
+  <p:cSld name="Content with Caption">
+    <p:spTree>
+      <p:nvGrpSpPr>
+        <p:cNvPr id="1" name=""/>
+        <p:cNvGrpSpPr/>
+        <p:nvPr/>
+      </p:nvGrpSpPr>
+      <p:grpSpPr>
+        <a:xfrm>
+          <a:off x="0" y="0"/>
+          <a:ext cx="0" cy="0"/>
+          <a:chOff x="0" y="0"/>
+          <a:chExt cx="0" cy="0"/>
+        </a:xfrm>
+      </p:grpSpPr>
+      <p:sp>
+        <p:nvSpPr>
+          <p:cNvPr id="2" name="Title 1"/>
+          <p:cNvSpPr>
+            <a:spLocks noGrp="1"/>
+          </p:cNvSpPr>
+          <p:nvPr>
+            <p:ph type="title"/>
+          </p:nvPr>
+        </p:nvSpPr>
+        <p:spPr>
+          <a:xfrm>
+            <a:off x="560798" y="457199"/>
+            <a:ext cx="4211227" cy="1936679"/>
+          </a:xfrm>
+        </p:spPr>
+        <p:txBody>
+          <a:bodyPr anchor="b">
+            <a:noAutofit/>
+          </a:bodyPr>
+          <a:lstStyle>
+            <a:lvl1pPr>
+              <a:defRPr sz="4000"/>
+            </a:lvl1pPr>
+          </a:lstStyle>
+          <a:p>
+            <a:r>
+              <a:rPr lang="en-US" smtClean="0"/>
+              <a:t>Click to edit Master title style</a:t>
+            </a:r>
+            <a:endParaRPr lang="en-US"/>
+          </a:p>
+        </p:txBody>
+      </p:sp>
+      <p:sp>
+        <p:nvSpPr>
+          <p:cNvPr id="3" name="Content Placeholder 2"/>
+          <p:cNvSpPr>
+            <a:spLocks noGrp="1"/>
+          </p:cNvSpPr>
+          <p:nvPr>
+            <p:ph idx="1"/>
+          </p:nvPr>
+        </p:nvSpPr>
+        <p:spPr>
+          <a:xfrm>
+            <a:off x="5183188" y="987425"/>
+            <a:ext cx="6457432" cy="4873625"/>
+          </a:xfrm>
+        </p:spPr>
+        <p:txBody>
+          <a:bodyPr/>
+          <a:lstStyle>
+            <a:lvl1pPr>
+              <a:defRPr sz="3200">
+                <a:latin typeface="+mj-lt"/>
+              </a:defRPr>
+            </a:lvl1pPr>
+            <a:lvl2pPr>
+              <a:defRPr sz="2800">
+                <a:latin typeface="+mj-lt"/>
+              </a:defRPr>
+            </a:lvl2pPr>
+            <a:lvl3pPr>
+              <a:defRPr sz="2400">
+                <a:latin typeface="+mj-lt"/>
+              </a:defRPr>
+            </a:lvl3pPr>
+            <a:lvl4pPr>
+              <a:defRPr sz="2000">
+                <a:latin typeface="+mj-lt"/>
+              </a:defRPr>
+            </a:lvl4pPr>
+            <a:lvl5pPr>
+              <a:defRPr sz="2000">
+                <a:latin typeface="+mj-lt"/>
+              </a:defRPr>
+            </a:lvl5pPr>
+            <a:lvl6pPr>
+              <a:defRPr sz="2000"/>
+            </a:lvl6pPr>
+            <a:lvl7pPr>
+              <a:defRPr sz="2000"/>
+            </a:lvl7pPr>
+            <a:lvl8pPr>
+              <a:defRPr sz="2000"/>
+            </a:lvl8pPr>
+            <a:lvl9pPr>
+              <a:defRPr sz="2000"/>
+            </a:lvl9pPr>
+          </a:lstStyle>
+          <a:p>
+            <a:pPr lvl="0"/>
+            <a:r>
+              <a:rPr lang="en-US" smtClean="0"/>
+              <a:t>Click to edit Master text styles</a:t>
+            </a:r>
+          </a:p>
+          <a:p>
+            <a:pPr lvl="1"/>
+            <a:r>
+              <a:rPr lang="en-US" smtClean="0"/>
+              <a:t>Second level</a:t>
+            </a:r>
+          </a:p>
+          <a:p>
+            <a:pPr lvl="2"/>
+            <a:r>
+              <a:rPr lang="en-US" smtClean="0"/>
+              <a:t>Third level</a:t>
+            </a:r>
+          </a:p>
+          <a:p>
+            <a:pPr lvl="3"/>
+            <a:r>
+              <a:rPr lang="en-US" smtClean="0"/>
+              <a:t>Fourth level</a:t>
+            </a:r>
+          </a:p>
+          <a:p>
+            <a:pPr lvl="4"/>
+            <a:r>
+              <a:rPr lang="en-US" smtClean="0"/>
+              <a:t>Fifth level</a:t>
+            </a:r>
+            <a:endParaRPr lang="en-US"/>
+          </a:p>
+        </p:txBody>
+      </p:sp>
+      <p:sp>
+        <p:nvSpPr>
+          <p:cNvPr id="4" name="Text Placeholder 3"/>
+          <p:cNvSpPr>
+            <a:spLocks noGrp="1"/>
+          </p:cNvSpPr>
+          <p:nvPr>
+            <p:ph type="body" sz="half" idx="2"/>
+          </p:nvPr>
+        </p:nvSpPr>
+        <p:spPr>
+          <a:xfrm>
+            <a:off x="560798" y="2604070"/>
+            <a:ext cx="4211227" cy="3264917"/>
+          </a:xfrm>
+        </p:spPr>
+        <p:txBody>
+          <a:bodyPr>
+            <a:normAutofit/>
+          </a:bodyPr>
+          <a:lstStyle>
+            <a:lvl1pPr marL="0" indent="0">
+              <a:buNone/>
+              <a:defRPr sz="2000"/>
+            </a:lvl1pPr>
+            <a:lvl2pPr marL="457200" indent="0">
+              <a:buNone/>
+              <a:defRPr sz="1400"/>
+            </a:lvl2pPr>
+            <a:lvl3pPr marL="914400" indent="0">
+              <a:buNone/>
+              <a:defRPr sz="1200"/>
+            </a:lvl3pPr>
+            <a:lvl4pPr marL="1371600" indent="0">
+              <a:buNone/>
+              <a:defRPr sz="1000"/>
+            </a:lvl4pPr>
+            <a:lvl5pPr marL="1828800" indent="0">
+              <a:buNone/>
+              <a:defRPr sz="1000"/>
+            </a:lvl5pPr>
+            <a:lvl6pPr marL="2286000" indent="0">
+              <a:buNone/>
+              <a:defRPr sz="1000"/>
+            </a:lvl6pPr>
+            <a:lvl7pPr marL="2743200" indent="0">
+              <a:buNone/>
+              <a:defRPr sz="1000"/>
+            </a:lvl7pPr>
+            <a:lvl8pPr marL="3200400" indent="0">
+              <a:buNone/>
+              <a:defRPr sz="1000"/>
+            </a:lvl8pPr>
+            <a:lvl9pPr marL="3657600" indent="0">
+              <a:buNone/>
+              <a:defRPr sz="1000"/>
+            </a:lvl9pPr>
+          </a:lstStyle>
+          <a:p>
+            <a:pPr lvl="0"/>
+            <a:r>
+              <a:rPr lang="en-US" dirty="0" smtClean="0"/>
+              <a:t>Click to edit Master text styles</a:t>
+            </a:r>
+          </a:p>
+        </p:txBody>
+      </p:sp>
+      <p:sp>
+        <p:nvSpPr>
+          <p:cNvPr id="7" name="Slide Number Placeholder 6"/>
+          <p:cNvSpPr>
+            <a:spLocks noGrp="1"/>
+          </p:cNvSpPr>
+          <p:nvPr>
+            <p:ph type="sldNum" sz="quarter" idx="12"/>
+          </p:nvPr>
+        </p:nvSpPr>
+        <p:spPr>
+          <a:xfrm>
+            <a:off x="8897420" y="6256216"/>
+            <a:ext cx="2743200" cy="365125"/>
+          </a:xfrm>
+          <a:prstGeom prst="rect">
+            <a:avLst/>
+          </a:prstGeom>
+        </p:spPr>
+        <p:txBody>
+          <a:bodyPr/>
+          <a:lstStyle/>
+          <a:p>
+            <a:pPr marL="0" marR="0" lvl="0" indent="0" algn="r" defTabSz="914400" rtl="0" eaLnBrk="1" fontAlgn="auto" latinLnBrk="0" hangingPunct="1">
+              <a:lnSpc>
+                <a:spcPct val="100000"/>
+              </a:lnSpc>
+              <a:spcBef>
+                <a:spcPts val="0"/>
+              </a:spcBef>
+              <a:spcAft>
+                <a:spcPts val="0"/>
+              </a:spcAft>
+              <a:buClrTx/>
+              <a:buSzTx/>
+              <a:buFontTx/>
+              <a:buNone/>
+              <a:tabLst/>
+              <a:defRPr/>
+            </a:pPr>
+            <a:fld id="{0A164282-434E-41D4-9582-783D542A7B68}" type="slidenum">
+              <a:rPr kumimoji="0" lang="en-US" sz="2000" b="0" i="0" u="none" strike="noStrike" kern="1200" cap="none" spc="0" normalizeH="0" baseline="0" noProof="0" smtClean="0">
+                <a:ln>
+                  <a:noFill/>
+                </a:ln>
+                <a:solidFill>
+                  <a:srgbClr val="289FD7"/>
+                </a:solidFill>
+                <a:effectLst/>
+                <a:uLnTx/>
+                <a:uFillTx/>
+                <a:latin typeface="Segoe UI Light"/>
+                <a:ea typeface="+mn-ea"/>
+                <a:cs typeface="+mn-cs"/>
+              </a:rPr>
+              <a:pPr marL="0" marR="0" lvl="0" indent="0" algn="r" defTabSz="914400" rtl="0" eaLnBrk="1" fontAlgn="auto" latinLnBrk="0" hangingPunct="1">
+                <a:lnSpc>
+                  <a:spcPct val="100000"/>
+                </a:lnSpc>
+                <a:spcBef>
+                  <a:spcPts val="0"/>
+                </a:spcBef>
+                <a:spcAft>
+                  <a:spcPts val="0"/>
+                </a:spcAft>
+                <a:buClrTx/>
+                <a:buSzTx/>
+                <a:buFontTx/>
+                <a:buNone/>
+                <a:tabLst/>
+                <a:defRPr/>
+              </a:pPr>
+              <a:t>‹#›</a:t>
+            </a:fld>
+            <a:endParaRPr kumimoji="0" lang="en-US" sz="2000" b="0" i="0" u="none" strike="noStrike" kern="1200" cap="none" spc="0" normalizeH="0" baseline="0" noProof="0">
+              <a:ln>
+                <a:noFill/>
+              </a:ln>
+              <a:solidFill>
+                <a:srgbClr val="289FD7"/>
+              </a:solidFill>
+              <a:effectLst/>
+              <a:uLnTx/>
+              <a:uFillTx/>
+              <a:latin typeface="Segoe UI Light"/>
+              <a:ea typeface="+mn-ea"/>
+              <a:cs typeface="+mn-cs"/>
+            </a:endParaRPr>
+          </a:p>
+        </p:txBody>
+      </p:sp>
+    </p:spTree>
+    <p:extLst>
+      <p:ext uri="{BB962C8B-B14F-4D97-AF65-F5344CB8AC3E}">
+        <p14:creationId xmlns:p14="http://schemas.microsoft.com/office/powerpoint/2010/main" val="976602902"/>
+      </p:ext>
+    </p:extLst>
+  </p:cSld>
+  <p:clrMapOvr>
+    <a:masterClrMapping/>
+  </p:clrMapOvr>
+  <p:timing>
+    <p:tnLst>
+      <p:par>
+        <p:cTn id="1" dur="indefinite" restart="never" nodeType="tmRoot"/>
+      </p:par>
+    </p:tnLst>
+  </p:timing>
+</p:sldLayout>
+</file>
+
+<file path=ppt/slideLayouts/slideLayout68.xml><?xml version="1.0" encoding="utf-8"?>
+<p:sldLayout xmlns:a="http://schemas.openxmlformats.org/drawingml/2006/main" xmlns:r="http://schemas.openxmlformats.org/officeDocument/2006/relationships" xmlns:p="http://schemas.openxmlformats.org/presentationml/2006/main" userDrawn="1">
+  <p:cSld name="1_Logo on Background">
+    <p:bg>
+      <p:bgPr>
+        <a:solidFill>
+          <a:schemeClr val="tx2">
+            <a:lumMod val="50000"/>
+          </a:schemeClr>
+        </a:solidFill>
+        <a:effectLst/>
+      </p:bgPr>
+    </p:bg>
+    <p:spTree>
+      <p:nvGrpSpPr>
+        <p:cNvPr id="1" name=""/>
+        <p:cNvGrpSpPr/>
+        <p:nvPr/>
+      </p:nvGrpSpPr>
+      <p:grpSpPr>
+        <a:xfrm>
+          <a:off x="0" y="0"/>
+          <a:ext cx="0" cy="0"/>
+          <a:chOff x="0" y="0"/>
+          <a:chExt cx="0" cy="0"/>
+        </a:xfrm>
+      </p:grpSpPr>
+      <p:sp>
+        <p:nvSpPr>
+          <p:cNvPr id="3" name="Text Box 3"/>
+          <p:cNvSpPr txBox="1">
+            <a:spLocks noChangeArrowheads="1"/>
+          </p:cNvSpPr>
+          <p:nvPr userDrawn="1"/>
+        </p:nvSpPr>
+        <p:spPr bwMode="blackWhite">
+          <a:xfrm>
+            <a:off x="450202" y="5503176"/>
+            <a:ext cx="8639369" cy="711824"/>
+          </a:xfrm>
+          <a:prstGeom prst="rect">
+            <a:avLst/>
+          </a:prstGeom>
+          <a:noFill/>
+          <a:ln w="12700">
+            <a:noFill/>
+            <a:miter lim="800000"/>
+            <a:headEnd type="none" w="sm" len="sm"/>
+            <a:tailEnd type="none" w="sm" len="sm"/>
+          </a:ln>
+          <a:effectLst/>
+        </p:spPr>
+        <p:txBody>
+          <a:bodyPr vert="horz" wrap="square" lIns="179285" tIns="143428" rIns="179285" bIns="143428" numCol="1" anchor="t" anchorCtr="0" compatLnSpc="1">
+            <a:prstTxWarp prst="textNoShape">
+              <a:avLst/>
+            </a:prstTxWarp>
+            <a:spAutoFit/>
+          </a:bodyPr>
+          <a:lstStyle/>
+          <a:p>
+            <a:pPr marL="0" marR="0" lvl="0" indent="0" algn="l" defTabSz="913924" rtl="0" eaLnBrk="0" fontAlgn="auto" latinLnBrk="0" hangingPunct="0">
+              <a:lnSpc>
+                <a:spcPct val="100000"/>
+              </a:lnSpc>
+              <a:spcBef>
+                <a:spcPts val="0"/>
+              </a:spcBef>
+              <a:spcAft>
+                <a:spcPts val="0"/>
+              </a:spcAft>
+              <a:buClrTx/>
+              <a:buSzTx/>
+              <a:buFontTx/>
+              <a:buNone/>
+              <a:tabLst/>
+              <a:defRPr/>
+            </a:pPr>
+            <a:r>
+              <a:rPr kumimoji="0" lang="en-US" sz="686" b="0" i="0" u="none" strike="noStrike" kern="1200" cap="none" spc="0" normalizeH="0" baseline="0" noProof="0" dirty="0">
+                <a:ln>
+                  <a:noFill/>
+                </a:ln>
+                <a:gradFill>
+                  <a:gsLst>
+                    <a:gs pos="0">
+                      <a:srgbClr val="FFFFFF"/>
+                    </a:gs>
+                    <a:gs pos="100000">
+                      <a:srgbClr val="FFFFFF"/>
+                    </a:gs>
+                  </a:gsLst>
+                  <a:lin ang="5400000" scaled="0"/>
+                </a:gradFill>
+                <a:effectLst/>
+                <a:uLnTx/>
+                <a:uFillTx/>
+                <a:latin typeface="Segoe UI"/>
+                <a:ea typeface="+mn-ea"/>
+                <a:cs typeface="Segoe UI" pitchFamily="34" charset="0"/>
+              </a:rPr>
+              <a:t>© 2012 Microsoft Corporation. All rights reserved. Microsoft, </a:t>
+            </a:r>
+            <a:r>
+              <a:rPr kumimoji="0" lang="en-US" sz="686" b="0" i="0" u="none" strike="noStrike" kern="1200" cap="none" spc="0" normalizeH="0" baseline="0" noProof="0" dirty="0" smtClean="0">
+                <a:ln>
+                  <a:noFill/>
+                </a:ln>
+                <a:gradFill>
+                  <a:gsLst>
+                    <a:gs pos="0">
+                      <a:srgbClr val="FFFFFF"/>
+                    </a:gs>
+                    <a:gs pos="100000">
+                      <a:srgbClr val="FFFFFF"/>
+                    </a:gs>
+                  </a:gsLst>
+                  <a:lin ang="5400000" scaled="0"/>
+                </a:gradFill>
+                <a:effectLst/>
+                <a:uLnTx/>
+                <a:uFillTx/>
+                <a:latin typeface="Segoe UI"/>
+                <a:ea typeface="+mn-ea"/>
+                <a:cs typeface="Segoe UI" pitchFamily="34" charset="0"/>
+              </a:rPr>
+              <a:t>Microsoft, Microsoft </a:t>
+            </a:r>
+            <a:r>
+              <a:rPr kumimoji="0" lang="en-US" sz="686" b="0" i="0" u="none" strike="noStrike" kern="1200" cap="none" spc="0" normalizeH="0" baseline="0" noProof="0" dirty="0">
+                <a:ln>
+                  <a:noFill/>
+                </a:ln>
+                <a:gradFill>
+                  <a:gsLst>
+                    <a:gs pos="0">
+                      <a:srgbClr val="FFFFFF"/>
+                    </a:gs>
+                    <a:gs pos="100000">
+                      <a:srgbClr val="FFFFFF"/>
+                    </a:gs>
+                  </a:gsLst>
+                  <a:lin ang="5400000" scaled="0"/>
+                </a:gradFill>
+                <a:effectLst/>
+                <a:uLnTx/>
+                <a:uFillTx/>
+                <a:latin typeface="Segoe UI"/>
+                <a:ea typeface="+mn-ea"/>
+                <a:cs typeface="Segoe UI" pitchFamily="34" charset="0"/>
+              </a:rPr>
+              <a:t>Vista and other product names are or may be registered trademarks and/or trademarks in the U.S. and/or other countries.</a:t>
+            </a:r>
+          </a:p>
+          <a:p>
+            <a:pPr marL="0" marR="0" lvl="0" indent="0" algn="l" defTabSz="913924" rtl="0" eaLnBrk="0" fontAlgn="auto" latinLnBrk="0" hangingPunct="0">
+              <a:lnSpc>
+                <a:spcPct val="100000"/>
+              </a:lnSpc>
+              <a:spcBef>
+                <a:spcPts val="0"/>
+              </a:spcBef>
+              <a:spcAft>
+                <a:spcPts val="0"/>
+              </a:spcAft>
+              <a:buClrTx/>
+              <a:buSzTx/>
+              <a:buFontTx/>
+              <a:buNone/>
+              <a:tabLst/>
+              <a:defRPr/>
+            </a:pPr>
+            <a:r>
+              <a:rPr kumimoji="0" lang="en-US" sz="686" b="0" i="0" u="none" strike="noStrike" kern="1200" cap="none" spc="0" normalizeH="0" baseline="0" noProof="0" dirty="0">
+                <a:ln>
+                  <a:noFill/>
+                </a:ln>
+                <a:gradFill>
+                  <a:gsLst>
+                    <a:gs pos="0">
+                      <a:srgbClr val="FFFFFF"/>
+                    </a:gs>
+                    <a:gs pos="100000">
+                      <a:srgbClr val="FFFFFF"/>
+                    </a:gs>
+                  </a:gsLst>
+                  <a:lin ang="5400000" scaled="0"/>
+                </a:gradFill>
+                <a:effectLst/>
+                <a:uLnTx/>
+                <a:uFillTx/>
+                <a:latin typeface="Segoe UI"/>
+                <a:ea typeface="+mn-ea"/>
+                <a:cs typeface="Segoe UI" pitchFamily="34" charset="0"/>
+              </a:rPr>
+              <a:t>The information herein is for informational purposes only and represents the current view of Microsoft Corporation as of the date of this presentation.  Because Microsoft must respond to changing market conditions, it should not be interpreted to be a commitment on the part of Microsoft, and Microsoft cannot guarantee the accuracy of any information provided after the date of this presentation.  MICROSOFT MAKES NO WARRANTIES, EXPRESS, IMPLIED OR STATUTORY, AS TO THE INFORMATION IN THIS PRESENTATION.</a:t>
+            </a:r>
+          </a:p>
+        </p:txBody>
+      </p:sp>
+      <p:pic>
+        <p:nvPicPr>
+          <p:cNvPr id="4" name="Picture 3"/>
+          <p:cNvPicPr>
+            <a:picLocks noChangeAspect="1"/>
+          </p:cNvPicPr>
+          <p:nvPr userDrawn="1"/>
+        </p:nvPicPr>
+        <p:blipFill>
+          <a:blip r:embed="rId2" cstate="print">
+            <a:extLst>
+              <a:ext uri="{28A0092B-C50C-407E-A947-70E740481C1C}">
+                <a14:useLocalDpi xmlns:a14="http://schemas.microsoft.com/office/drawing/2010/main" val="0"/>
+              </a:ext>
+            </a:extLst>
+          </a:blip>
+          <a:stretch>
+            <a:fillRect/>
+          </a:stretch>
+        </p:blipFill>
+        <p:spPr bwMode="invGray">
+          <a:xfrm>
+            <a:off x="667916" y="4562112"/>
+            <a:ext cx="3223861" cy="690695"/>
+          </a:xfrm>
+          <a:prstGeom prst="rect">
+            <a:avLst/>
+          </a:prstGeom>
+        </p:spPr>
+      </p:pic>
+    </p:spTree>
+    <p:extLst>
+      <p:ext uri="{BB962C8B-B14F-4D97-AF65-F5344CB8AC3E}">
+        <p14:creationId xmlns:p14="http://schemas.microsoft.com/office/powerpoint/2010/main" val="3123915587"/>
+      </p:ext>
+    </p:extLst>
+  </p:cSld>
+  <p:clrMapOvr>
+    <a:masterClrMapping/>
+  </p:clrMapOvr>
+  <mc:AlternateContent xmlns:mc="http://schemas.openxmlformats.org/markup-compatibility/2006" xmlns:p14="http://schemas.microsoft.com/office/powerpoint/2010/main">
+    <mc:Choice Requires="p14">
+      <p:transition spd="med" p14:dur="700">
+        <p:fade/>
+      </p:transition>
+    </mc:Choice>
+    <mc:Fallback xmlns="">
+      <p:transition spd="med">
+        <p:fade/>
+      </p:transition>
+    </mc:Fallback>
+  </mc:AlternateContent>
+  <p:timing>
+    <p:tnLst>
+      <p:par>
+        <p:cTn id="1" dur="indefinite" restart="never" nodeType="tmRoot"/>
+      </p:par>
+    </p:tnLst>
+  </p:timing>
+</p:sldLayout>
+</file>
+
+<file path=ppt/slideLayouts/slideLayout69.xml><?xml version="1.0" encoding="utf-8"?>
+<p:sldLayout xmlns:a="http://schemas.openxmlformats.org/drawingml/2006/main" xmlns:r="http://schemas.openxmlformats.org/officeDocument/2006/relationships" xmlns:p="http://schemas.openxmlformats.org/presentationml/2006/main" userDrawn="1">
+  <p:cSld name="2_Title and Content">
+    <p:spTree>
+      <p:nvGrpSpPr>
+        <p:cNvPr id="1" name=""/>
+        <p:cNvGrpSpPr/>
+        <p:nvPr/>
+      </p:nvGrpSpPr>
+      <p:grpSpPr>
+        <a:xfrm>
+          <a:off x="0" y="0"/>
+          <a:ext cx="0" cy="0"/>
+          <a:chOff x="0" y="0"/>
+          <a:chExt cx="0" cy="0"/>
+        </a:xfrm>
+      </p:grpSpPr>
+      <p:sp>
+        <p:nvSpPr>
+          <p:cNvPr id="2" name="Title 1"/>
+          <p:cNvSpPr>
+            <a:spLocks noGrp="1"/>
+          </p:cNvSpPr>
+          <p:nvPr>
+            <p:ph type="title"/>
+          </p:nvPr>
+        </p:nvSpPr>
+        <p:spPr>
+          <a:xfrm>
+            <a:off x="519248" y="228601"/>
+            <a:ext cx="11151917" cy="747897"/>
+          </a:xfrm>
+        </p:spPr>
+        <p:txBody>
+          <a:bodyPr/>
+          <a:lstStyle>
+            <a:lvl1pPr>
+              <a:defRPr sz="5400"/>
+            </a:lvl1pPr>
+          </a:lstStyle>
+          <a:p>
+            <a:r>
+              <a:rPr lang="en-US" smtClean="0"/>
+              <a:t>Click to edit Master title style</a:t>
+            </a:r>
+            <a:endParaRPr lang="en-US" dirty="0"/>
+          </a:p>
+        </p:txBody>
+      </p:sp>
+      <p:sp>
+        <p:nvSpPr>
+          <p:cNvPr id="5" name="Text Placeholder 4"/>
+          <p:cNvSpPr>
+            <a:spLocks noGrp="1"/>
+          </p:cNvSpPr>
+          <p:nvPr>
+            <p:ph type="body" sz="quarter" idx="10"/>
+          </p:nvPr>
+        </p:nvSpPr>
+        <p:spPr>
+          <a:xfrm>
+            <a:off x="519248" y="1447800"/>
+            <a:ext cx="11151917" cy="946413"/>
+          </a:xfrm>
+        </p:spPr>
+        <p:txBody>
+          <a:bodyPr/>
+          <a:lstStyle>
+            <a:lvl1pPr marL="3175" indent="0">
+              <a:spcBef>
+                <a:spcPts val="0"/>
+              </a:spcBef>
+              <a:spcAft>
+                <a:spcPts val="900"/>
+              </a:spcAft>
+              <a:buSzPct val="80000"/>
+              <a:buFont typeface="Arial" pitchFamily="34" charset="0"/>
+              <a:buNone/>
+              <a:defRPr sz="4000" spc="-100" baseline="0">
+                <a:gradFill>
+                  <a:gsLst>
+                    <a:gs pos="0">
+                      <a:srgbClr val="595959"/>
+                    </a:gs>
+                    <a:gs pos="86000">
+                      <a:srgbClr val="595959"/>
+                    </a:gs>
+                  </a:gsLst>
+                  <a:lin ang="5400000" scaled="0"/>
+                </a:gradFill>
+                <a:latin typeface="Segoe UI Light" pitchFamily="34" charset="0"/>
+              </a:defRPr>
+            </a:lvl1pPr>
+            <a:lvl2pPr marL="3175" indent="0">
+              <a:spcBef>
+                <a:spcPts val="0"/>
+              </a:spcBef>
+              <a:buSzPct val="80000"/>
+              <a:buFont typeface="Arial" pitchFamily="34" charset="0"/>
+              <a:buNone/>
+              <a:defRPr sz="2000" spc="-50" baseline="0">
+                <a:gradFill>
+                  <a:gsLst>
+                    <a:gs pos="0">
+                      <a:srgbClr val="595959"/>
+                    </a:gs>
+                    <a:gs pos="86000">
+                      <a:srgbClr val="595959"/>
+                    </a:gs>
+                  </a:gsLst>
+                  <a:lin ang="5400000" scaled="0"/>
+                </a:gradFill>
+              </a:defRPr>
+            </a:lvl2pPr>
+            <a:lvl3pPr marL="1258888" indent="-403225">
+              <a:buSzPct val="80000"/>
+              <a:buFontTx/>
+              <a:buBlip>
+                <a:blip r:embed="rId2"/>
+              </a:buBlip>
+              <a:defRPr>
+                <a:gradFill>
+                  <a:gsLst>
+                    <a:gs pos="0">
+                      <a:schemeClr val="tx1">
+                        <a:lumMod val="90000"/>
+                        <a:lumOff val="10000"/>
+                      </a:schemeClr>
+                    </a:gs>
+                    <a:gs pos="86000">
+                      <a:schemeClr val="tx1">
+                        <a:lumMod val="90000"/>
+                        <a:lumOff val="10000"/>
+                      </a:schemeClr>
+                    </a:gs>
+                  </a:gsLst>
+                  <a:lin ang="5400000" scaled="0"/>
+                </a:gradFill>
+              </a:defRPr>
+            </a:lvl3pPr>
+            <a:lvl4pPr marL="1604963" indent="-346075">
+              <a:buSzPct val="80000"/>
+              <a:buFontTx/>
+              <a:buBlip>
+                <a:blip r:embed="rId2"/>
+              </a:buBlip>
+              <a:defRPr>
+                <a:gradFill>
+                  <a:gsLst>
+                    <a:gs pos="0">
+                      <a:schemeClr val="tx1">
+                        <a:lumMod val="90000"/>
+                        <a:lumOff val="10000"/>
+                      </a:schemeClr>
+                    </a:gs>
+                    <a:gs pos="86000">
+                      <a:schemeClr val="tx1">
+                        <a:lumMod val="90000"/>
+                        <a:lumOff val="10000"/>
+                      </a:schemeClr>
+                    </a:gs>
+                  </a:gsLst>
+                  <a:lin ang="5400000" scaled="0"/>
+                </a:gradFill>
+              </a:defRPr>
+            </a:lvl4pPr>
+            <a:lvl5pPr marL="1941513" indent="-336550">
+              <a:buSzPct val="80000"/>
+              <a:buFontTx/>
+              <a:buBlip>
+                <a:blip r:embed="rId2"/>
+              </a:buBlip>
+              <a:defRPr>
+                <a:gradFill>
+                  <a:gsLst>
+                    <a:gs pos="0">
+                      <a:schemeClr val="tx1">
+                        <a:lumMod val="90000"/>
+                        <a:lumOff val="10000"/>
+                      </a:schemeClr>
+                    </a:gs>
+                    <a:gs pos="86000">
+                      <a:schemeClr val="tx1">
+                        <a:lumMod val="90000"/>
+                        <a:lumOff val="10000"/>
+                      </a:schemeClr>
+                    </a:gs>
+                  </a:gsLst>
+                  <a:lin ang="5400000" scaled="0"/>
+                </a:gradFill>
+              </a:defRPr>
+            </a:lvl5pPr>
+          </a:lstStyle>
+          <a:p>
+            <a:pPr lvl="0"/>
+            <a:r>
+              <a:rPr lang="en-US" smtClean="0"/>
+              <a:t>Click to edit Master text styles</a:t>
+            </a:r>
+          </a:p>
+          <a:p>
+            <a:pPr lvl="1"/>
+            <a:r>
+              <a:rPr lang="en-US" smtClean="0"/>
+              <a:t>Second level</a:t>
+            </a:r>
+          </a:p>
+        </p:txBody>
+      </p:sp>
+    </p:spTree>
+    <p:extLst>
+      <p:ext uri="{BB962C8B-B14F-4D97-AF65-F5344CB8AC3E}">
+        <p14:creationId xmlns:p14="http://schemas.microsoft.com/office/powerpoint/2010/main" val="816850514"/>
+      </p:ext>
+    </p:extLst>
+  </p:cSld>
+  <p:clrMapOvr>
+    <a:masterClrMapping/>
+  </p:clrMapOvr>
+  <p:transition>
+    <p:fade/>
+  </p:transition>
+  <p:timing>
+    <p:tnLst>
+      <p:par>
+        <p:cTn id="1" dur="indefinite" restart="never" nodeType="tmRoot"/>
+      </p:par>
+    </p:tnLst>
+  </p:timing>
+</p:sldLayout>
+</file>
+
 <file path=ppt/slideLayouts/slideLayout7.xml><?xml version="1.0" encoding="utf-8"?>
 <p:sldLayout xmlns:a="http://schemas.openxmlformats.org/drawingml/2006/main" xmlns:r="http://schemas.openxmlformats.org/officeDocument/2006/relationships" xmlns:p="http://schemas.openxmlformats.org/presentationml/2006/main" type="obj" preserve="1">
   <p:cSld name="Title and Content">
@@ -14208,6 +17292,1612 @@
   <p:clrMapOvr>
     <a:masterClrMapping/>
   </p:clrMapOvr>
+  <p:timing>
+    <p:tnLst>
+      <p:par>
+        <p:cTn id="1" dur="indefinite" restart="never" nodeType="tmRoot"/>
+      </p:par>
+    </p:tnLst>
+  </p:timing>
+</p:sldLayout>
+</file>
+
+<file path=ppt/slideLayouts/slideLayout70.xml><?xml version="1.0" encoding="utf-8"?>
+<p:sldLayout xmlns:a="http://schemas.openxmlformats.org/drawingml/2006/main" xmlns:r="http://schemas.openxmlformats.org/officeDocument/2006/relationships" xmlns:p="http://schemas.openxmlformats.org/presentationml/2006/main" userDrawn="1">
+  <p:cSld name="3_Title and Content">
+    <p:spTree>
+      <p:nvGrpSpPr>
+        <p:cNvPr id="1" name=""/>
+        <p:cNvGrpSpPr/>
+        <p:nvPr/>
+      </p:nvGrpSpPr>
+      <p:grpSpPr>
+        <a:xfrm>
+          <a:off x="0" y="0"/>
+          <a:ext cx="0" cy="0"/>
+          <a:chOff x="0" y="0"/>
+          <a:chExt cx="0" cy="0"/>
+        </a:xfrm>
+      </p:grpSpPr>
+      <p:sp>
+        <p:nvSpPr>
+          <p:cNvPr id="2" name="Title 1"/>
+          <p:cNvSpPr>
+            <a:spLocks noGrp="1"/>
+          </p:cNvSpPr>
+          <p:nvPr>
+            <p:ph type="title"/>
+          </p:nvPr>
+        </p:nvSpPr>
+        <p:spPr>
+          <a:xfrm>
+            <a:off x="519248" y="228601"/>
+            <a:ext cx="11151917" cy="747897"/>
+          </a:xfrm>
+        </p:spPr>
+        <p:txBody>
+          <a:bodyPr/>
+          <a:lstStyle>
+            <a:lvl1pPr>
+              <a:defRPr sz="5400"/>
+            </a:lvl1pPr>
+          </a:lstStyle>
+          <a:p>
+            <a:r>
+              <a:rPr lang="en-US" smtClean="0"/>
+              <a:t>Click to edit Master title style</a:t>
+            </a:r>
+            <a:endParaRPr lang="en-US" dirty="0"/>
+          </a:p>
+        </p:txBody>
+      </p:sp>
+      <p:sp>
+        <p:nvSpPr>
+          <p:cNvPr id="5" name="Text Placeholder 4"/>
+          <p:cNvSpPr>
+            <a:spLocks noGrp="1"/>
+          </p:cNvSpPr>
+          <p:nvPr>
+            <p:ph type="body" sz="quarter" idx="10"/>
+          </p:nvPr>
+        </p:nvSpPr>
+        <p:spPr>
+          <a:xfrm>
+            <a:off x="519248" y="1447800"/>
+            <a:ext cx="11151917" cy="946413"/>
+          </a:xfrm>
+        </p:spPr>
+        <p:txBody>
+          <a:bodyPr/>
+          <a:lstStyle>
+            <a:lvl1pPr marL="3175" indent="0">
+              <a:spcBef>
+                <a:spcPts val="0"/>
+              </a:spcBef>
+              <a:spcAft>
+                <a:spcPts val="900"/>
+              </a:spcAft>
+              <a:buSzPct val="80000"/>
+              <a:buFont typeface="Arial" pitchFamily="34" charset="0"/>
+              <a:buNone/>
+              <a:defRPr sz="4000" spc="-100" baseline="0">
+                <a:gradFill>
+                  <a:gsLst>
+                    <a:gs pos="0">
+                      <a:srgbClr val="595959"/>
+                    </a:gs>
+                    <a:gs pos="86000">
+                      <a:srgbClr val="595959"/>
+                    </a:gs>
+                  </a:gsLst>
+                  <a:lin ang="5400000" scaled="0"/>
+                </a:gradFill>
+                <a:latin typeface="Segoe UI Light" pitchFamily="34" charset="0"/>
+              </a:defRPr>
+            </a:lvl1pPr>
+            <a:lvl2pPr marL="3175" indent="0">
+              <a:spcBef>
+                <a:spcPts val="0"/>
+              </a:spcBef>
+              <a:buSzPct val="80000"/>
+              <a:buFont typeface="Arial" pitchFamily="34" charset="0"/>
+              <a:buNone/>
+              <a:defRPr sz="2000" spc="-50" baseline="0">
+                <a:gradFill>
+                  <a:gsLst>
+                    <a:gs pos="0">
+                      <a:srgbClr val="595959"/>
+                    </a:gs>
+                    <a:gs pos="86000">
+                      <a:srgbClr val="595959"/>
+                    </a:gs>
+                  </a:gsLst>
+                  <a:lin ang="5400000" scaled="0"/>
+                </a:gradFill>
+              </a:defRPr>
+            </a:lvl2pPr>
+            <a:lvl3pPr marL="1258888" indent="-403225">
+              <a:buSzPct val="80000"/>
+              <a:buFontTx/>
+              <a:buBlip>
+                <a:blip r:embed="rId2"/>
+              </a:buBlip>
+              <a:defRPr>
+                <a:gradFill>
+                  <a:gsLst>
+                    <a:gs pos="0">
+                      <a:schemeClr val="tx1">
+                        <a:lumMod val="90000"/>
+                        <a:lumOff val="10000"/>
+                      </a:schemeClr>
+                    </a:gs>
+                    <a:gs pos="86000">
+                      <a:schemeClr val="tx1">
+                        <a:lumMod val="90000"/>
+                        <a:lumOff val="10000"/>
+                      </a:schemeClr>
+                    </a:gs>
+                  </a:gsLst>
+                  <a:lin ang="5400000" scaled="0"/>
+                </a:gradFill>
+              </a:defRPr>
+            </a:lvl3pPr>
+            <a:lvl4pPr marL="1604963" indent="-346075">
+              <a:buSzPct val="80000"/>
+              <a:buFontTx/>
+              <a:buBlip>
+                <a:blip r:embed="rId2"/>
+              </a:buBlip>
+              <a:defRPr>
+                <a:gradFill>
+                  <a:gsLst>
+                    <a:gs pos="0">
+                      <a:schemeClr val="tx1">
+                        <a:lumMod val="90000"/>
+                        <a:lumOff val="10000"/>
+                      </a:schemeClr>
+                    </a:gs>
+                    <a:gs pos="86000">
+                      <a:schemeClr val="tx1">
+                        <a:lumMod val="90000"/>
+                        <a:lumOff val="10000"/>
+                      </a:schemeClr>
+                    </a:gs>
+                  </a:gsLst>
+                  <a:lin ang="5400000" scaled="0"/>
+                </a:gradFill>
+              </a:defRPr>
+            </a:lvl4pPr>
+            <a:lvl5pPr marL="1941513" indent="-336550">
+              <a:buSzPct val="80000"/>
+              <a:buFontTx/>
+              <a:buBlip>
+                <a:blip r:embed="rId2"/>
+              </a:buBlip>
+              <a:defRPr>
+                <a:gradFill>
+                  <a:gsLst>
+                    <a:gs pos="0">
+                      <a:schemeClr val="tx1">
+                        <a:lumMod val="90000"/>
+                        <a:lumOff val="10000"/>
+                      </a:schemeClr>
+                    </a:gs>
+                    <a:gs pos="86000">
+                      <a:schemeClr val="tx1">
+                        <a:lumMod val="90000"/>
+                        <a:lumOff val="10000"/>
+                      </a:schemeClr>
+                    </a:gs>
+                  </a:gsLst>
+                  <a:lin ang="5400000" scaled="0"/>
+                </a:gradFill>
+              </a:defRPr>
+            </a:lvl5pPr>
+          </a:lstStyle>
+          <a:p>
+            <a:pPr lvl="0"/>
+            <a:r>
+              <a:rPr lang="en-US" smtClean="0"/>
+              <a:t>Click to edit Master text styles</a:t>
+            </a:r>
+          </a:p>
+          <a:p>
+            <a:pPr lvl="1"/>
+            <a:r>
+              <a:rPr lang="en-US" smtClean="0"/>
+              <a:t>Second level</a:t>
+            </a:r>
+          </a:p>
+        </p:txBody>
+      </p:sp>
+    </p:spTree>
+    <p:extLst>
+      <p:ext uri="{BB962C8B-B14F-4D97-AF65-F5344CB8AC3E}">
+        <p14:creationId xmlns:p14="http://schemas.microsoft.com/office/powerpoint/2010/main" val="2303879691"/>
+      </p:ext>
+    </p:extLst>
+  </p:cSld>
+  <p:clrMapOvr>
+    <a:masterClrMapping/>
+  </p:clrMapOvr>
+  <p:transition>
+    <p:fade/>
+  </p:transition>
+  <p:timing>
+    <p:tnLst>
+      <p:par>
+        <p:cTn id="1" dur="indefinite" restart="never" nodeType="tmRoot"/>
+      </p:par>
+    </p:tnLst>
+  </p:timing>
+</p:sldLayout>
+</file>
+
+<file path=ppt/slideLayouts/slideLayout71.xml><?xml version="1.0" encoding="utf-8"?>
+<p:sldLayout xmlns:a="http://schemas.openxmlformats.org/drawingml/2006/main" xmlns:r="http://schemas.openxmlformats.org/officeDocument/2006/relationships" xmlns:p="http://schemas.openxmlformats.org/presentationml/2006/main" userDrawn="1">
+  <p:cSld name="4_Title and Content">
+    <p:spTree>
+      <p:nvGrpSpPr>
+        <p:cNvPr id="1" name=""/>
+        <p:cNvGrpSpPr/>
+        <p:nvPr/>
+      </p:nvGrpSpPr>
+      <p:grpSpPr>
+        <a:xfrm>
+          <a:off x="0" y="0"/>
+          <a:ext cx="0" cy="0"/>
+          <a:chOff x="0" y="0"/>
+          <a:chExt cx="0" cy="0"/>
+        </a:xfrm>
+      </p:grpSpPr>
+      <p:sp>
+        <p:nvSpPr>
+          <p:cNvPr id="2" name="Title 1"/>
+          <p:cNvSpPr>
+            <a:spLocks noGrp="1"/>
+          </p:cNvSpPr>
+          <p:nvPr>
+            <p:ph type="title"/>
+          </p:nvPr>
+        </p:nvSpPr>
+        <p:spPr>
+          <a:xfrm>
+            <a:off x="519248" y="228601"/>
+            <a:ext cx="11151917" cy="747897"/>
+          </a:xfrm>
+        </p:spPr>
+        <p:txBody>
+          <a:bodyPr/>
+          <a:lstStyle>
+            <a:lvl1pPr>
+              <a:defRPr sz="5400"/>
+            </a:lvl1pPr>
+          </a:lstStyle>
+          <a:p>
+            <a:r>
+              <a:rPr lang="en-US" smtClean="0"/>
+              <a:t>Click to edit Master title style</a:t>
+            </a:r>
+            <a:endParaRPr lang="en-US" dirty="0"/>
+          </a:p>
+        </p:txBody>
+      </p:sp>
+      <p:sp>
+        <p:nvSpPr>
+          <p:cNvPr id="5" name="Text Placeholder 4"/>
+          <p:cNvSpPr>
+            <a:spLocks noGrp="1"/>
+          </p:cNvSpPr>
+          <p:nvPr>
+            <p:ph type="body" sz="quarter" idx="10"/>
+          </p:nvPr>
+        </p:nvSpPr>
+        <p:spPr>
+          <a:xfrm>
+            <a:off x="519248" y="1447800"/>
+            <a:ext cx="11151917" cy="946413"/>
+          </a:xfrm>
+        </p:spPr>
+        <p:txBody>
+          <a:bodyPr/>
+          <a:lstStyle>
+            <a:lvl1pPr marL="3175" indent="0">
+              <a:spcBef>
+                <a:spcPts val="0"/>
+              </a:spcBef>
+              <a:spcAft>
+                <a:spcPts val="900"/>
+              </a:spcAft>
+              <a:buSzPct val="80000"/>
+              <a:buFont typeface="Arial" pitchFamily="34" charset="0"/>
+              <a:buNone/>
+              <a:defRPr sz="4000" spc="-100" baseline="0">
+                <a:gradFill>
+                  <a:gsLst>
+                    <a:gs pos="0">
+                      <a:srgbClr val="595959"/>
+                    </a:gs>
+                    <a:gs pos="86000">
+                      <a:srgbClr val="595959"/>
+                    </a:gs>
+                  </a:gsLst>
+                  <a:lin ang="5400000" scaled="0"/>
+                </a:gradFill>
+                <a:latin typeface="Segoe UI Light" pitchFamily="34" charset="0"/>
+              </a:defRPr>
+            </a:lvl1pPr>
+            <a:lvl2pPr marL="3175" indent="0">
+              <a:spcBef>
+                <a:spcPts val="0"/>
+              </a:spcBef>
+              <a:buSzPct val="80000"/>
+              <a:buFont typeface="Arial" pitchFamily="34" charset="0"/>
+              <a:buNone/>
+              <a:defRPr sz="2000" spc="-50" baseline="0">
+                <a:gradFill>
+                  <a:gsLst>
+                    <a:gs pos="0">
+                      <a:srgbClr val="595959"/>
+                    </a:gs>
+                    <a:gs pos="86000">
+                      <a:srgbClr val="595959"/>
+                    </a:gs>
+                  </a:gsLst>
+                  <a:lin ang="5400000" scaled="0"/>
+                </a:gradFill>
+              </a:defRPr>
+            </a:lvl2pPr>
+            <a:lvl3pPr marL="1258888" indent="-403225">
+              <a:buSzPct val="80000"/>
+              <a:buFontTx/>
+              <a:buBlip>
+                <a:blip r:embed="rId2"/>
+              </a:buBlip>
+              <a:defRPr>
+                <a:gradFill>
+                  <a:gsLst>
+                    <a:gs pos="0">
+                      <a:schemeClr val="tx1">
+                        <a:lumMod val="90000"/>
+                        <a:lumOff val="10000"/>
+                      </a:schemeClr>
+                    </a:gs>
+                    <a:gs pos="86000">
+                      <a:schemeClr val="tx1">
+                        <a:lumMod val="90000"/>
+                        <a:lumOff val="10000"/>
+                      </a:schemeClr>
+                    </a:gs>
+                  </a:gsLst>
+                  <a:lin ang="5400000" scaled="0"/>
+                </a:gradFill>
+              </a:defRPr>
+            </a:lvl3pPr>
+            <a:lvl4pPr marL="1604963" indent="-346075">
+              <a:buSzPct val="80000"/>
+              <a:buFontTx/>
+              <a:buBlip>
+                <a:blip r:embed="rId2"/>
+              </a:buBlip>
+              <a:defRPr>
+                <a:gradFill>
+                  <a:gsLst>
+                    <a:gs pos="0">
+                      <a:schemeClr val="tx1">
+                        <a:lumMod val="90000"/>
+                        <a:lumOff val="10000"/>
+                      </a:schemeClr>
+                    </a:gs>
+                    <a:gs pos="86000">
+                      <a:schemeClr val="tx1">
+                        <a:lumMod val="90000"/>
+                        <a:lumOff val="10000"/>
+                      </a:schemeClr>
+                    </a:gs>
+                  </a:gsLst>
+                  <a:lin ang="5400000" scaled="0"/>
+                </a:gradFill>
+              </a:defRPr>
+            </a:lvl4pPr>
+            <a:lvl5pPr marL="1941513" indent="-336550">
+              <a:buSzPct val="80000"/>
+              <a:buFontTx/>
+              <a:buBlip>
+                <a:blip r:embed="rId2"/>
+              </a:buBlip>
+              <a:defRPr>
+                <a:gradFill>
+                  <a:gsLst>
+                    <a:gs pos="0">
+                      <a:schemeClr val="tx1">
+                        <a:lumMod val="90000"/>
+                        <a:lumOff val="10000"/>
+                      </a:schemeClr>
+                    </a:gs>
+                    <a:gs pos="86000">
+                      <a:schemeClr val="tx1">
+                        <a:lumMod val="90000"/>
+                        <a:lumOff val="10000"/>
+                      </a:schemeClr>
+                    </a:gs>
+                  </a:gsLst>
+                  <a:lin ang="5400000" scaled="0"/>
+                </a:gradFill>
+              </a:defRPr>
+            </a:lvl5pPr>
+          </a:lstStyle>
+          <a:p>
+            <a:pPr lvl="0"/>
+            <a:r>
+              <a:rPr lang="en-US" smtClean="0"/>
+              <a:t>Click to edit Master text styles</a:t>
+            </a:r>
+          </a:p>
+          <a:p>
+            <a:pPr lvl="1"/>
+            <a:r>
+              <a:rPr lang="en-US" smtClean="0"/>
+              <a:t>Second level</a:t>
+            </a:r>
+          </a:p>
+        </p:txBody>
+      </p:sp>
+    </p:spTree>
+    <p:extLst>
+      <p:ext uri="{BB962C8B-B14F-4D97-AF65-F5344CB8AC3E}">
+        <p14:creationId xmlns:p14="http://schemas.microsoft.com/office/powerpoint/2010/main" val="3538114265"/>
+      </p:ext>
+    </p:extLst>
+  </p:cSld>
+  <p:clrMapOvr>
+    <a:masterClrMapping/>
+  </p:clrMapOvr>
+  <p:transition>
+    <p:fade/>
+  </p:transition>
+  <p:timing>
+    <p:tnLst>
+      <p:par>
+        <p:cTn id="1" dur="indefinite" restart="never" nodeType="tmRoot"/>
+      </p:par>
+    </p:tnLst>
+  </p:timing>
+</p:sldLayout>
+</file>
+
+<file path=ppt/slideLayouts/slideLayout72.xml><?xml version="1.0" encoding="utf-8"?>
+<p:sldLayout xmlns:a="http://schemas.openxmlformats.org/drawingml/2006/main" xmlns:r="http://schemas.openxmlformats.org/officeDocument/2006/relationships" xmlns:p="http://schemas.openxmlformats.org/presentationml/2006/main" userDrawn="1">
+  <p:cSld name="7_Title and Content">
+    <p:spTree>
+      <p:nvGrpSpPr>
+        <p:cNvPr id="1" name=""/>
+        <p:cNvGrpSpPr/>
+        <p:nvPr/>
+      </p:nvGrpSpPr>
+      <p:grpSpPr>
+        <a:xfrm>
+          <a:off x="0" y="0"/>
+          <a:ext cx="0" cy="0"/>
+          <a:chOff x="0" y="0"/>
+          <a:chExt cx="0" cy="0"/>
+        </a:xfrm>
+      </p:grpSpPr>
+      <p:sp>
+        <p:nvSpPr>
+          <p:cNvPr id="2" name="Title 1"/>
+          <p:cNvSpPr>
+            <a:spLocks noGrp="1"/>
+          </p:cNvSpPr>
+          <p:nvPr>
+            <p:ph type="title"/>
+          </p:nvPr>
+        </p:nvSpPr>
+        <p:spPr>
+          <a:xfrm>
+            <a:off x="519248" y="228601"/>
+            <a:ext cx="11151917" cy="747897"/>
+          </a:xfrm>
+        </p:spPr>
+        <p:txBody>
+          <a:bodyPr/>
+          <a:lstStyle>
+            <a:lvl1pPr>
+              <a:defRPr sz="5400"/>
+            </a:lvl1pPr>
+          </a:lstStyle>
+          <a:p>
+            <a:r>
+              <a:rPr lang="en-US" smtClean="0"/>
+              <a:t>Click to edit Master title style</a:t>
+            </a:r>
+            <a:endParaRPr lang="en-US" dirty="0"/>
+          </a:p>
+        </p:txBody>
+      </p:sp>
+      <p:sp>
+        <p:nvSpPr>
+          <p:cNvPr id="5" name="Text Placeholder 4"/>
+          <p:cNvSpPr>
+            <a:spLocks noGrp="1"/>
+          </p:cNvSpPr>
+          <p:nvPr>
+            <p:ph type="body" sz="quarter" idx="10"/>
+          </p:nvPr>
+        </p:nvSpPr>
+        <p:spPr>
+          <a:xfrm>
+            <a:off x="519248" y="1447800"/>
+            <a:ext cx="11151917" cy="946413"/>
+          </a:xfrm>
+        </p:spPr>
+        <p:txBody>
+          <a:bodyPr/>
+          <a:lstStyle>
+            <a:lvl1pPr marL="3175" indent="0">
+              <a:spcBef>
+                <a:spcPts val="0"/>
+              </a:spcBef>
+              <a:spcAft>
+                <a:spcPts val="900"/>
+              </a:spcAft>
+              <a:buSzPct val="80000"/>
+              <a:buFont typeface="Arial" pitchFamily="34" charset="0"/>
+              <a:buNone/>
+              <a:defRPr sz="4000" spc="-100" baseline="0">
+                <a:gradFill>
+                  <a:gsLst>
+                    <a:gs pos="0">
+                      <a:srgbClr val="595959"/>
+                    </a:gs>
+                    <a:gs pos="86000">
+                      <a:srgbClr val="595959"/>
+                    </a:gs>
+                  </a:gsLst>
+                  <a:lin ang="5400000" scaled="0"/>
+                </a:gradFill>
+                <a:latin typeface="Segoe UI Light" pitchFamily="34" charset="0"/>
+              </a:defRPr>
+            </a:lvl1pPr>
+            <a:lvl2pPr marL="3175" indent="0">
+              <a:spcBef>
+                <a:spcPts val="0"/>
+              </a:spcBef>
+              <a:buSzPct val="80000"/>
+              <a:buFont typeface="Arial" pitchFamily="34" charset="0"/>
+              <a:buNone/>
+              <a:defRPr sz="2000" spc="-50" baseline="0">
+                <a:gradFill>
+                  <a:gsLst>
+                    <a:gs pos="0">
+                      <a:srgbClr val="595959"/>
+                    </a:gs>
+                    <a:gs pos="86000">
+                      <a:srgbClr val="595959"/>
+                    </a:gs>
+                  </a:gsLst>
+                  <a:lin ang="5400000" scaled="0"/>
+                </a:gradFill>
+              </a:defRPr>
+            </a:lvl2pPr>
+            <a:lvl3pPr marL="1258888" indent="-403225">
+              <a:buSzPct val="80000"/>
+              <a:buFontTx/>
+              <a:buBlip>
+                <a:blip r:embed="rId2"/>
+              </a:buBlip>
+              <a:defRPr>
+                <a:gradFill>
+                  <a:gsLst>
+                    <a:gs pos="0">
+                      <a:schemeClr val="tx1">
+                        <a:lumMod val="90000"/>
+                        <a:lumOff val="10000"/>
+                      </a:schemeClr>
+                    </a:gs>
+                    <a:gs pos="86000">
+                      <a:schemeClr val="tx1">
+                        <a:lumMod val="90000"/>
+                        <a:lumOff val="10000"/>
+                      </a:schemeClr>
+                    </a:gs>
+                  </a:gsLst>
+                  <a:lin ang="5400000" scaled="0"/>
+                </a:gradFill>
+              </a:defRPr>
+            </a:lvl3pPr>
+            <a:lvl4pPr marL="1604963" indent="-346075">
+              <a:buSzPct val="80000"/>
+              <a:buFontTx/>
+              <a:buBlip>
+                <a:blip r:embed="rId2"/>
+              </a:buBlip>
+              <a:defRPr>
+                <a:gradFill>
+                  <a:gsLst>
+                    <a:gs pos="0">
+                      <a:schemeClr val="tx1">
+                        <a:lumMod val="90000"/>
+                        <a:lumOff val="10000"/>
+                      </a:schemeClr>
+                    </a:gs>
+                    <a:gs pos="86000">
+                      <a:schemeClr val="tx1">
+                        <a:lumMod val="90000"/>
+                        <a:lumOff val="10000"/>
+                      </a:schemeClr>
+                    </a:gs>
+                  </a:gsLst>
+                  <a:lin ang="5400000" scaled="0"/>
+                </a:gradFill>
+              </a:defRPr>
+            </a:lvl4pPr>
+            <a:lvl5pPr marL="1941513" indent="-336550">
+              <a:buSzPct val="80000"/>
+              <a:buFontTx/>
+              <a:buBlip>
+                <a:blip r:embed="rId2"/>
+              </a:buBlip>
+              <a:defRPr>
+                <a:gradFill>
+                  <a:gsLst>
+                    <a:gs pos="0">
+                      <a:schemeClr val="tx1">
+                        <a:lumMod val="90000"/>
+                        <a:lumOff val="10000"/>
+                      </a:schemeClr>
+                    </a:gs>
+                    <a:gs pos="86000">
+                      <a:schemeClr val="tx1">
+                        <a:lumMod val="90000"/>
+                        <a:lumOff val="10000"/>
+                      </a:schemeClr>
+                    </a:gs>
+                  </a:gsLst>
+                  <a:lin ang="5400000" scaled="0"/>
+                </a:gradFill>
+              </a:defRPr>
+            </a:lvl5pPr>
+          </a:lstStyle>
+          <a:p>
+            <a:pPr lvl="0"/>
+            <a:r>
+              <a:rPr lang="en-US" smtClean="0"/>
+              <a:t>Click to edit Master text styles</a:t>
+            </a:r>
+          </a:p>
+          <a:p>
+            <a:pPr lvl="1"/>
+            <a:r>
+              <a:rPr lang="en-US" smtClean="0"/>
+              <a:t>Second level</a:t>
+            </a:r>
+          </a:p>
+        </p:txBody>
+      </p:sp>
+    </p:spTree>
+    <p:extLst>
+      <p:ext uri="{BB962C8B-B14F-4D97-AF65-F5344CB8AC3E}">
+        <p14:creationId xmlns:p14="http://schemas.microsoft.com/office/powerpoint/2010/main" val="1964167463"/>
+      </p:ext>
+    </p:extLst>
+  </p:cSld>
+  <p:clrMapOvr>
+    <a:masterClrMapping/>
+  </p:clrMapOvr>
+  <p:transition>
+    <p:fade/>
+  </p:transition>
+  <p:timing>
+    <p:tnLst>
+      <p:par>
+        <p:cTn id="1" dur="indefinite" restart="never" nodeType="tmRoot"/>
+      </p:par>
+    </p:tnLst>
+  </p:timing>
+</p:sldLayout>
+</file>
+
+<file path=ppt/slideLayouts/slideLayout73.xml><?xml version="1.0" encoding="utf-8"?>
+<p:sldLayout xmlns:a="http://schemas.openxmlformats.org/drawingml/2006/main" xmlns:r="http://schemas.openxmlformats.org/officeDocument/2006/relationships" xmlns:p="http://schemas.openxmlformats.org/presentationml/2006/main" showMasterSp="0" userDrawn="1">
+  <p:cSld name="1_Demo, Video etc. &quot;special&quot; slides">
+    <p:bg>
+      <p:bgPr>
+        <a:solidFill>
+          <a:schemeClr val="accent1">
+            <a:alpha val="99000"/>
+          </a:schemeClr>
+        </a:solidFill>
+        <a:effectLst/>
+      </p:bgPr>
+    </p:bg>
+    <p:spTree>
+      <p:nvGrpSpPr>
+        <p:cNvPr id="1" name=""/>
+        <p:cNvGrpSpPr/>
+        <p:nvPr/>
+      </p:nvGrpSpPr>
+      <p:grpSpPr>
+        <a:xfrm>
+          <a:off x="0" y="0"/>
+          <a:ext cx="0" cy="0"/>
+          <a:chOff x="0" y="0"/>
+          <a:chExt cx="0" cy="0"/>
+        </a:xfrm>
+      </p:grpSpPr>
+      <p:sp>
+        <p:nvSpPr>
+          <p:cNvPr id="2" name="Title 1"/>
+          <p:cNvSpPr>
+            <a:spLocks noGrp="1"/>
+          </p:cNvSpPr>
+          <p:nvPr>
+            <p:ph type="ctrTitle"/>
+          </p:nvPr>
+        </p:nvSpPr>
+        <p:spPr>
+          <a:xfrm>
+            <a:off x="1889617" y="1447800"/>
+            <a:ext cx="4206383" cy="1523494"/>
+          </a:xfrm>
+        </p:spPr>
+        <p:txBody>
+          <a:bodyPr anchor="ctr" anchorCtr="0">
+            <a:noAutofit/>
+          </a:bodyPr>
+          <a:lstStyle>
+            <a:lvl1pPr>
+              <a:lnSpc>
+                <a:spcPct val="90000"/>
+              </a:lnSpc>
+              <a:defRPr sz="4800" baseline="0">
+                <a:solidFill>
+                  <a:schemeClr val="bg1">
+                    <a:alpha val="98000"/>
+                  </a:schemeClr>
+                </a:solidFill>
+              </a:defRPr>
+            </a:lvl1pPr>
+          </a:lstStyle>
+          <a:p>
+            <a:r>
+              <a:rPr lang="en-US" smtClean="0"/>
+              <a:t>Click to edit Master title style</a:t>
+            </a:r>
+            <a:endParaRPr lang="en-US" dirty="0"/>
+          </a:p>
+        </p:txBody>
+      </p:sp>
+      <p:sp>
+        <p:nvSpPr>
+          <p:cNvPr id="3" name="Subtitle 2"/>
+          <p:cNvSpPr>
+            <a:spLocks noGrp="1"/>
+          </p:cNvSpPr>
+          <p:nvPr>
+            <p:ph type="subTitle" idx="1"/>
+          </p:nvPr>
+        </p:nvSpPr>
+        <p:spPr>
+          <a:xfrm>
+            <a:off x="1889617" y="5630473"/>
+            <a:ext cx="4206384" cy="461665"/>
+          </a:xfrm>
+        </p:spPr>
+        <p:txBody>
+          <a:bodyPr>
+            <a:noAutofit/>
+          </a:bodyPr>
+          <a:lstStyle>
+            <a:lvl1pPr marL="0" indent="0" algn="l" defTabSz="914363" rtl="0" eaLnBrk="1" latinLnBrk="0" hangingPunct="1">
+              <a:lnSpc>
+                <a:spcPct val="90000"/>
+              </a:lnSpc>
+              <a:spcBef>
+                <a:spcPts val="0"/>
+              </a:spcBef>
+              <a:buSzPct val="80000"/>
+              <a:buFont typeface="Arial" pitchFamily="34" charset="0"/>
+              <a:buNone/>
+              <a:defRPr lang="en-US" sz="2400" kern="1200" dirty="0">
+                <a:solidFill>
+                  <a:schemeClr val="bg1">
+                    <a:alpha val="99000"/>
+                  </a:schemeClr>
+                </a:solidFill>
+                <a:latin typeface="+mn-lt"/>
+                <a:ea typeface="+mn-ea"/>
+                <a:cs typeface="+mn-cs"/>
+              </a:defRPr>
+            </a:lvl1pPr>
+            <a:lvl2pPr marL="457182" indent="0" algn="ctr">
+              <a:buNone/>
+              <a:defRPr>
+                <a:solidFill>
+                  <a:schemeClr val="tx1">
+                    <a:tint val="75000"/>
+                  </a:schemeClr>
+                </a:solidFill>
+              </a:defRPr>
+            </a:lvl2pPr>
+            <a:lvl3pPr marL="914363" indent="0" algn="ctr">
+              <a:buNone/>
+              <a:defRPr>
+                <a:solidFill>
+                  <a:schemeClr val="tx1">
+                    <a:tint val="75000"/>
+                  </a:schemeClr>
+                </a:solidFill>
+              </a:defRPr>
+            </a:lvl3pPr>
+            <a:lvl4pPr marL="1371545" indent="0" algn="ctr">
+              <a:buNone/>
+              <a:defRPr>
+                <a:solidFill>
+                  <a:schemeClr val="tx1">
+                    <a:tint val="75000"/>
+                  </a:schemeClr>
+                </a:solidFill>
+              </a:defRPr>
+            </a:lvl4pPr>
+            <a:lvl5pPr marL="1828727" indent="0" algn="ctr">
+              <a:buNone/>
+              <a:defRPr>
+                <a:solidFill>
+                  <a:schemeClr val="tx1">
+                    <a:tint val="75000"/>
+                  </a:schemeClr>
+                </a:solidFill>
+              </a:defRPr>
+            </a:lvl5pPr>
+            <a:lvl6pPr marL="2285909" indent="0" algn="ctr">
+              <a:buNone/>
+              <a:defRPr>
+                <a:solidFill>
+                  <a:schemeClr val="tx1">
+                    <a:tint val="75000"/>
+                  </a:schemeClr>
+                </a:solidFill>
+              </a:defRPr>
+            </a:lvl6pPr>
+            <a:lvl7pPr marL="2743090" indent="0" algn="ctr">
+              <a:buNone/>
+              <a:defRPr>
+                <a:solidFill>
+                  <a:schemeClr val="tx1">
+                    <a:tint val="75000"/>
+                  </a:schemeClr>
+                </a:solidFill>
+              </a:defRPr>
+            </a:lvl7pPr>
+            <a:lvl8pPr marL="3200272" indent="0" algn="ctr">
+              <a:buNone/>
+              <a:defRPr>
+                <a:solidFill>
+                  <a:schemeClr val="tx1">
+                    <a:tint val="75000"/>
+                  </a:schemeClr>
+                </a:solidFill>
+              </a:defRPr>
+            </a:lvl8pPr>
+            <a:lvl9pPr marL="3657454" indent="0" algn="ctr">
+              <a:buNone/>
+              <a:defRPr>
+                <a:solidFill>
+                  <a:schemeClr val="tx1">
+                    <a:tint val="75000"/>
+                  </a:schemeClr>
+                </a:solidFill>
+              </a:defRPr>
+            </a:lvl9pPr>
+          </a:lstStyle>
+          <a:p>
+            <a:r>
+              <a:rPr lang="en-US" smtClean="0"/>
+              <a:t>Click to edit Master subtitle style</a:t>
+            </a:r>
+            <a:endParaRPr lang="en-US" dirty="0"/>
+          </a:p>
+        </p:txBody>
+      </p:sp>
+      <p:sp>
+        <p:nvSpPr>
+          <p:cNvPr id="7" name="Text Placeholder 6"/>
+          <p:cNvSpPr>
+            <a:spLocks noGrp="1"/>
+          </p:cNvSpPr>
+          <p:nvPr>
+            <p:ph type="body" sz="quarter" idx="10" hasCustomPrompt="1"/>
+          </p:nvPr>
+        </p:nvSpPr>
+        <p:spPr>
+          <a:xfrm>
+            <a:off x="1889617" y="4160520"/>
+            <a:ext cx="8874849" cy="1274538"/>
+          </a:xfrm>
+        </p:spPr>
+        <p:txBody>
+          <a:bodyPr anchor="t" anchorCtr="0">
+            <a:noAutofit/>
+            <a:scene3d>
+              <a:camera prst="orthographicFront"/>
+              <a:lightRig rig="flat" dir="t"/>
+            </a:scene3d>
+            <a:sp3d>
+              <a:contourClr>
+                <a:schemeClr val="bg2"/>
+              </a:contourClr>
+            </a:sp3d>
+          </a:bodyPr>
+          <a:lstStyle>
+            <a:lvl1pPr marL="0" indent="0" algn="l">
+              <a:buFont typeface="Arial" pitchFamily="34" charset="0"/>
+              <a:buNone/>
+              <a:defRPr kumimoji="0" lang="en-US" sz="6600" b="0" i="0" u="none" strike="noStrike" kern="1200" cap="none" spc="-642" normalizeH="0" baseline="0" noProof="0" dirty="0" smtClean="0">
+                <a:ln w="11430"/>
+                <a:solidFill>
+                  <a:schemeClr val="accent1">
+                    <a:lumMod val="40000"/>
+                    <a:lumOff val="60000"/>
+                    <a:alpha val="99000"/>
+                  </a:schemeClr>
+                </a:solidFill>
+                <a:effectLst/>
+                <a:uLnTx/>
+                <a:uFillTx/>
+                <a:latin typeface="Segoe UI Light" pitchFamily="34" charset="0"/>
+                <a:ea typeface="+mn-ea"/>
+                <a:cs typeface="+mn-cs"/>
+              </a:defRPr>
+            </a:lvl1pPr>
+          </a:lstStyle>
+          <a:p>
+            <a:pPr lvl="0"/>
+            <a:r>
+              <a:rPr lang="en-US" dirty="0" smtClean="0"/>
+              <a:t>click to…</a:t>
+            </a:r>
+          </a:p>
+        </p:txBody>
+      </p:sp>
+      <p:grpSp>
+        <p:nvGrpSpPr>
+          <p:cNvPr id="9" name="Group 8"/>
+          <p:cNvGrpSpPr/>
+          <p:nvPr userDrawn="1"/>
+        </p:nvGrpSpPr>
+        <p:grpSpPr>
+          <a:xfrm>
+            <a:off x="7715394" y="2136047"/>
+            <a:ext cx="3500039" cy="2114058"/>
+            <a:chOff x="1411369" y="3975421"/>
+            <a:chExt cx="1714604" cy="1035908"/>
+          </a:xfrm>
+        </p:grpSpPr>
+        <p:sp>
+          <p:nvSpPr>
+            <p:cNvPr id="12" name="Freeform 6"/>
+            <p:cNvSpPr>
+              <a:spLocks/>
+            </p:cNvSpPr>
+            <p:nvPr userDrawn="1"/>
+          </p:nvSpPr>
+          <p:spPr bwMode="auto">
+            <a:xfrm>
+              <a:off x="1900471" y="3975421"/>
+              <a:ext cx="1225502" cy="656717"/>
+            </a:xfrm>
+            <a:custGeom>
+              <a:avLst/>
+              <a:gdLst>
+                <a:gd name="T0" fmla="*/ 138 w 189"/>
+                <a:gd name="T1" fmla="*/ 0 h 101"/>
+                <a:gd name="T2" fmla="*/ 94 w 189"/>
+                <a:gd name="T3" fmla="*/ 26 h 101"/>
+                <a:gd name="T4" fmla="*/ 75 w 189"/>
+                <a:gd name="T5" fmla="*/ 21 h 101"/>
+                <a:gd name="T6" fmla="*/ 40 w 189"/>
+                <a:gd name="T7" fmla="*/ 42 h 101"/>
+                <a:gd name="T8" fmla="*/ 29 w 189"/>
+                <a:gd name="T9" fmla="*/ 40 h 101"/>
+                <a:gd name="T10" fmla="*/ 0 w 189"/>
+                <a:gd name="T11" fmla="*/ 64 h 101"/>
+                <a:gd name="T12" fmla="*/ 11 w 189"/>
+                <a:gd name="T13" fmla="*/ 62 h 101"/>
+                <a:gd name="T14" fmla="*/ 30 w 189"/>
+                <a:gd name="T15" fmla="*/ 66 h 101"/>
+                <a:gd name="T16" fmla="*/ 82 w 189"/>
+                <a:gd name="T17" fmla="*/ 39 h 101"/>
+                <a:gd name="T18" fmla="*/ 145 w 189"/>
+                <a:gd name="T19" fmla="*/ 101 h 101"/>
+                <a:gd name="T20" fmla="*/ 189 w 189"/>
+                <a:gd name="T21" fmla="*/ 51 h 101"/>
+                <a:gd name="T22" fmla="*/ 138 w 189"/>
+                <a:gd name="T23" fmla="*/ 0 h 101"/>
+              </a:gdLst>
+              <a:ahLst/>
+              <a:cxnLst>
+                <a:cxn ang="0">
+                  <a:pos x="T0" y="T1"/>
+                </a:cxn>
+                <a:cxn ang="0">
+                  <a:pos x="T2" y="T3"/>
+                </a:cxn>
+                <a:cxn ang="0">
+                  <a:pos x="T4" y="T5"/>
+                </a:cxn>
+                <a:cxn ang="0">
+                  <a:pos x="T6" y="T7"/>
+                </a:cxn>
+                <a:cxn ang="0">
+                  <a:pos x="T8" y="T9"/>
+                </a:cxn>
+                <a:cxn ang="0">
+                  <a:pos x="T10" y="T11"/>
+                </a:cxn>
+                <a:cxn ang="0">
+                  <a:pos x="T12" y="T13"/>
+                </a:cxn>
+                <a:cxn ang="0">
+                  <a:pos x="T14" y="T15"/>
+                </a:cxn>
+                <a:cxn ang="0">
+                  <a:pos x="T16" y="T17"/>
+                </a:cxn>
+                <a:cxn ang="0">
+                  <a:pos x="T18" y="T19"/>
+                </a:cxn>
+                <a:cxn ang="0">
+                  <a:pos x="T20" y="T21"/>
+                </a:cxn>
+                <a:cxn ang="0">
+                  <a:pos x="T22" y="T23"/>
+                </a:cxn>
+              </a:cxnLst>
+              <a:rect l="0" t="0" r="r" b="b"/>
+              <a:pathLst>
+                <a:path w="189" h="101">
+                  <a:moveTo>
+                    <a:pt x="138" y="0"/>
+                  </a:moveTo>
+                  <a:cubicBezTo>
+                    <a:pt x="119" y="0"/>
+                    <a:pt x="103" y="10"/>
+                    <a:pt x="94" y="26"/>
+                  </a:cubicBezTo>
+                  <a:cubicBezTo>
+                    <a:pt x="89" y="23"/>
+                    <a:pt x="82" y="21"/>
+                    <a:pt x="75" y="21"/>
+                  </a:cubicBezTo>
+                  <a:cubicBezTo>
+                    <a:pt x="60" y="21"/>
+                    <a:pt x="46" y="30"/>
+                    <a:pt x="40" y="42"/>
+                  </a:cubicBezTo>
+                  <a:cubicBezTo>
+                    <a:pt x="36" y="41"/>
+                    <a:pt x="33" y="40"/>
+                    <a:pt x="29" y="40"/>
+                  </a:cubicBezTo>
+                  <a:cubicBezTo>
+                    <a:pt x="15" y="40"/>
+                    <a:pt x="3" y="50"/>
+                    <a:pt x="0" y="64"/>
+                  </a:cubicBezTo>
+                  <a:cubicBezTo>
+                    <a:pt x="3" y="63"/>
+                    <a:pt x="7" y="62"/>
+                    <a:pt x="11" y="62"/>
+                  </a:cubicBezTo>
+                  <a:cubicBezTo>
+                    <a:pt x="17" y="62"/>
+                    <a:pt x="24" y="64"/>
+                    <a:pt x="30" y="66"/>
+                  </a:cubicBezTo>
+                  <a:cubicBezTo>
+                    <a:pt x="42" y="49"/>
+                    <a:pt x="61" y="39"/>
+                    <a:pt x="82" y="39"/>
+                  </a:cubicBezTo>
+                  <a:cubicBezTo>
+                    <a:pt x="117" y="39"/>
+                    <a:pt x="145" y="67"/>
+                    <a:pt x="145" y="101"/>
+                  </a:cubicBezTo>
+                  <a:cubicBezTo>
+                    <a:pt x="170" y="98"/>
+                    <a:pt x="189" y="77"/>
+                    <a:pt x="189" y="51"/>
+                  </a:cubicBezTo>
+                  <a:cubicBezTo>
+                    <a:pt x="189" y="22"/>
+                    <a:pt x="167" y="0"/>
+                    <a:pt x="138" y="0"/>
+                  </a:cubicBezTo>
+                  <a:close/>
+                </a:path>
+              </a:pathLst>
+            </a:custGeom>
+            <a:solidFill>
+              <a:schemeClr val="bg1"/>
+            </a:solidFill>
+            <a:ln>
+              <a:noFill/>
+            </a:ln>
+          </p:spPr>
+          <p:txBody>
+            <a:bodyPr vert="horz" wrap="square" lIns="91440" tIns="45720" rIns="91440" bIns="45720" numCol="1" anchor="t" anchorCtr="0" compatLnSpc="1">
+              <a:prstTxWarp prst="textNoShape">
+                <a:avLst/>
+              </a:prstTxWarp>
+            </a:bodyPr>
+            <a:lstStyle/>
+            <a:p>
+              <a:pPr marL="0" marR="0" lvl="0" indent="0" algn="l" defTabSz="914400" rtl="0" eaLnBrk="1" fontAlgn="auto" latinLnBrk="0" hangingPunct="1">
+                <a:lnSpc>
+                  <a:spcPct val="100000"/>
+                </a:lnSpc>
+                <a:spcBef>
+                  <a:spcPts val="0"/>
+                </a:spcBef>
+                <a:spcAft>
+                  <a:spcPts val="0"/>
+                </a:spcAft>
+                <a:buClrTx/>
+                <a:buSzTx/>
+                <a:buFontTx/>
+                <a:buNone/>
+                <a:tabLst/>
+                <a:defRPr/>
+              </a:pPr>
+              <a:endParaRPr kumimoji="0" lang="en-US" sz="1800" b="0" i="0" u="none" strike="noStrike" kern="1200" cap="none" spc="0" normalizeH="0" baseline="0" noProof="0">
+                <a:ln>
+                  <a:noFill/>
+                </a:ln>
+                <a:solidFill>
+                  <a:srgbClr val="00B0F0"/>
+                </a:solidFill>
+                <a:effectLst/>
+                <a:uLnTx/>
+                <a:uFillTx/>
+                <a:latin typeface="Segoe UI"/>
+                <a:ea typeface="+mn-ea"/>
+                <a:cs typeface="+mn-cs"/>
+              </a:endParaRPr>
+            </a:p>
+          </p:txBody>
+        </p:sp>
+        <p:sp>
+          <p:nvSpPr>
+            <p:cNvPr id="15" name="Freeform 7"/>
+            <p:cNvSpPr>
+              <a:spLocks/>
+            </p:cNvSpPr>
+            <p:nvPr userDrawn="1"/>
+          </p:nvSpPr>
+          <p:spPr bwMode="auto">
+            <a:xfrm>
+              <a:off x="1411369" y="4269433"/>
+              <a:ext cx="1390368" cy="741896"/>
+            </a:xfrm>
+            <a:custGeom>
+              <a:avLst/>
+              <a:gdLst>
+                <a:gd name="T0" fmla="*/ 157 w 214"/>
+                <a:gd name="T1" fmla="*/ 0 h 114"/>
+                <a:gd name="T2" fmla="*/ 107 w 214"/>
+                <a:gd name="T3" fmla="*/ 29 h 114"/>
+                <a:gd name="T4" fmla="*/ 86 w 214"/>
+                <a:gd name="T5" fmla="*/ 23 h 114"/>
+                <a:gd name="T6" fmla="*/ 46 w 214"/>
+                <a:gd name="T7" fmla="*/ 48 h 114"/>
+                <a:gd name="T8" fmla="*/ 34 w 214"/>
+                <a:gd name="T9" fmla="*/ 45 h 114"/>
+                <a:gd name="T10" fmla="*/ 0 w 214"/>
+                <a:gd name="T11" fmla="*/ 80 h 114"/>
+                <a:gd name="T12" fmla="*/ 34 w 214"/>
+                <a:gd name="T13" fmla="*/ 114 h 114"/>
+                <a:gd name="T14" fmla="*/ 86 w 214"/>
+                <a:gd name="T15" fmla="*/ 114 h 114"/>
+                <a:gd name="T16" fmla="*/ 157 w 214"/>
+                <a:gd name="T17" fmla="*/ 114 h 114"/>
+                <a:gd name="T18" fmla="*/ 214 w 214"/>
+                <a:gd name="T19" fmla="*/ 57 h 114"/>
+                <a:gd name="T20" fmla="*/ 157 w 214"/>
+                <a:gd name="T21" fmla="*/ 0 h 114"/>
+              </a:gdLst>
+              <a:ahLst/>
+              <a:cxnLst>
+                <a:cxn ang="0">
+                  <a:pos x="T0" y="T1"/>
+                </a:cxn>
+                <a:cxn ang="0">
+                  <a:pos x="T2" y="T3"/>
+                </a:cxn>
+                <a:cxn ang="0">
+                  <a:pos x="T4" y="T5"/>
+                </a:cxn>
+                <a:cxn ang="0">
+                  <a:pos x="T6" y="T7"/>
+                </a:cxn>
+                <a:cxn ang="0">
+                  <a:pos x="T8" y="T9"/>
+                </a:cxn>
+                <a:cxn ang="0">
+                  <a:pos x="T10" y="T11"/>
+                </a:cxn>
+                <a:cxn ang="0">
+                  <a:pos x="T12" y="T13"/>
+                </a:cxn>
+                <a:cxn ang="0">
+                  <a:pos x="T14" y="T15"/>
+                </a:cxn>
+                <a:cxn ang="0">
+                  <a:pos x="T16" y="T17"/>
+                </a:cxn>
+                <a:cxn ang="0">
+                  <a:pos x="T18" y="T19"/>
+                </a:cxn>
+                <a:cxn ang="0">
+                  <a:pos x="T20" y="T21"/>
+                </a:cxn>
+              </a:cxnLst>
+              <a:rect l="0" t="0" r="r" b="b"/>
+              <a:pathLst>
+                <a:path w="214" h="114">
+                  <a:moveTo>
+                    <a:pt x="157" y="0"/>
+                  </a:moveTo>
+                  <a:cubicBezTo>
+                    <a:pt x="136" y="0"/>
+                    <a:pt x="117" y="11"/>
+                    <a:pt x="107" y="29"/>
+                  </a:cubicBezTo>
+                  <a:cubicBezTo>
+                    <a:pt x="101" y="25"/>
+                    <a:pt x="94" y="23"/>
+                    <a:pt x="86" y="23"/>
+                  </a:cubicBezTo>
+                  <a:cubicBezTo>
+                    <a:pt x="69" y="23"/>
+                    <a:pt x="54" y="33"/>
+                    <a:pt x="46" y="48"/>
+                  </a:cubicBezTo>
+                  <a:cubicBezTo>
+                    <a:pt x="42" y="46"/>
+                    <a:pt x="38" y="45"/>
+                    <a:pt x="34" y="45"/>
+                  </a:cubicBezTo>
+                  <a:cubicBezTo>
+                    <a:pt x="15" y="45"/>
+                    <a:pt x="0" y="61"/>
+                    <a:pt x="0" y="80"/>
+                  </a:cubicBezTo>
+                  <a:cubicBezTo>
+                    <a:pt x="0" y="99"/>
+                    <a:pt x="15" y="114"/>
+                    <a:pt x="34" y="114"/>
+                  </a:cubicBezTo>
+                  <a:cubicBezTo>
+                    <a:pt x="86" y="114"/>
+                    <a:pt x="86" y="114"/>
+                    <a:pt x="86" y="114"/>
+                  </a:cubicBezTo>
+                  <a:cubicBezTo>
+                    <a:pt x="157" y="114"/>
+                    <a:pt x="157" y="114"/>
+                    <a:pt x="157" y="114"/>
+                  </a:cubicBezTo>
+                  <a:cubicBezTo>
+                    <a:pt x="189" y="114"/>
+                    <a:pt x="214" y="89"/>
+                    <a:pt x="214" y="57"/>
+                  </a:cubicBezTo>
+                  <a:cubicBezTo>
+                    <a:pt x="214" y="25"/>
+                    <a:pt x="189" y="0"/>
+                    <a:pt x="157" y="0"/>
+                  </a:cubicBezTo>
+                  <a:close/>
+                </a:path>
+              </a:pathLst>
+            </a:custGeom>
+            <a:solidFill>
+              <a:schemeClr val="bg1"/>
+            </a:solidFill>
+            <a:ln>
+              <a:noFill/>
+            </a:ln>
+          </p:spPr>
+          <p:txBody>
+            <a:bodyPr vert="horz" wrap="square" lIns="91440" tIns="45720" rIns="91440" bIns="45720" numCol="1" anchor="t" anchorCtr="0" compatLnSpc="1">
+              <a:prstTxWarp prst="textNoShape">
+                <a:avLst/>
+              </a:prstTxWarp>
+            </a:bodyPr>
+            <a:lstStyle/>
+            <a:p>
+              <a:pPr marL="0" marR="0" lvl="0" indent="0" algn="l" defTabSz="914400" rtl="0" eaLnBrk="1" fontAlgn="auto" latinLnBrk="0" hangingPunct="1">
+                <a:lnSpc>
+                  <a:spcPct val="100000"/>
+                </a:lnSpc>
+                <a:spcBef>
+                  <a:spcPts val="0"/>
+                </a:spcBef>
+                <a:spcAft>
+                  <a:spcPts val="0"/>
+                </a:spcAft>
+                <a:buClrTx/>
+                <a:buSzTx/>
+                <a:buFontTx/>
+                <a:buNone/>
+                <a:tabLst/>
+                <a:defRPr/>
+              </a:pPr>
+              <a:endParaRPr kumimoji="0" lang="en-US" sz="1800" b="0" i="0" u="none" strike="noStrike" kern="1200" cap="none" spc="0" normalizeH="0" baseline="0" noProof="0">
+                <a:ln>
+                  <a:noFill/>
+                </a:ln>
+                <a:solidFill>
+                  <a:srgbClr val="00B0F0"/>
+                </a:solidFill>
+                <a:effectLst/>
+                <a:uLnTx/>
+                <a:uFillTx/>
+                <a:latin typeface="Segoe UI"/>
+                <a:ea typeface="+mn-ea"/>
+                <a:cs typeface="+mn-cs"/>
+              </a:endParaRPr>
+            </a:p>
+          </p:txBody>
+        </p:sp>
+      </p:grpSp>
+    </p:spTree>
+    <p:extLst>
+      <p:ext uri="{BB962C8B-B14F-4D97-AF65-F5344CB8AC3E}">
+        <p14:creationId xmlns:p14="http://schemas.microsoft.com/office/powerpoint/2010/main" val="3568750183"/>
+      </p:ext>
+    </p:extLst>
+  </p:cSld>
+  <p:clrMapOvr>
+    <a:masterClrMapping/>
+  </p:clrMapOvr>
+  <p:transition>
+    <p:fade/>
+  </p:transition>
+  <p:timing>
+    <p:tnLst>
+      <p:par>
+        <p:cTn id="1" dur="indefinite" restart="never" nodeType="tmRoot"/>
+      </p:par>
+    </p:tnLst>
+  </p:timing>
+</p:sldLayout>
+</file>
+
+<file path=ppt/slideLayouts/slideLayout74.xml><?xml version="1.0" encoding="utf-8"?>
+<p:sldLayout xmlns:a="http://schemas.openxmlformats.org/drawingml/2006/main" xmlns:r="http://schemas.openxmlformats.org/officeDocument/2006/relationships" xmlns:p="http://schemas.openxmlformats.org/presentationml/2006/main" userDrawn="1">
+  <p:cSld name="11_Title and Content">
+    <p:spTree>
+      <p:nvGrpSpPr>
+        <p:cNvPr id="1" name=""/>
+        <p:cNvGrpSpPr/>
+        <p:nvPr/>
+      </p:nvGrpSpPr>
+      <p:grpSpPr>
+        <a:xfrm>
+          <a:off x="0" y="0"/>
+          <a:ext cx="0" cy="0"/>
+          <a:chOff x="0" y="0"/>
+          <a:chExt cx="0" cy="0"/>
+        </a:xfrm>
+      </p:grpSpPr>
+      <p:sp>
+        <p:nvSpPr>
+          <p:cNvPr id="2" name="Title 1"/>
+          <p:cNvSpPr>
+            <a:spLocks noGrp="1"/>
+          </p:cNvSpPr>
+          <p:nvPr>
+            <p:ph type="title"/>
+          </p:nvPr>
+        </p:nvSpPr>
+        <p:spPr>
+          <a:xfrm>
+            <a:off x="519248" y="228601"/>
+            <a:ext cx="11151917" cy="747897"/>
+          </a:xfrm>
+        </p:spPr>
+        <p:txBody>
+          <a:bodyPr/>
+          <a:lstStyle>
+            <a:lvl1pPr>
+              <a:defRPr sz="5400"/>
+            </a:lvl1pPr>
+          </a:lstStyle>
+          <a:p>
+            <a:r>
+              <a:rPr lang="en-US" smtClean="0"/>
+              <a:t>Click to edit Master title style</a:t>
+            </a:r>
+            <a:endParaRPr lang="en-US" dirty="0"/>
+          </a:p>
+        </p:txBody>
+      </p:sp>
+      <p:sp>
+        <p:nvSpPr>
+          <p:cNvPr id="5" name="Text Placeholder 4"/>
+          <p:cNvSpPr>
+            <a:spLocks noGrp="1"/>
+          </p:cNvSpPr>
+          <p:nvPr>
+            <p:ph type="body" sz="quarter" idx="10"/>
+          </p:nvPr>
+        </p:nvSpPr>
+        <p:spPr>
+          <a:xfrm>
+            <a:off x="519248" y="1447800"/>
+            <a:ext cx="11151917" cy="946413"/>
+          </a:xfrm>
+        </p:spPr>
+        <p:txBody>
+          <a:bodyPr/>
+          <a:lstStyle>
+            <a:lvl1pPr marL="3175" indent="0">
+              <a:spcBef>
+                <a:spcPts val="0"/>
+              </a:spcBef>
+              <a:spcAft>
+                <a:spcPts val="900"/>
+              </a:spcAft>
+              <a:buSzPct val="80000"/>
+              <a:buFont typeface="Arial" pitchFamily="34" charset="0"/>
+              <a:buNone/>
+              <a:defRPr sz="4000" spc="-100" baseline="0">
+                <a:gradFill>
+                  <a:gsLst>
+                    <a:gs pos="0">
+                      <a:srgbClr val="595959"/>
+                    </a:gs>
+                    <a:gs pos="86000">
+                      <a:srgbClr val="595959"/>
+                    </a:gs>
+                  </a:gsLst>
+                  <a:lin ang="5400000" scaled="0"/>
+                </a:gradFill>
+                <a:latin typeface="Segoe UI Light" pitchFamily="34" charset="0"/>
+              </a:defRPr>
+            </a:lvl1pPr>
+            <a:lvl2pPr marL="3175" indent="0">
+              <a:spcBef>
+                <a:spcPts val="0"/>
+              </a:spcBef>
+              <a:buSzPct val="80000"/>
+              <a:buFont typeface="Arial" pitchFamily="34" charset="0"/>
+              <a:buNone/>
+              <a:defRPr sz="2000" spc="-50" baseline="0">
+                <a:gradFill>
+                  <a:gsLst>
+                    <a:gs pos="0">
+                      <a:srgbClr val="595959"/>
+                    </a:gs>
+                    <a:gs pos="86000">
+                      <a:srgbClr val="595959"/>
+                    </a:gs>
+                  </a:gsLst>
+                  <a:lin ang="5400000" scaled="0"/>
+                </a:gradFill>
+              </a:defRPr>
+            </a:lvl2pPr>
+            <a:lvl3pPr marL="1258888" indent="-403225">
+              <a:buSzPct val="80000"/>
+              <a:buFontTx/>
+              <a:buBlip>
+                <a:blip r:embed="rId2"/>
+              </a:buBlip>
+              <a:defRPr>
+                <a:gradFill>
+                  <a:gsLst>
+                    <a:gs pos="0">
+                      <a:schemeClr val="tx1">
+                        <a:lumMod val="90000"/>
+                        <a:lumOff val="10000"/>
+                      </a:schemeClr>
+                    </a:gs>
+                    <a:gs pos="86000">
+                      <a:schemeClr val="tx1">
+                        <a:lumMod val="90000"/>
+                        <a:lumOff val="10000"/>
+                      </a:schemeClr>
+                    </a:gs>
+                  </a:gsLst>
+                  <a:lin ang="5400000" scaled="0"/>
+                </a:gradFill>
+              </a:defRPr>
+            </a:lvl3pPr>
+            <a:lvl4pPr marL="1604963" indent="-346075">
+              <a:buSzPct val="80000"/>
+              <a:buFontTx/>
+              <a:buBlip>
+                <a:blip r:embed="rId2"/>
+              </a:buBlip>
+              <a:defRPr>
+                <a:gradFill>
+                  <a:gsLst>
+                    <a:gs pos="0">
+                      <a:schemeClr val="tx1">
+                        <a:lumMod val="90000"/>
+                        <a:lumOff val="10000"/>
+                      </a:schemeClr>
+                    </a:gs>
+                    <a:gs pos="86000">
+                      <a:schemeClr val="tx1">
+                        <a:lumMod val="90000"/>
+                        <a:lumOff val="10000"/>
+                      </a:schemeClr>
+                    </a:gs>
+                  </a:gsLst>
+                  <a:lin ang="5400000" scaled="0"/>
+                </a:gradFill>
+              </a:defRPr>
+            </a:lvl4pPr>
+            <a:lvl5pPr marL="1941513" indent="-336550">
+              <a:buSzPct val="80000"/>
+              <a:buFontTx/>
+              <a:buBlip>
+                <a:blip r:embed="rId2"/>
+              </a:buBlip>
+              <a:defRPr>
+                <a:gradFill>
+                  <a:gsLst>
+                    <a:gs pos="0">
+                      <a:schemeClr val="tx1">
+                        <a:lumMod val="90000"/>
+                        <a:lumOff val="10000"/>
+                      </a:schemeClr>
+                    </a:gs>
+                    <a:gs pos="86000">
+                      <a:schemeClr val="tx1">
+                        <a:lumMod val="90000"/>
+                        <a:lumOff val="10000"/>
+                      </a:schemeClr>
+                    </a:gs>
+                  </a:gsLst>
+                  <a:lin ang="5400000" scaled="0"/>
+                </a:gradFill>
+              </a:defRPr>
+            </a:lvl5pPr>
+          </a:lstStyle>
+          <a:p>
+            <a:pPr lvl="0"/>
+            <a:r>
+              <a:rPr lang="en-US" smtClean="0"/>
+              <a:t>Click to edit Master text styles</a:t>
+            </a:r>
+          </a:p>
+          <a:p>
+            <a:pPr lvl="1"/>
+            <a:r>
+              <a:rPr lang="en-US" smtClean="0"/>
+              <a:t>Second level</a:t>
+            </a:r>
+          </a:p>
+        </p:txBody>
+      </p:sp>
+    </p:spTree>
+    <p:extLst>
+      <p:ext uri="{BB962C8B-B14F-4D97-AF65-F5344CB8AC3E}">
+        <p14:creationId xmlns:p14="http://schemas.microsoft.com/office/powerpoint/2010/main" val="3601133134"/>
+      </p:ext>
+    </p:extLst>
+  </p:cSld>
+  <p:clrMapOvr>
+    <a:masterClrMapping/>
+  </p:clrMapOvr>
+  <p:transition>
+    <p:fade/>
+  </p:transition>
   <p:timing>
     <p:tnLst>
       <p:par>
@@ -19798,6 +24488,1097 @@
 </p:sldMaster>
 </file>
 
+<file path=ppt/slideMasters/slideMaster8.xml><?xml version="1.0" encoding="utf-8"?>
+<p:sldMaster xmlns:a="http://schemas.openxmlformats.org/drawingml/2006/main" xmlns:r="http://schemas.openxmlformats.org/officeDocument/2006/relationships" xmlns:p="http://schemas.openxmlformats.org/presentationml/2006/main">
+  <p:cSld>
+    <p:bg>
+      <p:bgPr>
+        <a:solidFill>
+          <a:srgbClr val="0171B0"/>
+        </a:solidFill>
+        <a:effectLst/>
+      </p:bgPr>
+    </p:bg>
+    <p:spTree>
+      <p:nvGrpSpPr>
+        <p:cNvPr id="1" name=""/>
+        <p:cNvGrpSpPr/>
+        <p:nvPr/>
+      </p:nvGrpSpPr>
+      <p:grpSpPr>
+        <a:xfrm>
+          <a:off x="0" y="0"/>
+          <a:ext cx="0" cy="0"/>
+          <a:chOff x="0" y="0"/>
+          <a:chExt cx="0" cy="0"/>
+        </a:xfrm>
+      </p:grpSpPr>
+      <p:sp>
+        <p:nvSpPr>
+          <p:cNvPr id="2" name="Title Placeholder 1"/>
+          <p:cNvSpPr>
+            <a:spLocks noGrp="1"/>
+          </p:cNvSpPr>
+          <p:nvPr>
+            <p:ph type="title"/>
+          </p:nvPr>
+        </p:nvSpPr>
+        <p:spPr>
+          <a:xfrm>
+            <a:off x="560798" y="416496"/>
+            <a:ext cx="11079822" cy="1325563"/>
+          </a:xfrm>
+          <a:prstGeom prst="rect">
+            <a:avLst/>
+          </a:prstGeom>
+        </p:spPr>
+        <p:txBody>
+          <a:bodyPr vert="horz" lIns="91440" tIns="45720" rIns="91440" bIns="45720" rtlCol="0" anchor="ctr">
+            <a:normAutofit/>
+          </a:bodyPr>
+          <a:lstStyle/>
+          <a:p>
+            <a:r>
+              <a:rPr lang="en-US" dirty="0" smtClean="0"/>
+              <a:t>Click to edit Master title style</a:t>
+            </a:r>
+            <a:endParaRPr lang="en-US" dirty="0"/>
+          </a:p>
+        </p:txBody>
+      </p:sp>
+      <p:sp>
+        <p:nvSpPr>
+          <p:cNvPr id="3" name="Text Placeholder 2"/>
+          <p:cNvSpPr>
+            <a:spLocks noGrp="1"/>
+          </p:cNvSpPr>
+          <p:nvPr>
+            <p:ph type="body" idx="1"/>
+          </p:nvPr>
+        </p:nvSpPr>
+        <p:spPr>
+          <a:xfrm>
+            <a:off x="560798" y="1876996"/>
+            <a:ext cx="11079822" cy="4215579"/>
+          </a:xfrm>
+          <a:prstGeom prst="rect">
+            <a:avLst/>
+          </a:prstGeom>
+        </p:spPr>
+        <p:txBody>
+          <a:bodyPr vert="horz" lIns="91440" tIns="45720" rIns="91440" bIns="45720" rtlCol="0">
+            <a:normAutofit/>
+          </a:bodyPr>
+          <a:lstStyle/>
+          <a:p>
+            <a:pPr lvl="0"/>
+            <a:r>
+              <a:rPr lang="en-US" dirty="0" smtClean="0"/>
+              <a:t>Click to edit Master text styles</a:t>
+            </a:r>
+          </a:p>
+          <a:p>
+            <a:pPr lvl="1"/>
+            <a:r>
+              <a:rPr lang="en-US" dirty="0" smtClean="0"/>
+              <a:t>Second level</a:t>
+            </a:r>
+          </a:p>
+          <a:p>
+            <a:pPr lvl="2"/>
+            <a:r>
+              <a:rPr lang="en-US" dirty="0" smtClean="0"/>
+              <a:t>Third level</a:t>
+            </a:r>
+          </a:p>
+          <a:p>
+            <a:pPr lvl="3"/>
+            <a:r>
+              <a:rPr lang="en-US" dirty="0" smtClean="0"/>
+              <a:t>Fourth level</a:t>
+            </a:r>
+          </a:p>
+          <a:p>
+            <a:pPr lvl="4"/>
+            <a:r>
+              <a:rPr lang="en-US" dirty="0" smtClean="0"/>
+              <a:t>Fifth level</a:t>
+            </a:r>
+            <a:endParaRPr lang="en-US" dirty="0"/>
+          </a:p>
+        </p:txBody>
+      </p:sp>
+      <p:pic>
+        <p:nvPicPr>
+          <p:cNvPr id="7" name="Picture 6"/>
+          <p:cNvPicPr>
+            <a:picLocks noChangeAspect="1"/>
+          </p:cNvPicPr>
+          <p:nvPr userDrawn="1"/>
+        </p:nvPicPr>
+        <p:blipFill>
+          <a:blip r:embed="rId17" cstate="print">
+            <a:extLst>
+              <a:ext uri="{28A0092B-C50C-407E-A947-70E740481C1C}">
+                <a14:useLocalDpi xmlns:a14="http://schemas.microsoft.com/office/drawing/2010/main" val="0"/>
+              </a:ext>
+            </a:extLst>
+          </a:blip>
+          <a:stretch>
+            <a:fillRect/>
+          </a:stretch>
+        </p:blipFill>
+        <p:spPr>
+          <a:xfrm>
+            <a:off x="448633" y="-1916710"/>
+            <a:ext cx="1916710" cy="1916710"/>
+          </a:xfrm>
+          <a:prstGeom prst="rect">
+            <a:avLst/>
+          </a:prstGeom>
+        </p:spPr>
+      </p:pic>
+      <p:sp>
+        <p:nvSpPr>
+          <p:cNvPr id="8" name="Rectangle 7"/>
+          <p:cNvSpPr/>
+          <p:nvPr userDrawn="1"/>
+        </p:nvSpPr>
+        <p:spPr>
+          <a:xfrm>
+            <a:off x="2516172" y="-1299953"/>
+            <a:ext cx="848413" cy="683197"/>
+          </a:xfrm>
+          <a:prstGeom prst="rect">
+            <a:avLst/>
+          </a:prstGeom>
+          <a:solidFill>
+            <a:srgbClr val="289FD7"/>
+          </a:solidFill>
+          <a:ln>
+            <a:noFill/>
+          </a:ln>
+        </p:spPr>
+        <p:style>
+          <a:lnRef idx="2">
+            <a:schemeClr val="accent1">
+              <a:shade val="50000"/>
+            </a:schemeClr>
+          </a:lnRef>
+          <a:fillRef idx="1">
+            <a:schemeClr val="accent1"/>
+          </a:fillRef>
+          <a:effectRef idx="0">
+            <a:schemeClr val="accent1"/>
+          </a:effectRef>
+          <a:fontRef idx="minor">
+            <a:schemeClr val="lt1"/>
+          </a:fontRef>
+        </p:style>
+        <p:txBody>
+          <a:bodyPr rtlCol="0" anchor="ctr"/>
+          <a:lstStyle/>
+          <a:p>
+            <a:pPr marL="0" marR="0" lvl="0" indent="0" algn="ctr" defTabSz="914400" rtl="0" eaLnBrk="1" fontAlgn="auto" latinLnBrk="0" hangingPunct="1">
+              <a:lnSpc>
+                <a:spcPct val="100000"/>
+              </a:lnSpc>
+              <a:spcBef>
+                <a:spcPts val="0"/>
+              </a:spcBef>
+              <a:spcAft>
+                <a:spcPts val="0"/>
+              </a:spcAft>
+              <a:buClrTx/>
+              <a:buSzTx/>
+              <a:buFontTx/>
+              <a:buNone/>
+              <a:tabLst/>
+              <a:defRPr/>
+            </a:pPr>
+            <a:endParaRPr kumimoji="0" lang="en-US" sz="1800" b="0" i="0" u="none" strike="noStrike" kern="1200" cap="none" spc="0" normalizeH="0" baseline="0" noProof="0">
+              <a:ln>
+                <a:noFill/>
+              </a:ln>
+              <a:solidFill>
+                <a:srgbClr val="FFFFFF"/>
+              </a:solidFill>
+              <a:effectLst/>
+              <a:uLnTx/>
+              <a:uFillTx/>
+              <a:latin typeface="Segoe UI"/>
+              <a:ea typeface="+mn-ea"/>
+              <a:cs typeface="+mn-cs"/>
+            </a:endParaRPr>
+          </a:p>
+        </p:txBody>
+      </p:sp>
+      <p:sp>
+        <p:nvSpPr>
+          <p:cNvPr id="9" name="Rectangle 8"/>
+          <p:cNvSpPr/>
+          <p:nvPr userDrawn="1"/>
+        </p:nvSpPr>
+        <p:spPr>
+          <a:xfrm>
+            <a:off x="3468279" y="-1299953"/>
+            <a:ext cx="848413" cy="683197"/>
+          </a:xfrm>
+          <a:prstGeom prst="rect">
+            <a:avLst/>
+          </a:prstGeom>
+          <a:solidFill>
+            <a:srgbClr val="80B940"/>
+          </a:solidFill>
+          <a:ln>
+            <a:noFill/>
+          </a:ln>
+        </p:spPr>
+        <p:style>
+          <a:lnRef idx="2">
+            <a:schemeClr val="accent1">
+              <a:shade val="50000"/>
+            </a:schemeClr>
+          </a:lnRef>
+          <a:fillRef idx="1">
+            <a:schemeClr val="accent1"/>
+          </a:fillRef>
+          <a:effectRef idx="0">
+            <a:schemeClr val="accent1"/>
+          </a:effectRef>
+          <a:fontRef idx="minor">
+            <a:schemeClr val="lt1"/>
+          </a:fontRef>
+        </p:style>
+        <p:txBody>
+          <a:bodyPr rtlCol="0" anchor="ctr"/>
+          <a:lstStyle/>
+          <a:p>
+            <a:pPr marL="0" marR="0" lvl="0" indent="0" algn="ctr" defTabSz="914400" rtl="0" eaLnBrk="1" fontAlgn="auto" latinLnBrk="0" hangingPunct="1">
+              <a:lnSpc>
+                <a:spcPct val="100000"/>
+              </a:lnSpc>
+              <a:spcBef>
+                <a:spcPts val="0"/>
+              </a:spcBef>
+              <a:spcAft>
+                <a:spcPts val="0"/>
+              </a:spcAft>
+              <a:buClrTx/>
+              <a:buSzTx/>
+              <a:buFontTx/>
+              <a:buNone/>
+              <a:tabLst/>
+              <a:defRPr/>
+            </a:pPr>
+            <a:endParaRPr kumimoji="0" lang="en-US" sz="1800" b="0" i="0" u="none" strike="noStrike" kern="1200" cap="none" spc="0" normalizeH="0" baseline="0" noProof="0">
+              <a:ln>
+                <a:noFill/>
+              </a:ln>
+              <a:solidFill>
+                <a:srgbClr val="FFFFFF"/>
+              </a:solidFill>
+              <a:effectLst/>
+              <a:uLnTx/>
+              <a:uFillTx/>
+              <a:latin typeface="Segoe UI"/>
+              <a:ea typeface="+mn-ea"/>
+              <a:cs typeface="+mn-cs"/>
+            </a:endParaRPr>
+          </a:p>
+        </p:txBody>
+      </p:sp>
+      <p:sp>
+        <p:nvSpPr>
+          <p:cNvPr id="10" name="Rectangle 9"/>
+          <p:cNvSpPr/>
+          <p:nvPr userDrawn="1"/>
+        </p:nvSpPr>
+        <p:spPr>
+          <a:xfrm>
+            <a:off x="4467521" y="-1299953"/>
+            <a:ext cx="848413" cy="683197"/>
+          </a:xfrm>
+          <a:prstGeom prst="rect">
+            <a:avLst/>
+          </a:prstGeom>
+          <a:solidFill>
+            <a:srgbClr val="3C454F"/>
+          </a:solidFill>
+          <a:ln>
+            <a:noFill/>
+          </a:ln>
+        </p:spPr>
+        <p:style>
+          <a:lnRef idx="2">
+            <a:schemeClr val="accent1">
+              <a:shade val="50000"/>
+            </a:schemeClr>
+          </a:lnRef>
+          <a:fillRef idx="1">
+            <a:schemeClr val="accent1"/>
+          </a:fillRef>
+          <a:effectRef idx="0">
+            <a:schemeClr val="accent1"/>
+          </a:effectRef>
+          <a:fontRef idx="minor">
+            <a:schemeClr val="lt1"/>
+          </a:fontRef>
+        </p:style>
+        <p:txBody>
+          <a:bodyPr rtlCol="0" anchor="ctr"/>
+          <a:lstStyle/>
+          <a:p>
+            <a:pPr marL="0" marR="0" lvl="0" indent="0" algn="ctr" defTabSz="914400" rtl="0" eaLnBrk="1" fontAlgn="auto" latinLnBrk="0" hangingPunct="1">
+              <a:lnSpc>
+                <a:spcPct val="100000"/>
+              </a:lnSpc>
+              <a:spcBef>
+                <a:spcPts val="0"/>
+              </a:spcBef>
+              <a:spcAft>
+                <a:spcPts val="0"/>
+              </a:spcAft>
+              <a:buClrTx/>
+              <a:buSzTx/>
+              <a:buFontTx/>
+              <a:buNone/>
+              <a:tabLst/>
+              <a:defRPr/>
+            </a:pPr>
+            <a:endParaRPr kumimoji="0" lang="en-US" sz="1800" b="0" i="0" u="none" strike="noStrike" kern="1200" cap="none" spc="0" normalizeH="0" baseline="0" noProof="0">
+              <a:ln>
+                <a:noFill/>
+              </a:ln>
+              <a:solidFill>
+                <a:srgbClr val="FFFFFF"/>
+              </a:solidFill>
+              <a:effectLst/>
+              <a:uLnTx/>
+              <a:uFillTx/>
+              <a:latin typeface="Segoe UI"/>
+              <a:ea typeface="+mn-ea"/>
+              <a:cs typeface="+mn-cs"/>
+            </a:endParaRPr>
+          </a:p>
+        </p:txBody>
+      </p:sp>
+      <p:sp>
+        <p:nvSpPr>
+          <p:cNvPr id="11" name="Rectangle 10"/>
+          <p:cNvSpPr/>
+          <p:nvPr userDrawn="1"/>
+        </p:nvSpPr>
+        <p:spPr>
+          <a:xfrm>
+            <a:off x="5400774" y="-1299953"/>
+            <a:ext cx="848413" cy="683197"/>
+          </a:xfrm>
+          <a:prstGeom prst="rect">
+            <a:avLst/>
+          </a:prstGeom>
+          <a:solidFill>
+            <a:srgbClr val="E34F24"/>
+          </a:solidFill>
+          <a:ln>
+            <a:noFill/>
+          </a:ln>
+        </p:spPr>
+        <p:style>
+          <a:lnRef idx="2">
+            <a:schemeClr val="accent1">
+              <a:shade val="50000"/>
+            </a:schemeClr>
+          </a:lnRef>
+          <a:fillRef idx="1">
+            <a:schemeClr val="accent1"/>
+          </a:fillRef>
+          <a:effectRef idx="0">
+            <a:schemeClr val="accent1"/>
+          </a:effectRef>
+          <a:fontRef idx="minor">
+            <a:schemeClr val="lt1"/>
+          </a:fontRef>
+        </p:style>
+        <p:txBody>
+          <a:bodyPr rtlCol="0" anchor="ctr"/>
+          <a:lstStyle/>
+          <a:p>
+            <a:pPr marL="0" marR="0" lvl="0" indent="0" algn="ctr" defTabSz="914400" rtl="0" eaLnBrk="1" fontAlgn="auto" latinLnBrk="0" hangingPunct="1">
+              <a:lnSpc>
+                <a:spcPct val="100000"/>
+              </a:lnSpc>
+              <a:spcBef>
+                <a:spcPts val="0"/>
+              </a:spcBef>
+              <a:spcAft>
+                <a:spcPts val="0"/>
+              </a:spcAft>
+              <a:buClrTx/>
+              <a:buSzTx/>
+              <a:buFontTx/>
+              <a:buNone/>
+              <a:tabLst/>
+              <a:defRPr/>
+            </a:pPr>
+            <a:endParaRPr kumimoji="0" lang="en-US" sz="1800" b="0" i="0" u="none" strike="noStrike" kern="1200" cap="none" spc="0" normalizeH="0" baseline="0" noProof="0">
+              <a:ln>
+                <a:noFill/>
+              </a:ln>
+              <a:solidFill>
+                <a:srgbClr val="FFFFFF"/>
+              </a:solidFill>
+              <a:effectLst/>
+              <a:uLnTx/>
+              <a:uFillTx/>
+              <a:latin typeface="Segoe UI"/>
+              <a:ea typeface="+mn-ea"/>
+              <a:cs typeface="+mn-cs"/>
+            </a:endParaRPr>
+          </a:p>
+        </p:txBody>
+      </p:sp>
+      <p:sp>
+        <p:nvSpPr>
+          <p:cNvPr id="12" name="Rectangle 11"/>
+          <p:cNvSpPr/>
+          <p:nvPr userDrawn="1"/>
+        </p:nvSpPr>
+        <p:spPr>
+          <a:xfrm>
+            <a:off x="6334027" y="-1299953"/>
+            <a:ext cx="848413" cy="683197"/>
+          </a:xfrm>
+          <a:prstGeom prst="rect">
+            <a:avLst/>
+          </a:prstGeom>
+          <a:solidFill>
+            <a:srgbClr val="0171B0"/>
+          </a:solidFill>
+          <a:ln>
+            <a:noFill/>
+          </a:ln>
+        </p:spPr>
+        <p:style>
+          <a:lnRef idx="2">
+            <a:schemeClr val="accent1">
+              <a:shade val="50000"/>
+            </a:schemeClr>
+          </a:lnRef>
+          <a:fillRef idx="1">
+            <a:schemeClr val="accent1"/>
+          </a:fillRef>
+          <a:effectRef idx="0">
+            <a:schemeClr val="accent1"/>
+          </a:effectRef>
+          <a:fontRef idx="minor">
+            <a:schemeClr val="lt1"/>
+          </a:fontRef>
+        </p:style>
+        <p:txBody>
+          <a:bodyPr rtlCol="0" anchor="ctr"/>
+          <a:lstStyle/>
+          <a:p>
+            <a:pPr marL="0" marR="0" lvl="0" indent="0" algn="ctr" defTabSz="914400" rtl="0" eaLnBrk="1" fontAlgn="auto" latinLnBrk="0" hangingPunct="1">
+              <a:lnSpc>
+                <a:spcPct val="100000"/>
+              </a:lnSpc>
+              <a:spcBef>
+                <a:spcPts val="0"/>
+              </a:spcBef>
+              <a:spcAft>
+                <a:spcPts val="0"/>
+              </a:spcAft>
+              <a:buClrTx/>
+              <a:buSzTx/>
+              <a:buFontTx/>
+              <a:buNone/>
+              <a:tabLst/>
+              <a:defRPr/>
+            </a:pPr>
+            <a:endParaRPr kumimoji="0" lang="en-US" sz="1800" b="0" i="0" u="none" strike="noStrike" kern="1200" cap="none" spc="0" normalizeH="0" baseline="0" noProof="0">
+              <a:ln>
+                <a:noFill/>
+              </a:ln>
+              <a:solidFill>
+                <a:srgbClr val="FFFFFF"/>
+              </a:solidFill>
+              <a:effectLst/>
+              <a:uLnTx/>
+              <a:uFillTx/>
+              <a:latin typeface="Segoe UI"/>
+              <a:ea typeface="+mn-ea"/>
+              <a:cs typeface="+mn-cs"/>
+            </a:endParaRPr>
+          </a:p>
+        </p:txBody>
+      </p:sp>
+      <p:sp>
+        <p:nvSpPr>
+          <p:cNvPr id="13" name="Rectangle 12"/>
+          <p:cNvSpPr/>
+          <p:nvPr userDrawn="1"/>
+        </p:nvSpPr>
+        <p:spPr>
+          <a:xfrm>
+            <a:off x="7304987" y="-1299953"/>
+            <a:ext cx="848413" cy="683197"/>
+          </a:xfrm>
+          <a:prstGeom prst="rect">
+            <a:avLst/>
+          </a:prstGeom>
+          <a:solidFill>
+            <a:srgbClr val="1D4380"/>
+          </a:solidFill>
+          <a:ln>
+            <a:noFill/>
+          </a:ln>
+        </p:spPr>
+        <p:style>
+          <a:lnRef idx="2">
+            <a:schemeClr val="accent1">
+              <a:shade val="50000"/>
+            </a:schemeClr>
+          </a:lnRef>
+          <a:fillRef idx="1">
+            <a:schemeClr val="accent1"/>
+          </a:fillRef>
+          <a:effectRef idx="0">
+            <a:schemeClr val="accent1"/>
+          </a:effectRef>
+          <a:fontRef idx="minor">
+            <a:schemeClr val="lt1"/>
+          </a:fontRef>
+        </p:style>
+        <p:txBody>
+          <a:bodyPr rtlCol="0" anchor="ctr"/>
+          <a:lstStyle/>
+          <a:p>
+            <a:pPr marL="0" marR="0" lvl="0" indent="0" algn="ctr" defTabSz="914400" rtl="0" eaLnBrk="1" fontAlgn="auto" latinLnBrk="0" hangingPunct="1">
+              <a:lnSpc>
+                <a:spcPct val="100000"/>
+              </a:lnSpc>
+              <a:spcBef>
+                <a:spcPts val="0"/>
+              </a:spcBef>
+              <a:spcAft>
+                <a:spcPts val="0"/>
+              </a:spcAft>
+              <a:buClrTx/>
+              <a:buSzTx/>
+              <a:buFontTx/>
+              <a:buNone/>
+              <a:tabLst/>
+              <a:defRPr/>
+            </a:pPr>
+            <a:endParaRPr kumimoji="0" lang="en-US" sz="1800" b="0" i="0" u="none" strike="noStrike" kern="1200" cap="none" spc="0" normalizeH="0" baseline="0" noProof="0">
+              <a:ln>
+                <a:noFill/>
+              </a:ln>
+              <a:solidFill>
+                <a:srgbClr val="FFFFFF"/>
+              </a:solidFill>
+              <a:effectLst/>
+              <a:uLnTx/>
+              <a:uFillTx/>
+              <a:latin typeface="Segoe UI"/>
+              <a:ea typeface="+mn-ea"/>
+              <a:cs typeface="+mn-cs"/>
+            </a:endParaRPr>
+          </a:p>
+        </p:txBody>
+      </p:sp>
+      <p:sp>
+        <p:nvSpPr>
+          <p:cNvPr id="15" name="Rectangle 14"/>
+          <p:cNvSpPr/>
+          <p:nvPr userDrawn="1"/>
+        </p:nvSpPr>
+        <p:spPr>
+          <a:xfrm>
+            <a:off x="1" y="0"/>
+            <a:ext cx="123290" cy="6858000"/>
+          </a:xfrm>
+          <a:prstGeom prst="rect">
+            <a:avLst/>
+          </a:prstGeom>
+          <a:solidFill>
+            <a:srgbClr val="289FD7"/>
+          </a:solidFill>
+          <a:ln>
+            <a:noFill/>
+          </a:ln>
+        </p:spPr>
+        <p:style>
+          <a:lnRef idx="2">
+            <a:schemeClr val="accent1">
+              <a:shade val="50000"/>
+            </a:schemeClr>
+          </a:lnRef>
+          <a:fillRef idx="1">
+            <a:schemeClr val="accent1"/>
+          </a:fillRef>
+          <a:effectRef idx="0">
+            <a:schemeClr val="accent1"/>
+          </a:effectRef>
+          <a:fontRef idx="minor">
+            <a:schemeClr val="lt1"/>
+          </a:fontRef>
+        </p:style>
+        <p:txBody>
+          <a:bodyPr rtlCol="0" anchor="ctr"/>
+          <a:lstStyle/>
+          <a:p>
+            <a:pPr marL="0" marR="0" lvl="0" indent="0" algn="ctr" defTabSz="914400" rtl="0" eaLnBrk="1" fontAlgn="auto" latinLnBrk="0" hangingPunct="1">
+              <a:lnSpc>
+                <a:spcPct val="100000"/>
+              </a:lnSpc>
+              <a:spcBef>
+                <a:spcPts val="0"/>
+              </a:spcBef>
+              <a:spcAft>
+                <a:spcPts val="0"/>
+              </a:spcAft>
+              <a:buClrTx/>
+              <a:buSzTx/>
+              <a:buFontTx/>
+              <a:buNone/>
+              <a:tabLst/>
+              <a:defRPr/>
+            </a:pPr>
+            <a:endParaRPr kumimoji="0" lang="en-US" sz="1800" b="0" i="0" u="none" strike="noStrike" kern="1200" cap="none" spc="0" normalizeH="0" baseline="0" noProof="0">
+              <a:ln>
+                <a:noFill/>
+              </a:ln>
+              <a:solidFill>
+                <a:srgbClr val="FFFFFF"/>
+              </a:solidFill>
+              <a:effectLst/>
+              <a:uLnTx/>
+              <a:uFillTx/>
+              <a:latin typeface="Segoe UI"/>
+              <a:ea typeface="+mn-ea"/>
+              <a:cs typeface="+mn-cs"/>
+            </a:endParaRPr>
+          </a:p>
+        </p:txBody>
+      </p:sp>
+      <p:sp>
+        <p:nvSpPr>
+          <p:cNvPr id="18" name="Slide Number Placeholder 17"/>
+          <p:cNvSpPr>
+            <a:spLocks noGrp="1"/>
+          </p:cNvSpPr>
+          <p:nvPr>
+            <p:ph type="sldNum" sz="quarter" idx="4"/>
+          </p:nvPr>
+        </p:nvSpPr>
+        <p:spPr>
+          <a:xfrm>
+            <a:off x="8897420" y="6274158"/>
+            <a:ext cx="2743200" cy="365125"/>
+          </a:xfrm>
+          <a:prstGeom prst="rect">
+            <a:avLst/>
+          </a:prstGeom>
+        </p:spPr>
+        <p:txBody>
+          <a:bodyPr vert="horz" lIns="91440" tIns="45720" rIns="91440" bIns="45720" rtlCol="0" anchor="ctr"/>
+          <a:lstStyle>
+            <a:lvl1pPr algn="r">
+              <a:defRPr sz="2000">
+                <a:solidFill>
+                  <a:srgbClr val="289FD7"/>
+                </a:solidFill>
+                <a:latin typeface="+mj-lt"/>
+              </a:defRPr>
+            </a:lvl1pPr>
+          </a:lstStyle>
+          <a:p>
+            <a:pPr marL="0" marR="0" lvl="0" indent="0" algn="r" defTabSz="914400" rtl="0" eaLnBrk="1" fontAlgn="auto" latinLnBrk="0" hangingPunct="1">
+              <a:lnSpc>
+                <a:spcPct val="100000"/>
+              </a:lnSpc>
+              <a:spcBef>
+                <a:spcPts val="0"/>
+              </a:spcBef>
+              <a:spcAft>
+                <a:spcPts val="0"/>
+              </a:spcAft>
+              <a:buClrTx/>
+              <a:buSzTx/>
+              <a:buFontTx/>
+              <a:buNone/>
+              <a:tabLst/>
+              <a:defRPr/>
+            </a:pPr>
+            <a:fld id="{0D099E2A-118A-4377-8F98-2DF40BCBA9FE}" type="slidenum">
+              <a:rPr kumimoji="0" lang="en-US" sz="2000" b="0" i="0" u="none" strike="noStrike" kern="1200" cap="none" spc="0" normalizeH="0" baseline="0" noProof="0" smtClean="0">
+                <a:ln>
+                  <a:noFill/>
+                </a:ln>
+                <a:solidFill>
+                  <a:srgbClr val="289FD7"/>
+                </a:solidFill>
+                <a:effectLst/>
+                <a:uLnTx/>
+                <a:uFillTx/>
+                <a:latin typeface="Segoe UI Light"/>
+                <a:ea typeface="+mn-ea"/>
+                <a:cs typeface="+mn-cs"/>
+              </a:rPr>
+              <a:pPr marL="0" marR="0" lvl="0" indent="0" algn="r" defTabSz="914400" rtl="0" eaLnBrk="1" fontAlgn="auto" latinLnBrk="0" hangingPunct="1">
+                <a:lnSpc>
+                  <a:spcPct val="100000"/>
+                </a:lnSpc>
+                <a:spcBef>
+                  <a:spcPts val="0"/>
+                </a:spcBef>
+                <a:spcAft>
+                  <a:spcPts val="0"/>
+                </a:spcAft>
+                <a:buClrTx/>
+                <a:buSzTx/>
+                <a:buFontTx/>
+                <a:buNone/>
+                <a:tabLst/>
+                <a:defRPr/>
+              </a:pPr>
+              <a:t>‹#›</a:t>
+            </a:fld>
+            <a:endParaRPr kumimoji="0" lang="en-US" sz="2000" b="0" i="0" u="none" strike="noStrike" kern="1200" cap="none" spc="0" normalizeH="0" baseline="0" noProof="0">
+              <a:ln>
+                <a:noFill/>
+              </a:ln>
+              <a:solidFill>
+                <a:srgbClr val="289FD7"/>
+              </a:solidFill>
+              <a:effectLst/>
+              <a:uLnTx/>
+              <a:uFillTx/>
+              <a:latin typeface="Segoe UI Light"/>
+              <a:ea typeface="+mn-ea"/>
+              <a:cs typeface="+mn-cs"/>
+            </a:endParaRPr>
+          </a:p>
+        </p:txBody>
+      </p:sp>
+    </p:spTree>
+    <p:extLst>
+      <p:ext uri="{BB962C8B-B14F-4D97-AF65-F5344CB8AC3E}">
+        <p14:creationId xmlns:p14="http://schemas.microsoft.com/office/powerpoint/2010/main" val="1368845436"/>
+      </p:ext>
+    </p:extLst>
+  </p:cSld>
+  <p:clrMap bg1="lt1" tx1="dk1" bg2="lt2" tx2="dk2" accent1="accent1" accent2="accent2" accent3="accent3" accent4="accent4" accent5="accent5" accent6="accent6" hlink="hlink" folHlink="folHlink"/>
+  <p:sldLayoutIdLst>
+    <p:sldLayoutId id="2147483792" r:id="rId1"/>
+    <p:sldLayoutId id="2147483793" r:id="rId2"/>
+    <p:sldLayoutId id="2147483794" r:id="rId3"/>
+    <p:sldLayoutId id="2147483795" r:id="rId4"/>
+    <p:sldLayoutId id="2147483796" r:id="rId5"/>
+    <p:sldLayoutId id="2147483797" r:id="rId6"/>
+    <p:sldLayoutId id="2147483798" r:id="rId7"/>
+    <p:sldLayoutId id="2147483799" r:id="rId8"/>
+    <p:sldLayoutId id="2147483800" r:id="rId9"/>
+    <p:sldLayoutId id="2147483801" r:id="rId10"/>
+    <p:sldLayoutId id="2147483802" r:id="rId11"/>
+    <p:sldLayoutId id="2147483803" r:id="rId12"/>
+    <p:sldLayoutId id="2147483804" r:id="rId13"/>
+    <p:sldLayoutId id="2147483805" r:id="rId14"/>
+    <p:sldLayoutId id="2147483806" r:id="rId15"/>
+  </p:sldLayoutIdLst>
+  <p:timing>
+    <p:tnLst>
+      <p:par>
+        <p:cTn id="1" dur="indefinite" restart="never" nodeType="tmRoot"/>
+      </p:par>
+    </p:tnLst>
+  </p:timing>
+  <p:hf hdr="0" ftr="0" dt="0"/>
+  <p:txStyles>
+    <p:titleStyle>
+      <a:lvl1pPr algn="l" defTabSz="914400" rtl="0" eaLnBrk="1" latinLnBrk="0" hangingPunct="1">
+        <a:lnSpc>
+          <a:spcPct val="90000"/>
+        </a:lnSpc>
+        <a:spcBef>
+          <a:spcPct val="0"/>
+        </a:spcBef>
+        <a:buNone/>
+        <a:defRPr sz="5400" kern="1200">
+          <a:solidFill>
+            <a:schemeClr val="bg1"/>
+          </a:solidFill>
+          <a:latin typeface="+mj-lt"/>
+          <a:ea typeface="+mj-ea"/>
+          <a:cs typeface="+mj-cs"/>
+        </a:defRPr>
+      </a:lvl1pPr>
+    </p:titleStyle>
+    <p:bodyStyle>
+      <a:lvl1pPr marL="228600" indent="-228600" algn="l" defTabSz="914400" rtl="0" eaLnBrk="1" latinLnBrk="0" hangingPunct="1">
+        <a:lnSpc>
+          <a:spcPct val="90000"/>
+        </a:lnSpc>
+        <a:spcBef>
+          <a:spcPts val="1000"/>
+        </a:spcBef>
+        <a:buFont typeface="Arial" panose="020B0604020202020204" pitchFamily="34" charset="0"/>
+        <a:buChar char="•"/>
+        <a:defRPr sz="3600" kern="1200">
+          <a:solidFill>
+            <a:schemeClr val="bg1"/>
+          </a:solidFill>
+          <a:latin typeface="+mn-lt"/>
+          <a:ea typeface="+mn-ea"/>
+          <a:cs typeface="+mn-cs"/>
+        </a:defRPr>
+      </a:lvl1pPr>
+      <a:lvl2pPr marL="685800" indent="-228600" algn="l" defTabSz="914400" rtl="0" eaLnBrk="1" latinLnBrk="0" hangingPunct="1">
+        <a:lnSpc>
+          <a:spcPct val="90000"/>
+        </a:lnSpc>
+        <a:spcBef>
+          <a:spcPts val="500"/>
+        </a:spcBef>
+        <a:buFont typeface="Arial" panose="020B0604020202020204" pitchFamily="34" charset="0"/>
+        <a:buChar char="•"/>
+        <a:defRPr sz="3200" kern="1200">
+          <a:solidFill>
+            <a:schemeClr val="bg1"/>
+          </a:solidFill>
+          <a:latin typeface="+mn-lt"/>
+          <a:ea typeface="+mn-ea"/>
+          <a:cs typeface="+mn-cs"/>
+        </a:defRPr>
+      </a:lvl2pPr>
+      <a:lvl3pPr marL="1143000" indent="-228600" algn="l" defTabSz="914400" rtl="0" eaLnBrk="1" latinLnBrk="0" hangingPunct="1">
+        <a:lnSpc>
+          <a:spcPct val="90000"/>
+        </a:lnSpc>
+        <a:spcBef>
+          <a:spcPts val="500"/>
+        </a:spcBef>
+        <a:buFont typeface="Arial" panose="020B0604020202020204" pitchFamily="34" charset="0"/>
+        <a:buChar char="•"/>
+        <a:defRPr sz="2800" kern="1200">
+          <a:solidFill>
+            <a:schemeClr val="bg1"/>
+          </a:solidFill>
+          <a:latin typeface="+mn-lt"/>
+          <a:ea typeface="+mn-ea"/>
+          <a:cs typeface="+mn-cs"/>
+        </a:defRPr>
+      </a:lvl3pPr>
+      <a:lvl4pPr marL="1600200" indent="-228600" algn="l" defTabSz="914400" rtl="0" eaLnBrk="1" latinLnBrk="0" hangingPunct="1">
+        <a:lnSpc>
+          <a:spcPct val="90000"/>
+        </a:lnSpc>
+        <a:spcBef>
+          <a:spcPts val="500"/>
+        </a:spcBef>
+        <a:buFont typeface="Arial" panose="020B0604020202020204" pitchFamily="34" charset="0"/>
+        <a:buChar char="•"/>
+        <a:defRPr sz="2400" kern="1200">
+          <a:solidFill>
+            <a:schemeClr val="bg1"/>
+          </a:solidFill>
+          <a:latin typeface="+mn-lt"/>
+          <a:ea typeface="+mn-ea"/>
+          <a:cs typeface="+mn-cs"/>
+        </a:defRPr>
+      </a:lvl4pPr>
+      <a:lvl5pPr marL="2057400" indent="-228600" algn="l" defTabSz="914400" rtl="0" eaLnBrk="1" latinLnBrk="0" hangingPunct="1">
+        <a:lnSpc>
+          <a:spcPct val="90000"/>
+        </a:lnSpc>
+        <a:spcBef>
+          <a:spcPts val="500"/>
+        </a:spcBef>
+        <a:buFont typeface="Arial" panose="020B0604020202020204" pitchFamily="34" charset="0"/>
+        <a:buChar char="•"/>
+        <a:defRPr sz="2400" kern="1200">
+          <a:solidFill>
+            <a:schemeClr val="bg1"/>
+          </a:solidFill>
+          <a:latin typeface="+mn-lt"/>
+          <a:ea typeface="+mn-ea"/>
+          <a:cs typeface="+mn-cs"/>
+        </a:defRPr>
+      </a:lvl5pPr>
+      <a:lvl6pPr marL="2514600" indent="-228600" algn="l" defTabSz="914400" rtl="0" eaLnBrk="1" latinLnBrk="0" hangingPunct="1">
+        <a:lnSpc>
+          <a:spcPct val="90000"/>
+        </a:lnSpc>
+        <a:spcBef>
+          <a:spcPts val="500"/>
+        </a:spcBef>
+        <a:buFont typeface="Arial" panose="020B0604020202020204" pitchFamily="34" charset="0"/>
+        <a:buChar char="•"/>
+        <a:defRPr sz="1800" kern="1200">
+          <a:solidFill>
+            <a:schemeClr val="tx1"/>
+          </a:solidFill>
+          <a:latin typeface="+mn-lt"/>
+          <a:ea typeface="+mn-ea"/>
+          <a:cs typeface="+mn-cs"/>
+        </a:defRPr>
+      </a:lvl6pPr>
+      <a:lvl7pPr marL="2971800" indent="-228600" algn="l" defTabSz="914400" rtl="0" eaLnBrk="1" latinLnBrk="0" hangingPunct="1">
+        <a:lnSpc>
+          <a:spcPct val="90000"/>
+        </a:lnSpc>
+        <a:spcBef>
+          <a:spcPts val="500"/>
+        </a:spcBef>
+        <a:buFont typeface="Arial" panose="020B0604020202020204" pitchFamily="34" charset="0"/>
+        <a:buChar char="•"/>
+        <a:defRPr sz="1800" kern="1200">
+          <a:solidFill>
+            <a:schemeClr val="tx1"/>
+          </a:solidFill>
+          <a:latin typeface="+mn-lt"/>
+          <a:ea typeface="+mn-ea"/>
+          <a:cs typeface="+mn-cs"/>
+        </a:defRPr>
+      </a:lvl7pPr>
+      <a:lvl8pPr marL="3429000" indent="-228600" algn="l" defTabSz="914400" rtl="0" eaLnBrk="1" latinLnBrk="0" hangingPunct="1">
+        <a:lnSpc>
+          <a:spcPct val="90000"/>
+        </a:lnSpc>
+        <a:spcBef>
+          <a:spcPts val="500"/>
+        </a:spcBef>
+        <a:buFont typeface="Arial" panose="020B0604020202020204" pitchFamily="34" charset="0"/>
+        <a:buChar char="•"/>
+        <a:defRPr sz="1800" kern="1200">
+          <a:solidFill>
+            <a:schemeClr val="tx1"/>
+          </a:solidFill>
+          <a:latin typeface="+mn-lt"/>
+          <a:ea typeface="+mn-ea"/>
+          <a:cs typeface="+mn-cs"/>
+        </a:defRPr>
+      </a:lvl8pPr>
+      <a:lvl9pPr marL="3886200" indent="-228600" algn="l" defTabSz="914400" rtl="0" eaLnBrk="1" latinLnBrk="0" hangingPunct="1">
+        <a:lnSpc>
+          <a:spcPct val="90000"/>
+        </a:lnSpc>
+        <a:spcBef>
+          <a:spcPts val="500"/>
+        </a:spcBef>
+        <a:buFont typeface="Arial" panose="020B0604020202020204" pitchFamily="34" charset="0"/>
+        <a:buChar char="•"/>
+        <a:defRPr sz="1800" kern="1200">
+          <a:solidFill>
+            <a:schemeClr val="tx1"/>
+          </a:solidFill>
+          <a:latin typeface="+mn-lt"/>
+          <a:ea typeface="+mn-ea"/>
+          <a:cs typeface="+mn-cs"/>
+        </a:defRPr>
+      </a:lvl9pPr>
+    </p:bodyStyle>
+    <p:otherStyle>
+      <a:defPPr>
+        <a:defRPr lang="en-US"/>
+      </a:defPPr>
+      <a:lvl1pPr marL="0" algn="l" defTabSz="914400" rtl="0" eaLnBrk="1" latinLnBrk="0" hangingPunct="1">
+        <a:defRPr sz="1800" kern="1200">
+          <a:solidFill>
+            <a:schemeClr val="tx1"/>
+          </a:solidFill>
+          <a:latin typeface="+mn-lt"/>
+          <a:ea typeface="+mn-ea"/>
+          <a:cs typeface="+mn-cs"/>
+        </a:defRPr>
+      </a:lvl1pPr>
+      <a:lvl2pPr marL="457200" algn="l" defTabSz="914400" rtl="0" eaLnBrk="1" latinLnBrk="0" hangingPunct="1">
+        <a:defRPr sz="1800" kern="1200">
+          <a:solidFill>
+            <a:schemeClr val="tx1"/>
+          </a:solidFill>
+          <a:latin typeface="+mn-lt"/>
+          <a:ea typeface="+mn-ea"/>
+          <a:cs typeface="+mn-cs"/>
+        </a:defRPr>
+      </a:lvl2pPr>
+      <a:lvl3pPr marL="914400" algn="l" defTabSz="914400" rtl="0" eaLnBrk="1" latinLnBrk="0" hangingPunct="1">
+        <a:defRPr sz="1800" kern="1200">
+          <a:solidFill>
+            <a:schemeClr val="tx1"/>
+          </a:solidFill>
+          <a:latin typeface="+mn-lt"/>
+          <a:ea typeface="+mn-ea"/>
+          <a:cs typeface="+mn-cs"/>
+        </a:defRPr>
+      </a:lvl3pPr>
+      <a:lvl4pPr marL="1371600" algn="l" defTabSz="914400" rtl="0" eaLnBrk="1" latinLnBrk="0" hangingPunct="1">
+        <a:defRPr sz="1800" kern="1200">
+          <a:solidFill>
+            <a:schemeClr val="tx1"/>
+          </a:solidFill>
+          <a:latin typeface="+mn-lt"/>
+          <a:ea typeface="+mn-ea"/>
+          <a:cs typeface="+mn-cs"/>
+        </a:defRPr>
+      </a:lvl4pPr>
+      <a:lvl5pPr marL="1828800" algn="l" defTabSz="914400" rtl="0" eaLnBrk="1" latinLnBrk="0" hangingPunct="1">
+        <a:defRPr sz="1800" kern="1200">
+          <a:solidFill>
+            <a:schemeClr val="tx1"/>
+          </a:solidFill>
+          <a:latin typeface="+mn-lt"/>
+          <a:ea typeface="+mn-ea"/>
+          <a:cs typeface="+mn-cs"/>
+        </a:defRPr>
+      </a:lvl5pPr>
+      <a:lvl6pPr marL="2286000" algn="l" defTabSz="914400" rtl="0" eaLnBrk="1" latinLnBrk="0" hangingPunct="1">
+        <a:defRPr sz="1800" kern="1200">
+          <a:solidFill>
+            <a:schemeClr val="tx1"/>
+          </a:solidFill>
+          <a:latin typeface="+mn-lt"/>
+          <a:ea typeface="+mn-ea"/>
+          <a:cs typeface="+mn-cs"/>
+        </a:defRPr>
+      </a:lvl6pPr>
+      <a:lvl7pPr marL="2743200" algn="l" defTabSz="914400" rtl="0" eaLnBrk="1" latinLnBrk="0" hangingPunct="1">
+        <a:defRPr sz="1800" kern="1200">
+          <a:solidFill>
+            <a:schemeClr val="tx1"/>
+          </a:solidFill>
+          <a:latin typeface="+mn-lt"/>
+          <a:ea typeface="+mn-ea"/>
+          <a:cs typeface="+mn-cs"/>
+        </a:defRPr>
+      </a:lvl7pPr>
+      <a:lvl8pPr marL="3200400" algn="l" defTabSz="914400" rtl="0" eaLnBrk="1" latinLnBrk="0" hangingPunct="1">
+        <a:defRPr sz="1800" kern="1200">
+          <a:solidFill>
+            <a:schemeClr val="tx1"/>
+          </a:solidFill>
+          <a:latin typeface="+mn-lt"/>
+          <a:ea typeface="+mn-ea"/>
+          <a:cs typeface="+mn-cs"/>
+        </a:defRPr>
+      </a:lvl8pPr>
+      <a:lvl9pPr marL="3657600" algn="l" defTabSz="914400" rtl="0" eaLnBrk="1" latinLnBrk="0" hangingPunct="1">
+        <a:defRPr sz="1800" kern="1200">
+          <a:solidFill>
+            <a:schemeClr val="tx1"/>
+          </a:solidFill>
+          <a:latin typeface="+mn-lt"/>
+          <a:ea typeface="+mn-ea"/>
+          <a:cs typeface="+mn-cs"/>
+        </a:defRPr>
+      </a:lvl9pPr>
+    </p:otherStyle>
+  </p:txStyles>
+</p:sldMaster>
+</file>
+
 <file path=ppt/slides/slide1.xml><?xml version="1.0" encoding="utf-8"?>
 <p:sld xmlns:a="http://schemas.openxmlformats.org/drawingml/2006/main" xmlns:r="http://schemas.openxmlformats.org/officeDocument/2006/relationships" xmlns:p="http://schemas.openxmlformats.org/presentationml/2006/main">
   <p:cSld>
@@ -19960,6 +25741,951 @@
 </file>
 
 <file path=ppt/slides/slide10.xml><?xml version="1.0" encoding="utf-8"?>
+<p:sld xmlns:a="http://schemas.openxmlformats.org/drawingml/2006/main" xmlns:r="http://schemas.openxmlformats.org/officeDocument/2006/relationships" xmlns:p="http://schemas.openxmlformats.org/presentationml/2006/main">
+  <p:cSld>
+    <p:spTree>
+      <p:nvGrpSpPr>
+        <p:cNvPr id="1" name=""/>
+        <p:cNvGrpSpPr/>
+        <p:nvPr/>
+      </p:nvGrpSpPr>
+      <p:grpSpPr>
+        <a:xfrm>
+          <a:off x="0" y="0"/>
+          <a:ext cx="0" cy="0"/>
+          <a:chOff x="0" y="0"/>
+          <a:chExt cx="0" cy="0"/>
+        </a:xfrm>
+      </p:grpSpPr>
+      <p:graphicFrame>
+        <p:nvGraphicFramePr>
+          <p:cNvPr id="4" name="Object 3" hidden="1"/>
+          <p:cNvGraphicFramePr>
+            <a:graphicFrameLocks noChangeAspect="1"/>
+          </p:cNvGraphicFramePr>
+          <p:nvPr>
+            <p:custDataLst>
+              <p:tags r:id="rId2"/>
+            </p:custDataLst>
+            <p:extLst/>
+          </p:nvPr>
+        </p:nvGraphicFramePr>
+        <p:xfrm>
+          <a:off x="1588" y="0"/>
+          <a:ext cx="158750" cy="158750"/>
+        </p:xfrm>
+        <a:graphic>
+          <a:graphicData uri="http://schemas.openxmlformats.org/presentationml/2006/ole">
+            <mc:AlternateContent xmlns:mc="http://schemas.openxmlformats.org/markup-compatibility/2006">
+              <mc:Choice xmlns:v="urn:schemas-microsoft-com:vml" Requires="v">
+                <p:oleObj spid="_x0000_s1037" name="think-cell Slide" r:id="rId6" imgW="270" imgH="270" progId="TCLayout.ActiveDocument.1">
+                  <p:embed/>
+                </p:oleObj>
+              </mc:Choice>
+              <mc:Fallback>
+                <p:oleObj name="think-cell Slide" r:id="rId6" imgW="270" imgH="270" progId="TCLayout.ActiveDocument.1">
+                  <p:embed/>
+                  <p:pic>
+                    <p:nvPicPr>
+                      <p:cNvPr id="0" name=""/>
+                      <p:cNvPicPr/>
+                      <p:nvPr/>
+                    </p:nvPicPr>
+                    <p:blipFill>
+                      <a:blip r:embed="rId7"/>
+                      <a:stretch>
+                        <a:fillRect/>
+                      </a:stretch>
+                    </p:blipFill>
+                    <p:spPr>
+                      <a:xfrm>
+                        <a:off x="1588" y="0"/>
+                        <a:ext cx="158750" cy="158750"/>
+                      </a:xfrm>
+                      <a:prstGeom prst="rect">
+                        <a:avLst/>
+                      </a:prstGeom>
+                    </p:spPr>
+                  </p:pic>
+                </p:oleObj>
+              </mc:Fallback>
+            </mc:AlternateContent>
+          </a:graphicData>
+        </a:graphic>
+      </p:graphicFrame>
+      <p:sp>
+        <p:nvSpPr>
+          <p:cNvPr id="2" name="Title 1"/>
+          <p:cNvSpPr>
+            <a:spLocks noGrp="1"/>
+          </p:cNvSpPr>
+          <p:nvPr>
+            <p:ph type="title" idx="4294967295"/>
+            <p:custDataLst>
+              <p:tags r:id="rId3"/>
+            </p:custDataLst>
+          </p:nvPr>
+        </p:nvSpPr>
+        <p:spPr>
+          <a:xfrm>
+            <a:off x="0" y="228600"/>
+            <a:ext cx="11152188" cy="747713"/>
+          </a:xfrm>
+        </p:spPr>
+        <p:txBody>
+          <a:bodyPr>
+            <a:normAutofit fontScale="90000"/>
+          </a:bodyPr>
+          <a:lstStyle/>
+          <a:p>
+            <a:r>
+              <a:rPr lang="en-US" dirty="0" smtClean="0"/>
+              <a:t>Manipulating HTTP Responses</a:t>
+            </a:r>
+            <a:endParaRPr lang="en-US" dirty="0"/>
+          </a:p>
+        </p:txBody>
+      </p:sp>
+      <p:sp>
+        <p:nvSpPr>
+          <p:cNvPr id="9" name="Rectangle 8"/>
+          <p:cNvSpPr/>
+          <p:nvPr/>
+        </p:nvSpPr>
+        <p:spPr bwMode="auto">
+          <a:xfrm>
+            <a:off x="1588" y="2118999"/>
+            <a:ext cx="12188825" cy="3967098"/>
+          </a:xfrm>
+          <a:prstGeom prst="rect">
+            <a:avLst/>
+          </a:prstGeom>
+          <a:solidFill>
+            <a:schemeClr val="accent2">
+              <a:lumMod val="20000"/>
+              <a:lumOff val="80000"/>
+            </a:schemeClr>
+          </a:solidFill>
+          <a:ln>
+            <a:noFill/>
+            <a:headEnd type="none" w="med" len="med"/>
+            <a:tailEnd type="none" w="med" len="med"/>
+          </a:ln>
+          <a:effectLst/>
+        </p:spPr>
+        <p:style>
+          <a:lnRef idx="1">
+            <a:schemeClr val="accent2"/>
+          </a:lnRef>
+          <a:fillRef idx="3">
+            <a:schemeClr val="accent2"/>
+          </a:fillRef>
+          <a:effectRef idx="2">
+            <a:schemeClr val="accent2"/>
+          </a:effectRef>
+          <a:fontRef idx="minor">
+            <a:schemeClr val="lt1"/>
+          </a:fontRef>
+        </p:style>
+        <p:txBody>
+          <a:bodyPr vert="horz" wrap="square" lIns="91436" tIns="45718" rIns="91436" bIns="45718" numCol="1" rtlCol="0" anchor="ctr" anchorCtr="0" compatLnSpc="1">
+            <a:prstTxWarp prst="textNoShape">
+              <a:avLst/>
+            </a:prstTxWarp>
+          </a:bodyPr>
+          <a:lstStyle/>
+          <a:p>
+            <a:pPr algn="ctr" defTabSz="914099" fontAlgn="base">
+              <a:spcBef>
+                <a:spcPct val="0"/>
+              </a:spcBef>
+              <a:spcAft>
+                <a:spcPct val="0"/>
+              </a:spcAft>
+            </a:pPr>
+            <a:endParaRPr lang="en-US" sz="2200" dirty="0">
+              <a:gradFill>
+                <a:gsLst>
+                  <a:gs pos="0">
+                    <a:srgbClr val="FFFFFF"/>
+                  </a:gs>
+                  <a:gs pos="100000">
+                    <a:srgbClr val="FFFFFF"/>
+                  </a:gs>
+                </a:gsLst>
+                <a:lin ang="5400000" scaled="0"/>
+              </a:gradFill>
+            </a:endParaRPr>
+          </a:p>
+        </p:txBody>
+      </p:sp>
+      <p:sp>
+        <p:nvSpPr>
+          <p:cNvPr id="14" name="TextBox 13"/>
+          <p:cNvSpPr txBox="1"/>
+          <p:nvPr/>
+        </p:nvSpPr>
+        <p:spPr>
+          <a:xfrm>
+            <a:off x="4374486" y="2115779"/>
+            <a:ext cx="7384894" cy="3754874"/>
+          </a:xfrm>
+          <a:prstGeom prst="rect">
+            <a:avLst/>
+          </a:prstGeom>
+          <a:solidFill>
+            <a:schemeClr val="accent6"/>
+          </a:solidFill>
+          <a:ln>
+            <a:noFill/>
+          </a:ln>
+          <a:effectLst/>
+        </p:spPr>
+        <p:style>
+          <a:lnRef idx="3">
+            <a:schemeClr val="lt1"/>
+          </a:lnRef>
+          <a:fillRef idx="1">
+            <a:schemeClr val="accent3"/>
+          </a:fillRef>
+          <a:effectRef idx="1">
+            <a:schemeClr val="accent3"/>
+          </a:effectRef>
+          <a:fontRef idx="minor">
+            <a:schemeClr val="lt1"/>
+          </a:fontRef>
+        </p:style>
+        <p:txBody>
+          <a:bodyPr wrap="square" rtlCol="0">
+            <a:spAutoFit/>
+          </a:bodyPr>
+          <a:lstStyle/>
+          <a:p>
+            <a:r>
+              <a:rPr lang="en-US" sz="1400" dirty="0">
+                <a:solidFill>
+                  <a:schemeClr val="lt1">
+                    <a:alpha val="99000"/>
+                  </a:schemeClr>
+                </a:solidFill>
+                <a:latin typeface="Consolas" pitchFamily="49" charset="0"/>
+                <a:cs typeface="Consolas" pitchFamily="49" charset="0"/>
+              </a:rPr>
+              <a:t>// GET /</a:t>
+            </a:r>
+            <a:r>
+              <a:rPr lang="en-US" sz="1400" dirty="0" err="1">
+                <a:solidFill>
+                  <a:schemeClr val="lt1">
+                    <a:alpha val="99000"/>
+                  </a:schemeClr>
+                </a:solidFill>
+                <a:latin typeface="Consolas" pitchFamily="49" charset="0"/>
+                <a:cs typeface="Consolas" pitchFamily="49" charset="0"/>
+              </a:rPr>
+              <a:t>api</a:t>
+            </a:r>
+            <a:r>
+              <a:rPr lang="en-US" sz="1400" dirty="0">
+                <a:solidFill>
+                  <a:schemeClr val="lt1">
+                    <a:alpha val="99000"/>
+                  </a:schemeClr>
+                </a:solidFill>
+                <a:latin typeface="Consolas" pitchFamily="49" charset="0"/>
+                <a:cs typeface="Consolas" pitchFamily="49" charset="0"/>
+              </a:rPr>
+              <a:t>/person/5</a:t>
+            </a:r>
+          </a:p>
+          <a:p>
+            <a:r>
+              <a:rPr lang="en-US" sz="1400" dirty="0">
+                <a:solidFill>
+                  <a:schemeClr val="lt1">
+                    <a:alpha val="99000"/>
+                  </a:schemeClr>
+                </a:solidFill>
+                <a:latin typeface="Consolas" pitchFamily="49" charset="0"/>
+                <a:cs typeface="Consolas" pitchFamily="49" charset="0"/>
+              </a:rPr>
+              <a:t>public </a:t>
+            </a:r>
+            <a:r>
+              <a:rPr lang="en-US" sz="1400" dirty="0" err="1">
+                <a:solidFill>
+                  <a:schemeClr val="accent4">
+                    <a:lumMod val="60000"/>
+                    <a:lumOff val="40000"/>
+                    <a:alpha val="99000"/>
+                  </a:schemeClr>
+                </a:solidFill>
+                <a:latin typeface="Consolas" pitchFamily="49" charset="0"/>
+                <a:cs typeface="Consolas" pitchFamily="49" charset="0"/>
+              </a:rPr>
+              <a:t>HttpResponseMessage</a:t>
+            </a:r>
+            <a:r>
+              <a:rPr lang="en-US" sz="1400" dirty="0">
+                <a:solidFill>
+                  <a:schemeClr val="bg1">
+                    <a:alpha val="99000"/>
+                  </a:schemeClr>
+                </a:solidFill>
+                <a:latin typeface="Consolas" pitchFamily="49" charset="0"/>
+                <a:cs typeface="Consolas" pitchFamily="49" charset="0"/>
+              </a:rPr>
+              <a:t>&lt;Person&gt;</a:t>
+            </a:r>
+            <a:r>
+              <a:rPr lang="en-US" sz="1400" dirty="0">
+                <a:solidFill>
+                  <a:schemeClr val="lt1">
+                    <a:alpha val="99000"/>
+                  </a:schemeClr>
+                </a:solidFill>
+                <a:latin typeface="Consolas" pitchFamily="49" charset="0"/>
+                <a:cs typeface="Consolas" pitchFamily="49" charset="0"/>
+              </a:rPr>
+              <a:t> Get(</a:t>
+            </a:r>
+            <a:r>
+              <a:rPr lang="en-US" sz="1400" dirty="0" err="1">
+                <a:solidFill>
+                  <a:schemeClr val="lt1">
+                    <a:alpha val="99000"/>
+                  </a:schemeClr>
+                </a:solidFill>
+                <a:latin typeface="Consolas" pitchFamily="49" charset="0"/>
+                <a:cs typeface="Consolas" pitchFamily="49" charset="0"/>
+              </a:rPr>
+              <a:t>int</a:t>
+            </a:r>
+            <a:r>
+              <a:rPr lang="en-US" sz="1400" dirty="0">
+                <a:solidFill>
+                  <a:schemeClr val="lt1">
+                    <a:alpha val="99000"/>
+                  </a:schemeClr>
+                </a:solidFill>
+                <a:latin typeface="Consolas" pitchFamily="49" charset="0"/>
+                <a:cs typeface="Consolas" pitchFamily="49" charset="0"/>
+              </a:rPr>
+              <a:t> id)</a:t>
+            </a:r>
+          </a:p>
+          <a:p>
+            <a:r>
+              <a:rPr lang="en-US" sz="1400" dirty="0">
+                <a:solidFill>
+                  <a:schemeClr val="lt1">
+                    <a:alpha val="99000"/>
+                  </a:schemeClr>
+                </a:solidFill>
+                <a:latin typeface="Consolas" pitchFamily="49" charset="0"/>
+                <a:cs typeface="Consolas" pitchFamily="49" charset="0"/>
+              </a:rPr>
+              <a:t>{</a:t>
+            </a:r>
+          </a:p>
+          <a:p>
+            <a:r>
+              <a:rPr lang="en-US" sz="1400" dirty="0">
+                <a:solidFill>
+                  <a:schemeClr val="lt1">
+                    <a:alpha val="99000"/>
+                  </a:schemeClr>
+                </a:solidFill>
+                <a:latin typeface="Consolas" pitchFamily="49" charset="0"/>
+                <a:cs typeface="Consolas" pitchFamily="49" charset="0"/>
+              </a:rPr>
+              <a:t>    try</a:t>
+            </a:r>
+          </a:p>
+          <a:p>
+            <a:r>
+              <a:rPr lang="en-US" sz="1400" dirty="0">
+                <a:solidFill>
+                  <a:schemeClr val="lt1">
+                    <a:alpha val="99000"/>
+                  </a:schemeClr>
+                </a:solidFill>
+                <a:latin typeface="Consolas" pitchFamily="49" charset="0"/>
+                <a:cs typeface="Consolas" pitchFamily="49" charset="0"/>
+              </a:rPr>
+              <a:t>    {</a:t>
+            </a:r>
+          </a:p>
+          <a:p>
+            <a:r>
+              <a:rPr lang="en-US" sz="1400" dirty="0">
+                <a:solidFill>
+                  <a:schemeClr val="lt1">
+                    <a:alpha val="99000"/>
+                  </a:schemeClr>
+                </a:solidFill>
+                <a:latin typeface="Consolas" pitchFamily="49" charset="0"/>
+                <a:cs typeface="Consolas" pitchFamily="49" charset="0"/>
+              </a:rPr>
+              <a:t>        </a:t>
+            </a:r>
+            <a:r>
+              <a:rPr lang="en-US" sz="1400" dirty="0" err="1">
+                <a:solidFill>
+                  <a:schemeClr val="lt1">
+                    <a:alpha val="99000"/>
+                  </a:schemeClr>
+                </a:solidFill>
+                <a:latin typeface="Consolas" pitchFamily="49" charset="0"/>
+                <a:cs typeface="Consolas" pitchFamily="49" charset="0"/>
+              </a:rPr>
+              <a:t>var</a:t>
+            </a:r>
+            <a:r>
+              <a:rPr lang="en-US" sz="1400" dirty="0">
+                <a:solidFill>
+                  <a:schemeClr val="lt1">
+                    <a:alpha val="99000"/>
+                  </a:schemeClr>
+                </a:solidFill>
+                <a:latin typeface="Consolas" pitchFamily="49" charset="0"/>
+                <a:cs typeface="Consolas" pitchFamily="49" charset="0"/>
+              </a:rPr>
+              <a:t> person = _</a:t>
+            </a:r>
+            <a:r>
+              <a:rPr lang="en-US" sz="1400" dirty="0" err="1">
+                <a:solidFill>
+                  <a:schemeClr val="lt1">
+                    <a:alpha val="99000"/>
+                  </a:schemeClr>
+                </a:solidFill>
+                <a:latin typeface="Consolas" pitchFamily="49" charset="0"/>
+                <a:cs typeface="Consolas" pitchFamily="49" charset="0"/>
+              </a:rPr>
+              <a:t>people.First</a:t>
+            </a:r>
+            <a:r>
+              <a:rPr lang="en-US" sz="1400" dirty="0">
+                <a:solidFill>
+                  <a:schemeClr val="lt1">
+                    <a:alpha val="99000"/>
+                  </a:schemeClr>
+                </a:solidFill>
+                <a:latin typeface="Consolas" pitchFamily="49" charset="0"/>
+                <a:cs typeface="Consolas" pitchFamily="49" charset="0"/>
+              </a:rPr>
+              <a:t>(x =&gt; </a:t>
+            </a:r>
+            <a:r>
+              <a:rPr lang="en-US" sz="1400" dirty="0" err="1">
+                <a:solidFill>
+                  <a:schemeClr val="lt1">
+                    <a:alpha val="99000"/>
+                  </a:schemeClr>
+                </a:solidFill>
+                <a:latin typeface="Consolas" pitchFamily="49" charset="0"/>
+                <a:cs typeface="Consolas" pitchFamily="49" charset="0"/>
+              </a:rPr>
+              <a:t>x.Id</a:t>
+            </a:r>
+            <a:r>
+              <a:rPr lang="en-US" sz="1400" dirty="0">
+                <a:solidFill>
+                  <a:schemeClr val="lt1">
+                    <a:alpha val="99000"/>
+                  </a:schemeClr>
+                </a:solidFill>
+                <a:latin typeface="Consolas" pitchFamily="49" charset="0"/>
+                <a:cs typeface="Consolas" pitchFamily="49" charset="0"/>
+              </a:rPr>
+              <a:t> == id);</a:t>
+            </a:r>
+          </a:p>
+          <a:p>
+            <a:endParaRPr lang="en-US" sz="1400" dirty="0">
+              <a:solidFill>
+                <a:schemeClr val="lt1">
+                  <a:alpha val="99000"/>
+                </a:schemeClr>
+              </a:solidFill>
+              <a:latin typeface="Consolas" pitchFamily="49" charset="0"/>
+              <a:cs typeface="Consolas" pitchFamily="49" charset="0"/>
+            </a:endParaRPr>
+          </a:p>
+          <a:p>
+            <a:r>
+              <a:rPr lang="en-US" sz="1400" dirty="0">
+                <a:solidFill>
+                  <a:schemeClr val="lt1">
+                    <a:alpha val="99000"/>
+                  </a:schemeClr>
+                </a:solidFill>
+                <a:latin typeface="Consolas" pitchFamily="49" charset="0"/>
+                <a:cs typeface="Consolas" pitchFamily="49" charset="0"/>
+              </a:rPr>
+              <a:t>        return new </a:t>
+            </a:r>
+            <a:r>
+              <a:rPr lang="en-US" sz="1400" dirty="0" err="1">
+                <a:solidFill>
+                  <a:schemeClr val="accent4">
+                    <a:lumMod val="60000"/>
+                    <a:lumOff val="40000"/>
+                    <a:alpha val="99000"/>
+                  </a:schemeClr>
+                </a:solidFill>
+                <a:latin typeface="Consolas" pitchFamily="49" charset="0"/>
+                <a:cs typeface="Consolas" pitchFamily="49" charset="0"/>
+              </a:rPr>
+              <a:t>HttpResponseMessage</a:t>
+            </a:r>
+            <a:r>
+              <a:rPr lang="en-US" sz="1400" dirty="0">
+                <a:solidFill>
+                  <a:schemeClr val="lt1">
+                    <a:alpha val="99000"/>
+                  </a:schemeClr>
+                </a:solidFill>
+                <a:latin typeface="Consolas" pitchFamily="49" charset="0"/>
+                <a:cs typeface="Consolas" pitchFamily="49" charset="0"/>
+              </a:rPr>
+              <a:t>&lt;Person&gt;(</a:t>
+            </a:r>
+          </a:p>
+          <a:p>
+            <a:r>
+              <a:rPr lang="en-US" sz="1400" dirty="0">
+                <a:solidFill>
+                  <a:schemeClr val="lt1">
+                    <a:alpha val="99000"/>
+                  </a:schemeClr>
+                </a:solidFill>
+                <a:latin typeface="Consolas" pitchFamily="49" charset="0"/>
+                <a:cs typeface="Consolas" pitchFamily="49" charset="0"/>
+              </a:rPr>
+              <a:t>            person,</a:t>
+            </a:r>
+          </a:p>
+          <a:p>
+            <a:r>
+              <a:rPr lang="en-US" sz="1400" dirty="0">
+                <a:solidFill>
+                  <a:schemeClr val="lt1">
+                    <a:alpha val="99000"/>
+                  </a:schemeClr>
+                </a:solidFill>
+                <a:latin typeface="Consolas" pitchFamily="49" charset="0"/>
+                <a:cs typeface="Consolas" pitchFamily="49" charset="0"/>
+              </a:rPr>
+              <a:t>            </a:t>
+            </a:r>
+            <a:r>
+              <a:rPr lang="en-US" sz="1400" dirty="0" err="1">
+                <a:solidFill>
+                  <a:schemeClr val="accent4">
+                    <a:lumMod val="60000"/>
+                    <a:lumOff val="40000"/>
+                    <a:alpha val="99000"/>
+                  </a:schemeClr>
+                </a:solidFill>
+                <a:latin typeface="Consolas" pitchFamily="49" charset="0"/>
+                <a:cs typeface="Consolas" pitchFamily="49" charset="0"/>
+              </a:rPr>
+              <a:t>HttpStatusCode.OK</a:t>
+            </a:r>
+            <a:endParaRPr lang="en-US" sz="1400" dirty="0">
+              <a:solidFill>
+                <a:schemeClr val="accent4">
+                  <a:lumMod val="60000"/>
+                  <a:lumOff val="40000"/>
+                  <a:alpha val="99000"/>
+                </a:schemeClr>
+              </a:solidFill>
+              <a:latin typeface="Consolas" pitchFamily="49" charset="0"/>
+              <a:cs typeface="Consolas" pitchFamily="49" charset="0"/>
+            </a:endParaRPr>
+          </a:p>
+          <a:p>
+            <a:r>
+              <a:rPr lang="en-US" sz="1400" dirty="0">
+                <a:solidFill>
+                  <a:schemeClr val="lt1">
+                    <a:alpha val="99000"/>
+                  </a:schemeClr>
+                </a:solidFill>
+                <a:latin typeface="Consolas" pitchFamily="49" charset="0"/>
+                <a:cs typeface="Consolas" pitchFamily="49" charset="0"/>
+              </a:rPr>
+              <a:t>            );</a:t>
+            </a:r>
+          </a:p>
+          <a:p>
+            <a:r>
+              <a:rPr lang="en-US" sz="1400" dirty="0">
+                <a:solidFill>
+                  <a:schemeClr val="lt1">
+                    <a:alpha val="99000"/>
+                  </a:schemeClr>
+                </a:solidFill>
+                <a:latin typeface="Consolas" pitchFamily="49" charset="0"/>
+                <a:cs typeface="Consolas" pitchFamily="49" charset="0"/>
+              </a:rPr>
+              <a:t>    }</a:t>
+            </a:r>
+          </a:p>
+          <a:p>
+            <a:r>
+              <a:rPr lang="en-US" sz="1400" dirty="0">
+                <a:solidFill>
+                  <a:schemeClr val="lt1">
+                    <a:alpha val="99000"/>
+                  </a:schemeClr>
+                </a:solidFill>
+                <a:latin typeface="Consolas" pitchFamily="49" charset="0"/>
+                <a:cs typeface="Consolas" pitchFamily="49" charset="0"/>
+              </a:rPr>
+              <a:t>    catch</a:t>
+            </a:r>
+          </a:p>
+          <a:p>
+            <a:r>
+              <a:rPr lang="en-US" sz="1400" dirty="0">
+                <a:solidFill>
+                  <a:schemeClr val="lt1">
+                    <a:alpha val="99000"/>
+                  </a:schemeClr>
+                </a:solidFill>
+                <a:latin typeface="Consolas" pitchFamily="49" charset="0"/>
+                <a:cs typeface="Consolas" pitchFamily="49" charset="0"/>
+              </a:rPr>
+              <a:t>    {</a:t>
+            </a:r>
+          </a:p>
+          <a:p>
+            <a:r>
+              <a:rPr lang="en-US" sz="1400" dirty="0">
+                <a:solidFill>
+                  <a:schemeClr val="lt1">
+                    <a:alpha val="99000"/>
+                  </a:schemeClr>
+                </a:solidFill>
+                <a:latin typeface="Consolas" pitchFamily="49" charset="0"/>
+                <a:cs typeface="Consolas" pitchFamily="49" charset="0"/>
+              </a:rPr>
+              <a:t>        return new </a:t>
+            </a:r>
+            <a:r>
+              <a:rPr lang="en-US" sz="1400" dirty="0" err="1">
+                <a:solidFill>
+                  <a:schemeClr val="accent4">
+                    <a:lumMod val="60000"/>
+                    <a:lumOff val="40000"/>
+                    <a:alpha val="99000"/>
+                  </a:schemeClr>
+                </a:solidFill>
+                <a:latin typeface="Consolas" pitchFamily="49" charset="0"/>
+                <a:cs typeface="Consolas" pitchFamily="49" charset="0"/>
+              </a:rPr>
+              <a:t>HttpResponseMessage</a:t>
+            </a:r>
+            <a:r>
+              <a:rPr lang="en-US" sz="1400" dirty="0">
+                <a:solidFill>
+                  <a:schemeClr val="lt1">
+                    <a:alpha val="99000"/>
+                  </a:schemeClr>
+                </a:solidFill>
+                <a:latin typeface="Consolas" pitchFamily="49" charset="0"/>
+                <a:cs typeface="Consolas" pitchFamily="49" charset="0"/>
+              </a:rPr>
+              <a:t>&lt;Person&gt;(</a:t>
+            </a:r>
+            <a:r>
+              <a:rPr lang="en-US" sz="1400" dirty="0" err="1">
+                <a:solidFill>
+                  <a:schemeClr val="accent4">
+                    <a:lumMod val="60000"/>
+                    <a:lumOff val="40000"/>
+                    <a:alpha val="99000"/>
+                  </a:schemeClr>
+                </a:solidFill>
+                <a:latin typeface="Consolas" pitchFamily="49" charset="0"/>
+                <a:cs typeface="Consolas" pitchFamily="49" charset="0"/>
+              </a:rPr>
+              <a:t>HttpStatusCode.NotFound</a:t>
+            </a:r>
+            <a:r>
+              <a:rPr lang="en-US" sz="1400" dirty="0">
+                <a:solidFill>
+                  <a:schemeClr val="lt1">
+                    <a:alpha val="99000"/>
+                  </a:schemeClr>
+                </a:solidFill>
+                <a:latin typeface="Consolas" pitchFamily="49" charset="0"/>
+                <a:cs typeface="Consolas" pitchFamily="49" charset="0"/>
+              </a:rPr>
+              <a:t>);</a:t>
+            </a:r>
+          </a:p>
+          <a:p>
+            <a:r>
+              <a:rPr lang="en-US" sz="1400" dirty="0">
+                <a:solidFill>
+                  <a:schemeClr val="lt1">
+                    <a:alpha val="99000"/>
+                  </a:schemeClr>
+                </a:solidFill>
+                <a:latin typeface="Consolas" pitchFamily="49" charset="0"/>
+                <a:cs typeface="Consolas" pitchFamily="49" charset="0"/>
+              </a:rPr>
+              <a:t>    }</a:t>
+            </a:r>
+          </a:p>
+          <a:p>
+            <a:r>
+              <a:rPr lang="en-US" sz="1400" dirty="0">
+                <a:solidFill>
+                  <a:schemeClr val="lt1">
+                    <a:alpha val="99000"/>
+                  </a:schemeClr>
+                </a:solidFill>
+                <a:latin typeface="Consolas" pitchFamily="49" charset="0"/>
+                <a:cs typeface="Consolas" pitchFamily="49" charset="0"/>
+              </a:rPr>
+              <a:t>}</a:t>
+            </a:r>
+          </a:p>
+        </p:txBody>
+      </p:sp>
+      <p:sp>
+        <p:nvSpPr>
+          <p:cNvPr id="15" name="Rectangle 14"/>
+          <p:cNvSpPr/>
+          <p:nvPr/>
+        </p:nvSpPr>
+        <p:spPr>
+          <a:xfrm>
+            <a:off x="435427" y="2119000"/>
+            <a:ext cx="3057247" cy="1538883"/>
+          </a:xfrm>
+          <a:prstGeom prst="rect">
+            <a:avLst/>
+          </a:prstGeom>
+        </p:spPr>
+        <p:txBody>
+          <a:bodyPr wrap="none">
+            <a:spAutoFit/>
+          </a:bodyPr>
+          <a:lstStyle/>
+          <a:p>
+            <a:r>
+              <a:rPr lang="en-US" sz="4000" dirty="0">
+                <a:solidFill>
+                  <a:schemeClr val="accent2">
+                    <a:alpha val="99000"/>
+                  </a:schemeClr>
+                </a:solidFill>
+                <a:latin typeface="Segoe UI Light" pitchFamily="34" charset="0"/>
+              </a:rPr>
+              <a:t>Example</a:t>
+            </a:r>
+          </a:p>
+          <a:p>
+            <a:r>
+              <a:rPr lang="en-US" dirty="0">
+                <a:solidFill>
+                  <a:schemeClr val="tx2">
+                    <a:alpha val="99000"/>
+                  </a:schemeClr>
+                </a:solidFill>
+                <a:latin typeface="Segoe UI Light" pitchFamily="34" charset="0"/>
+              </a:rPr>
+              <a:t>Find a person and return it,</a:t>
+            </a:r>
+            <a:br>
+              <a:rPr lang="en-US" dirty="0">
+                <a:solidFill>
+                  <a:schemeClr val="tx2">
+                    <a:alpha val="99000"/>
+                  </a:schemeClr>
+                </a:solidFill>
+                <a:latin typeface="Segoe UI Light" pitchFamily="34" charset="0"/>
+              </a:rPr>
+            </a:br>
+            <a:r>
+              <a:rPr lang="en-US" dirty="0">
+                <a:solidFill>
+                  <a:schemeClr val="tx2">
+                    <a:alpha val="99000"/>
+                  </a:schemeClr>
+                </a:solidFill>
+                <a:latin typeface="Segoe UI Light" pitchFamily="34" charset="0"/>
+              </a:rPr>
+              <a:t>but what happens if we don’t </a:t>
+            </a:r>
+            <a:br>
+              <a:rPr lang="en-US" dirty="0">
+                <a:solidFill>
+                  <a:schemeClr val="tx2">
+                    <a:alpha val="99000"/>
+                  </a:schemeClr>
+                </a:solidFill>
+                <a:latin typeface="Segoe UI Light" pitchFamily="34" charset="0"/>
+              </a:rPr>
+            </a:br>
+            <a:r>
+              <a:rPr lang="en-US" dirty="0">
+                <a:solidFill>
+                  <a:schemeClr val="tx2">
+                    <a:alpha val="99000"/>
+                  </a:schemeClr>
+                </a:solidFill>
+                <a:latin typeface="Segoe UI Light" pitchFamily="34" charset="0"/>
+              </a:rPr>
+              <a:t>find a match?</a:t>
+            </a:r>
+          </a:p>
+        </p:txBody>
+      </p:sp>
+      <p:sp>
+        <p:nvSpPr>
+          <p:cNvPr id="16" name="Rectangle 15"/>
+          <p:cNvSpPr/>
+          <p:nvPr>
+            <p:custDataLst>
+              <p:tags r:id="rId4"/>
+            </p:custDataLst>
+          </p:nvPr>
+        </p:nvSpPr>
+        <p:spPr bwMode="auto">
+          <a:xfrm>
+            <a:off x="432619" y="1425143"/>
+            <a:ext cx="11326760" cy="584771"/>
+          </a:xfrm>
+          <a:prstGeom prst="rect">
+            <a:avLst/>
+          </a:prstGeom>
+          <a:solidFill>
+            <a:schemeClr val="accent2"/>
+          </a:solidFill>
+          <a:ln>
+            <a:noFill/>
+            <a:headEnd type="none" w="med" len="med"/>
+            <a:tailEnd type="none" w="med" len="med"/>
+          </a:ln>
+          <a:effectLst/>
+        </p:spPr>
+        <p:style>
+          <a:lnRef idx="1">
+            <a:schemeClr val="accent2"/>
+          </a:lnRef>
+          <a:fillRef idx="3">
+            <a:schemeClr val="accent2"/>
+          </a:fillRef>
+          <a:effectRef idx="2">
+            <a:schemeClr val="accent2"/>
+          </a:effectRef>
+          <a:fontRef idx="minor">
+            <a:schemeClr val="lt1"/>
+          </a:fontRef>
+        </p:style>
+        <p:txBody>
+          <a:bodyPr vert="horz" wrap="square" lIns="91436" tIns="45718" rIns="91436" bIns="45718" numCol="1" rtlCol="0" anchor="ctr" anchorCtr="0" compatLnSpc="1">
+            <a:prstTxWarp prst="textNoShape">
+              <a:avLst/>
+            </a:prstTxWarp>
+            <a:noAutofit/>
+          </a:bodyPr>
+          <a:lstStyle/>
+          <a:p>
+            <a:pPr algn="ctr" defTabSz="914363" fontAlgn="base">
+              <a:spcBef>
+                <a:spcPts val="1200"/>
+              </a:spcBef>
+              <a:buSzPct val="80000"/>
+            </a:pPr>
+            <a:r>
+              <a:rPr lang="en-US" sz="2800" dirty="0">
+                <a:ln>
+                  <a:solidFill>
+                    <a:schemeClr val="bg1">
+                      <a:alpha val="0"/>
+                    </a:schemeClr>
+                  </a:solidFill>
+                </a:ln>
+                <a:solidFill>
+                  <a:schemeClr val="bg1"/>
+                </a:solidFill>
+              </a:rPr>
+              <a:t>Return </a:t>
+            </a:r>
+            <a:r>
+              <a:rPr lang="en-US" sz="2800" dirty="0" err="1">
+                <a:ln>
+                  <a:solidFill>
+                    <a:schemeClr val="bg1">
+                      <a:alpha val="0"/>
+                    </a:schemeClr>
+                  </a:solidFill>
+                </a:ln>
+                <a:solidFill>
+                  <a:schemeClr val="bg1"/>
+                </a:solidFill>
+              </a:rPr>
+              <a:t>HttpResponseMessage</a:t>
+            </a:r>
+            <a:r>
+              <a:rPr lang="en-US" sz="2800" dirty="0">
+                <a:ln>
+                  <a:solidFill>
+                    <a:schemeClr val="bg1">
+                      <a:alpha val="0"/>
+                    </a:schemeClr>
+                  </a:solidFill>
+                </a:ln>
+                <a:solidFill>
+                  <a:schemeClr val="bg1"/>
+                </a:solidFill>
+              </a:rPr>
+              <a:t>&lt;T&gt; to modify response headers</a:t>
+            </a:r>
+          </a:p>
+        </p:txBody>
+      </p:sp>
+    </p:spTree>
+    <p:extLst>
+      <p:ext uri="{BB962C8B-B14F-4D97-AF65-F5344CB8AC3E}">
+        <p14:creationId xmlns:p14="http://schemas.microsoft.com/office/powerpoint/2010/main" val="83572687"/>
+      </p:ext>
+    </p:extLst>
+  </p:cSld>
+  <p:clrMapOvr>
+    <a:masterClrMapping/>
+  </p:clrMapOvr>
+  <mc:AlternateContent xmlns:mc="http://schemas.openxmlformats.org/markup-compatibility/2006" xmlns:p14="http://schemas.microsoft.com/office/powerpoint/2010/main">
+    <mc:Choice Requires="p14">
+      <p:transition spd="med" p14:dur="700">
+        <p:fade/>
+      </p:transition>
+    </mc:Choice>
+    <mc:Fallback xmlns="">
+      <p:transition spd="med">
+        <p:fade/>
+      </p:transition>
+    </mc:Fallback>
+  </mc:AlternateContent>
+  <p:timing>
+    <p:tnLst>
+      <p:par>
+        <p:cTn id="1" dur="indefinite" restart="never" nodeType="tmRoot"/>
+      </p:par>
+    </p:tnLst>
+  </p:timing>
+</p:sld>
+</file>
+
+<file path=ppt/slides/slide11.xml><?xml version="1.0" encoding="utf-8"?>
 <p:sld xmlns:a="http://schemas.openxmlformats.org/drawingml/2006/main" xmlns:r="http://schemas.openxmlformats.org/officeDocument/2006/relationships" xmlns:p="http://schemas.openxmlformats.org/presentationml/2006/main">
   <p:cSld>
     <p:spTree>
@@ -20174,7 +26900,7 @@
 </p:sld>
 </file>
 
-<file path=ppt/slides/slide11.xml><?xml version="1.0" encoding="utf-8"?>
+<file path=ppt/slides/slide12.xml><?xml version="1.0" encoding="utf-8"?>
 <p:sld xmlns:a="http://schemas.openxmlformats.org/drawingml/2006/main" xmlns:r="http://schemas.openxmlformats.org/officeDocument/2006/relationships" xmlns:p="http://schemas.openxmlformats.org/presentationml/2006/main">
   <p:cSld>
     <p:spTree>
@@ -20389,7 +27115,7 @@
 </p:sld>
 </file>
 
-<file path=ppt/slides/slide12.xml><?xml version="1.0" encoding="utf-8"?>
+<file path=ppt/slides/slide13.xml><?xml version="1.0" encoding="utf-8"?>
 <p:sld xmlns:a="http://schemas.openxmlformats.org/drawingml/2006/main" xmlns:r="http://schemas.openxmlformats.org/officeDocument/2006/relationships" xmlns:p="http://schemas.openxmlformats.org/presentationml/2006/main">
   <p:cSld>
     <p:spTree>
@@ -21177,7 +27903,7 @@
 </p:sld>
 </file>
 
-<file path=ppt/slides/slide13.xml><?xml version="1.0" encoding="utf-8"?>
+<file path=ppt/slides/slide14.xml><?xml version="1.0" encoding="utf-8"?>
 <p:sld xmlns:a="http://schemas.openxmlformats.org/drawingml/2006/main" xmlns:r="http://schemas.openxmlformats.org/officeDocument/2006/relationships" xmlns:p="http://schemas.openxmlformats.org/presentationml/2006/main">
   <p:cSld>
     <p:spTree>
@@ -21910,89 +28636,6 @@
 </p:sld>
 </file>
 
-<file path=ppt/slides/slide14.xml><?xml version="1.0" encoding="utf-8"?>
-<p:sld xmlns:a="http://schemas.openxmlformats.org/drawingml/2006/main" xmlns:r="http://schemas.openxmlformats.org/officeDocument/2006/relationships" xmlns:p="http://schemas.openxmlformats.org/presentationml/2006/main">
-  <p:cSld>
-    <p:spTree>
-      <p:nvGrpSpPr>
-        <p:cNvPr id="1" name=""/>
-        <p:cNvGrpSpPr/>
-        <p:nvPr/>
-      </p:nvGrpSpPr>
-      <p:grpSpPr>
-        <a:xfrm>
-          <a:off x="0" y="0"/>
-          <a:ext cx="0" cy="0"/>
-          <a:chOff x="0" y="0"/>
-          <a:chExt cx="0" cy="0"/>
-        </a:xfrm>
-      </p:grpSpPr>
-      <p:sp>
-        <p:nvSpPr>
-          <p:cNvPr id="2" name="Title 1"/>
-          <p:cNvSpPr>
-            <a:spLocks noGrp="1"/>
-          </p:cNvSpPr>
-          <p:nvPr>
-            <p:ph type="ctrTitle"/>
-          </p:nvPr>
-        </p:nvSpPr>
-        <p:spPr/>
-        <p:txBody>
-          <a:bodyPr/>
-          <a:lstStyle/>
-          <a:p>
-            <a:r>
-              <a:rPr lang="en-US" dirty="0" smtClean="0"/>
-              <a:t>Demo</a:t>
-            </a:r>
-            <a:endParaRPr lang="en-US" dirty="0"/>
-          </a:p>
-        </p:txBody>
-      </p:sp>
-      <p:sp>
-        <p:nvSpPr>
-          <p:cNvPr id="4" name="Subtitle 3"/>
-          <p:cNvSpPr>
-            <a:spLocks noGrp="1"/>
-          </p:cNvSpPr>
-          <p:nvPr>
-            <p:ph type="subTitle" idx="1"/>
-          </p:nvPr>
-        </p:nvSpPr>
-        <p:spPr/>
-        <p:txBody>
-          <a:bodyPr/>
-          <a:lstStyle/>
-          <a:p>
-            <a:r>
-              <a:rPr lang="en-US" dirty="0" smtClean="0"/>
-              <a:t>File / New Project / Web API</a:t>
-            </a:r>
-            <a:endParaRPr lang="en-US" dirty="0"/>
-          </a:p>
-        </p:txBody>
-      </p:sp>
-    </p:spTree>
-    <p:extLst>
-      <p:ext uri="{BB962C8B-B14F-4D97-AF65-F5344CB8AC3E}">
-        <p14:creationId xmlns:p14="http://schemas.microsoft.com/office/powerpoint/2010/main" val="605127477"/>
-      </p:ext>
-    </p:extLst>
-  </p:cSld>
-  <p:clrMapOvr>
-    <a:masterClrMapping/>
-  </p:clrMapOvr>
-  <p:timing>
-    <p:tnLst>
-      <p:par>
-        <p:cTn id="1" dur="indefinite" restart="never" nodeType="tmRoot"/>
-      </p:par>
-    </p:tnLst>
-  </p:timing>
-</p:sld>
-</file>
-
 <file path=ppt/slides/slide15.xml><?xml version="1.0" encoding="utf-8"?>
 <p:sld xmlns:a="http://schemas.openxmlformats.org/drawingml/2006/main" xmlns:r="http://schemas.openxmlformats.org/officeDocument/2006/relationships" xmlns:p="http://schemas.openxmlformats.org/presentationml/2006/main">
   <p:cSld>
@@ -22050,15 +28693,7 @@
           <a:p>
             <a:r>
               <a:rPr lang="en-US" dirty="0" smtClean="0"/>
-              <a:t>Building the </a:t>
-            </a:r>
-            <a:r>
-              <a:rPr lang="en-US" dirty="0" err="1" smtClean="0"/>
-              <a:t>GeekQuiz</a:t>
-            </a:r>
-            <a:r>
-              <a:rPr lang="en-US" dirty="0" smtClean="0"/>
-              <a:t> services</a:t>
+              <a:t>File / New Project / Web API</a:t>
             </a:r>
             <a:endParaRPr lang="en-US" dirty="0"/>
           </a:p>
@@ -22067,7 +28702,7 @@
     </p:spTree>
     <p:extLst>
       <p:ext uri="{BB962C8B-B14F-4D97-AF65-F5344CB8AC3E}">
-        <p14:creationId xmlns:p14="http://schemas.microsoft.com/office/powerpoint/2010/main" val="3606010230"/>
+        <p14:creationId xmlns:p14="http://schemas.microsoft.com/office/powerpoint/2010/main" val="605127477"/>
       </p:ext>
     </p:extLst>
   </p:cSld>
@@ -22141,7 +28776,15 @@
           <a:p>
             <a:r>
               <a:rPr lang="en-US" dirty="0" smtClean="0"/>
-              <a:t>Consuming Web APIs in client apps</a:t>
+              <a:t>Building the </a:t>
+            </a:r>
+            <a:r>
+              <a:rPr lang="en-US" dirty="0" err="1" smtClean="0"/>
+              <a:t>GeekQuiz</a:t>
+            </a:r>
+            <a:r>
+              <a:rPr lang="en-US" dirty="0" smtClean="0"/>
+              <a:t> services</a:t>
             </a:r>
             <a:endParaRPr lang="en-US" dirty="0"/>
           </a:p>
@@ -22150,7 +28793,7 @@
     </p:spTree>
     <p:extLst>
       <p:ext uri="{BB962C8B-B14F-4D97-AF65-F5344CB8AC3E}">
-        <p14:creationId xmlns:p14="http://schemas.microsoft.com/office/powerpoint/2010/main" val="1396334663"/>
+        <p14:creationId xmlns:p14="http://schemas.microsoft.com/office/powerpoint/2010/main" val="3606010230"/>
       </p:ext>
     </p:extLst>
   </p:cSld>
@@ -22194,6 +28837,89 @@
             <p:ph type="ctrTitle"/>
           </p:nvPr>
         </p:nvSpPr>
+        <p:spPr/>
+        <p:txBody>
+          <a:bodyPr/>
+          <a:lstStyle/>
+          <a:p>
+            <a:r>
+              <a:rPr lang="en-US" dirty="0" smtClean="0"/>
+              <a:t>Demo</a:t>
+            </a:r>
+            <a:endParaRPr lang="en-US" dirty="0"/>
+          </a:p>
+        </p:txBody>
+      </p:sp>
+      <p:sp>
+        <p:nvSpPr>
+          <p:cNvPr id="4" name="Subtitle 3"/>
+          <p:cNvSpPr>
+            <a:spLocks noGrp="1"/>
+          </p:cNvSpPr>
+          <p:nvPr>
+            <p:ph type="subTitle" idx="1"/>
+          </p:nvPr>
+        </p:nvSpPr>
+        <p:spPr/>
+        <p:txBody>
+          <a:bodyPr/>
+          <a:lstStyle/>
+          <a:p>
+            <a:r>
+              <a:rPr lang="en-US" dirty="0" smtClean="0"/>
+              <a:t>Consuming Web APIs in client apps</a:t>
+            </a:r>
+            <a:endParaRPr lang="en-US" dirty="0"/>
+          </a:p>
+        </p:txBody>
+      </p:sp>
+    </p:spTree>
+    <p:extLst>
+      <p:ext uri="{BB962C8B-B14F-4D97-AF65-F5344CB8AC3E}">
+        <p14:creationId xmlns:p14="http://schemas.microsoft.com/office/powerpoint/2010/main" val="1396334663"/>
+      </p:ext>
+    </p:extLst>
+  </p:cSld>
+  <p:clrMapOvr>
+    <a:masterClrMapping/>
+  </p:clrMapOvr>
+  <p:timing>
+    <p:tnLst>
+      <p:par>
+        <p:cTn id="1" dur="indefinite" restart="never" nodeType="tmRoot"/>
+      </p:par>
+    </p:tnLst>
+  </p:timing>
+</p:sld>
+</file>
+
+<file path=ppt/slides/slide18.xml><?xml version="1.0" encoding="utf-8"?>
+<p:sld xmlns:a="http://schemas.openxmlformats.org/drawingml/2006/main" xmlns:r="http://schemas.openxmlformats.org/officeDocument/2006/relationships" xmlns:p="http://schemas.openxmlformats.org/presentationml/2006/main">
+  <p:cSld>
+    <p:spTree>
+      <p:nvGrpSpPr>
+        <p:cNvPr id="1" name=""/>
+        <p:cNvGrpSpPr/>
+        <p:nvPr/>
+      </p:nvGrpSpPr>
+      <p:grpSpPr>
+        <a:xfrm>
+          <a:off x="0" y="0"/>
+          <a:ext cx="0" cy="0"/>
+          <a:chOff x="0" y="0"/>
+          <a:chExt cx="0" cy="0"/>
+        </a:xfrm>
+      </p:grpSpPr>
+      <p:sp>
+        <p:nvSpPr>
+          <p:cNvPr id="2" name="Title 1"/>
+          <p:cNvSpPr>
+            <a:spLocks noGrp="1"/>
+          </p:cNvSpPr>
+          <p:nvPr>
+            <p:ph type="ctrTitle"/>
+          </p:nvPr>
+        </p:nvSpPr>
         <p:spPr>
           <a:xfrm>
             <a:off x="606175" y="1122363"/>
@@ -22341,7 +29067,7 @@
 </p:sld>
 </file>
 
-<file path=ppt/slides/slide18.xml><?xml version="1.0" encoding="utf-8"?>
+<file path=ppt/slides/slide19.xml><?xml version="1.0" encoding="utf-8"?>
 <p:sld xmlns:a="http://schemas.openxmlformats.org/drawingml/2006/main" xmlns:r="http://schemas.openxmlformats.org/officeDocument/2006/relationships" xmlns:p="http://schemas.openxmlformats.org/presentationml/2006/main">
   <p:cSld>
     <p:bg>
@@ -22419,6 +29145,1206 @@
       </p:grpSpPr>
       <p:sp>
         <p:nvSpPr>
+          <p:cNvPr id="2" name="Title 1"/>
+          <p:cNvSpPr>
+            <a:spLocks noGrp="1"/>
+          </p:cNvSpPr>
+          <p:nvPr>
+            <p:ph type="title"/>
+          </p:nvPr>
+        </p:nvSpPr>
+        <p:spPr>
+          <a:xfrm>
+            <a:off x="357188" y="-154968"/>
+            <a:ext cx="11079822" cy="1325563"/>
+          </a:xfrm>
+        </p:spPr>
+        <p:txBody>
+          <a:bodyPr/>
+          <a:lstStyle/>
+          <a:p>
+            <a:r>
+              <a:rPr lang="en-US" dirty="0" smtClean="0"/>
+              <a:t>Today’s Agenda</a:t>
+            </a:r>
+            <a:endParaRPr lang="en-US" dirty="0"/>
+          </a:p>
+        </p:txBody>
+      </p:sp>
+      <p:sp>
+        <p:nvSpPr>
+          <p:cNvPr id="3" name="Content Placeholder 2"/>
+          <p:cNvSpPr>
+            <a:spLocks noGrp="1"/>
+          </p:cNvSpPr>
+          <p:nvPr>
+            <p:ph idx="1"/>
+          </p:nvPr>
+        </p:nvSpPr>
+        <p:spPr/>
+        <p:txBody>
+          <a:bodyPr/>
+          <a:lstStyle/>
+          <a:p>
+            <a:endParaRPr lang="en-US"/>
+          </a:p>
+        </p:txBody>
+      </p:sp>
+      <p:sp>
+        <p:nvSpPr>
+          <p:cNvPr id="4" name="Slide Number Placeholder 3"/>
+          <p:cNvSpPr>
+            <a:spLocks noGrp="1"/>
+          </p:cNvSpPr>
+          <p:nvPr>
+            <p:ph type="sldNum" sz="quarter" idx="12"/>
+          </p:nvPr>
+        </p:nvSpPr>
+        <p:spPr/>
+        <p:txBody>
+          <a:bodyPr/>
+          <a:lstStyle/>
+          <a:p>
+            <a:pPr marL="0" marR="0" lvl="0" indent="0" algn="r" defTabSz="914400" rtl="0" eaLnBrk="1" fontAlgn="auto" latinLnBrk="0" hangingPunct="1">
+              <a:lnSpc>
+                <a:spcPct val="100000"/>
+              </a:lnSpc>
+              <a:spcBef>
+                <a:spcPts val="0"/>
+              </a:spcBef>
+              <a:spcAft>
+                <a:spcPts val="0"/>
+              </a:spcAft>
+              <a:buClrTx/>
+              <a:buSzTx/>
+              <a:buFontTx/>
+              <a:buNone/>
+              <a:tabLst/>
+              <a:defRPr/>
+            </a:pPr>
+            <a:fld id="{0A164282-434E-41D4-9582-783D542A7B68}" type="slidenum">
+              <a:rPr kumimoji="0" lang="en-US" sz="2000" b="0" i="0" u="none" strike="noStrike" kern="1200" cap="none" spc="0" normalizeH="0" baseline="0" noProof="0" smtClean="0">
+                <a:ln>
+                  <a:noFill/>
+                </a:ln>
+                <a:solidFill>
+                  <a:srgbClr val="289FD7"/>
+                </a:solidFill>
+                <a:effectLst/>
+                <a:uLnTx/>
+                <a:uFillTx/>
+                <a:latin typeface="Segoe UI Light"/>
+                <a:ea typeface="+mn-ea"/>
+                <a:cs typeface="+mn-cs"/>
+              </a:rPr>
+              <a:pPr marL="0" marR="0" lvl="0" indent="0" algn="r" defTabSz="914400" rtl="0" eaLnBrk="1" fontAlgn="auto" latinLnBrk="0" hangingPunct="1">
+                <a:lnSpc>
+                  <a:spcPct val="100000"/>
+                </a:lnSpc>
+                <a:spcBef>
+                  <a:spcPts val="0"/>
+                </a:spcBef>
+                <a:spcAft>
+                  <a:spcPts val="0"/>
+                </a:spcAft>
+                <a:buClrTx/>
+                <a:buSzTx/>
+                <a:buFontTx/>
+                <a:buNone/>
+                <a:tabLst/>
+                <a:defRPr/>
+              </a:pPr>
+              <a:t>2</a:t>
+            </a:fld>
+            <a:endParaRPr kumimoji="0" lang="en-US" sz="2000" b="0" i="0" u="none" strike="noStrike" kern="1200" cap="none" spc="0" normalizeH="0" baseline="0" noProof="0">
+              <a:ln>
+                <a:noFill/>
+              </a:ln>
+              <a:solidFill>
+                <a:srgbClr val="289FD7"/>
+              </a:solidFill>
+              <a:effectLst/>
+              <a:uLnTx/>
+              <a:uFillTx/>
+              <a:latin typeface="Segoe UI Light"/>
+              <a:ea typeface="+mn-ea"/>
+              <a:cs typeface="+mn-cs"/>
+            </a:endParaRPr>
+          </a:p>
+        </p:txBody>
+      </p:sp>
+      <p:sp>
+        <p:nvSpPr>
+          <p:cNvPr id="5" name="Text Placeholder 4"/>
+          <p:cNvSpPr>
+            <a:spLocks noGrp="1"/>
+          </p:cNvSpPr>
+          <p:nvPr>
+            <p:ph type="body" sz="quarter" idx="13"/>
+          </p:nvPr>
+        </p:nvSpPr>
+        <p:spPr/>
+        <p:txBody>
+          <a:bodyPr/>
+          <a:lstStyle/>
+          <a:p>
+            <a:endParaRPr lang="en-US"/>
+          </a:p>
+        </p:txBody>
+      </p:sp>
+      <p:graphicFrame>
+        <p:nvGraphicFramePr>
+          <p:cNvPr id="7" name="Content Placeholder 3"/>
+          <p:cNvGraphicFramePr>
+            <a:graphicFrameLocks/>
+          </p:cNvGraphicFramePr>
+          <p:nvPr>
+            <p:extLst>
+              <p:ext uri="{D42A27DB-BD31-4B8C-83A1-F6EECF244321}">
+                <p14:modId xmlns:p14="http://schemas.microsoft.com/office/powerpoint/2010/main" val="1781366558"/>
+              </p:ext>
+            </p:extLst>
+          </p:nvPr>
+        </p:nvGraphicFramePr>
+        <p:xfrm>
+          <a:off x="454816" y="1031200"/>
+          <a:ext cx="11483183" cy="5634204"/>
+        </p:xfrm>
+        <a:graphic>
+          <a:graphicData uri="http://schemas.openxmlformats.org/drawingml/2006/table">
+            <a:tbl>
+              <a:tblPr firstRow="1" bandRow="1">
+                <a:tableStyleId>{6E25E649-3F16-4E02-A733-19D2CDBF48F0}</a:tableStyleId>
+              </a:tblPr>
+              <a:tblGrid>
+                <a:gridCol w="8350512">
+                  <a:extLst>
+                    <a:ext uri="{9D8B030D-6E8A-4147-A177-3AD203B41FA5}">
+                      <a16:colId xmlns:a16="http://schemas.microsoft.com/office/drawing/2014/main" val="20000"/>
+                    </a:ext>
+                  </a:extLst>
+                </a:gridCol>
+                <a:gridCol w="1662043">
+                  <a:extLst>
+                    <a:ext uri="{9D8B030D-6E8A-4147-A177-3AD203B41FA5}">
+                      <a16:colId xmlns:a16="http://schemas.microsoft.com/office/drawing/2014/main" val="20001"/>
+                    </a:ext>
+                  </a:extLst>
+                </a:gridCol>
+                <a:gridCol w="1470628">
+                  <a:extLst>
+                    <a:ext uri="{9D8B030D-6E8A-4147-A177-3AD203B41FA5}">
+                      <a16:colId xmlns:a16="http://schemas.microsoft.com/office/drawing/2014/main" val="20002"/>
+                    </a:ext>
+                  </a:extLst>
+                </a:gridCol>
+              </a:tblGrid>
+              <a:tr h="409188">
+                <a:tc>
+                  <a:txBody>
+                    <a:bodyPr/>
+                    <a:lstStyle/>
+                    <a:p>
+                      <a:r>
+                        <a:rPr lang="en-US" sz="2000" dirty="0" smtClean="0"/>
+                        <a:t>Session</a:t>
+                      </a:r>
+                      <a:endParaRPr lang="en-US" sz="2000" dirty="0"/>
+                    </a:p>
+                  </a:txBody>
+                  <a:tcPr marL="45720" marR="45720"/>
+                </a:tc>
+                <a:tc>
+                  <a:txBody>
+                    <a:bodyPr/>
+                    <a:lstStyle/>
+                    <a:p>
+                      <a:r>
+                        <a:rPr lang="en-US" sz="2000" dirty="0" smtClean="0"/>
+                        <a:t>Start</a:t>
+                      </a:r>
+                      <a:endParaRPr lang="en-US" sz="2000" dirty="0"/>
+                    </a:p>
+                  </a:txBody>
+                  <a:tcPr marL="45720" marR="45720"/>
+                </a:tc>
+                <a:tc>
+                  <a:txBody>
+                    <a:bodyPr/>
+                    <a:lstStyle/>
+                    <a:p>
+                      <a:r>
+                        <a:rPr lang="en-US" sz="2000" dirty="0" smtClean="0"/>
+                        <a:t>End</a:t>
+                      </a:r>
+                      <a:endParaRPr lang="en-US" sz="2000" dirty="0"/>
+                    </a:p>
+                  </a:txBody>
+                  <a:tcPr marL="45720" marR="45720"/>
+                </a:tc>
+                <a:extLst>
+                  <a:ext uri="{0D108BD9-81ED-4DB2-BD59-A6C34878D82A}">
+                    <a16:rowId xmlns:a16="http://schemas.microsoft.com/office/drawing/2014/main" val="10000"/>
+                  </a:ext>
+                </a:extLst>
+              </a:tr>
+              <a:tr h="409188">
+                <a:tc>
+                  <a:txBody>
+                    <a:bodyPr/>
+                    <a:lstStyle/>
+                    <a:p>
+                      <a:r>
+                        <a:rPr lang="en-US" sz="2000" dirty="0" smtClean="0">
+                          <a:solidFill>
+                            <a:srgbClr val="000000"/>
+                          </a:solidFill>
+                        </a:rPr>
+                        <a:t>Keynote</a:t>
+                      </a:r>
+                      <a:endParaRPr lang="en-US" sz="2000" dirty="0">
+                        <a:solidFill>
+                          <a:srgbClr val="000000"/>
+                        </a:solidFill>
+                      </a:endParaRPr>
+                    </a:p>
+                  </a:txBody>
+                  <a:tcPr marL="45720" marR="45720">
+                    <a:solidFill>
+                      <a:srgbClr val="E7F2FC"/>
+                    </a:solidFill>
+                  </a:tcPr>
+                </a:tc>
+                <a:tc>
+                  <a:txBody>
+                    <a:bodyPr/>
+                    <a:lstStyle/>
+                    <a:p>
+                      <a:r>
+                        <a:rPr lang="en-US" sz="2000" dirty="0" smtClean="0">
+                          <a:solidFill>
+                            <a:srgbClr val="000000"/>
+                          </a:solidFill>
+                        </a:rPr>
+                        <a:t>8:30</a:t>
+                      </a:r>
+                      <a:endParaRPr lang="en-US" sz="2000" dirty="0">
+                        <a:solidFill>
+                          <a:srgbClr val="000000"/>
+                        </a:solidFill>
+                      </a:endParaRPr>
+                    </a:p>
+                  </a:txBody>
+                  <a:tcPr marL="45720" marR="45720">
+                    <a:solidFill>
+                      <a:srgbClr val="E7F2FC"/>
+                    </a:solidFill>
+                  </a:tcPr>
+                </a:tc>
+                <a:tc>
+                  <a:txBody>
+                    <a:bodyPr/>
+                    <a:lstStyle/>
+                    <a:p>
+                      <a:r>
+                        <a:rPr lang="en-US" sz="2000" dirty="0" smtClean="0">
+                          <a:solidFill>
+                            <a:srgbClr val="000000"/>
+                          </a:solidFill>
+                        </a:rPr>
+                        <a:t>9:00</a:t>
+                      </a:r>
+                      <a:endParaRPr lang="en-US" sz="2000" dirty="0">
+                        <a:solidFill>
+                          <a:srgbClr val="000000"/>
+                        </a:solidFill>
+                      </a:endParaRPr>
+                    </a:p>
+                  </a:txBody>
+                  <a:tcPr marL="45720" marR="45720">
+                    <a:solidFill>
+                      <a:srgbClr val="E7F2FC"/>
+                    </a:solidFill>
+                  </a:tcPr>
+                </a:tc>
+                <a:extLst>
+                  <a:ext uri="{0D108BD9-81ED-4DB2-BD59-A6C34878D82A}">
+                    <a16:rowId xmlns:a16="http://schemas.microsoft.com/office/drawing/2014/main" val="10001"/>
+                  </a:ext>
+                </a:extLst>
+              </a:tr>
+              <a:tr h="409188">
+                <a:tc>
+                  <a:txBody>
+                    <a:bodyPr/>
+                    <a:lstStyle/>
+                    <a:p>
+                      <a:r>
+                        <a:rPr lang="en-US" sz="2000" dirty="0" smtClean="0">
+                          <a:solidFill>
+                            <a:srgbClr val="000000"/>
+                          </a:solidFill>
+                        </a:rPr>
+                        <a:t>Introduction to ASP.NET and Visual Studio 2015 Web Tools</a:t>
+                      </a:r>
+                      <a:endParaRPr lang="en-US" sz="2000" dirty="0">
+                        <a:solidFill>
+                          <a:srgbClr val="000000"/>
+                        </a:solidFill>
+                      </a:endParaRPr>
+                    </a:p>
+                  </a:txBody>
+                  <a:tcPr marL="45720" marR="45720"/>
+                </a:tc>
+                <a:tc>
+                  <a:txBody>
+                    <a:bodyPr/>
+                    <a:lstStyle/>
+                    <a:p>
+                      <a:r>
+                        <a:rPr lang="en-US" sz="2000" dirty="0" smtClean="0">
+                          <a:solidFill>
+                            <a:srgbClr val="000000"/>
+                          </a:solidFill>
+                        </a:rPr>
+                        <a:t>9:00</a:t>
+                      </a:r>
+                      <a:endParaRPr lang="en-US" sz="2000" dirty="0">
+                        <a:solidFill>
+                          <a:srgbClr val="000000"/>
+                        </a:solidFill>
+                      </a:endParaRPr>
+                    </a:p>
+                  </a:txBody>
+                  <a:tcPr marL="45720" marR="45720"/>
+                </a:tc>
+                <a:tc>
+                  <a:txBody>
+                    <a:bodyPr/>
+                    <a:lstStyle/>
+                    <a:p>
+                      <a:r>
+                        <a:rPr lang="en-US" sz="2000" dirty="0" smtClean="0">
+                          <a:solidFill>
+                            <a:srgbClr val="000000"/>
+                          </a:solidFill>
+                        </a:rPr>
+                        <a:t>10:00</a:t>
+                      </a:r>
+                      <a:endParaRPr lang="en-US" sz="2000" dirty="0">
+                        <a:solidFill>
+                          <a:srgbClr val="000000"/>
+                        </a:solidFill>
+                      </a:endParaRPr>
+                    </a:p>
+                  </a:txBody>
+                  <a:tcPr marL="45720" marR="45720"/>
+                </a:tc>
+                <a:extLst>
+                  <a:ext uri="{0D108BD9-81ED-4DB2-BD59-A6C34878D82A}">
+                    <a16:rowId xmlns:a16="http://schemas.microsoft.com/office/drawing/2014/main" val="10002"/>
+                  </a:ext>
+                </a:extLst>
+              </a:tr>
+              <a:tr h="409188">
+                <a:tc>
+                  <a:txBody>
+                    <a:bodyPr/>
+                    <a:lstStyle/>
+                    <a:p>
+                      <a:r>
+                        <a:rPr lang="en-US" sz="2000" dirty="0" smtClean="0">
+                          <a:solidFill>
+                            <a:srgbClr val="000000"/>
+                          </a:solidFill>
+                        </a:rPr>
+                        <a:t>Building Web Applications using the latest ASP.NET technologies</a:t>
+                      </a:r>
+                      <a:endParaRPr lang="en-US" sz="2000" dirty="0">
+                        <a:solidFill>
+                          <a:srgbClr val="000000"/>
+                        </a:solidFill>
+                      </a:endParaRPr>
+                    </a:p>
+                  </a:txBody>
+                  <a:tcPr marL="45720" marR="45720"/>
+                </a:tc>
+                <a:tc>
+                  <a:txBody>
+                    <a:bodyPr/>
+                    <a:lstStyle/>
+                    <a:p>
+                      <a:r>
+                        <a:rPr lang="en-US" sz="2000" dirty="0" smtClean="0">
+                          <a:solidFill>
+                            <a:srgbClr val="000000"/>
+                          </a:solidFill>
+                        </a:rPr>
+                        <a:t>10:00</a:t>
+                      </a:r>
+                      <a:endParaRPr lang="en-US" sz="2000" dirty="0">
+                        <a:solidFill>
+                          <a:srgbClr val="000000"/>
+                        </a:solidFill>
+                      </a:endParaRPr>
+                    </a:p>
+                  </a:txBody>
+                  <a:tcPr marL="45720" marR="45720"/>
+                </a:tc>
+                <a:tc>
+                  <a:txBody>
+                    <a:bodyPr/>
+                    <a:lstStyle/>
+                    <a:p>
+                      <a:r>
+                        <a:rPr lang="en-US" sz="2000" dirty="0" smtClean="0">
+                          <a:solidFill>
+                            <a:srgbClr val="000000"/>
+                          </a:solidFill>
+                        </a:rPr>
+                        <a:t>11:00</a:t>
+                      </a:r>
+                      <a:endParaRPr lang="en-US" sz="2000" dirty="0">
+                        <a:solidFill>
+                          <a:srgbClr val="000000"/>
+                        </a:solidFill>
+                      </a:endParaRPr>
+                    </a:p>
+                  </a:txBody>
+                  <a:tcPr marL="45720" marR="45720"/>
+                </a:tc>
+                <a:extLst>
+                  <a:ext uri="{0D108BD9-81ED-4DB2-BD59-A6C34878D82A}">
+                    <a16:rowId xmlns:a16="http://schemas.microsoft.com/office/drawing/2014/main" val="10003"/>
+                  </a:ext>
+                </a:extLst>
+              </a:tr>
+              <a:tr h="409188">
+                <a:tc>
+                  <a:txBody>
+                    <a:bodyPr/>
+                    <a:lstStyle/>
+                    <a:p>
+                      <a:r>
+                        <a:rPr lang="en-US" sz="2000" dirty="0" smtClean="0">
+                          <a:solidFill>
+                            <a:srgbClr val="000000"/>
+                          </a:solidFill>
+                        </a:rPr>
+                        <a:t>Break</a:t>
+                      </a:r>
+                      <a:endParaRPr lang="en-US" sz="2000" dirty="0">
+                        <a:solidFill>
+                          <a:srgbClr val="000000"/>
+                        </a:solidFill>
+                      </a:endParaRPr>
+                    </a:p>
+                  </a:txBody>
+                  <a:tcPr marL="45720" marR="45720"/>
+                </a:tc>
+                <a:tc>
+                  <a:txBody>
+                    <a:bodyPr/>
+                    <a:lstStyle/>
+                    <a:p>
+                      <a:r>
+                        <a:rPr lang="en-US" sz="2000" dirty="0" smtClean="0">
+                          <a:solidFill>
+                            <a:srgbClr val="000000"/>
+                          </a:solidFill>
+                        </a:rPr>
+                        <a:t>11:00</a:t>
+                      </a:r>
+                      <a:endParaRPr lang="en-US" sz="2000" dirty="0">
+                        <a:solidFill>
+                          <a:srgbClr val="000000"/>
+                        </a:solidFill>
+                      </a:endParaRPr>
+                    </a:p>
+                  </a:txBody>
+                  <a:tcPr marL="45720" marR="45720"/>
+                </a:tc>
+                <a:tc>
+                  <a:txBody>
+                    <a:bodyPr/>
+                    <a:lstStyle/>
+                    <a:p>
+                      <a:r>
+                        <a:rPr lang="en-US" sz="2000" dirty="0" smtClean="0">
+                          <a:solidFill>
+                            <a:srgbClr val="000000"/>
+                          </a:solidFill>
+                        </a:rPr>
+                        <a:t>11:15</a:t>
+                      </a:r>
+                      <a:endParaRPr lang="en-US" sz="2000" dirty="0">
+                        <a:solidFill>
+                          <a:srgbClr val="000000"/>
+                        </a:solidFill>
+                      </a:endParaRPr>
+                    </a:p>
+                  </a:txBody>
+                  <a:tcPr marL="45720" marR="45720"/>
+                </a:tc>
+                <a:extLst>
+                  <a:ext uri="{0D108BD9-81ED-4DB2-BD59-A6C34878D82A}">
+                    <a16:rowId xmlns:a16="http://schemas.microsoft.com/office/drawing/2014/main" val="10004"/>
+                  </a:ext>
+                </a:extLst>
+              </a:tr>
+              <a:tr h="723948">
+                <a:tc>
+                  <a:txBody>
+                    <a:bodyPr/>
+                    <a:lstStyle/>
+                    <a:p>
+                      <a:r>
+                        <a:rPr lang="en-US" sz="2000" dirty="0" smtClean="0">
+                          <a:solidFill>
+                            <a:srgbClr val="000000"/>
+                          </a:solidFill>
+                        </a:rPr>
+                        <a:t>Building web front ends for both desktop and mobile using the latest web standards</a:t>
+                      </a:r>
+                      <a:endParaRPr lang="en-US" sz="2000" dirty="0">
+                        <a:solidFill>
+                          <a:srgbClr val="000000"/>
+                        </a:solidFill>
+                      </a:endParaRPr>
+                    </a:p>
+                  </a:txBody>
+                  <a:tcPr marL="45720" marR="45720"/>
+                </a:tc>
+                <a:tc>
+                  <a:txBody>
+                    <a:bodyPr/>
+                    <a:lstStyle/>
+                    <a:p>
+                      <a:r>
+                        <a:rPr lang="en-US" sz="2000" dirty="0" smtClean="0">
+                          <a:solidFill>
+                            <a:srgbClr val="000000"/>
+                          </a:solidFill>
+                        </a:rPr>
+                        <a:t>11:15</a:t>
+                      </a:r>
+                      <a:endParaRPr lang="en-US" sz="2000" dirty="0">
+                        <a:solidFill>
+                          <a:srgbClr val="000000"/>
+                        </a:solidFill>
+                      </a:endParaRPr>
+                    </a:p>
+                  </a:txBody>
+                  <a:tcPr marL="45720" marR="45720"/>
+                </a:tc>
+                <a:tc>
+                  <a:txBody>
+                    <a:bodyPr/>
+                    <a:lstStyle/>
+                    <a:p>
+                      <a:r>
+                        <a:rPr lang="en-US" sz="2000" dirty="0" smtClean="0">
+                          <a:solidFill>
+                            <a:srgbClr val="000000"/>
+                          </a:solidFill>
+                        </a:rPr>
+                        <a:t>12:15</a:t>
+                      </a:r>
+                      <a:endParaRPr lang="en-US" sz="2000" dirty="0">
+                        <a:solidFill>
+                          <a:srgbClr val="000000"/>
+                        </a:solidFill>
+                      </a:endParaRPr>
+                    </a:p>
+                  </a:txBody>
+                  <a:tcPr marL="45720" marR="45720"/>
+                </a:tc>
+                <a:extLst>
+                  <a:ext uri="{0D108BD9-81ED-4DB2-BD59-A6C34878D82A}">
+                    <a16:rowId xmlns:a16="http://schemas.microsoft.com/office/drawing/2014/main" val="10005"/>
+                  </a:ext>
+                </a:extLst>
+              </a:tr>
+              <a:tr h="409188">
+                <a:tc>
+                  <a:txBody>
+                    <a:bodyPr/>
+                    <a:lstStyle/>
+                    <a:p>
+                      <a:r>
+                        <a:rPr lang="en-US" sz="2000" dirty="0" smtClean="0">
+                          <a:solidFill>
+                            <a:srgbClr val="000000"/>
+                          </a:solidFill>
+                        </a:rPr>
+                        <a:t>Lunch</a:t>
+                      </a:r>
+                      <a:endParaRPr lang="en-US" sz="2000" dirty="0">
+                        <a:solidFill>
+                          <a:srgbClr val="000000"/>
+                        </a:solidFill>
+                      </a:endParaRPr>
+                    </a:p>
+                  </a:txBody>
+                  <a:tcPr marL="45720" marR="45720"/>
+                </a:tc>
+                <a:tc>
+                  <a:txBody>
+                    <a:bodyPr/>
+                    <a:lstStyle/>
+                    <a:p>
+                      <a:r>
+                        <a:rPr lang="en-US" sz="2000" dirty="0" smtClean="0">
+                          <a:solidFill>
+                            <a:srgbClr val="000000"/>
+                          </a:solidFill>
+                        </a:rPr>
+                        <a:t>12:15</a:t>
+                      </a:r>
+                      <a:endParaRPr lang="en-US" sz="2000" dirty="0">
+                        <a:solidFill>
+                          <a:srgbClr val="000000"/>
+                        </a:solidFill>
+                      </a:endParaRPr>
+                    </a:p>
+                  </a:txBody>
+                  <a:tcPr marL="45720" marR="45720"/>
+                </a:tc>
+                <a:tc>
+                  <a:txBody>
+                    <a:bodyPr/>
+                    <a:lstStyle/>
+                    <a:p>
+                      <a:r>
+                        <a:rPr lang="en-US" sz="2000" dirty="0" smtClean="0">
+                          <a:solidFill>
+                            <a:srgbClr val="000000"/>
+                          </a:solidFill>
+                        </a:rPr>
+                        <a:t>1:15</a:t>
+                      </a:r>
+                      <a:endParaRPr lang="en-US" sz="2000" dirty="0">
+                        <a:solidFill>
+                          <a:srgbClr val="000000"/>
+                        </a:solidFill>
+                      </a:endParaRPr>
+                    </a:p>
+                  </a:txBody>
+                  <a:tcPr marL="45720" marR="45720"/>
+                </a:tc>
+                <a:extLst>
+                  <a:ext uri="{0D108BD9-81ED-4DB2-BD59-A6C34878D82A}">
+                    <a16:rowId xmlns:a16="http://schemas.microsoft.com/office/drawing/2014/main" val="10006"/>
+                  </a:ext>
+                </a:extLst>
+              </a:tr>
+              <a:tr h="409188">
+                <a:tc>
+                  <a:txBody>
+                    <a:bodyPr/>
+                    <a:lstStyle/>
+                    <a:p>
+                      <a:r>
+                        <a:rPr lang="en-US" sz="2000" dirty="0" smtClean="0">
+                          <a:solidFill>
+                            <a:srgbClr val="000000"/>
+                          </a:solidFill>
+                        </a:rPr>
+                        <a:t>API Services for both web and devices</a:t>
+                      </a:r>
+                      <a:endParaRPr lang="en-US" sz="2000" dirty="0">
+                        <a:solidFill>
+                          <a:srgbClr val="000000"/>
+                        </a:solidFill>
+                      </a:endParaRPr>
+                    </a:p>
+                  </a:txBody>
+                  <a:tcPr marL="45720" marR="45720">
+                    <a:solidFill>
+                      <a:srgbClr val="FFC000"/>
+                    </a:solidFill>
+                  </a:tcPr>
+                </a:tc>
+                <a:tc>
+                  <a:txBody>
+                    <a:bodyPr/>
+                    <a:lstStyle/>
+                    <a:p>
+                      <a:r>
+                        <a:rPr lang="en-US" sz="2000" dirty="0" smtClean="0">
+                          <a:solidFill>
+                            <a:srgbClr val="000000"/>
+                          </a:solidFill>
+                        </a:rPr>
+                        <a:t>1:15</a:t>
+                      </a:r>
+                      <a:endParaRPr lang="en-US" sz="2000" dirty="0">
+                        <a:solidFill>
+                          <a:srgbClr val="000000"/>
+                        </a:solidFill>
+                      </a:endParaRPr>
+                    </a:p>
+                  </a:txBody>
+                  <a:tcPr marL="45720" marR="45720">
+                    <a:solidFill>
+                      <a:srgbClr val="FFC000"/>
+                    </a:solidFill>
+                  </a:tcPr>
+                </a:tc>
+                <a:tc>
+                  <a:txBody>
+                    <a:bodyPr/>
+                    <a:lstStyle/>
+                    <a:p>
+                      <a:r>
+                        <a:rPr lang="en-US" sz="2000" dirty="0" smtClean="0">
+                          <a:solidFill>
+                            <a:srgbClr val="000000"/>
+                          </a:solidFill>
+                        </a:rPr>
+                        <a:t>2:15</a:t>
+                      </a:r>
+                      <a:endParaRPr lang="en-US" sz="2000" dirty="0">
+                        <a:solidFill>
+                          <a:srgbClr val="000000"/>
+                        </a:solidFill>
+                      </a:endParaRPr>
+                    </a:p>
+                  </a:txBody>
+                  <a:tcPr marL="45720" marR="45720">
+                    <a:solidFill>
+                      <a:srgbClr val="FFC000"/>
+                    </a:solidFill>
+                  </a:tcPr>
+                </a:tc>
+                <a:extLst>
+                  <a:ext uri="{0D108BD9-81ED-4DB2-BD59-A6C34878D82A}">
+                    <a16:rowId xmlns:a16="http://schemas.microsoft.com/office/drawing/2014/main" val="10007"/>
+                  </a:ext>
+                </a:extLst>
+              </a:tr>
+              <a:tr h="409188">
+                <a:tc>
+                  <a:txBody>
+                    <a:bodyPr/>
+                    <a:lstStyle/>
+                    <a:p>
+                      <a:r>
+                        <a:rPr lang="en-US" sz="2000" dirty="0" smtClean="0">
+                          <a:solidFill>
+                            <a:srgbClr val="000000"/>
+                          </a:solidFill>
+                        </a:rPr>
+                        <a:t>Running, improving and maintaining a site in the real world</a:t>
+                      </a:r>
+                      <a:endParaRPr lang="en-US" sz="2000" dirty="0">
+                        <a:solidFill>
+                          <a:srgbClr val="000000"/>
+                        </a:solidFill>
+                      </a:endParaRPr>
+                    </a:p>
+                  </a:txBody>
+                  <a:tcPr marL="45720" marR="45720"/>
+                </a:tc>
+                <a:tc>
+                  <a:txBody>
+                    <a:bodyPr/>
+                    <a:lstStyle/>
+                    <a:p>
+                      <a:r>
+                        <a:rPr lang="en-US" sz="2000" dirty="0" smtClean="0">
+                          <a:solidFill>
+                            <a:srgbClr val="000000"/>
+                          </a:solidFill>
+                        </a:rPr>
+                        <a:t>2:15</a:t>
+                      </a:r>
+                      <a:endParaRPr lang="en-US" sz="2000" dirty="0">
+                        <a:solidFill>
+                          <a:srgbClr val="000000"/>
+                        </a:solidFill>
+                      </a:endParaRPr>
+                    </a:p>
+                  </a:txBody>
+                  <a:tcPr marL="45720" marR="45720"/>
+                </a:tc>
+                <a:tc>
+                  <a:txBody>
+                    <a:bodyPr/>
+                    <a:lstStyle/>
+                    <a:p>
+                      <a:r>
+                        <a:rPr lang="en-US" sz="2000" dirty="0" smtClean="0">
+                          <a:solidFill>
+                            <a:srgbClr val="000000"/>
+                          </a:solidFill>
+                        </a:rPr>
+                        <a:t>3:15</a:t>
+                      </a:r>
+                      <a:endParaRPr lang="en-US" sz="2000" dirty="0">
+                        <a:solidFill>
+                          <a:srgbClr val="000000"/>
+                        </a:solidFill>
+                      </a:endParaRPr>
+                    </a:p>
+                  </a:txBody>
+                  <a:tcPr marL="45720" marR="45720"/>
+                </a:tc>
+                <a:extLst>
+                  <a:ext uri="{0D108BD9-81ED-4DB2-BD59-A6C34878D82A}">
+                    <a16:rowId xmlns:a16="http://schemas.microsoft.com/office/drawing/2014/main" val="10008"/>
+                  </a:ext>
+                </a:extLst>
+              </a:tr>
+              <a:tr h="409188">
+                <a:tc>
+                  <a:txBody>
+                    <a:bodyPr/>
+                    <a:lstStyle/>
+                    <a:p>
+                      <a:r>
+                        <a:rPr lang="en-US" sz="2000" dirty="0" smtClean="0">
+                          <a:solidFill>
+                            <a:srgbClr val="000000"/>
+                          </a:solidFill>
+                        </a:rPr>
+                        <a:t>Break</a:t>
+                      </a:r>
+                      <a:endParaRPr lang="en-US" sz="2000" dirty="0">
+                        <a:solidFill>
+                          <a:srgbClr val="000000"/>
+                        </a:solidFill>
+                      </a:endParaRPr>
+                    </a:p>
+                  </a:txBody>
+                  <a:tcPr marL="45720" marR="45720"/>
+                </a:tc>
+                <a:tc>
+                  <a:txBody>
+                    <a:bodyPr/>
+                    <a:lstStyle/>
+                    <a:p>
+                      <a:r>
+                        <a:rPr lang="en-US" sz="2000" dirty="0" smtClean="0">
+                          <a:solidFill>
+                            <a:srgbClr val="000000"/>
+                          </a:solidFill>
+                        </a:rPr>
+                        <a:t>3:15</a:t>
+                      </a:r>
+                      <a:endParaRPr lang="en-US" sz="2000" dirty="0">
+                        <a:solidFill>
+                          <a:srgbClr val="000000"/>
+                        </a:solidFill>
+                      </a:endParaRPr>
+                    </a:p>
+                  </a:txBody>
+                  <a:tcPr marL="45720" marR="45720"/>
+                </a:tc>
+                <a:tc>
+                  <a:txBody>
+                    <a:bodyPr/>
+                    <a:lstStyle/>
+                    <a:p>
+                      <a:r>
+                        <a:rPr lang="en-US" sz="2000" dirty="0" smtClean="0">
+                          <a:solidFill>
+                            <a:srgbClr val="000000"/>
+                          </a:solidFill>
+                        </a:rPr>
+                        <a:t>3:30</a:t>
+                      </a:r>
+                      <a:endParaRPr lang="en-US" sz="2000" dirty="0">
+                        <a:solidFill>
+                          <a:srgbClr val="000000"/>
+                        </a:solidFill>
+                      </a:endParaRPr>
+                    </a:p>
+                  </a:txBody>
+                  <a:tcPr marL="45720" marR="45720"/>
+                </a:tc>
+                <a:extLst>
+                  <a:ext uri="{0D108BD9-81ED-4DB2-BD59-A6C34878D82A}">
+                    <a16:rowId xmlns:a16="http://schemas.microsoft.com/office/drawing/2014/main" val="10009"/>
+                  </a:ext>
+                </a:extLst>
+              </a:tr>
+              <a:tr h="409188">
+                <a:tc>
+                  <a:txBody>
+                    <a:bodyPr/>
+                    <a:lstStyle/>
+                    <a:p>
+                      <a:r>
+                        <a:rPr lang="en-US" sz="2000" dirty="0" smtClean="0">
+                          <a:solidFill>
+                            <a:srgbClr val="000000"/>
+                          </a:solidFill>
+                        </a:rPr>
+                        <a:t>Real-time Communications</a:t>
+                      </a:r>
+                      <a:r>
+                        <a:rPr lang="en-US" sz="2000" baseline="0" dirty="0" smtClean="0">
+                          <a:solidFill>
+                            <a:srgbClr val="000000"/>
+                          </a:solidFill>
+                        </a:rPr>
+                        <a:t> with </a:t>
+                      </a:r>
+                      <a:r>
+                        <a:rPr lang="en-US" sz="2000" dirty="0" smtClean="0">
+                          <a:solidFill>
+                            <a:srgbClr val="000000"/>
+                          </a:solidFill>
+                        </a:rPr>
+                        <a:t>SignalR</a:t>
+                      </a:r>
+                    </a:p>
+                  </a:txBody>
+                  <a:tcPr marL="45720" marR="45720"/>
+                </a:tc>
+                <a:tc>
+                  <a:txBody>
+                    <a:bodyPr/>
+                    <a:lstStyle/>
+                    <a:p>
+                      <a:r>
+                        <a:rPr lang="en-US" sz="2000" dirty="0" smtClean="0">
+                          <a:solidFill>
+                            <a:srgbClr val="000000"/>
+                          </a:solidFill>
+                        </a:rPr>
+                        <a:t>3:30</a:t>
+                      </a:r>
+                      <a:endParaRPr lang="en-US" sz="2000" dirty="0">
+                        <a:solidFill>
+                          <a:srgbClr val="000000"/>
+                        </a:solidFill>
+                      </a:endParaRPr>
+                    </a:p>
+                  </a:txBody>
+                  <a:tcPr marL="45720" marR="45720"/>
+                </a:tc>
+                <a:tc>
+                  <a:txBody>
+                    <a:bodyPr/>
+                    <a:lstStyle/>
+                    <a:p>
+                      <a:r>
+                        <a:rPr lang="en-US" sz="2000" dirty="0" smtClean="0">
+                          <a:solidFill>
+                            <a:srgbClr val="000000"/>
+                          </a:solidFill>
+                        </a:rPr>
+                        <a:t>4:00</a:t>
+                      </a:r>
+                      <a:endParaRPr lang="en-US" sz="2000" dirty="0">
+                        <a:solidFill>
+                          <a:srgbClr val="000000"/>
+                        </a:solidFill>
+                      </a:endParaRPr>
+                    </a:p>
+                  </a:txBody>
+                  <a:tcPr marL="45720" marR="45720"/>
+                </a:tc>
+                <a:extLst>
+                  <a:ext uri="{0D108BD9-81ED-4DB2-BD59-A6C34878D82A}">
+                    <a16:rowId xmlns:a16="http://schemas.microsoft.com/office/drawing/2014/main" val="10010"/>
+                  </a:ext>
+                </a:extLst>
+              </a:tr>
+              <a:tr h="409188">
+                <a:tc>
+                  <a:txBody>
+                    <a:bodyPr/>
+                    <a:lstStyle/>
+                    <a:p>
+                      <a:r>
+                        <a:rPr lang="en-US" sz="2000" dirty="0" smtClean="0">
+                          <a:solidFill>
+                            <a:srgbClr val="000000"/>
+                          </a:solidFill>
+                        </a:rPr>
+                        <a:t>ASP.NET 5 Preview</a:t>
+                      </a:r>
+                    </a:p>
+                  </a:txBody>
+                  <a:tcPr marL="45720" marR="45720"/>
+                </a:tc>
+                <a:tc>
+                  <a:txBody>
+                    <a:bodyPr/>
+                    <a:lstStyle/>
+                    <a:p>
+                      <a:r>
+                        <a:rPr lang="en-US" sz="2000" dirty="0" smtClean="0">
+                          <a:solidFill>
+                            <a:srgbClr val="000000"/>
+                          </a:solidFill>
+                        </a:rPr>
+                        <a:t>4:00</a:t>
+                      </a:r>
+                      <a:endParaRPr lang="en-US" sz="2000" dirty="0">
+                        <a:solidFill>
+                          <a:srgbClr val="000000"/>
+                        </a:solidFill>
+                      </a:endParaRPr>
+                    </a:p>
+                  </a:txBody>
+                  <a:tcPr marL="45720" marR="45720"/>
+                </a:tc>
+                <a:tc>
+                  <a:txBody>
+                    <a:bodyPr/>
+                    <a:lstStyle/>
+                    <a:p>
+                      <a:r>
+                        <a:rPr lang="en-US" sz="2000" dirty="0" smtClean="0">
+                          <a:solidFill>
+                            <a:srgbClr val="000000"/>
+                          </a:solidFill>
+                        </a:rPr>
+                        <a:t>4:45</a:t>
+                      </a:r>
+                      <a:endParaRPr lang="en-US" sz="2000" dirty="0">
+                        <a:solidFill>
+                          <a:srgbClr val="000000"/>
+                        </a:solidFill>
+                      </a:endParaRPr>
+                    </a:p>
+                  </a:txBody>
+                  <a:tcPr marL="45720" marR="45720"/>
+                </a:tc>
+                <a:extLst>
+                  <a:ext uri="{0D108BD9-81ED-4DB2-BD59-A6C34878D82A}">
+                    <a16:rowId xmlns:a16="http://schemas.microsoft.com/office/drawing/2014/main" val="4181698176"/>
+                  </a:ext>
+                </a:extLst>
+              </a:tr>
+              <a:tr h="409188">
+                <a:tc>
+                  <a:txBody>
+                    <a:bodyPr/>
+                    <a:lstStyle/>
+                    <a:p>
+                      <a:r>
+                        <a:rPr lang="en-US" sz="2000" dirty="0" smtClean="0">
+                          <a:solidFill>
+                            <a:srgbClr val="000000"/>
+                          </a:solidFill>
+                        </a:rPr>
+                        <a:t>Wrap</a:t>
+                      </a:r>
+                      <a:r>
+                        <a:rPr lang="en-US" sz="2000" baseline="0" dirty="0" smtClean="0">
+                          <a:solidFill>
+                            <a:srgbClr val="000000"/>
+                          </a:solidFill>
+                        </a:rPr>
+                        <a:t> Up</a:t>
+                      </a:r>
+                      <a:endParaRPr lang="en-US" sz="2000" dirty="0">
+                        <a:solidFill>
+                          <a:srgbClr val="000000"/>
+                        </a:solidFill>
+                      </a:endParaRPr>
+                    </a:p>
+                  </a:txBody>
+                  <a:tcPr marL="45720" marR="45720"/>
+                </a:tc>
+                <a:tc>
+                  <a:txBody>
+                    <a:bodyPr/>
+                    <a:lstStyle/>
+                    <a:p>
+                      <a:r>
+                        <a:rPr lang="en-US" sz="2000" dirty="0" smtClean="0">
+                          <a:solidFill>
+                            <a:srgbClr val="000000"/>
+                          </a:solidFill>
+                        </a:rPr>
+                        <a:t>4:45</a:t>
+                      </a:r>
+                      <a:endParaRPr lang="en-US" sz="2000" dirty="0">
+                        <a:solidFill>
+                          <a:srgbClr val="000000"/>
+                        </a:solidFill>
+                      </a:endParaRPr>
+                    </a:p>
+                  </a:txBody>
+                  <a:tcPr marL="45720" marR="45720"/>
+                </a:tc>
+                <a:tc>
+                  <a:txBody>
+                    <a:bodyPr/>
+                    <a:lstStyle/>
+                    <a:p>
+                      <a:r>
+                        <a:rPr lang="en-US" sz="2000" dirty="0" smtClean="0">
+                          <a:solidFill>
+                            <a:srgbClr val="000000"/>
+                          </a:solidFill>
+                        </a:rPr>
+                        <a:t>5:00</a:t>
+                      </a:r>
+                      <a:endParaRPr lang="en-US" sz="2000" dirty="0">
+                        <a:solidFill>
+                          <a:srgbClr val="000000"/>
+                        </a:solidFill>
+                      </a:endParaRPr>
+                    </a:p>
+                  </a:txBody>
+                  <a:tcPr marL="45720" marR="45720"/>
+                </a:tc>
+                <a:extLst>
+                  <a:ext uri="{0D108BD9-81ED-4DB2-BD59-A6C34878D82A}">
+                    <a16:rowId xmlns:a16="http://schemas.microsoft.com/office/drawing/2014/main" val="10011"/>
+                  </a:ext>
+                </a:extLst>
+              </a:tr>
+            </a:tbl>
+          </a:graphicData>
+        </a:graphic>
+      </p:graphicFrame>
+    </p:spTree>
+    <p:extLst>
+      <p:ext uri="{BB962C8B-B14F-4D97-AF65-F5344CB8AC3E}">
+        <p14:creationId xmlns:p14="http://schemas.microsoft.com/office/powerpoint/2010/main" val="437432115"/>
+      </p:ext>
+    </p:extLst>
+  </p:cSld>
+  <p:clrMapOvr>
+    <a:masterClrMapping/>
+  </p:clrMapOvr>
+  <p:timing>
+    <p:tnLst>
+      <p:par>
+        <p:cTn id="1" dur="indefinite" restart="never" nodeType="tmRoot"/>
+      </p:par>
+    </p:tnLst>
+  </p:timing>
+</p:sld>
+</file>
+
+<file path=ppt/slides/slide3.xml><?xml version="1.0" encoding="utf-8"?>
+<p:sld xmlns:a="http://schemas.openxmlformats.org/drawingml/2006/main" xmlns:r="http://schemas.openxmlformats.org/officeDocument/2006/relationships" xmlns:p="http://schemas.openxmlformats.org/presentationml/2006/main">
+  <p:cSld>
+    <p:spTree>
+      <p:nvGrpSpPr>
+        <p:cNvPr id="1" name=""/>
+        <p:cNvGrpSpPr/>
+        <p:nvPr/>
+      </p:nvGrpSpPr>
+      <p:grpSpPr>
+        <a:xfrm>
+          <a:off x="0" y="0"/>
+          <a:ext cx="0" cy="0"/>
+          <a:chOff x="0" y="0"/>
+          <a:chExt cx="0" cy="0"/>
+        </a:xfrm>
+      </p:grpSpPr>
+      <p:sp>
+        <p:nvSpPr>
           <p:cNvPr id="4" name="Title 3"/>
           <p:cNvSpPr>
             <a:spLocks noGrp="1"/>
@@ -22551,7 +30477,7 @@
 </p:sld>
 </file>
 
-<file path=ppt/slides/slide3.xml><?xml version="1.0" encoding="utf-8"?>
+<file path=ppt/slides/slide4.xml><?xml version="1.0" encoding="utf-8"?>
 <p:sld xmlns:a="http://schemas.openxmlformats.org/drawingml/2006/main" xmlns:r="http://schemas.openxmlformats.org/officeDocument/2006/relationships" xmlns:p="http://schemas.openxmlformats.org/presentationml/2006/main">
   <p:cSld>
     <p:spTree>
@@ -23770,7 +31696,7 @@
 </p:sld>
 </file>
 
-<file path=ppt/slides/slide4.xml><?xml version="1.0" encoding="utf-8"?>
+<file path=ppt/slides/slide5.xml><?xml version="1.0" encoding="utf-8"?>
 <p:sld xmlns:a="http://schemas.openxmlformats.org/drawingml/2006/main" xmlns:r="http://schemas.openxmlformats.org/officeDocument/2006/relationships" xmlns:p="http://schemas.openxmlformats.org/presentationml/2006/main" show="0">
   <p:cSld>
     <p:spTree>
@@ -23868,11 +31794,11 @@
   <p:clrMapOvr>
     <a:masterClrMapping/>
   </p:clrMapOvr>
-  <mc:AlternateContent xmlns:mc="http://schemas.openxmlformats.org/markup-compatibility/2006">
-    <mc:Choice xmlns:p14="http://schemas.microsoft.com/office/powerpoint/2010/main" Requires="p14">
+  <mc:AlternateContent xmlns:mc="http://schemas.openxmlformats.org/markup-compatibility/2006" xmlns:p14="http://schemas.microsoft.com/office/powerpoint/2010/main">
+    <mc:Choice Requires="p14">
       <p:transition spd="slow" p14:dur="2000"/>
     </mc:Choice>
-    <mc:Fallback>
+    <mc:Fallback xmlns="">
       <p:transition spd="slow"/>
     </mc:Fallback>
   </mc:AlternateContent>
@@ -23886,7 +31812,7 @@
 </p:sld>
 </file>
 
-<file path=ppt/slides/slide5.xml><?xml version="1.0" encoding="utf-8"?>
+<file path=ppt/slides/slide6.xml><?xml version="1.0" encoding="utf-8"?>
 <p:sld xmlns:a="http://schemas.openxmlformats.org/drawingml/2006/main" xmlns:r="http://schemas.openxmlformats.org/officeDocument/2006/relationships" xmlns:p="http://schemas.openxmlformats.org/presentationml/2006/main">
   <p:cSld>
     <p:spTree>
@@ -23965,7 +31891,7 @@
 </p:sld>
 </file>
 
-<file path=ppt/slides/slide6.xml><?xml version="1.0" encoding="utf-8"?>
+<file path=ppt/slides/slide7.xml><?xml version="1.0" encoding="utf-8"?>
 <p:sld xmlns:a="http://schemas.openxmlformats.org/drawingml/2006/main" xmlns:r="http://schemas.openxmlformats.org/officeDocument/2006/relationships" xmlns:p="http://schemas.openxmlformats.org/presentationml/2006/main">
   <p:cSld>
     <p:spTree>
@@ -24773,7 +32699,7 @@
 </p:sld>
 </file>
 
-<file path=ppt/slides/slide7.xml><?xml version="1.0" encoding="utf-8"?>
+<file path=ppt/slides/slide8.xml><?xml version="1.0" encoding="utf-8"?>
 <p:sld xmlns:a="http://schemas.openxmlformats.org/drawingml/2006/main" xmlns:r="http://schemas.openxmlformats.org/officeDocument/2006/relationships" xmlns:p="http://schemas.openxmlformats.org/presentationml/2006/main">
   <p:cSld>
     <p:spTree>
@@ -25506,7 +33432,7 @@
 </p:sld>
 </file>
 
-<file path=ppt/slides/slide8.xml><?xml version="1.0" encoding="utf-8"?>
+<file path=ppt/slides/slide9.xml><?xml version="1.0" encoding="utf-8"?>
 <p:sld xmlns:a="http://schemas.openxmlformats.org/drawingml/2006/main" xmlns:r="http://schemas.openxmlformats.org/officeDocument/2006/relationships" xmlns:p="http://schemas.openxmlformats.org/presentationml/2006/main">
   <p:cSld>
     <p:spTree>
@@ -26372,951 +34298,6 @@
             </p:seq>
           </p:childTnLst>
         </p:cTn>
-      </p:par>
-    </p:tnLst>
-  </p:timing>
-</p:sld>
-</file>
-
-<file path=ppt/slides/slide9.xml><?xml version="1.0" encoding="utf-8"?>
-<p:sld xmlns:a="http://schemas.openxmlformats.org/drawingml/2006/main" xmlns:r="http://schemas.openxmlformats.org/officeDocument/2006/relationships" xmlns:p="http://schemas.openxmlformats.org/presentationml/2006/main">
-  <p:cSld>
-    <p:spTree>
-      <p:nvGrpSpPr>
-        <p:cNvPr id="1" name=""/>
-        <p:cNvGrpSpPr/>
-        <p:nvPr/>
-      </p:nvGrpSpPr>
-      <p:grpSpPr>
-        <a:xfrm>
-          <a:off x="0" y="0"/>
-          <a:ext cx="0" cy="0"/>
-          <a:chOff x="0" y="0"/>
-          <a:chExt cx="0" cy="0"/>
-        </a:xfrm>
-      </p:grpSpPr>
-      <p:graphicFrame>
-        <p:nvGraphicFramePr>
-          <p:cNvPr id="4" name="Object 3" hidden="1"/>
-          <p:cNvGraphicFramePr>
-            <a:graphicFrameLocks noChangeAspect="1"/>
-          </p:cNvGraphicFramePr>
-          <p:nvPr>
-            <p:custDataLst>
-              <p:tags r:id="rId2"/>
-            </p:custDataLst>
-            <p:extLst/>
-          </p:nvPr>
-        </p:nvGraphicFramePr>
-        <p:xfrm>
-          <a:off x="1588" y="0"/>
-          <a:ext cx="158750" cy="158750"/>
-        </p:xfrm>
-        <a:graphic>
-          <a:graphicData uri="http://schemas.openxmlformats.org/presentationml/2006/ole">
-            <mc:AlternateContent xmlns:mc="http://schemas.openxmlformats.org/markup-compatibility/2006">
-              <mc:Choice xmlns:v="urn:schemas-microsoft-com:vml" Requires="v">
-                <p:oleObj spid="_x0000_s1036" name="think-cell Slide" r:id="rId6" imgW="270" imgH="270" progId="TCLayout.ActiveDocument.1">
-                  <p:embed/>
-                </p:oleObj>
-              </mc:Choice>
-              <mc:Fallback>
-                <p:oleObj name="think-cell Slide" r:id="rId6" imgW="270" imgH="270" progId="TCLayout.ActiveDocument.1">
-                  <p:embed/>
-                  <p:pic>
-                    <p:nvPicPr>
-                      <p:cNvPr id="0" name=""/>
-                      <p:cNvPicPr/>
-                      <p:nvPr/>
-                    </p:nvPicPr>
-                    <p:blipFill>
-                      <a:blip r:embed="rId7"/>
-                      <a:stretch>
-                        <a:fillRect/>
-                      </a:stretch>
-                    </p:blipFill>
-                    <p:spPr>
-                      <a:xfrm>
-                        <a:off x="1588" y="0"/>
-                        <a:ext cx="158750" cy="158750"/>
-                      </a:xfrm>
-                      <a:prstGeom prst="rect">
-                        <a:avLst/>
-                      </a:prstGeom>
-                    </p:spPr>
-                  </p:pic>
-                </p:oleObj>
-              </mc:Fallback>
-            </mc:AlternateContent>
-          </a:graphicData>
-        </a:graphic>
-      </p:graphicFrame>
-      <p:sp>
-        <p:nvSpPr>
-          <p:cNvPr id="2" name="Title 1"/>
-          <p:cNvSpPr>
-            <a:spLocks noGrp="1"/>
-          </p:cNvSpPr>
-          <p:nvPr>
-            <p:ph type="title" idx="4294967295"/>
-            <p:custDataLst>
-              <p:tags r:id="rId3"/>
-            </p:custDataLst>
-          </p:nvPr>
-        </p:nvSpPr>
-        <p:spPr>
-          <a:xfrm>
-            <a:off x="0" y="228600"/>
-            <a:ext cx="11152188" cy="747713"/>
-          </a:xfrm>
-        </p:spPr>
-        <p:txBody>
-          <a:bodyPr>
-            <a:normAutofit fontScale="90000"/>
-          </a:bodyPr>
-          <a:lstStyle/>
-          <a:p>
-            <a:r>
-              <a:rPr lang="en-US" dirty="0" smtClean="0"/>
-              <a:t>Manipulating HTTP Responses</a:t>
-            </a:r>
-            <a:endParaRPr lang="en-US" dirty="0"/>
-          </a:p>
-        </p:txBody>
-      </p:sp>
-      <p:sp>
-        <p:nvSpPr>
-          <p:cNvPr id="9" name="Rectangle 8"/>
-          <p:cNvSpPr/>
-          <p:nvPr/>
-        </p:nvSpPr>
-        <p:spPr bwMode="auto">
-          <a:xfrm>
-            <a:off x="1588" y="2118999"/>
-            <a:ext cx="12188825" cy="3967098"/>
-          </a:xfrm>
-          <a:prstGeom prst="rect">
-            <a:avLst/>
-          </a:prstGeom>
-          <a:solidFill>
-            <a:schemeClr val="accent2">
-              <a:lumMod val="20000"/>
-              <a:lumOff val="80000"/>
-            </a:schemeClr>
-          </a:solidFill>
-          <a:ln>
-            <a:noFill/>
-            <a:headEnd type="none" w="med" len="med"/>
-            <a:tailEnd type="none" w="med" len="med"/>
-          </a:ln>
-          <a:effectLst/>
-        </p:spPr>
-        <p:style>
-          <a:lnRef idx="1">
-            <a:schemeClr val="accent2"/>
-          </a:lnRef>
-          <a:fillRef idx="3">
-            <a:schemeClr val="accent2"/>
-          </a:fillRef>
-          <a:effectRef idx="2">
-            <a:schemeClr val="accent2"/>
-          </a:effectRef>
-          <a:fontRef idx="minor">
-            <a:schemeClr val="lt1"/>
-          </a:fontRef>
-        </p:style>
-        <p:txBody>
-          <a:bodyPr vert="horz" wrap="square" lIns="91436" tIns="45718" rIns="91436" bIns="45718" numCol="1" rtlCol="0" anchor="ctr" anchorCtr="0" compatLnSpc="1">
-            <a:prstTxWarp prst="textNoShape">
-              <a:avLst/>
-            </a:prstTxWarp>
-          </a:bodyPr>
-          <a:lstStyle/>
-          <a:p>
-            <a:pPr algn="ctr" defTabSz="914099" fontAlgn="base">
-              <a:spcBef>
-                <a:spcPct val="0"/>
-              </a:spcBef>
-              <a:spcAft>
-                <a:spcPct val="0"/>
-              </a:spcAft>
-            </a:pPr>
-            <a:endParaRPr lang="en-US" sz="2200" dirty="0">
-              <a:gradFill>
-                <a:gsLst>
-                  <a:gs pos="0">
-                    <a:srgbClr val="FFFFFF"/>
-                  </a:gs>
-                  <a:gs pos="100000">
-                    <a:srgbClr val="FFFFFF"/>
-                  </a:gs>
-                </a:gsLst>
-                <a:lin ang="5400000" scaled="0"/>
-              </a:gradFill>
-            </a:endParaRPr>
-          </a:p>
-        </p:txBody>
-      </p:sp>
-      <p:sp>
-        <p:nvSpPr>
-          <p:cNvPr id="14" name="TextBox 13"/>
-          <p:cNvSpPr txBox="1"/>
-          <p:nvPr/>
-        </p:nvSpPr>
-        <p:spPr>
-          <a:xfrm>
-            <a:off x="4374486" y="2115779"/>
-            <a:ext cx="7384894" cy="3754874"/>
-          </a:xfrm>
-          <a:prstGeom prst="rect">
-            <a:avLst/>
-          </a:prstGeom>
-          <a:solidFill>
-            <a:schemeClr val="accent6"/>
-          </a:solidFill>
-          <a:ln>
-            <a:noFill/>
-          </a:ln>
-          <a:effectLst/>
-        </p:spPr>
-        <p:style>
-          <a:lnRef idx="3">
-            <a:schemeClr val="lt1"/>
-          </a:lnRef>
-          <a:fillRef idx="1">
-            <a:schemeClr val="accent3"/>
-          </a:fillRef>
-          <a:effectRef idx="1">
-            <a:schemeClr val="accent3"/>
-          </a:effectRef>
-          <a:fontRef idx="minor">
-            <a:schemeClr val="lt1"/>
-          </a:fontRef>
-        </p:style>
-        <p:txBody>
-          <a:bodyPr wrap="square" rtlCol="0">
-            <a:spAutoFit/>
-          </a:bodyPr>
-          <a:lstStyle/>
-          <a:p>
-            <a:r>
-              <a:rPr lang="en-US" sz="1400" dirty="0">
-                <a:solidFill>
-                  <a:schemeClr val="lt1">
-                    <a:alpha val="99000"/>
-                  </a:schemeClr>
-                </a:solidFill>
-                <a:latin typeface="Consolas" pitchFamily="49" charset="0"/>
-                <a:cs typeface="Consolas" pitchFamily="49" charset="0"/>
-              </a:rPr>
-              <a:t>// GET /</a:t>
-            </a:r>
-            <a:r>
-              <a:rPr lang="en-US" sz="1400" dirty="0" err="1">
-                <a:solidFill>
-                  <a:schemeClr val="lt1">
-                    <a:alpha val="99000"/>
-                  </a:schemeClr>
-                </a:solidFill>
-                <a:latin typeface="Consolas" pitchFamily="49" charset="0"/>
-                <a:cs typeface="Consolas" pitchFamily="49" charset="0"/>
-              </a:rPr>
-              <a:t>api</a:t>
-            </a:r>
-            <a:r>
-              <a:rPr lang="en-US" sz="1400" dirty="0">
-                <a:solidFill>
-                  <a:schemeClr val="lt1">
-                    <a:alpha val="99000"/>
-                  </a:schemeClr>
-                </a:solidFill>
-                <a:latin typeface="Consolas" pitchFamily="49" charset="0"/>
-                <a:cs typeface="Consolas" pitchFamily="49" charset="0"/>
-              </a:rPr>
-              <a:t>/person/5</a:t>
-            </a:r>
-          </a:p>
-          <a:p>
-            <a:r>
-              <a:rPr lang="en-US" sz="1400" dirty="0">
-                <a:solidFill>
-                  <a:schemeClr val="lt1">
-                    <a:alpha val="99000"/>
-                  </a:schemeClr>
-                </a:solidFill>
-                <a:latin typeface="Consolas" pitchFamily="49" charset="0"/>
-                <a:cs typeface="Consolas" pitchFamily="49" charset="0"/>
-              </a:rPr>
-              <a:t>public </a:t>
-            </a:r>
-            <a:r>
-              <a:rPr lang="en-US" sz="1400" dirty="0" err="1">
-                <a:solidFill>
-                  <a:schemeClr val="accent4">
-                    <a:lumMod val="60000"/>
-                    <a:lumOff val="40000"/>
-                    <a:alpha val="99000"/>
-                  </a:schemeClr>
-                </a:solidFill>
-                <a:latin typeface="Consolas" pitchFamily="49" charset="0"/>
-                <a:cs typeface="Consolas" pitchFamily="49" charset="0"/>
-              </a:rPr>
-              <a:t>HttpResponseMessage</a:t>
-            </a:r>
-            <a:r>
-              <a:rPr lang="en-US" sz="1400" dirty="0">
-                <a:solidFill>
-                  <a:schemeClr val="bg1">
-                    <a:alpha val="99000"/>
-                  </a:schemeClr>
-                </a:solidFill>
-                <a:latin typeface="Consolas" pitchFamily="49" charset="0"/>
-                <a:cs typeface="Consolas" pitchFamily="49" charset="0"/>
-              </a:rPr>
-              <a:t>&lt;Person&gt;</a:t>
-            </a:r>
-            <a:r>
-              <a:rPr lang="en-US" sz="1400" dirty="0">
-                <a:solidFill>
-                  <a:schemeClr val="lt1">
-                    <a:alpha val="99000"/>
-                  </a:schemeClr>
-                </a:solidFill>
-                <a:latin typeface="Consolas" pitchFamily="49" charset="0"/>
-                <a:cs typeface="Consolas" pitchFamily="49" charset="0"/>
-              </a:rPr>
-              <a:t> Get(</a:t>
-            </a:r>
-            <a:r>
-              <a:rPr lang="en-US" sz="1400" dirty="0" err="1">
-                <a:solidFill>
-                  <a:schemeClr val="lt1">
-                    <a:alpha val="99000"/>
-                  </a:schemeClr>
-                </a:solidFill>
-                <a:latin typeface="Consolas" pitchFamily="49" charset="0"/>
-                <a:cs typeface="Consolas" pitchFamily="49" charset="0"/>
-              </a:rPr>
-              <a:t>int</a:t>
-            </a:r>
-            <a:r>
-              <a:rPr lang="en-US" sz="1400" dirty="0">
-                <a:solidFill>
-                  <a:schemeClr val="lt1">
-                    <a:alpha val="99000"/>
-                  </a:schemeClr>
-                </a:solidFill>
-                <a:latin typeface="Consolas" pitchFamily="49" charset="0"/>
-                <a:cs typeface="Consolas" pitchFamily="49" charset="0"/>
-              </a:rPr>
-              <a:t> id)</a:t>
-            </a:r>
-          </a:p>
-          <a:p>
-            <a:r>
-              <a:rPr lang="en-US" sz="1400" dirty="0">
-                <a:solidFill>
-                  <a:schemeClr val="lt1">
-                    <a:alpha val="99000"/>
-                  </a:schemeClr>
-                </a:solidFill>
-                <a:latin typeface="Consolas" pitchFamily="49" charset="0"/>
-                <a:cs typeface="Consolas" pitchFamily="49" charset="0"/>
-              </a:rPr>
-              <a:t>{</a:t>
-            </a:r>
-          </a:p>
-          <a:p>
-            <a:r>
-              <a:rPr lang="en-US" sz="1400" dirty="0">
-                <a:solidFill>
-                  <a:schemeClr val="lt1">
-                    <a:alpha val="99000"/>
-                  </a:schemeClr>
-                </a:solidFill>
-                <a:latin typeface="Consolas" pitchFamily="49" charset="0"/>
-                <a:cs typeface="Consolas" pitchFamily="49" charset="0"/>
-              </a:rPr>
-              <a:t>    try</a:t>
-            </a:r>
-          </a:p>
-          <a:p>
-            <a:r>
-              <a:rPr lang="en-US" sz="1400" dirty="0">
-                <a:solidFill>
-                  <a:schemeClr val="lt1">
-                    <a:alpha val="99000"/>
-                  </a:schemeClr>
-                </a:solidFill>
-                <a:latin typeface="Consolas" pitchFamily="49" charset="0"/>
-                <a:cs typeface="Consolas" pitchFamily="49" charset="0"/>
-              </a:rPr>
-              <a:t>    {</a:t>
-            </a:r>
-          </a:p>
-          <a:p>
-            <a:r>
-              <a:rPr lang="en-US" sz="1400" dirty="0">
-                <a:solidFill>
-                  <a:schemeClr val="lt1">
-                    <a:alpha val="99000"/>
-                  </a:schemeClr>
-                </a:solidFill>
-                <a:latin typeface="Consolas" pitchFamily="49" charset="0"/>
-                <a:cs typeface="Consolas" pitchFamily="49" charset="0"/>
-              </a:rPr>
-              <a:t>        </a:t>
-            </a:r>
-            <a:r>
-              <a:rPr lang="en-US" sz="1400" dirty="0" err="1">
-                <a:solidFill>
-                  <a:schemeClr val="lt1">
-                    <a:alpha val="99000"/>
-                  </a:schemeClr>
-                </a:solidFill>
-                <a:latin typeface="Consolas" pitchFamily="49" charset="0"/>
-                <a:cs typeface="Consolas" pitchFamily="49" charset="0"/>
-              </a:rPr>
-              <a:t>var</a:t>
-            </a:r>
-            <a:r>
-              <a:rPr lang="en-US" sz="1400" dirty="0">
-                <a:solidFill>
-                  <a:schemeClr val="lt1">
-                    <a:alpha val="99000"/>
-                  </a:schemeClr>
-                </a:solidFill>
-                <a:latin typeface="Consolas" pitchFamily="49" charset="0"/>
-                <a:cs typeface="Consolas" pitchFamily="49" charset="0"/>
-              </a:rPr>
-              <a:t> person = _</a:t>
-            </a:r>
-            <a:r>
-              <a:rPr lang="en-US" sz="1400" dirty="0" err="1">
-                <a:solidFill>
-                  <a:schemeClr val="lt1">
-                    <a:alpha val="99000"/>
-                  </a:schemeClr>
-                </a:solidFill>
-                <a:latin typeface="Consolas" pitchFamily="49" charset="0"/>
-                <a:cs typeface="Consolas" pitchFamily="49" charset="0"/>
-              </a:rPr>
-              <a:t>people.First</a:t>
-            </a:r>
-            <a:r>
-              <a:rPr lang="en-US" sz="1400" dirty="0">
-                <a:solidFill>
-                  <a:schemeClr val="lt1">
-                    <a:alpha val="99000"/>
-                  </a:schemeClr>
-                </a:solidFill>
-                <a:latin typeface="Consolas" pitchFamily="49" charset="0"/>
-                <a:cs typeface="Consolas" pitchFamily="49" charset="0"/>
-              </a:rPr>
-              <a:t>(x =&gt; </a:t>
-            </a:r>
-            <a:r>
-              <a:rPr lang="en-US" sz="1400" dirty="0" err="1">
-                <a:solidFill>
-                  <a:schemeClr val="lt1">
-                    <a:alpha val="99000"/>
-                  </a:schemeClr>
-                </a:solidFill>
-                <a:latin typeface="Consolas" pitchFamily="49" charset="0"/>
-                <a:cs typeface="Consolas" pitchFamily="49" charset="0"/>
-              </a:rPr>
-              <a:t>x.Id</a:t>
-            </a:r>
-            <a:r>
-              <a:rPr lang="en-US" sz="1400" dirty="0">
-                <a:solidFill>
-                  <a:schemeClr val="lt1">
-                    <a:alpha val="99000"/>
-                  </a:schemeClr>
-                </a:solidFill>
-                <a:latin typeface="Consolas" pitchFamily="49" charset="0"/>
-                <a:cs typeface="Consolas" pitchFamily="49" charset="0"/>
-              </a:rPr>
-              <a:t> == id);</a:t>
-            </a:r>
-          </a:p>
-          <a:p>
-            <a:endParaRPr lang="en-US" sz="1400" dirty="0">
-              <a:solidFill>
-                <a:schemeClr val="lt1">
-                  <a:alpha val="99000"/>
-                </a:schemeClr>
-              </a:solidFill>
-              <a:latin typeface="Consolas" pitchFamily="49" charset="0"/>
-              <a:cs typeface="Consolas" pitchFamily="49" charset="0"/>
-            </a:endParaRPr>
-          </a:p>
-          <a:p>
-            <a:r>
-              <a:rPr lang="en-US" sz="1400" dirty="0">
-                <a:solidFill>
-                  <a:schemeClr val="lt1">
-                    <a:alpha val="99000"/>
-                  </a:schemeClr>
-                </a:solidFill>
-                <a:latin typeface="Consolas" pitchFamily="49" charset="0"/>
-                <a:cs typeface="Consolas" pitchFamily="49" charset="0"/>
-              </a:rPr>
-              <a:t>        return new </a:t>
-            </a:r>
-            <a:r>
-              <a:rPr lang="en-US" sz="1400" dirty="0" err="1">
-                <a:solidFill>
-                  <a:schemeClr val="accent4">
-                    <a:lumMod val="60000"/>
-                    <a:lumOff val="40000"/>
-                    <a:alpha val="99000"/>
-                  </a:schemeClr>
-                </a:solidFill>
-                <a:latin typeface="Consolas" pitchFamily="49" charset="0"/>
-                <a:cs typeface="Consolas" pitchFamily="49" charset="0"/>
-              </a:rPr>
-              <a:t>HttpResponseMessage</a:t>
-            </a:r>
-            <a:r>
-              <a:rPr lang="en-US" sz="1400" dirty="0">
-                <a:solidFill>
-                  <a:schemeClr val="lt1">
-                    <a:alpha val="99000"/>
-                  </a:schemeClr>
-                </a:solidFill>
-                <a:latin typeface="Consolas" pitchFamily="49" charset="0"/>
-                <a:cs typeface="Consolas" pitchFamily="49" charset="0"/>
-              </a:rPr>
-              <a:t>&lt;Person&gt;(</a:t>
-            </a:r>
-          </a:p>
-          <a:p>
-            <a:r>
-              <a:rPr lang="en-US" sz="1400" dirty="0">
-                <a:solidFill>
-                  <a:schemeClr val="lt1">
-                    <a:alpha val="99000"/>
-                  </a:schemeClr>
-                </a:solidFill>
-                <a:latin typeface="Consolas" pitchFamily="49" charset="0"/>
-                <a:cs typeface="Consolas" pitchFamily="49" charset="0"/>
-              </a:rPr>
-              <a:t>            person,</a:t>
-            </a:r>
-          </a:p>
-          <a:p>
-            <a:r>
-              <a:rPr lang="en-US" sz="1400" dirty="0">
-                <a:solidFill>
-                  <a:schemeClr val="lt1">
-                    <a:alpha val="99000"/>
-                  </a:schemeClr>
-                </a:solidFill>
-                <a:latin typeface="Consolas" pitchFamily="49" charset="0"/>
-                <a:cs typeface="Consolas" pitchFamily="49" charset="0"/>
-              </a:rPr>
-              <a:t>            </a:t>
-            </a:r>
-            <a:r>
-              <a:rPr lang="en-US" sz="1400" dirty="0" err="1">
-                <a:solidFill>
-                  <a:schemeClr val="accent4">
-                    <a:lumMod val="60000"/>
-                    <a:lumOff val="40000"/>
-                    <a:alpha val="99000"/>
-                  </a:schemeClr>
-                </a:solidFill>
-                <a:latin typeface="Consolas" pitchFamily="49" charset="0"/>
-                <a:cs typeface="Consolas" pitchFamily="49" charset="0"/>
-              </a:rPr>
-              <a:t>HttpStatusCode.OK</a:t>
-            </a:r>
-            <a:endParaRPr lang="en-US" sz="1400" dirty="0">
-              <a:solidFill>
-                <a:schemeClr val="accent4">
-                  <a:lumMod val="60000"/>
-                  <a:lumOff val="40000"/>
-                  <a:alpha val="99000"/>
-                </a:schemeClr>
-              </a:solidFill>
-              <a:latin typeface="Consolas" pitchFamily="49" charset="0"/>
-              <a:cs typeface="Consolas" pitchFamily="49" charset="0"/>
-            </a:endParaRPr>
-          </a:p>
-          <a:p>
-            <a:r>
-              <a:rPr lang="en-US" sz="1400" dirty="0">
-                <a:solidFill>
-                  <a:schemeClr val="lt1">
-                    <a:alpha val="99000"/>
-                  </a:schemeClr>
-                </a:solidFill>
-                <a:latin typeface="Consolas" pitchFamily="49" charset="0"/>
-                <a:cs typeface="Consolas" pitchFamily="49" charset="0"/>
-              </a:rPr>
-              <a:t>            );</a:t>
-            </a:r>
-          </a:p>
-          <a:p>
-            <a:r>
-              <a:rPr lang="en-US" sz="1400" dirty="0">
-                <a:solidFill>
-                  <a:schemeClr val="lt1">
-                    <a:alpha val="99000"/>
-                  </a:schemeClr>
-                </a:solidFill>
-                <a:latin typeface="Consolas" pitchFamily="49" charset="0"/>
-                <a:cs typeface="Consolas" pitchFamily="49" charset="0"/>
-              </a:rPr>
-              <a:t>    }</a:t>
-            </a:r>
-          </a:p>
-          <a:p>
-            <a:r>
-              <a:rPr lang="en-US" sz="1400" dirty="0">
-                <a:solidFill>
-                  <a:schemeClr val="lt1">
-                    <a:alpha val="99000"/>
-                  </a:schemeClr>
-                </a:solidFill>
-                <a:latin typeface="Consolas" pitchFamily="49" charset="0"/>
-                <a:cs typeface="Consolas" pitchFamily="49" charset="0"/>
-              </a:rPr>
-              <a:t>    catch</a:t>
-            </a:r>
-          </a:p>
-          <a:p>
-            <a:r>
-              <a:rPr lang="en-US" sz="1400" dirty="0">
-                <a:solidFill>
-                  <a:schemeClr val="lt1">
-                    <a:alpha val="99000"/>
-                  </a:schemeClr>
-                </a:solidFill>
-                <a:latin typeface="Consolas" pitchFamily="49" charset="0"/>
-                <a:cs typeface="Consolas" pitchFamily="49" charset="0"/>
-              </a:rPr>
-              <a:t>    {</a:t>
-            </a:r>
-          </a:p>
-          <a:p>
-            <a:r>
-              <a:rPr lang="en-US" sz="1400" dirty="0">
-                <a:solidFill>
-                  <a:schemeClr val="lt1">
-                    <a:alpha val="99000"/>
-                  </a:schemeClr>
-                </a:solidFill>
-                <a:latin typeface="Consolas" pitchFamily="49" charset="0"/>
-                <a:cs typeface="Consolas" pitchFamily="49" charset="0"/>
-              </a:rPr>
-              <a:t>        return new </a:t>
-            </a:r>
-            <a:r>
-              <a:rPr lang="en-US" sz="1400" dirty="0" err="1">
-                <a:solidFill>
-                  <a:schemeClr val="accent4">
-                    <a:lumMod val="60000"/>
-                    <a:lumOff val="40000"/>
-                    <a:alpha val="99000"/>
-                  </a:schemeClr>
-                </a:solidFill>
-                <a:latin typeface="Consolas" pitchFamily="49" charset="0"/>
-                <a:cs typeface="Consolas" pitchFamily="49" charset="0"/>
-              </a:rPr>
-              <a:t>HttpResponseMessage</a:t>
-            </a:r>
-            <a:r>
-              <a:rPr lang="en-US" sz="1400" dirty="0">
-                <a:solidFill>
-                  <a:schemeClr val="lt1">
-                    <a:alpha val="99000"/>
-                  </a:schemeClr>
-                </a:solidFill>
-                <a:latin typeface="Consolas" pitchFamily="49" charset="0"/>
-                <a:cs typeface="Consolas" pitchFamily="49" charset="0"/>
-              </a:rPr>
-              <a:t>&lt;Person&gt;(</a:t>
-            </a:r>
-            <a:r>
-              <a:rPr lang="en-US" sz="1400" dirty="0" err="1">
-                <a:solidFill>
-                  <a:schemeClr val="accent4">
-                    <a:lumMod val="60000"/>
-                    <a:lumOff val="40000"/>
-                    <a:alpha val="99000"/>
-                  </a:schemeClr>
-                </a:solidFill>
-                <a:latin typeface="Consolas" pitchFamily="49" charset="0"/>
-                <a:cs typeface="Consolas" pitchFamily="49" charset="0"/>
-              </a:rPr>
-              <a:t>HttpStatusCode.NotFound</a:t>
-            </a:r>
-            <a:r>
-              <a:rPr lang="en-US" sz="1400" dirty="0">
-                <a:solidFill>
-                  <a:schemeClr val="lt1">
-                    <a:alpha val="99000"/>
-                  </a:schemeClr>
-                </a:solidFill>
-                <a:latin typeface="Consolas" pitchFamily="49" charset="0"/>
-                <a:cs typeface="Consolas" pitchFamily="49" charset="0"/>
-              </a:rPr>
-              <a:t>);</a:t>
-            </a:r>
-          </a:p>
-          <a:p>
-            <a:r>
-              <a:rPr lang="en-US" sz="1400" dirty="0">
-                <a:solidFill>
-                  <a:schemeClr val="lt1">
-                    <a:alpha val="99000"/>
-                  </a:schemeClr>
-                </a:solidFill>
-                <a:latin typeface="Consolas" pitchFamily="49" charset="0"/>
-                <a:cs typeface="Consolas" pitchFamily="49" charset="0"/>
-              </a:rPr>
-              <a:t>    }</a:t>
-            </a:r>
-          </a:p>
-          <a:p>
-            <a:r>
-              <a:rPr lang="en-US" sz="1400" dirty="0">
-                <a:solidFill>
-                  <a:schemeClr val="lt1">
-                    <a:alpha val="99000"/>
-                  </a:schemeClr>
-                </a:solidFill>
-                <a:latin typeface="Consolas" pitchFamily="49" charset="0"/>
-                <a:cs typeface="Consolas" pitchFamily="49" charset="0"/>
-              </a:rPr>
-              <a:t>}</a:t>
-            </a:r>
-          </a:p>
-        </p:txBody>
-      </p:sp>
-      <p:sp>
-        <p:nvSpPr>
-          <p:cNvPr id="15" name="Rectangle 14"/>
-          <p:cNvSpPr/>
-          <p:nvPr/>
-        </p:nvSpPr>
-        <p:spPr>
-          <a:xfrm>
-            <a:off x="435427" y="2119000"/>
-            <a:ext cx="3057247" cy="1538883"/>
-          </a:xfrm>
-          <a:prstGeom prst="rect">
-            <a:avLst/>
-          </a:prstGeom>
-        </p:spPr>
-        <p:txBody>
-          <a:bodyPr wrap="none">
-            <a:spAutoFit/>
-          </a:bodyPr>
-          <a:lstStyle/>
-          <a:p>
-            <a:r>
-              <a:rPr lang="en-US" sz="4000" dirty="0">
-                <a:solidFill>
-                  <a:schemeClr val="accent2">
-                    <a:alpha val="99000"/>
-                  </a:schemeClr>
-                </a:solidFill>
-                <a:latin typeface="Segoe UI Light" pitchFamily="34" charset="0"/>
-              </a:rPr>
-              <a:t>Example</a:t>
-            </a:r>
-          </a:p>
-          <a:p>
-            <a:r>
-              <a:rPr lang="en-US" dirty="0">
-                <a:solidFill>
-                  <a:schemeClr val="tx2">
-                    <a:alpha val="99000"/>
-                  </a:schemeClr>
-                </a:solidFill>
-                <a:latin typeface="Segoe UI Light" pitchFamily="34" charset="0"/>
-              </a:rPr>
-              <a:t>Find a person and return it,</a:t>
-            </a:r>
-            <a:br>
-              <a:rPr lang="en-US" dirty="0">
-                <a:solidFill>
-                  <a:schemeClr val="tx2">
-                    <a:alpha val="99000"/>
-                  </a:schemeClr>
-                </a:solidFill>
-                <a:latin typeface="Segoe UI Light" pitchFamily="34" charset="0"/>
-              </a:rPr>
-            </a:br>
-            <a:r>
-              <a:rPr lang="en-US" dirty="0">
-                <a:solidFill>
-                  <a:schemeClr val="tx2">
-                    <a:alpha val="99000"/>
-                  </a:schemeClr>
-                </a:solidFill>
-                <a:latin typeface="Segoe UI Light" pitchFamily="34" charset="0"/>
-              </a:rPr>
-              <a:t>but what happens if we don’t </a:t>
-            </a:r>
-            <a:br>
-              <a:rPr lang="en-US" dirty="0">
-                <a:solidFill>
-                  <a:schemeClr val="tx2">
-                    <a:alpha val="99000"/>
-                  </a:schemeClr>
-                </a:solidFill>
-                <a:latin typeface="Segoe UI Light" pitchFamily="34" charset="0"/>
-              </a:rPr>
-            </a:br>
-            <a:r>
-              <a:rPr lang="en-US" dirty="0">
-                <a:solidFill>
-                  <a:schemeClr val="tx2">
-                    <a:alpha val="99000"/>
-                  </a:schemeClr>
-                </a:solidFill>
-                <a:latin typeface="Segoe UI Light" pitchFamily="34" charset="0"/>
-              </a:rPr>
-              <a:t>find a match?</a:t>
-            </a:r>
-          </a:p>
-        </p:txBody>
-      </p:sp>
-      <p:sp>
-        <p:nvSpPr>
-          <p:cNvPr id="16" name="Rectangle 15"/>
-          <p:cNvSpPr/>
-          <p:nvPr>
-            <p:custDataLst>
-              <p:tags r:id="rId4"/>
-            </p:custDataLst>
-          </p:nvPr>
-        </p:nvSpPr>
-        <p:spPr bwMode="auto">
-          <a:xfrm>
-            <a:off x="432619" y="1425143"/>
-            <a:ext cx="11326760" cy="584771"/>
-          </a:xfrm>
-          <a:prstGeom prst="rect">
-            <a:avLst/>
-          </a:prstGeom>
-          <a:solidFill>
-            <a:schemeClr val="accent2"/>
-          </a:solidFill>
-          <a:ln>
-            <a:noFill/>
-            <a:headEnd type="none" w="med" len="med"/>
-            <a:tailEnd type="none" w="med" len="med"/>
-          </a:ln>
-          <a:effectLst/>
-        </p:spPr>
-        <p:style>
-          <a:lnRef idx="1">
-            <a:schemeClr val="accent2"/>
-          </a:lnRef>
-          <a:fillRef idx="3">
-            <a:schemeClr val="accent2"/>
-          </a:fillRef>
-          <a:effectRef idx="2">
-            <a:schemeClr val="accent2"/>
-          </a:effectRef>
-          <a:fontRef idx="minor">
-            <a:schemeClr val="lt1"/>
-          </a:fontRef>
-        </p:style>
-        <p:txBody>
-          <a:bodyPr vert="horz" wrap="square" lIns="91436" tIns="45718" rIns="91436" bIns="45718" numCol="1" rtlCol="0" anchor="ctr" anchorCtr="0" compatLnSpc="1">
-            <a:prstTxWarp prst="textNoShape">
-              <a:avLst/>
-            </a:prstTxWarp>
-            <a:noAutofit/>
-          </a:bodyPr>
-          <a:lstStyle/>
-          <a:p>
-            <a:pPr algn="ctr" defTabSz="914363" fontAlgn="base">
-              <a:spcBef>
-                <a:spcPts val="1200"/>
-              </a:spcBef>
-              <a:buSzPct val="80000"/>
-            </a:pPr>
-            <a:r>
-              <a:rPr lang="en-US" sz="2800" dirty="0">
-                <a:ln>
-                  <a:solidFill>
-                    <a:schemeClr val="bg1">
-                      <a:alpha val="0"/>
-                    </a:schemeClr>
-                  </a:solidFill>
-                </a:ln>
-                <a:solidFill>
-                  <a:schemeClr val="bg1"/>
-                </a:solidFill>
-              </a:rPr>
-              <a:t>Return </a:t>
-            </a:r>
-            <a:r>
-              <a:rPr lang="en-US" sz="2800" dirty="0" err="1">
-                <a:ln>
-                  <a:solidFill>
-                    <a:schemeClr val="bg1">
-                      <a:alpha val="0"/>
-                    </a:schemeClr>
-                  </a:solidFill>
-                </a:ln>
-                <a:solidFill>
-                  <a:schemeClr val="bg1"/>
-                </a:solidFill>
-              </a:rPr>
-              <a:t>HttpResponseMessage</a:t>
-            </a:r>
-            <a:r>
-              <a:rPr lang="en-US" sz="2800" dirty="0">
-                <a:ln>
-                  <a:solidFill>
-                    <a:schemeClr val="bg1">
-                      <a:alpha val="0"/>
-                    </a:schemeClr>
-                  </a:solidFill>
-                </a:ln>
-                <a:solidFill>
-                  <a:schemeClr val="bg1"/>
-                </a:solidFill>
-              </a:rPr>
-              <a:t>&lt;T&gt; to modify response headers</a:t>
-            </a:r>
-          </a:p>
-        </p:txBody>
-      </p:sp>
-    </p:spTree>
-    <p:extLst>
-      <p:ext uri="{BB962C8B-B14F-4D97-AF65-F5344CB8AC3E}">
-        <p14:creationId xmlns:p14="http://schemas.microsoft.com/office/powerpoint/2010/main" val="83572687"/>
-      </p:ext>
-    </p:extLst>
-  </p:cSld>
-  <p:clrMapOvr>
-    <a:masterClrMapping/>
-  </p:clrMapOvr>
-  <mc:AlternateContent xmlns:mc="http://schemas.openxmlformats.org/markup-compatibility/2006" xmlns:p14="http://schemas.microsoft.com/office/powerpoint/2010/main">
-    <mc:Choice Requires="p14">
-      <p:transition spd="med" p14:dur="700">
-        <p:fade/>
-      </p:transition>
-    </mc:Choice>
-    <mc:Fallback xmlns="">
-      <p:transition spd="med">
-        <p:fade/>
-      </p:transition>
-    </mc:Fallback>
-  </mc:AlternateContent>
-  <p:timing>
-    <p:tnLst>
-      <p:par>
-        <p:cTn id="1" dur="indefinite" restart="never" nodeType="tmRoot"/>
       </p:par>
     </p:tnLst>
   </p:timing>
@@ -28854,6 +35835,207 @@
 </file>
 
 <file path=ppt/theme/theme8.xml><?xml version="1.0" encoding="utf-8"?>
+<a:theme xmlns:a="http://schemas.openxmlformats.org/drawingml/2006/main" name="1_Azure Medium">
+  <a:themeElements>
+    <a:clrScheme name="Azure Basic">
+      <a:dk1>
+        <a:srgbClr val="00B0F0"/>
+      </a:dk1>
+      <a:lt1>
+        <a:srgbClr val="FFFFFF"/>
+      </a:lt1>
+      <a:dk2>
+        <a:srgbClr val="44546A"/>
+      </a:dk2>
+      <a:lt2>
+        <a:srgbClr val="FFFFFF"/>
+      </a:lt2>
+      <a:accent1>
+        <a:srgbClr val="00B0F0"/>
+      </a:accent1>
+      <a:accent2>
+        <a:srgbClr val="ED7D31"/>
+      </a:accent2>
+      <a:accent3>
+        <a:srgbClr val="A5A5A5"/>
+      </a:accent3>
+      <a:accent4>
+        <a:srgbClr val="FFC000"/>
+      </a:accent4>
+      <a:accent5>
+        <a:srgbClr val="4472C4"/>
+      </a:accent5>
+      <a:accent6>
+        <a:srgbClr val="70AD47"/>
+      </a:accent6>
+      <a:hlink>
+        <a:srgbClr val="0563C1"/>
+      </a:hlink>
+      <a:folHlink>
+        <a:srgbClr val="954F72"/>
+      </a:folHlink>
+    </a:clrScheme>
+    <a:fontScheme name="Windows Azure">
+      <a:majorFont>
+        <a:latin typeface="Segoe UI Light"/>
+        <a:ea typeface=""/>
+        <a:cs typeface=""/>
+      </a:majorFont>
+      <a:minorFont>
+        <a:latin typeface="Segoe UI"/>
+        <a:ea typeface=""/>
+        <a:cs typeface=""/>
+      </a:minorFont>
+    </a:fontScheme>
+    <a:fmtScheme name="Office">
+      <a:fillStyleLst>
+        <a:solidFill>
+          <a:schemeClr val="phClr"/>
+        </a:solidFill>
+        <a:gradFill rotWithShape="1">
+          <a:gsLst>
+            <a:gs pos="0">
+              <a:schemeClr val="phClr">
+                <a:lumMod val="110000"/>
+                <a:satMod val="105000"/>
+                <a:tint val="67000"/>
+              </a:schemeClr>
+            </a:gs>
+            <a:gs pos="50000">
+              <a:schemeClr val="phClr">
+                <a:lumMod val="105000"/>
+                <a:satMod val="103000"/>
+                <a:tint val="73000"/>
+              </a:schemeClr>
+            </a:gs>
+            <a:gs pos="100000">
+              <a:schemeClr val="phClr">
+                <a:lumMod val="105000"/>
+                <a:satMod val="109000"/>
+                <a:tint val="81000"/>
+              </a:schemeClr>
+            </a:gs>
+          </a:gsLst>
+          <a:lin ang="5400000" scaled="0"/>
+        </a:gradFill>
+        <a:gradFill rotWithShape="1">
+          <a:gsLst>
+            <a:gs pos="0">
+              <a:schemeClr val="phClr">
+                <a:satMod val="103000"/>
+                <a:lumMod val="102000"/>
+                <a:tint val="94000"/>
+              </a:schemeClr>
+            </a:gs>
+            <a:gs pos="50000">
+              <a:schemeClr val="phClr">
+                <a:satMod val="110000"/>
+                <a:lumMod val="100000"/>
+                <a:shade val="100000"/>
+              </a:schemeClr>
+            </a:gs>
+            <a:gs pos="100000">
+              <a:schemeClr val="phClr">
+                <a:lumMod val="99000"/>
+                <a:satMod val="120000"/>
+                <a:shade val="78000"/>
+              </a:schemeClr>
+            </a:gs>
+          </a:gsLst>
+          <a:lin ang="5400000" scaled="0"/>
+        </a:gradFill>
+      </a:fillStyleLst>
+      <a:lnStyleLst>
+        <a:ln w="6350" cap="flat" cmpd="sng" algn="ctr">
+          <a:solidFill>
+            <a:schemeClr val="phClr"/>
+          </a:solidFill>
+          <a:prstDash val="solid"/>
+          <a:miter lim="800000"/>
+        </a:ln>
+        <a:ln w="12700" cap="flat" cmpd="sng" algn="ctr">
+          <a:solidFill>
+            <a:schemeClr val="phClr"/>
+          </a:solidFill>
+          <a:prstDash val="solid"/>
+          <a:miter lim="800000"/>
+        </a:ln>
+        <a:ln w="19050" cap="flat" cmpd="sng" algn="ctr">
+          <a:solidFill>
+            <a:schemeClr val="phClr"/>
+          </a:solidFill>
+          <a:prstDash val="solid"/>
+          <a:miter lim="800000"/>
+        </a:ln>
+      </a:lnStyleLst>
+      <a:effectStyleLst>
+        <a:effectStyle>
+          <a:effectLst/>
+        </a:effectStyle>
+        <a:effectStyle>
+          <a:effectLst/>
+        </a:effectStyle>
+        <a:effectStyle>
+          <a:effectLst>
+            <a:outerShdw blurRad="57150" dist="19050" dir="5400000" algn="ctr" rotWithShape="0">
+              <a:srgbClr val="000000">
+                <a:alpha val="63000"/>
+              </a:srgbClr>
+            </a:outerShdw>
+          </a:effectLst>
+        </a:effectStyle>
+      </a:effectStyleLst>
+      <a:bgFillStyleLst>
+        <a:solidFill>
+          <a:schemeClr val="phClr"/>
+        </a:solidFill>
+        <a:solidFill>
+          <a:schemeClr val="phClr">
+            <a:tint val="95000"/>
+            <a:satMod val="170000"/>
+          </a:schemeClr>
+        </a:solidFill>
+        <a:gradFill rotWithShape="1">
+          <a:gsLst>
+            <a:gs pos="0">
+              <a:schemeClr val="phClr">
+                <a:tint val="93000"/>
+                <a:satMod val="150000"/>
+                <a:shade val="98000"/>
+                <a:lumMod val="102000"/>
+              </a:schemeClr>
+            </a:gs>
+            <a:gs pos="50000">
+              <a:schemeClr val="phClr">
+                <a:tint val="98000"/>
+                <a:satMod val="130000"/>
+                <a:shade val="90000"/>
+                <a:lumMod val="103000"/>
+              </a:schemeClr>
+            </a:gs>
+            <a:gs pos="100000">
+              <a:schemeClr val="phClr">
+                <a:shade val="63000"/>
+                <a:satMod val="120000"/>
+              </a:schemeClr>
+            </a:gs>
+          </a:gsLst>
+          <a:lin ang="5400000" scaled="0"/>
+        </a:gradFill>
+      </a:bgFillStyleLst>
+    </a:fmtScheme>
+  </a:themeElements>
+  <a:objectDefaults/>
+  <a:extraClrSchemeLst/>
+  <a:extLst>
+    <a:ext uri="{05A4C25C-085E-4340-85A3-A5531E510DB2}">
+      <thm15:themeFamily xmlns:thm15="http://schemas.microsoft.com/office/thememl/2012/main" name="Office Theme" id="{62F939B6-93AF-4DB8-9C6B-D6C7DFDC589F}" vid="{4A3C46E8-61CC-4603-A589-7422A47A8E4A}"/>
+    </a:ext>
+  </a:extLst>
+</a:theme>
+</file>
+
+<file path=ppt/theme/theme9.xml><?xml version="1.0" encoding="utf-8"?>
 <a:theme xmlns:a="http://schemas.openxmlformats.org/drawingml/2006/main" name="Office Theme">
   <a:themeElements>
     <a:clrScheme name="Office">

--- a/Presentation/HTTP-Services/HTTP-Services.pptx
+++ b/Presentation/HTTP-Services/HTTP-Services.pptx
@@ -16,7 +16,7 @@
   </p:notesMasterIdLst>
   <p:sldIdLst>
     <p:sldId id="257" r:id="rId9"/>
-    <p:sldId id="287" r:id="rId10"/>
+    <p:sldId id="288" r:id="rId10"/>
     <p:sldId id="259" r:id="rId11"/>
     <p:sldId id="270" r:id="rId12"/>
     <p:sldId id="256" r:id="rId13"/>
@@ -222,7 +222,7 @@
           <a:p>
             <a:fld id="{0E990FE3-7537-4D15-A9F5-FDF1805FD5F8}" type="datetimeFigureOut">
               <a:rPr lang="en-US" smtClean="0"/>
-              <a:t>10/12/2015</a:t>
+              <a:t>18/12/2015</a:t>
             </a:fld>
             <a:endParaRPr lang="en-US"/>
           </a:p>
@@ -686,6 +686,90 @@
 </p:notes>
 </file>
 
+<file path=ppt/notesSlides/notesSlide3.xml><?xml version="1.0" encoding="utf-8"?>
+<p:notes xmlns:a="http://schemas.openxmlformats.org/drawingml/2006/main" xmlns:r="http://schemas.openxmlformats.org/officeDocument/2006/relationships" xmlns:p="http://schemas.openxmlformats.org/presentationml/2006/main">
+  <p:cSld>
+    <p:spTree>
+      <p:nvGrpSpPr>
+        <p:cNvPr id="1" name=""/>
+        <p:cNvGrpSpPr/>
+        <p:nvPr/>
+      </p:nvGrpSpPr>
+      <p:grpSpPr>
+        <a:xfrm>
+          <a:off x="0" y="0"/>
+          <a:ext cx="0" cy="0"/>
+          <a:chOff x="0" y="0"/>
+          <a:chExt cx="0" cy="0"/>
+        </a:xfrm>
+      </p:grpSpPr>
+      <p:sp>
+        <p:nvSpPr>
+          <p:cNvPr id="2" name="Slide Image Placeholder 1"/>
+          <p:cNvSpPr>
+            <a:spLocks noGrp="1" noRot="1" noChangeAspect="1"/>
+          </p:cNvSpPr>
+          <p:nvPr>
+            <p:ph type="sldImg"/>
+          </p:nvPr>
+        </p:nvSpPr>
+        <p:spPr/>
+      </p:sp>
+      <p:sp>
+        <p:nvSpPr>
+          <p:cNvPr id="3" name="Notes Placeholder 2"/>
+          <p:cNvSpPr>
+            <a:spLocks noGrp="1"/>
+          </p:cNvSpPr>
+          <p:nvPr>
+            <p:ph type="body" idx="1"/>
+          </p:nvPr>
+        </p:nvSpPr>
+        <p:spPr/>
+        <p:txBody>
+          <a:bodyPr/>
+          <a:lstStyle/>
+          <a:p>
+            <a:endParaRPr lang="en-US" dirty="0"/>
+          </a:p>
+        </p:txBody>
+      </p:sp>
+      <p:sp>
+        <p:nvSpPr>
+          <p:cNvPr id="4" name="Slide Number Placeholder 3"/>
+          <p:cNvSpPr>
+            <a:spLocks noGrp="1"/>
+          </p:cNvSpPr>
+          <p:nvPr>
+            <p:ph type="sldNum" sz="quarter" idx="10"/>
+          </p:nvPr>
+        </p:nvSpPr>
+        <p:spPr/>
+        <p:txBody>
+          <a:bodyPr/>
+          <a:lstStyle/>
+          <a:p>
+            <a:fld id="{6E8C67A6-C0E7-47DF-97C2-CA9B11275397}" type="slidenum">
+              <a:rPr lang="en-US" smtClean="0"/>
+              <a:t>9</a:t>
+            </a:fld>
+            <a:endParaRPr lang="en-US"/>
+          </a:p>
+        </p:txBody>
+      </p:sp>
+    </p:spTree>
+    <p:extLst>
+      <p:ext uri="{BB962C8B-B14F-4D97-AF65-F5344CB8AC3E}">
+        <p14:creationId xmlns:p14="http://schemas.microsoft.com/office/powerpoint/2010/main" val="3703111041"/>
+      </p:ext>
+    </p:extLst>
+  </p:cSld>
+  <p:clrMapOvr>
+    <a:masterClrMapping/>
+  </p:clrMapOvr>
+</p:notes>
+</file>
+
 <file path=ppt/slideLayouts/slideLayout1.xml><?xml version="1.0" encoding="utf-8"?>
 <p:sldLayout xmlns:a="http://schemas.openxmlformats.org/drawingml/2006/main" xmlns:r="http://schemas.openxmlformats.org/officeDocument/2006/relationships" xmlns:p="http://schemas.openxmlformats.org/presentationml/2006/main" preserve="1" userDrawn="1">
   <p:cSld name="Custom Layout">
@@ -895,28 +979,28 @@
                 <a:gridCol w="2764105">
                   <a:extLst>
                     <a:ext uri="{9D8B030D-6E8A-4147-A177-3AD203B41FA5}">
-                      <a16:colId xmlns:a16="http://schemas.microsoft.com/office/drawing/2014/main" val="20000"/>
+                      <a16:colId xmlns="" xmlns:a16="http://schemas.microsoft.com/office/drawing/2014/main" val="20000"/>
                     </a:ext>
                   </a:extLst>
                 </a:gridCol>
                 <a:gridCol w="2764105">
                   <a:extLst>
                     <a:ext uri="{9D8B030D-6E8A-4147-A177-3AD203B41FA5}">
-                      <a16:colId xmlns:a16="http://schemas.microsoft.com/office/drawing/2014/main" val="20001"/>
+                      <a16:colId xmlns="" xmlns:a16="http://schemas.microsoft.com/office/drawing/2014/main" val="20001"/>
                     </a:ext>
                   </a:extLst>
                 </a:gridCol>
                 <a:gridCol w="2764105">
                   <a:extLst>
                     <a:ext uri="{9D8B030D-6E8A-4147-A177-3AD203B41FA5}">
-                      <a16:colId xmlns:a16="http://schemas.microsoft.com/office/drawing/2014/main" val="20002"/>
+                      <a16:colId xmlns="" xmlns:a16="http://schemas.microsoft.com/office/drawing/2014/main" val="20002"/>
                     </a:ext>
                   </a:extLst>
                 </a:gridCol>
                 <a:gridCol w="2764105">
                   <a:extLst>
                     <a:ext uri="{9D8B030D-6E8A-4147-A177-3AD203B41FA5}">
-                      <a16:colId xmlns:a16="http://schemas.microsoft.com/office/drawing/2014/main" val="20003"/>
+                      <a16:colId xmlns="" xmlns:a16="http://schemas.microsoft.com/office/drawing/2014/main" val="20003"/>
                     </a:ext>
                   </a:extLst>
                 </a:gridCol>
@@ -1096,7 +1180,7 @@
                 </a:tc>
                 <a:extLst>
                   <a:ext uri="{0D108BD9-81ED-4DB2-BD59-A6C34878D82A}">
-                    <a16:rowId xmlns:a16="http://schemas.microsoft.com/office/drawing/2014/main" val="10000"/>
+                    <a16:rowId xmlns="" xmlns:a16="http://schemas.microsoft.com/office/drawing/2014/main" val="10000"/>
                   </a:ext>
                 </a:extLst>
               </a:tr>
@@ -1332,7 +1416,7 @@
                 </a:tc>
                 <a:extLst>
                   <a:ext uri="{0D108BD9-81ED-4DB2-BD59-A6C34878D82A}">
-                    <a16:rowId xmlns:a16="http://schemas.microsoft.com/office/drawing/2014/main" val="10001"/>
+                    <a16:rowId xmlns="" xmlns:a16="http://schemas.microsoft.com/office/drawing/2014/main" val="10001"/>
                   </a:ext>
                 </a:extLst>
               </a:tr>
@@ -1587,7 +1671,7 @@
                 </a:tc>
                 <a:extLst>
                   <a:ext uri="{0D108BD9-81ED-4DB2-BD59-A6C34878D82A}">
-                    <a16:rowId xmlns:a16="http://schemas.microsoft.com/office/drawing/2014/main" val="10002"/>
+                    <a16:rowId xmlns="" xmlns:a16="http://schemas.microsoft.com/office/drawing/2014/main" val="10002"/>
                   </a:ext>
                 </a:extLst>
               </a:tr>
@@ -1842,7 +1926,7 @@
                 </a:tc>
                 <a:extLst>
                   <a:ext uri="{0D108BD9-81ED-4DB2-BD59-A6C34878D82A}">
-                    <a16:rowId xmlns:a16="http://schemas.microsoft.com/office/drawing/2014/main" val="10003"/>
+                    <a16:rowId xmlns="" xmlns:a16="http://schemas.microsoft.com/office/drawing/2014/main" val="10003"/>
                   </a:ext>
                 </a:extLst>
               </a:tr>
@@ -5381,28 +5465,28 @@
                 <a:gridCol w="2764105">
                   <a:extLst>
                     <a:ext uri="{9D8B030D-6E8A-4147-A177-3AD203B41FA5}">
-                      <a16:colId xmlns:a16="http://schemas.microsoft.com/office/drawing/2014/main" val="20000"/>
+                      <a16:colId xmlns="" xmlns:a16="http://schemas.microsoft.com/office/drawing/2014/main" val="20000"/>
                     </a:ext>
                   </a:extLst>
                 </a:gridCol>
                 <a:gridCol w="2764105">
                   <a:extLst>
                     <a:ext uri="{9D8B030D-6E8A-4147-A177-3AD203B41FA5}">
-                      <a16:colId xmlns:a16="http://schemas.microsoft.com/office/drawing/2014/main" val="20001"/>
+                      <a16:colId xmlns="" xmlns:a16="http://schemas.microsoft.com/office/drawing/2014/main" val="20001"/>
                     </a:ext>
                   </a:extLst>
                 </a:gridCol>
                 <a:gridCol w="2764105">
                   <a:extLst>
                     <a:ext uri="{9D8B030D-6E8A-4147-A177-3AD203B41FA5}">
-                      <a16:colId xmlns:a16="http://schemas.microsoft.com/office/drawing/2014/main" val="20002"/>
+                      <a16:colId xmlns="" xmlns:a16="http://schemas.microsoft.com/office/drawing/2014/main" val="20002"/>
                     </a:ext>
                   </a:extLst>
                 </a:gridCol>
                 <a:gridCol w="2764105">
                   <a:extLst>
                     <a:ext uri="{9D8B030D-6E8A-4147-A177-3AD203B41FA5}">
-                      <a16:colId xmlns:a16="http://schemas.microsoft.com/office/drawing/2014/main" val="20003"/>
+                      <a16:colId xmlns="" xmlns:a16="http://schemas.microsoft.com/office/drawing/2014/main" val="20003"/>
                     </a:ext>
                   </a:extLst>
                 </a:gridCol>
@@ -5566,7 +5650,7 @@
                 </a:tc>
                 <a:extLst>
                   <a:ext uri="{0D108BD9-81ED-4DB2-BD59-A6C34878D82A}">
-                    <a16:rowId xmlns:a16="http://schemas.microsoft.com/office/drawing/2014/main" val="10000"/>
+                    <a16:rowId xmlns="" xmlns:a16="http://schemas.microsoft.com/office/drawing/2014/main" val="10000"/>
                   </a:ext>
                 </a:extLst>
               </a:tr>
@@ -5786,7 +5870,7 @@
                 </a:tc>
                 <a:extLst>
                   <a:ext uri="{0D108BD9-81ED-4DB2-BD59-A6C34878D82A}">
-                    <a16:rowId xmlns:a16="http://schemas.microsoft.com/office/drawing/2014/main" val="10001"/>
+                    <a16:rowId xmlns="" xmlns:a16="http://schemas.microsoft.com/office/drawing/2014/main" val="10001"/>
                   </a:ext>
                 </a:extLst>
               </a:tr>
@@ -6025,7 +6109,7 @@
                 </a:tc>
                 <a:extLst>
                   <a:ext uri="{0D108BD9-81ED-4DB2-BD59-A6C34878D82A}">
-                    <a16:rowId xmlns:a16="http://schemas.microsoft.com/office/drawing/2014/main" val="10002"/>
+                    <a16:rowId xmlns="" xmlns:a16="http://schemas.microsoft.com/office/drawing/2014/main" val="10002"/>
                   </a:ext>
                 </a:extLst>
               </a:tr>
@@ -6264,7 +6348,7 @@
                 </a:tc>
                 <a:extLst>
                   <a:ext uri="{0D108BD9-81ED-4DB2-BD59-A6C34878D82A}">
-                    <a16:rowId xmlns:a16="http://schemas.microsoft.com/office/drawing/2014/main" val="10003"/>
+                    <a16:rowId xmlns="" xmlns:a16="http://schemas.microsoft.com/office/drawing/2014/main" val="10003"/>
                   </a:ext>
                 </a:extLst>
               </a:tr>
@@ -7488,28 +7572,28 @@
                 <a:gridCol w="2764105">
                   <a:extLst>
                     <a:ext uri="{9D8B030D-6E8A-4147-A177-3AD203B41FA5}">
-                      <a16:colId xmlns:a16="http://schemas.microsoft.com/office/drawing/2014/main" val="20000"/>
+                      <a16:colId xmlns="" xmlns:a16="http://schemas.microsoft.com/office/drawing/2014/main" val="20000"/>
                     </a:ext>
                   </a:extLst>
                 </a:gridCol>
                 <a:gridCol w="2764105">
                   <a:extLst>
                     <a:ext uri="{9D8B030D-6E8A-4147-A177-3AD203B41FA5}">
-                      <a16:colId xmlns:a16="http://schemas.microsoft.com/office/drawing/2014/main" val="20001"/>
+                      <a16:colId xmlns="" xmlns:a16="http://schemas.microsoft.com/office/drawing/2014/main" val="20001"/>
                     </a:ext>
                   </a:extLst>
                 </a:gridCol>
                 <a:gridCol w="2764105">
                   <a:extLst>
                     <a:ext uri="{9D8B030D-6E8A-4147-A177-3AD203B41FA5}">
-                      <a16:colId xmlns:a16="http://schemas.microsoft.com/office/drawing/2014/main" val="20002"/>
+                      <a16:colId xmlns="" xmlns:a16="http://schemas.microsoft.com/office/drawing/2014/main" val="20002"/>
                     </a:ext>
                   </a:extLst>
                 </a:gridCol>
                 <a:gridCol w="2764105">
                   <a:extLst>
                     <a:ext uri="{9D8B030D-6E8A-4147-A177-3AD203B41FA5}">
-                      <a16:colId xmlns:a16="http://schemas.microsoft.com/office/drawing/2014/main" val="20003"/>
+                      <a16:colId xmlns="" xmlns:a16="http://schemas.microsoft.com/office/drawing/2014/main" val="20003"/>
                     </a:ext>
                   </a:extLst>
                 </a:gridCol>
@@ -7685,7 +7769,7 @@
                 </a:tc>
                 <a:extLst>
                   <a:ext uri="{0D108BD9-81ED-4DB2-BD59-A6C34878D82A}">
-                    <a16:rowId xmlns:a16="http://schemas.microsoft.com/office/drawing/2014/main" val="10000"/>
+                    <a16:rowId xmlns="" xmlns:a16="http://schemas.microsoft.com/office/drawing/2014/main" val="10000"/>
                   </a:ext>
                 </a:extLst>
               </a:tr>
@@ -7917,7 +8001,7 @@
                 </a:tc>
                 <a:extLst>
                   <a:ext uri="{0D108BD9-81ED-4DB2-BD59-A6C34878D82A}">
-                    <a16:rowId xmlns:a16="http://schemas.microsoft.com/office/drawing/2014/main" val="10001"/>
+                    <a16:rowId xmlns="" xmlns:a16="http://schemas.microsoft.com/office/drawing/2014/main" val="10001"/>
                   </a:ext>
                 </a:extLst>
               </a:tr>
@@ -8176,7 +8260,7 @@
                 </a:tc>
                 <a:extLst>
                   <a:ext uri="{0D108BD9-81ED-4DB2-BD59-A6C34878D82A}">
-                    <a16:rowId xmlns:a16="http://schemas.microsoft.com/office/drawing/2014/main" val="10002"/>
+                    <a16:rowId xmlns="" xmlns:a16="http://schemas.microsoft.com/office/drawing/2014/main" val="10002"/>
                   </a:ext>
                 </a:extLst>
               </a:tr>
@@ -8427,7 +8511,7 @@
                 </a:tc>
                 <a:extLst>
                   <a:ext uri="{0D108BD9-81ED-4DB2-BD59-A6C34878D82A}">
-                    <a16:rowId xmlns:a16="http://schemas.microsoft.com/office/drawing/2014/main" val="10003"/>
+                    <a16:rowId xmlns="" xmlns:a16="http://schemas.microsoft.com/office/drawing/2014/main" val="10003"/>
                   </a:ext>
                 </a:extLst>
               </a:tr>
@@ -9645,28 +9729,28 @@
                 <a:gridCol w="2764105">
                   <a:extLst>
                     <a:ext uri="{9D8B030D-6E8A-4147-A177-3AD203B41FA5}">
-                      <a16:colId xmlns:a16="http://schemas.microsoft.com/office/drawing/2014/main" val="20000"/>
+                      <a16:colId xmlns="" xmlns:a16="http://schemas.microsoft.com/office/drawing/2014/main" val="20000"/>
                     </a:ext>
                   </a:extLst>
                 </a:gridCol>
                 <a:gridCol w="2764105">
                   <a:extLst>
                     <a:ext uri="{9D8B030D-6E8A-4147-A177-3AD203B41FA5}">
-                      <a16:colId xmlns:a16="http://schemas.microsoft.com/office/drawing/2014/main" val="20001"/>
+                      <a16:colId xmlns="" xmlns:a16="http://schemas.microsoft.com/office/drawing/2014/main" val="20001"/>
                     </a:ext>
                   </a:extLst>
                 </a:gridCol>
                 <a:gridCol w="2764105">
                   <a:extLst>
                     <a:ext uri="{9D8B030D-6E8A-4147-A177-3AD203B41FA5}">
-                      <a16:colId xmlns:a16="http://schemas.microsoft.com/office/drawing/2014/main" val="20002"/>
+                      <a16:colId xmlns="" xmlns:a16="http://schemas.microsoft.com/office/drawing/2014/main" val="20002"/>
                     </a:ext>
                   </a:extLst>
                 </a:gridCol>
                 <a:gridCol w="2764105">
                   <a:extLst>
                     <a:ext uri="{9D8B030D-6E8A-4147-A177-3AD203B41FA5}">
-                      <a16:colId xmlns:a16="http://schemas.microsoft.com/office/drawing/2014/main" val="20003"/>
+                      <a16:colId xmlns="" xmlns:a16="http://schemas.microsoft.com/office/drawing/2014/main" val="20003"/>
                     </a:ext>
                   </a:extLst>
                 </a:gridCol>
@@ -9846,7 +9930,7 @@
                 </a:tc>
                 <a:extLst>
                   <a:ext uri="{0D108BD9-81ED-4DB2-BD59-A6C34878D82A}">
-                    <a16:rowId xmlns:a16="http://schemas.microsoft.com/office/drawing/2014/main" val="10000"/>
+                    <a16:rowId xmlns="" xmlns:a16="http://schemas.microsoft.com/office/drawing/2014/main" val="10000"/>
                   </a:ext>
                 </a:extLst>
               </a:tr>
@@ -10082,7 +10166,7 @@
                 </a:tc>
                 <a:extLst>
                   <a:ext uri="{0D108BD9-81ED-4DB2-BD59-A6C34878D82A}">
-                    <a16:rowId xmlns:a16="http://schemas.microsoft.com/office/drawing/2014/main" val="10001"/>
+                    <a16:rowId xmlns="" xmlns:a16="http://schemas.microsoft.com/office/drawing/2014/main" val="10001"/>
                   </a:ext>
                 </a:extLst>
               </a:tr>
@@ -10337,7 +10421,7 @@
                 </a:tc>
                 <a:extLst>
                   <a:ext uri="{0D108BD9-81ED-4DB2-BD59-A6C34878D82A}">
-                    <a16:rowId xmlns:a16="http://schemas.microsoft.com/office/drawing/2014/main" val="10002"/>
+                    <a16:rowId xmlns="" xmlns:a16="http://schemas.microsoft.com/office/drawing/2014/main" val="10002"/>
                   </a:ext>
                 </a:extLst>
               </a:tr>
@@ -10592,7 +10676,7 @@
                 </a:tc>
                 <a:extLst>
                   <a:ext uri="{0D108BD9-81ED-4DB2-BD59-A6C34878D82A}">
-                    <a16:rowId xmlns:a16="http://schemas.microsoft.com/office/drawing/2014/main" val="10003"/>
+                    <a16:rowId xmlns="" xmlns:a16="http://schemas.microsoft.com/office/drawing/2014/main" val="10003"/>
                   </a:ext>
                 </a:extLst>
               </a:tr>
@@ -11699,28 +11783,28 @@
                 <a:gridCol w="2764105">
                   <a:extLst>
                     <a:ext uri="{9D8B030D-6E8A-4147-A177-3AD203B41FA5}">
-                      <a16:colId xmlns:a16="http://schemas.microsoft.com/office/drawing/2014/main" val="20000"/>
+                      <a16:colId xmlns="" xmlns:a16="http://schemas.microsoft.com/office/drawing/2014/main" val="20000"/>
                     </a:ext>
                   </a:extLst>
                 </a:gridCol>
                 <a:gridCol w="2764105">
                   <a:extLst>
                     <a:ext uri="{9D8B030D-6E8A-4147-A177-3AD203B41FA5}">
-                      <a16:colId xmlns:a16="http://schemas.microsoft.com/office/drawing/2014/main" val="20001"/>
+                      <a16:colId xmlns="" xmlns:a16="http://schemas.microsoft.com/office/drawing/2014/main" val="20001"/>
                     </a:ext>
                   </a:extLst>
                 </a:gridCol>
                 <a:gridCol w="2764105">
                   <a:extLst>
                     <a:ext uri="{9D8B030D-6E8A-4147-A177-3AD203B41FA5}">
-                      <a16:colId xmlns:a16="http://schemas.microsoft.com/office/drawing/2014/main" val="20002"/>
+                      <a16:colId xmlns="" xmlns:a16="http://schemas.microsoft.com/office/drawing/2014/main" val="20002"/>
                     </a:ext>
                   </a:extLst>
                 </a:gridCol>
                 <a:gridCol w="2764105">
                   <a:extLst>
                     <a:ext uri="{9D8B030D-6E8A-4147-A177-3AD203B41FA5}">
-                      <a16:colId xmlns:a16="http://schemas.microsoft.com/office/drawing/2014/main" val="20003"/>
+                      <a16:colId xmlns="" xmlns:a16="http://schemas.microsoft.com/office/drawing/2014/main" val="20003"/>
                     </a:ext>
                   </a:extLst>
                 </a:gridCol>
@@ -11900,7 +11984,7 @@
                 </a:tc>
                 <a:extLst>
                   <a:ext uri="{0D108BD9-81ED-4DB2-BD59-A6C34878D82A}">
-                    <a16:rowId xmlns:a16="http://schemas.microsoft.com/office/drawing/2014/main" val="10000"/>
+                    <a16:rowId xmlns="" xmlns:a16="http://schemas.microsoft.com/office/drawing/2014/main" val="10000"/>
                   </a:ext>
                 </a:extLst>
               </a:tr>
@@ -12136,7 +12220,7 @@
                 </a:tc>
                 <a:extLst>
                   <a:ext uri="{0D108BD9-81ED-4DB2-BD59-A6C34878D82A}">
-                    <a16:rowId xmlns:a16="http://schemas.microsoft.com/office/drawing/2014/main" val="10001"/>
+                    <a16:rowId xmlns="" xmlns:a16="http://schemas.microsoft.com/office/drawing/2014/main" val="10001"/>
                   </a:ext>
                 </a:extLst>
               </a:tr>
@@ -12391,7 +12475,7 @@
                 </a:tc>
                 <a:extLst>
                   <a:ext uri="{0D108BD9-81ED-4DB2-BD59-A6C34878D82A}">
-                    <a16:rowId xmlns:a16="http://schemas.microsoft.com/office/drawing/2014/main" val="10002"/>
+                    <a16:rowId xmlns="" xmlns:a16="http://schemas.microsoft.com/office/drawing/2014/main" val="10002"/>
                   </a:ext>
                 </a:extLst>
               </a:tr>
@@ -12646,7 +12730,7 @@
                 </a:tc>
                 <a:extLst>
                   <a:ext uri="{0D108BD9-81ED-4DB2-BD59-A6C34878D82A}">
-                    <a16:rowId xmlns:a16="http://schemas.microsoft.com/office/drawing/2014/main" val="10003"/>
+                    <a16:rowId xmlns="" xmlns:a16="http://schemas.microsoft.com/office/drawing/2014/main" val="10003"/>
                   </a:ext>
                 </a:extLst>
               </a:tr>
@@ -15201,28 +15285,28 @@
                 <a:gridCol w="2764105">
                   <a:extLst>
                     <a:ext uri="{9D8B030D-6E8A-4147-A177-3AD203B41FA5}">
-                      <a16:colId xmlns:a16="http://schemas.microsoft.com/office/drawing/2014/main" val="20000"/>
+                      <a16:colId xmlns="" xmlns:a16="http://schemas.microsoft.com/office/drawing/2014/main" val="20000"/>
                     </a:ext>
                   </a:extLst>
                 </a:gridCol>
                 <a:gridCol w="2764105">
                   <a:extLst>
                     <a:ext uri="{9D8B030D-6E8A-4147-A177-3AD203B41FA5}">
-                      <a16:colId xmlns:a16="http://schemas.microsoft.com/office/drawing/2014/main" val="20001"/>
+                      <a16:colId xmlns="" xmlns:a16="http://schemas.microsoft.com/office/drawing/2014/main" val="20001"/>
                     </a:ext>
                   </a:extLst>
                 </a:gridCol>
                 <a:gridCol w="2764105">
                   <a:extLst>
                     <a:ext uri="{9D8B030D-6E8A-4147-A177-3AD203B41FA5}">
-                      <a16:colId xmlns:a16="http://schemas.microsoft.com/office/drawing/2014/main" val="20002"/>
+                      <a16:colId xmlns="" xmlns:a16="http://schemas.microsoft.com/office/drawing/2014/main" val="20002"/>
                     </a:ext>
                   </a:extLst>
                 </a:gridCol>
                 <a:gridCol w="2764105">
                   <a:extLst>
                     <a:ext uri="{9D8B030D-6E8A-4147-A177-3AD203B41FA5}">
-                      <a16:colId xmlns:a16="http://schemas.microsoft.com/office/drawing/2014/main" val="20003"/>
+                      <a16:colId xmlns="" xmlns:a16="http://schemas.microsoft.com/office/drawing/2014/main" val="20003"/>
                     </a:ext>
                   </a:extLst>
                 </a:gridCol>
@@ -15402,7 +15486,7 @@
                 </a:tc>
                 <a:extLst>
                   <a:ext uri="{0D108BD9-81ED-4DB2-BD59-A6C34878D82A}">
-                    <a16:rowId xmlns:a16="http://schemas.microsoft.com/office/drawing/2014/main" val="10000"/>
+                    <a16:rowId xmlns="" xmlns:a16="http://schemas.microsoft.com/office/drawing/2014/main" val="10000"/>
                   </a:ext>
                 </a:extLst>
               </a:tr>
@@ -15638,7 +15722,7 @@
                 </a:tc>
                 <a:extLst>
                   <a:ext uri="{0D108BD9-81ED-4DB2-BD59-A6C34878D82A}">
-                    <a16:rowId xmlns:a16="http://schemas.microsoft.com/office/drawing/2014/main" val="10001"/>
+                    <a16:rowId xmlns="" xmlns:a16="http://schemas.microsoft.com/office/drawing/2014/main" val="10001"/>
                   </a:ext>
                 </a:extLst>
               </a:tr>
@@ -15893,7 +15977,7 @@
                 </a:tc>
                 <a:extLst>
                   <a:ext uri="{0D108BD9-81ED-4DB2-BD59-A6C34878D82A}">
-                    <a16:rowId xmlns:a16="http://schemas.microsoft.com/office/drawing/2014/main" val="10002"/>
+                    <a16:rowId xmlns="" xmlns:a16="http://schemas.microsoft.com/office/drawing/2014/main" val="10002"/>
                   </a:ext>
                 </a:extLst>
               </a:tr>
@@ -16148,7 +16232,7 @@
                 </a:tc>
                 <a:extLst>
                   <a:ext uri="{0D108BD9-81ED-4DB2-BD59-A6C34878D82A}">
-                    <a16:rowId xmlns:a16="http://schemas.microsoft.com/office/drawing/2014/main" val="10003"/>
+                    <a16:rowId xmlns="" xmlns:a16="http://schemas.microsoft.com/office/drawing/2014/main" val="10003"/>
                   </a:ext>
                 </a:extLst>
               </a:tr>
@@ -25778,12 +25862,12 @@
           <a:graphicData uri="http://schemas.openxmlformats.org/presentationml/2006/ole">
             <mc:AlternateContent xmlns:mc="http://schemas.openxmlformats.org/markup-compatibility/2006">
               <mc:Choice xmlns:v="urn:schemas-microsoft-com:vml" Requires="v">
-                <p:oleObj spid="_x0000_s1037" name="think-cell Slide" r:id="rId6" imgW="270" imgH="270" progId="TCLayout.ActiveDocument.1">
+                <p:oleObj spid="_x0000_s1045" name="think-cell Slide" r:id="rId5" imgW="270" imgH="270" progId="TCLayout.ActiveDocument.1">
                   <p:embed/>
                 </p:oleObj>
               </mc:Choice>
               <mc:Fallback>
-                <p:oleObj name="think-cell Slide" r:id="rId6" imgW="270" imgH="270" progId="TCLayout.ActiveDocument.1">
+                <p:oleObj name="think-cell Slide" r:id="rId5" imgW="270" imgH="270" progId="TCLayout.ActiveDocument.1">
                   <p:embed/>
                   <p:pic>
                     <p:nvPicPr>
@@ -25792,7 +25876,7 @@
                       <p:nvPr/>
                     </p:nvPicPr>
                     <p:blipFill>
-                      <a:blip r:embed="rId7"/>
+                      <a:blip r:embed="rId6"/>
                       <a:stretch>
                         <a:fillRect/>
                       </a:stretch>
@@ -25815,47 +25899,14 @@
       </p:graphicFrame>
       <p:sp>
         <p:nvSpPr>
-          <p:cNvPr id="2" name="Title 1"/>
-          <p:cNvSpPr>
-            <a:spLocks noGrp="1"/>
-          </p:cNvSpPr>
-          <p:nvPr>
-            <p:ph type="title" idx="4294967295"/>
-            <p:custDataLst>
-              <p:tags r:id="rId3"/>
-            </p:custDataLst>
-          </p:nvPr>
-        </p:nvSpPr>
-        <p:spPr>
-          <a:xfrm>
-            <a:off x="0" y="228600"/>
-            <a:ext cx="11152188" cy="747713"/>
-          </a:xfrm>
-        </p:spPr>
-        <p:txBody>
-          <a:bodyPr>
-            <a:normAutofit fontScale="90000"/>
-          </a:bodyPr>
-          <a:lstStyle/>
-          <a:p>
-            <a:r>
-              <a:rPr lang="en-US" dirty="0" smtClean="0"/>
-              <a:t>Manipulating HTTP Responses</a:t>
-            </a:r>
-            <a:endParaRPr lang="en-US" dirty="0"/>
-          </a:p>
-        </p:txBody>
-      </p:sp>
-      <p:sp>
-        <p:nvSpPr>
           <p:cNvPr id="9" name="Rectangle 8"/>
           <p:cNvSpPr/>
           <p:nvPr/>
         </p:nvSpPr>
         <p:spPr bwMode="auto">
           <a:xfrm>
-            <a:off x="1588" y="2118999"/>
-            <a:ext cx="12188825" cy="3967098"/>
+            <a:off x="0" y="2115779"/>
+            <a:ext cx="12188825" cy="2462213"/>
           </a:xfrm>
           <a:prstGeom prst="rect">
             <a:avLst/>
@@ -25928,7 +25979,7 @@
         <p:spPr>
           <a:xfrm>
             <a:off x="4374486" y="2115779"/>
-            <a:ext cx="7384894" cy="3754874"/>
+            <a:ext cx="7384894" cy="2462213"/>
           </a:xfrm>
           <a:prstGeom prst="rect">
             <a:avLst/>
@@ -25962,6 +26013,30 @@
           <a:lstStyle/>
           <a:p>
             <a:r>
+              <a:rPr lang="en-US" sz="1400" dirty="0" smtClean="0">
+                <a:solidFill>
+                  <a:schemeClr val="lt1">
+                    <a:alpha val="99000"/>
+                  </a:schemeClr>
+                </a:solidFill>
+                <a:latin typeface="Consolas" pitchFamily="49" charset="0"/>
+                <a:cs typeface="Consolas" pitchFamily="49" charset="0"/>
+              </a:rPr>
+              <a:t>[</a:t>
+            </a:r>
+            <a:r>
+              <a:rPr lang="en-US" sz="1400" dirty="0" err="1">
+                <a:solidFill>
+                  <a:schemeClr val="lt1">
+                    <a:alpha val="99000"/>
+                  </a:schemeClr>
+                </a:solidFill>
+                <a:latin typeface="Consolas" pitchFamily="49" charset="0"/>
+                <a:cs typeface="Consolas" pitchFamily="49" charset="0"/>
+              </a:rPr>
+              <a:t>HttpGet</a:t>
+            </a:r>
+            <a:r>
               <a:rPr lang="en-US" sz="1400" dirty="0">
                 <a:solidFill>
                   <a:schemeClr val="lt1">
@@ -25971,31 +26046,7 @@
                 <a:latin typeface="Consolas" pitchFamily="49" charset="0"/>
                 <a:cs typeface="Consolas" pitchFamily="49" charset="0"/>
               </a:rPr>
-              <a:t>// GET /</a:t>
-            </a:r>
-            <a:r>
-              <a:rPr lang="en-US" sz="1400" dirty="0" err="1">
-                <a:solidFill>
-                  <a:schemeClr val="lt1">
-                    <a:alpha val="99000"/>
-                  </a:schemeClr>
-                </a:solidFill>
-                <a:latin typeface="Consolas" pitchFamily="49" charset="0"/>
-                <a:cs typeface="Consolas" pitchFamily="49" charset="0"/>
-              </a:rPr>
-              <a:t>api</a:t>
-            </a:r>
-            <a:r>
-              <a:rPr lang="en-US" sz="1400" dirty="0">
-                <a:solidFill>
-                  <a:schemeClr val="lt1">
-                    <a:alpha val="99000"/>
-                  </a:schemeClr>
-                </a:solidFill>
-                <a:latin typeface="Consolas" pitchFamily="49" charset="0"/>
-                <a:cs typeface="Consolas" pitchFamily="49" charset="0"/>
-              </a:rPr>
-              <a:t>/person/5</a:t>
+              <a:t>("{id}")]</a:t>
             </a:r>
           </a:p>
           <a:p>
@@ -26014,28 +26065,14 @@
             <a:r>
               <a:rPr lang="en-US" sz="1400" dirty="0" err="1">
                 <a:solidFill>
-                  <a:schemeClr val="accent4">
-                    <a:lumMod val="60000"/>
-                    <a:lumOff val="40000"/>
+                  <a:schemeClr val="lt1">
                     <a:alpha val="99000"/>
                   </a:schemeClr>
                 </a:solidFill>
                 <a:latin typeface="Consolas" pitchFamily="49" charset="0"/>
                 <a:cs typeface="Consolas" pitchFamily="49" charset="0"/>
               </a:rPr>
-              <a:t>HttpResponseMessage</a:t>
-            </a:r>
-            <a:r>
-              <a:rPr lang="en-US" sz="1400" dirty="0">
-                <a:solidFill>
-                  <a:schemeClr val="bg1">
-                    <a:alpha val="99000"/>
-                  </a:schemeClr>
-                </a:solidFill>
-                <a:latin typeface="Consolas" pitchFamily="49" charset="0"/>
-                <a:cs typeface="Consolas" pitchFamily="49" charset="0"/>
-              </a:rPr>
-              <a:t>&lt;Person&gt;</a:t>
+              <a:t>ActionResult</a:t>
             </a:r>
             <a:r>
               <a:rPr lang="en-US" sz="1400" dirty="0">
@@ -26099,7 +26136,105 @@
                 <a:latin typeface="Consolas" pitchFamily="49" charset="0"/>
                 <a:cs typeface="Consolas" pitchFamily="49" charset="0"/>
               </a:rPr>
-              <a:t>    try</a:t>
+              <a:t>    </a:t>
+            </a:r>
+            <a:r>
+              <a:rPr lang="en-US" sz="1400" dirty="0" err="1">
+                <a:solidFill>
+                  <a:schemeClr val="lt1">
+                    <a:alpha val="99000"/>
+                  </a:schemeClr>
+                </a:solidFill>
+                <a:latin typeface="Consolas" pitchFamily="49" charset="0"/>
+                <a:cs typeface="Consolas" pitchFamily="49" charset="0"/>
+              </a:rPr>
+              <a:t>var</a:t>
+            </a:r>
+            <a:r>
+              <a:rPr lang="en-US" sz="1400" dirty="0">
+                <a:solidFill>
+                  <a:schemeClr val="lt1">
+                    <a:alpha val="99000"/>
+                  </a:schemeClr>
+                </a:solidFill>
+                <a:latin typeface="Consolas" pitchFamily="49" charset="0"/>
+                <a:cs typeface="Consolas" pitchFamily="49" charset="0"/>
+              </a:rPr>
+              <a:t> person = </a:t>
+            </a:r>
+            <a:r>
+              <a:rPr lang="en-US" sz="1400" dirty="0" err="1" smtClean="0">
+                <a:solidFill>
+                  <a:schemeClr val="lt1">
+                    <a:alpha val="99000"/>
+                  </a:schemeClr>
+                </a:solidFill>
+                <a:latin typeface="Consolas" pitchFamily="49" charset="0"/>
+                <a:cs typeface="Consolas" pitchFamily="49" charset="0"/>
+              </a:rPr>
+              <a:t>this.people.FirstOrDefault</a:t>
+            </a:r>
+            <a:r>
+              <a:rPr lang="en-US" sz="1400" dirty="0" smtClean="0">
+                <a:solidFill>
+                  <a:schemeClr val="lt1">
+                    <a:alpha val="99000"/>
+                  </a:schemeClr>
+                </a:solidFill>
+                <a:latin typeface="Consolas" pitchFamily="49" charset="0"/>
+                <a:cs typeface="Consolas" pitchFamily="49" charset="0"/>
+              </a:rPr>
+              <a:t>(x </a:t>
+            </a:r>
+            <a:r>
+              <a:rPr lang="en-US" sz="1400" dirty="0">
+                <a:solidFill>
+                  <a:schemeClr val="lt1">
+                    <a:alpha val="99000"/>
+                  </a:schemeClr>
+                </a:solidFill>
+                <a:latin typeface="Consolas" pitchFamily="49" charset="0"/>
+                <a:cs typeface="Consolas" pitchFamily="49" charset="0"/>
+              </a:rPr>
+              <a:t>=&gt; </a:t>
+            </a:r>
+            <a:r>
+              <a:rPr lang="en-US" sz="1400" dirty="0" err="1">
+                <a:solidFill>
+                  <a:schemeClr val="lt1">
+                    <a:alpha val="99000"/>
+                  </a:schemeClr>
+                </a:solidFill>
+                <a:latin typeface="Consolas" pitchFamily="49" charset="0"/>
+                <a:cs typeface="Consolas" pitchFamily="49" charset="0"/>
+              </a:rPr>
+              <a:t>x.Id</a:t>
+            </a:r>
+            <a:r>
+              <a:rPr lang="en-US" sz="1400" dirty="0">
+                <a:solidFill>
+                  <a:schemeClr val="lt1">
+                    <a:alpha val="99000"/>
+                  </a:schemeClr>
+                </a:solidFill>
+                <a:latin typeface="Consolas" pitchFamily="49" charset="0"/>
+                <a:cs typeface="Consolas" pitchFamily="49" charset="0"/>
+              </a:rPr>
+              <a:t> == id);</a:t>
+            </a:r>
+          </a:p>
+          <a:p>
+            <a:r>
+              <a:rPr lang="en-US" sz="1400" dirty="0">
+                <a:solidFill>
+                  <a:schemeClr val="lt1">
+                    <a:alpha val="99000"/>
+                  </a:schemeClr>
+                </a:solidFill>
+                <a:latin typeface="Consolas" pitchFamily="49" charset="0"/>
+                <a:cs typeface="Consolas" pitchFamily="49" charset="0"/>
+              </a:rPr>
+              <a:t>    if (person == null)</a:t>
             </a:r>
           </a:p>
           <a:p>
@@ -26127,7 +26262,7 @@
                 <a:latin typeface="Consolas" pitchFamily="49" charset="0"/>
                 <a:cs typeface="Consolas" pitchFamily="49" charset="0"/>
               </a:rPr>
-              <a:t>        </a:t>
+              <a:t>        return </a:t>
             </a:r>
             <a:r>
               <a:rPr lang="en-US" sz="1400" dirty="0" err="1">
@@ -26139,7 +26274,7 @@
                 <a:latin typeface="Consolas" pitchFamily="49" charset="0"/>
                 <a:cs typeface="Consolas" pitchFamily="49" charset="0"/>
               </a:rPr>
-              <a:t>var</a:t>
+              <a:t>HttpNotFound</a:t>
             </a:r>
             <a:r>
               <a:rPr lang="en-US" sz="1400" dirty="0">
@@ -26151,173 +26286,7 @@
                 <a:latin typeface="Consolas" pitchFamily="49" charset="0"/>
                 <a:cs typeface="Consolas" pitchFamily="49" charset="0"/>
               </a:rPr>
-              <a:t> person = _</a:t>
-            </a:r>
-            <a:r>
-              <a:rPr lang="en-US" sz="1400" dirty="0" err="1">
-                <a:solidFill>
-                  <a:schemeClr val="lt1">
-                    <a:alpha val="99000"/>
-                  </a:schemeClr>
-                </a:solidFill>
-                <a:latin typeface="Consolas" pitchFamily="49" charset="0"/>
-                <a:cs typeface="Consolas" pitchFamily="49" charset="0"/>
-              </a:rPr>
-              <a:t>people.First</a:t>
-            </a:r>
-            <a:r>
-              <a:rPr lang="en-US" sz="1400" dirty="0">
-                <a:solidFill>
-                  <a:schemeClr val="lt1">
-                    <a:alpha val="99000"/>
-                  </a:schemeClr>
-                </a:solidFill>
-                <a:latin typeface="Consolas" pitchFamily="49" charset="0"/>
-                <a:cs typeface="Consolas" pitchFamily="49" charset="0"/>
-              </a:rPr>
-              <a:t>(x =&gt; </a:t>
-            </a:r>
-            <a:r>
-              <a:rPr lang="en-US" sz="1400" dirty="0" err="1">
-                <a:solidFill>
-                  <a:schemeClr val="lt1">
-                    <a:alpha val="99000"/>
-                  </a:schemeClr>
-                </a:solidFill>
-                <a:latin typeface="Consolas" pitchFamily="49" charset="0"/>
-                <a:cs typeface="Consolas" pitchFamily="49" charset="0"/>
-              </a:rPr>
-              <a:t>x.Id</a:t>
-            </a:r>
-            <a:r>
-              <a:rPr lang="en-US" sz="1400" dirty="0">
-                <a:solidFill>
-                  <a:schemeClr val="lt1">
-                    <a:alpha val="99000"/>
-                  </a:schemeClr>
-                </a:solidFill>
-                <a:latin typeface="Consolas" pitchFamily="49" charset="0"/>
-                <a:cs typeface="Consolas" pitchFamily="49" charset="0"/>
-              </a:rPr>
-              <a:t> == id);</a:t>
-            </a:r>
-          </a:p>
-          <a:p>
-            <a:endParaRPr lang="en-US" sz="1400" dirty="0">
-              <a:solidFill>
-                <a:schemeClr val="lt1">
-                  <a:alpha val="99000"/>
-                </a:schemeClr>
-              </a:solidFill>
-              <a:latin typeface="Consolas" pitchFamily="49" charset="0"/>
-              <a:cs typeface="Consolas" pitchFamily="49" charset="0"/>
-            </a:endParaRPr>
-          </a:p>
-          <a:p>
-            <a:r>
-              <a:rPr lang="en-US" sz="1400" dirty="0">
-                <a:solidFill>
-                  <a:schemeClr val="lt1">
-                    <a:alpha val="99000"/>
-                  </a:schemeClr>
-                </a:solidFill>
-                <a:latin typeface="Consolas" pitchFamily="49" charset="0"/>
-                <a:cs typeface="Consolas" pitchFamily="49" charset="0"/>
-              </a:rPr>
-              <a:t>        return new </a:t>
-            </a:r>
-            <a:r>
-              <a:rPr lang="en-US" sz="1400" dirty="0" err="1">
-                <a:solidFill>
-                  <a:schemeClr val="accent4">
-                    <a:lumMod val="60000"/>
-                    <a:lumOff val="40000"/>
-                    <a:alpha val="99000"/>
-                  </a:schemeClr>
-                </a:solidFill>
-                <a:latin typeface="Consolas" pitchFamily="49" charset="0"/>
-                <a:cs typeface="Consolas" pitchFamily="49" charset="0"/>
-              </a:rPr>
-              <a:t>HttpResponseMessage</a:t>
-            </a:r>
-            <a:r>
-              <a:rPr lang="en-US" sz="1400" dirty="0">
-                <a:solidFill>
-                  <a:schemeClr val="lt1">
-                    <a:alpha val="99000"/>
-                  </a:schemeClr>
-                </a:solidFill>
-                <a:latin typeface="Consolas" pitchFamily="49" charset="0"/>
-                <a:cs typeface="Consolas" pitchFamily="49" charset="0"/>
-              </a:rPr>
-              <a:t>&lt;Person&gt;(</a:t>
-            </a:r>
-          </a:p>
-          <a:p>
-            <a:r>
-              <a:rPr lang="en-US" sz="1400" dirty="0">
-                <a:solidFill>
-                  <a:schemeClr val="lt1">
-                    <a:alpha val="99000"/>
-                  </a:schemeClr>
-                </a:solidFill>
-                <a:latin typeface="Consolas" pitchFamily="49" charset="0"/>
-                <a:cs typeface="Consolas" pitchFamily="49" charset="0"/>
-              </a:rPr>
-              <a:t>            person,</a:t>
-            </a:r>
-          </a:p>
-          <a:p>
-            <a:r>
-              <a:rPr lang="en-US" sz="1400" dirty="0">
-                <a:solidFill>
-                  <a:schemeClr val="lt1">
-                    <a:alpha val="99000"/>
-                  </a:schemeClr>
-                </a:solidFill>
-                <a:latin typeface="Consolas" pitchFamily="49" charset="0"/>
-                <a:cs typeface="Consolas" pitchFamily="49" charset="0"/>
-              </a:rPr>
-              <a:t>            </a:t>
-            </a:r>
-            <a:r>
-              <a:rPr lang="en-US" sz="1400" dirty="0" err="1">
-                <a:solidFill>
-                  <a:schemeClr val="accent4">
-                    <a:lumMod val="60000"/>
-                    <a:lumOff val="40000"/>
-                    <a:alpha val="99000"/>
-                  </a:schemeClr>
-                </a:solidFill>
-                <a:latin typeface="Consolas" pitchFamily="49" charset="0"/>
-                <a:cs typeface="Consolas" pitchFamily="49" charset="0"/>
-              </a:rPr>
-              <a:t>HttpStatusCode.OK</a:t>
-            </a:r>
-            <a:endParaRPr lang="en-US" sz="1400" dirty="0">
-              <a:solidFill>
-                <a:schemeClr val="accent4">
-                  <a:lumMod val="60000"/>
-                  <a:lumOff val="40000"/>
-                  <a:alpha val="99000"/>
-                </a:schemeClr>
-              </a:solidFill>
-              <a:latin typeface="Consolas" pitchFamily="49" charset="0"/>
-              <a:cs typeface="Consolas" pitchFamily="49" charset="0"/>
-            </a:endParaRPr>
-          </a:p>
-          <a:p>
-            <a:r>
-              <a:rPr lang="en-US" sz="1400" dirty="0">
-                <a:solidFill>
-                  <a:schemeClr val="lt1">
-                    <a:alpha val="99000"/>
-                  </a:schemeClr>
-                </a:solidFill>
-                <a:latin typeface="Consolas" pitchFamily="49" charset="0"/>
-                <a:cs typeface="Consolas" pitchFamily="49" charset="0"/>
-              </a:rPr>
-              <a:t>            );</a:t>
+              <a:t>();</a:t>
             </a:r>
           </a:p>
           <a:p>
@@ -26335,6 +26304,17 @@
             </a:r>
           </a:p>
           <a:p>
+            <a:endParaRPr lang="en-US" sz="1400" dirty="0">
+              <a:solidFill>
+                <a:schemeClr val="lt1">
+                  <a:alpha val="99000"/>
+                </a:schemeClr>
+              </a:solidFill>
+              <a:latin typeface="Consolas" pitchFamily="49" charset="0"/>
+              <a:cs typeface="Consolas" pitchFamily="49" charset="0"/>
+            </a:endParaRPr>
+          </a:p>
+          <a:p>
             <a:r>
               <a:rPr lang="en-US" sz="1400" dirty="0">
                 <a:solidFill>
@@ -26345,101 +26325,7 @@
                 <a:latin typeface="Consolas" pitchFamily="49" charset="0"/>
                 <a:cs typeface="Consolas" pitchFamily="49" charset="0"/>
               </a:rPr>
-              <a:t>    catch</a:t>
-            </a:r>
-          </a:p>
-          <a:p>
-            <a:r>
-              <a:rPr lang="en-US" sz="1400" dirty="0">
-                <a:solidFill>
-                  <a:schemeClr val="lt1">
-                    <a:alpha val="99000"/>
-                  </a:schemeClr>
-                </a:solidFill>
-                <a:latin typeface="Consolas" pitchFamily="49" charset="0"/>
-                <a:cs typeface="Consolas" pitchFamily="49" charset="0"/>
-              </a:rPr>
-              <a:t>    {</a:t>
-            </a:r>
-          </a:p>
-          <a:p>
-            <a:r>
-              <a:rPr lang="en-US" sz="1400" dirty="0">
-                <a:solidFill>
-                  <a:schemeClr val="lt1">
-                    <a:alpha val="99000"/>
-                  </a:schemeClr>
-                </a:solidFill>
-                <a:latin typeface="Consolas" pitchFamily="49" charset="0"/>
-                <a:cs typeface="Consolas" pitchFamily="49" charset="0"/>
-              </a:rPr>
-              <a:t>        return new </a:t>
-            </a:r>
-            <a:r>
-              <a:rPr lang="en-US" sz="1400" dirty="0" err="1">
-                <a:solidFill>
-                  <a:schemeClr val="accent4">
-                    <a:lumMod val="60000"/>
-                    <a:lumOff val="40000"/>
-                    <a:alpha val="99000"/>
-                  </a:schemeClr>
-                </a:solidFill>
-                <a:latin typeface="Consolas" pitchFamily="49" charset="0"/>
-                <a:cs typeface="Consolas" pitchFamily="49" charset="0"/>
-              </a:rPr>
-              <a:t>HttpResponseMessage</a:t>
-            </a:r>
-            <a:r>
-              <a:rPr lang="en-US" sz="1400" dirty="0">
-                <a:solidFill>
-                  <a:schemeClr val="lt1">
-                    <a:alpha val="99000"/>
-                  </a:schemeClr>
-                </a:solidFill>
-                <a:latin typeface="Consolas" pitchFamily="49" charset="0"/>
-                <a:cs typeface="Consolas" pitchFamily="49" charset="0"/>
-              </a:rPr>
-              <a:t>&lt;Person&gt;(</a:t>
-            </a:r>
-            <a:r>
-              <a:rPr lang="en-US" sz="1400" dirty="0" err="1">
-                <a:solidFill>
-                  <a:schemeClr val="accent4">
-                    <a:lumMod val="60000"/>
-                    <a:lumOff val="40000"/>
-                    <a:alpha val="99000"/>
-                  </a:schemeClr>
-                </a:solidFill>
-                <a:latin typeface="Consolas" pitchFamily="49" charset="0"/>
-                <a:cs typeface="Consolas" pitchFamily="49" charset="0"/>
-              </a:rPr>
-              <a:t>HttpStatusCode.NotFound</a:t>
-            </a:r>
-            <a:r>
-              <a:rPr lang="en-US" sz="1400" dirty="0">
-                <a:solidFill>
-                  <a:schemeClr val="lt1">
-                    <a:alpha val="99000"/>
-                  </a:schemeClr>
-                </a:solidFill>
-                <a:latin typeface="Consolas" pitchFamily="49" charset="0"/>
-                <a:cs typeface="Consolas" pitchFamily="49" charset="0"/>
-              </a:rPr>
-              <a:t>);</a:t>
-            </a:r>
-          </a:p>
-          <a:p>
-            <a:r>
-              <a:rPr lang="en-US" sz="1400" dirty="0">
-                <a:solidFill>
-                  <a:schemeClr val="lt1">
-                    <a:alpha val="99000"/>
-                  </a:schemeClr>
-                </a:solidFill>
-                <a:latin typeface="Consolas" pitchFamily="49" charset="0"/>
-                <a:cs typeface="Consolas" pitchFamily="49" charset="0"/>
-              </a:rPr>
-              <a:t>    }</a:t>
+              <a:t>    return Ok(person);</a:t>
             </a:r>
           </a:p>
           <a:p>
@@ -26455,6 +26341,15 @@
               </a:rPr>
               <a:t>}</a:t>
             </a:r>
+            <a:endParaRPr lang="en-US" sz="1400" dirty="0">
+              <a:solidFill>
+                <a:schemeClr val="lt1">
+                  <a:alpha val="99000"/>
+                </a:schemeClr>
+              </a:solidFill>
+              <a:latin typeface="Consolas" pitchFamily="49" charset="0"/>
+              <a:cs typeface="Consolas" pitchFamily="49" charset="0"/>
+            </a:endParaRPr>
           </a:p>
         </p:txBody>
       </p:sp>
@@ -26554,7 +26449,7 @@
           <p:cNvSpPr/>
           <p:nvPr>
             <p:custDataLst>
-              <p:tags r:id="rId4"/>
+              <p:tags r:id="rId3"/>
             </p:custDataLst>
           </p:nvPr>
         </p:nvSpPr>
@@ -26621,7 +26516,11 @@
               <a:t>Return </a:t>
             </a:r>
             <a:r>
-              <a:rPr lang="en-US" sz="2800" dirty="0" err="1">
+              <a:rPr lang="en-US" sz="2800" dirty="0" err="1"/>
+              <a:t>ActionResult</a:t>
+            </a:r>
+            <a:r>
+              <a:rPr lang="en-US" sz="2800" dirty="0" smtClean="0">
                 <a:ln>
                   <a:solidFill>
                     <a:schemeClr val="bg1">
@@ -26633,7 +26532,7 @@
                   <a:schemeClr val="bg1"/>
                 </a:solidFill>
               </a:rPr>
-              <a:t>HttpResponseMessage</a:t>
+              <a:t> </a:t>
             </a:r>
             <a:r>
               <a:rPr lang="en-US" sz="2800" dirty="0">
@@ -26648,7 +26547,59 @@
                   <a:schemeClr val="bg1"/>
                 </a:solidFill>
               </a:rPr>
-              <a:t>&lt;T&gt; to modify response headers</a:t>
+              <a:t>to modify response headers</a:t>
+            </a:r>
+          </a:p>
+        </p:txBody>
+      </p:sp>
+      <p:sp>
+        <p:nvSpPr>
+          <p:cNvPr id="27" name="Title 2"/>
+          <p:cNvSpPr txBox="1">
+            <a:spLocks/>
+          </p:cNvSpPr>
+          <p:nvPr/>
+        </p:nvSpPr>
+        <p:spPr>
+          <a:xfrm>
+            <a:off x="520696" y="287864"/>
+            <a:ext cx="11149013" cy="664797"/>
+          </a:xfrm>
+          <a:prstGeom prst="rect">
+            <a:avLst/>
+          </a:prstGeom>
+        </p:spPr>
+        <p:txBody>
+          <a:bodyPr>
+            <a:normAutofit fontScale="90000" lnSpcReduction="10000"/>
+          </a:bodyPr>
+          <a:lstStyle>
+            <a:lvl1pPr algn="l" defTabSz="914400" rtl="0" eaLnBrk="1" latinLnBrk="0" hangingPunct="1">
+              <a:lnSpc>
+                <a:spcPct val="90000"/>
+              </a:lnSpc>
+              <a:spcBef>
+                <a:spcPct val="0"/>
+              </a:spcBef>
+              <a:buNone/>
+              <a:defRPr sz="5400" kern="1200">
+                <a:solidFill>
+                  <a:schemeClr val="bg1"/>
+                </a:solidFill>
+                <a:latin typeface="+mj-lt"/>
+                <a:ea typeface="+mj-ea"/>
+                <a:cs typeface="+mj-cs"/>
+              </a:defRPr>
+            </a:lvl1pPr>
+          </a:lstStyle>
+          <a:p>
+            <a:r>
+              <a:rPr lang="en-US" sz="4800" dirty="0" smtClean="0"/>
+              <a:t>Manipulating </a:t>
+            </a:r>
+            <a:r>
+              <a:rPr lang="en-US" sz="4800" dirty="0"/>
+              <a:t>HTTP Responses</a:t>
             </a:r>
           </a:p>
         </p:txBody>
@@ -26704,115 +26655,208 @@
       </p:grpSpPr>
       <p:sp>
         <p:nvSpPr>
-          <p:cNvPr id="2" name="Title 1"/>
-          <p:cNvSpPr>
-            <a:spLocks noGrp="1"/>
-          </p:cNvSpPr>
+          <p:cNvPr id="9" name="Rectangle 8"/>
+          <p:cNvSpPr/>
           <p:nvPr>
-            <p:ph type="title" idx="4294967295"/>
+            <p:custDataLst>
+              <p:tags r:id="rId1"/>
+            </p:custDataLst>
           </p:nvPr>
         </p:nvSpPr>
-        <p:spPr>
+        <p:spPr bwMode="auto">
           <a:xfrm>
-            <a:off x="0" y="228600"/>
-            <a:ext cx="11152188" cy="747713"/>
+            <a:off x="432619" y="1399743"/>
+            <a:ext cx="11326760" cy="584771"/>
           </a:xfrm>
+          <a:prstGeom prst="rect">
+            <a:avLst/>
+          </a:prstGeom>
+          <a:solidFill>
+            <a:schemeClr val="accent2"/>
+          </a:solidFill>
+          <a:ln>
+            <a:noFill/>
+            <a:headEnd type="none" w="med" len="med"/>
+            <a:tailEnd type="none" w="med" len="med"/>
+          </a:ln>
+          <a:effectLst/>
         </p:spPr>
+        <p:style>
+          <a:lnRef idx="1">
+            <a:schemeClr val="accent2"/>
+          </a:lnRef>
+          <a:fillRef idx="3">
+            <a:schemeClr val="accent2"/>
+          </a:fillRef>
+          <a:effectRef idx="2">
+            <a:schemeClr val="accent2"/>
+          </a:effectRef>
+          <a:fontRef idx="minor">
+            <a:schemeClr val="lt1"/>
+          </a:fontRef>
+        </p:style>
         <p:txBody>
-          <a:bodyPr>
-            <a:normAutofit fontScale="90000"/>
+          <a:bodyPr vert="horz" wrap="square" lIns="91436" tIns="45718" rIns="91436" bIns="45718" numCol="1" rtlCol="0" anchor="ctr" anchorCtr="0" compatLnSpc="1">
+            <a:prstTxWarp prst="textNoShape">
+              <a:avLst/>
+            </a:prstTxWarp>
+            <a:noAutofit/>
           </a:bodyPr>
           <a:lstStyle/>
           <a:p>
-            <a:r>
-              <a:rPr lang="en-US" dirty="0"/>
-              <a:t>Manipulating HTTP Responses</a:t>
+            <a:pPr algn="ctr"/>
+            <a:r>
+              <a:rPr lang="en-US" sz="2800" dirty="0"/>
+              <a:t>A successful API call returns an HTTP OK and the JSON data</a:t>
             </a:r>
           </a:p>
         </p:txBody>
       </p:sp>
       <p:pic>
         <p:nvPicPr>
-          <p:cNvPr id="61442" name="Picture 2" descr="C:\Users\bradyg\AppData\Local\Temp\SNAGHTML3a1fd01b.PNG"/>
+          <p:cNvPr id="4" name="Picture 3"/>
           <p:cNvPicPr>
-            <a:picLocks noChangeAspect="1" noChangeArrowheads="1"/>
+            <a:picLocks noChangeAspect="1"/>
           </p:cNvPicPr>
           <p:nvPr/>
         </p:nvPicPr>
         <p:blipFill>
-          <a:blip r:embed="rId3">
-            <a:extLst>
-              <a:ext uri="{28A0092B-C50C-407E-A947-70E740481C1C}">
-                <a14:useLocalDpi xmlns:a14="http://schemas.microsoft.com/office/drawing/2010/main" val="0"/>
-              </a:ext>
-            </a:extLst>
-          </a:blip>
-          <a:srcRect/>
+          <a:blip r:embed="rId3"/>
           <a:stretch>
             <a:fillRect/>
           </a:stretch>
         </p:blipFill>
-        <p:spPr bwMode="auto">
+        <p:spPr>
           <a:xfrm>
-            <a:off x="6165331" y="2246314"/>
-            <a:ext cx="5532540" cy="3036885"/>
+            <a:off x="432619" y="2246314"/>
+            <a:ext cx="5486400" cy="3385547"/>
           </a:xfrm>
           <a:prstGeom prst="rect">
             <a:avLst/>
           </a:prstGeom>
-          <a:noFill/>
-          <a:extLst>
-            <a:ext uri="{909E8E84-426E-40DD-AFC4-6F175D3DCCD1}">
-              <a14:hiddenFill xmlns:a14="http://schemas.microsoft.com/office/drawing/2010/main">
-                <a:solidFill>
-                  <a:srgbClr val="FFFFFF"/>
-                </a:solidFill>
-              </a14:hiddenFill>
-            </a:ext>
-          </a:extLst>
         </p:spPr>
       </p:pic>
       <p:pic>
         <p:nvPicPr>
-          <p:cNvPr id="61444" name="Picture 4" descr="C:\Users\bradyg\AppData\Local\Temp\SNAGHTML3a20b9be.PNG"/>
+          <p:cNvPr id="5" name="Picture 4"/>
           <p:cNvPicPr>
-            <a:picLocks noChangeAspect="1" noChangeArrowheads="1"/>
+            <a:picLocks noChangeAspect="1"/>
           </p:cNvPicPr>
           <p:nvPr/>
         </p:nvPicPr>
         <p:blipFill>
-          <a:blip r:embed="rId4">
-            <a:extLst>
-              <a:ext uri="{28A0092B-C50C-407E-A947-70E740481C1C}">
-                <a14:useLocalDpi xmlns:a14="http://schemas.microsoft.com/office/drawing/2010/main" val="0"/>
-              </a:ext>
-            </a:extLst>
-          </a:blip>
-          <a:srcRect/>
+          <a:blip r:embed="rId4"/>
           <a:stretch>
             <a:fillRect/>
           </a:stretch>
         </p:blipFill>
-        <p:spPr bwMode="auto">
+        <p:spPr>
           <a:xfrm>
-            <a:off x="419630" y="2246313"/>
-            <a:ext cx="5532546" cy="3036887"/>
+            <a:off x="6272979" y="2246314"/>
+            <a:ext cx="5486400" cy="3385547"/>
           </a:xfrm>
           <a:prstGeom prst="rect">
             <a:avLst/>
           </a:prstGeom>
-          <a:noFill/>
-          <a:extLst>
-            <a:ext uri="{909E8E84-426E-40DD-AFC4-6F175D3DCCD1}">
-              <a14:hiddenFill xmlns:a14="http://schemas.microsoft.com/office/drawing/2010/main">
-                <a:solidFill>
-                  <a:srgbClr val="FFFFFF"/>
-                </a:solidFill>
-              </a14:hiddenFill>
-            </a:ext>
-          </a:extLst>
         </p:spPr>
       </p:pic>
+      <p:sp>
+        <p:nvSpPr>
+          <p:cNvPr id="10" name="Title 2"/>
+          <p:cNvSpPr txBox="1">
+            <a:spLocks/>
+          </p:cNvSpPr>
+          <p:nvPr/>
+        </p:nvSpPr>
+        <p:spPr>
+          <a:xfrm>
+            <a:off x="520696" y="287864"/>
+            <a:ext cx="11149013" cy="664797"/>
+          </a:xfrm>
+          <a:prstGeom prst="rect">
+            <a:avLst/>
+          </a:prstGeom>
+        </p:spPr>
+        <p:txBody>
+          <a:bodyPr>
+            <a:normAutofit fontScale="90000" lnSpcReduction="10000"/>
+          </a:bodyPr>
+          <a:lstStyle>
+            <a:lvl1pPr algn="l" defTabSz="914400" rtl="0" eaLnBrk="1" latinLnBrk="0" hangingPunct="1">
+              <a:lnSpc>
+                <a:spcPct val="90000"/>
+              </a:lnSpc>
+              <a:spcBef>
+                <a:spcPct val="0"/>
+              </a:spcBef>
+              <a:buNone/>
+              <a:defRPr sz="5400" kern="1200">
+                <a:solidFill>
+                  <a:schemeClr val="bg1"/>
+                </a:solidFill>
+                <a:latin typeface="+mj-lt"/>
+                <a:ea typeface="+mj-ea"/>
+                <a:cs typeface="+mj-cs"/>
+              </a:defRPr>
+            </a:lvl1pPr>
+          </a:lstStyle>
+          <a:p>
+            <a:r>
+              <a:rPr lang="en-US" sz="4800" dirty="0" smtClean="0"/>
+              <a:t>Manipulating </a:t>
+            </a:r>
+            <a:r>
+              <a:rPr lang="en-US" sz="4800" dirty="0"/>
+              <a:t>HTTP Responses</a:t>
+            </a:r>
+          </a:p>
+        </p:txBody>
+      </p:sp>
+    </p:spTree>
+    <p:extLst>
+      <p:ext uri="{BB962C8B-B14F-4D97-AF65-F5344CB8AC3E}">
+        <p14:creationId xmlns:p14="http://schemas.microsoft.com/office/powerpoint/2010/main" val="978787125"/>
+      </p:ext>
+    </p:extLst>
+  </p:cSld>
+  <p:clrMapOvr>
+    <a:masterClrMapping/>
+  </p:clrMapOvr>
+  <mc:AlternateContent xmlns:mc="http://schemas.openxmlformats.org/markup-compatibility/2006" xmlns:p14="http://schemas.microsoft.com/office/powerpoint/2010/main">
+    <mc:Choice Requires="p14">
+      <p:transition spd="slow" p14:dur="2000"/>
+    </mc:Choice>
+    <mc:Fallback xmlns="">
+      <p:transition spd="slow"/>
+    </mc:Fallback>
+  </mc:AlternateContent>
+  <p:timing>
+    <p:tnLst>
+      <p:par>
+        <p:cTn id="1" dur="indefinite" restart="never" nodeType="tmRoot"/>
+      </p:par>
+    </p:tnLst>
+  </p:timing>
+</p:sld>
+</file>
+
+<file path=ppt/slides/slide12.xml><?xml version="1.0" encoding="utf-8"?>
+<p:sld xmlns:a="http://schemas.openxmlformats.org/drawingml/2006/main" xmlns:r="http://schemas.openxmlformats.org/officeDocument/2006/relationships" xmlns:p="http://schemas.openxmlformats.org/presentationml/2006/main">
+  <p:cSld>
+    <p:spTree>
+      <p:nvGrpSpPr>
+        <p:cNvPr id="1" name=""/>
+        <p:cNvGrpSpPr/>
+        <p:nvPr/>
+      </p:nvGrpSpPr>
+      <p:grpSpPr>
+        <a:xfrm>
+          <a:off x="0" y="0"/>
+          <a:ext cx="0" cy="0"/>
+          <a:chOff x="0" y="0"/>
+          <a:chExt cx="0" cy="0"/>
+        </a:xfrm>
+      </p:grpSpPr>
       <p:sp>
         <p:nvSpPr>
           <p:cNvPr id="9" name="Rectangle 8"/>
@@ -26867,226 +26911,111 @@
             <a:pPr algn="ctr"/>
             <a:r>
               <a:rPr lang="en-US" sz="2800" dirty="0"/>
-              <a:t>A successful API call returns an HTTP OK and the JSON data</a:t>
+              <a:t>An unsuccessful API call returns an HTTP 404 (and no JSON)</a:t>
             </a:r>
           </a:p>
         </p:txBody>
       </p:sp>
-    </p:spTree>
-    <p:extLst>
-      <p:ext uri="{BB962C8B-B14F-4D97-AF65-F5344CB8AC3E}">
-        <p14:creationId xmlns:p14="http://schemas.microsoft.com/office/powerpoint/2010/main" val="978787125"/>
-      </p:ext>
-    </p:extLst>
-  </p:cSld>
-  <p:clrMapOvr>
-    <a:masterClrMapping/>
-  </p:clrMapOvr>
-  <mc:AlternateContent xmlns:mc="http://schemas.openxmlformats.org/markup-compatibility/2006" xmlns:p14="http://schemas.microsoft.com/office/powerpoint/2010/main">
-    <mc:Choice Requires="p14">
-      <p:transition spd="slow" p14:dur="2000"/>
-    </mc:Choice>
-    <mc:Fallback xmlns="">
-      <p:transition spd="slow"/>
-    </mc:Fallback>
-  </mc:AlternateContent>
-  <p:timing>
-    <p:tnLst>
-      <p:par>
-        <p:cTn id="1" dur="indefinite" restart="never" nodeType="tmRoot"/>
-      </p:par>
-    </p:tnLst>
-  </p:timing>
-</p:sld>
-</file>
-
-<file path=ppt/slides/slide12.xml><?xml version="1.0" encoding="utf-8"?>
-<p:sld xmlns:a="http://schemas.openxmlformats.org/drawingml/2006/main" xmlns:r="http://schemas.openxmlformats.org/officeDocument/2006/relationships" xmlns:p="http://schemas.openxmlformats.org/presentationml/2006/main">
-  <p:cSld>
-    <p:spTree>
-      <p:nvGrpSpPr>
-        <p:cNvPr id="1" name=""/>
-        <p:cNvGrpSpPr/>
-        <p:nvPr/>
-      </p:nvGrpSpPr>
-      <p:grpSpPr>
-        <a:xfrm>
-          <a:off x="0" y="0"/>
-          <a:ext cx="0" cy="0"/>
-          <a:chOff x="0" y="0"/>
-          <a:chExt cx="0" cy="0"/>
-        </a:xfrm>
-      </p:grpSpPr>
-      <p:sp>
-        <p:nvSpPr>
-          <p:cNvPr id="2" name="Title 1"/>
-          <p:cNvSpPr>
-            <a:spLocks noGrp="1"/>
-          </p:cNvSpPr>
-          <p:nvPr>
-            <p:ph type="title" idx="4294967295"/>
-          </p:nvPr>
-        </p:nvSpPr>
+      <p:pic>
+        <p:nvPicPr>
+          <p:cNvPr id="3" name="Picture 2"/>
+          <p:cNvPicPr>
+            <a:picLocks noChangeAspect="1"/>
+          </p:cNvPicPr>
+          <p:nvPr/>
+        </p:nvPicPr>
+        <p:blipFill>
+          <a:blip r:embed="rId3"/>
+          <a:stretch>
+            <a:fillRect/>
+          </a:stretch>
+        </p:blipFill>
         <p:spPr>
           <a:xfrm>
-            <a:off x="0" y="228600"/>
-            <a:ext cx="11152188" cy="747713"/>
-          </a:xfrm>
-        </p:spPr>
-        <p:txBody>
-          <a:bodyPr>
-            <a:normAutofit fontScale="90000"/>
-          </a:bodyPr>
-          <a:lstStyle/>
-          <a:p>
-            <a:r>
-              <a:rPr lang="en-US" dirty="0"/>
-              <a:t>Manipulating HTTP Responses</a:t>
-            </a:r>
-          </a:p>
-        </p:txBody>
-      </p:sp>
-      <p:sp>
-        <p:nvSpPr>
-          <p:cNvPr id="9" name="Rectangle 8"/>
-          <p:cNvSpPr/>
-          <p:nvPr>
-            <p:custDataLst>
-              <p:tags r:id="rId1"/>
-            </p:custDataLst>
-          </p:nvPr>
-        </p:nvSpPr>
-        <p:spPr bwMode="auto">
-          <a:xfrm>
-            <a:off x="432619" y="1399743"/>
-            <a:ext cx="11326760" cy="584771"/>
+            <a:off x="432619" y="2246314"/>
+            <a:ext cx="5486400" cy="3385547"/>
           </a:xfrm>
           <a:prstGeom prst="rect">
             <a:avLst/>
           </a:prstGeom>
-          <a:solidFill>
-            <a:schemeClr val="accent2"/>
-          </a:solidFill>
-          <a:ln>
-            <a:noFill/>
-            <a:headEnd type="none" w="med" len="med"/>
-            <a:tailEnd type="none" w="med" len="med"/>
-          </a:ln>
-          <a:effectLst/>
         </p:spPr>
-        <p:style>
-          <a:lnRef idx="1">
-            <a:schemeClr val="accent2"/>
-          </a:lnRef>
-          <a:fillRef idx="3">
-            <a:schemeClr val="accent2"/>
-          </a:fillRef>
-          <a:effectRef idx="2">
-            <a:schemeClr val="accent2"/>
-          </a:effectRef>
-          <a:fontRef idx="minor">
-            <a:schemeClr val="lt1"/>
-          </a:fontRef>
-        </p:style>
-        <p:txBody>
-          <a:bodyPr vert="horz" wrap="square" lIns="91436" tIns="45718" rIns="91436" bIns="45718" numCol="1" rtlCol="0" anchor="ctr" anchorCtr="0" compatLnSpc="1">
-            <a:prstTxWarp prst="textNoShape">
-              <a:avLst/>
-            </a:prstTxWarp>
-            <a:noAutofit/>
-          </a:bodyPr>
-          <a:lstStyle/>
-          <a:p>
-            <a:pPr algn="ctr"/>
-            <a:r>
-              <a:rPr lang="en-US" sz="2800" dirty="0"/>
-              <a:t>An unsuccessful API call returns an HTTP 404 (and no JSON)</a:t>
-            </a:r>
-          </a:p>
-        </p:txBody>
-      </p:sp>
+      </p:pic>
       <p:pic>
         <p:nvPicPr>
-          <p:cNvPr id="62466" name="Picture 2" descr="C:\Users\bradyg\AppData\Local\Temp\SNAGHTML3a25734c.PNG"/>
+          <p:cNvPr id="4" name="Picture 3"/>
           <p:cNvPicPr>
-            <a:picLocks noChangeAspect="1" noChangeArrowheads="1"/>
+            <a:picLocks noChangeAspect="1"/>
           </p:cNvPicPr>
           <p:nvPr/>
         </p:nvPicPr>
         <p:blipFill>
-          <a:blip r:embed="rId3">
-            <a:extLst>
-              <a:ext uri="{28A0092B-C50C-407E-A947-70E740481C1C}">
-                <a14:useLocalDpi xmlns:a14="http://schemas.microsoft.com/office/drawing/2010/main" val="0"/>
-              </a:ext>
-            </a:extLst>
-          </a:blip>
-          <a:srcRect/>
+          <a:blip r:embed="rId4"/>
           <a:stretch>
             <a:fillRect/>
           </a:stretch>
         </p:blipFill>
-        <p:spPr bwMode="auto">
+        <p:spPr>
           <a:xfrm>
-            <a:off x="415685" y="2246313"/>
-            <a:ext cx="5525558" cy="3033052"/>
+            <a:off x="6272979" y="2246313"/>
+            <a:ext cx="5486400" cy="3385547"/>
           </a:xfrm>
           <a:prstGeom prst="rect">
             <a:avLst/>
           </a:prstGeom>
-          <a:noFill/>
-          <a:extLst>
-            <a:ext uri="{909E8E84-426E-40DD-AFC4-6F175D3DCCD1}">
-              <a14:hiddenFill xmlns:a14="http://schemas.microsoft.com/office/drawing/2010/main">
-                <a:solidFill>
-                  <a:srgbClr val="FFFFFF"/>
-                </a:solidFill>
-              </a14:hiddenFill>
-            </a:ext>
-          </a:extLst>
         </p:spPr>
       </p:pic>
-      <p:pic>
-        <p:nvPicPr>
-          <p:cNvPr id="62468" name="Picture 4" descr="C:\Users\bradyg\AppData\Local\Temp\SNAGHTML3a263fde.PNG"/>
-          <p:cNvPicPr>
-            <a:picLocks noChangeAspect="1" noChangeArrowheads="1"/>
-          </p:cNvPicPr>
+      <p:sp>
+        <p:nvSpPr>
+          <p:cNvPr id="8" name="Title 2"/>
+          <p:cNvSpPr txBox="1">
+            <a:spLocks/>
+          </p:cNvSpPr>
           <p:nvPr/>
-        </p:nvPicPr>
-        <p:blipFill>
-          <a:blip r:embed="rId4">
-            <a:extLst>
-              <a:ext uri="{28A0092B-C50C-407E-A947-70E740481C1C}">
-                <a14:useLocalDpi xmlns:a14="http://schemas.microsoft.com/office/drawing/2010/main" val="0"/>
-              </a:ext>
-            </a:extLst>
-          </a:blip>
-          <a:srcRect/>
-          <a:stretch>
-            <a:fillRect/>
-          </a:stretch>
-        </p:blipFill>
-        <p:spPr bwMode="auto">
+        </p:nvSpPr>
+        <p:spPr>
           <a:xfrm>
-            <a:off x="6155269" y="2246314"/>
-            <a:ext cx="5564189" cy="3054256"/>
+            <a:off x="520696" y="287864"/>
+            <a:ext cx="11149013" cy="664797"/>
           </a:xfrm>
           <a:prstGeom prst="rect">
             <a:avLst/>
           </a:prstGeom>
-          <a:noFill/>
-          <a:extLst>
-            <a:ext uri="{909E8E84-426E-40DD-AFC4-6F175D3DCCD1}">
-              <a14:hiddenFill xmlns:a14="http://schemas.microsoft.com/office/drawing/2010/main">
+        </p:spPr>
+        <p:txBody>
+          <a:bodyPr>
+            <a:normAutofit fontScale="90000" lnSpcReduction="10000"/>
+          </a:bodyPr>
+          <a:lstStyle>
+            <a:lvl1pPr algn="l" defTabSz="914400" rtl="0" eaLnBrk="1" latinLnBrk="0" hangingPunct="1">
+              <a:lnSpc>
+                <a:spcPct val="90000"/>
+              </a:lnSpc>
+              <a:spcBef>
+                <a:spcPct val="0"/>
+              </a:spcBef>
+              <a:buNone/>
+              <a:defRPr sz="5400" kern="1200">
                 <a:solidFill>
-                  <a:srgbClr val="FFFFFF"/>
+                  <a:schemeClr val="bg1"/>
                 </a:solidFill>
-              </a14:hiddenFill>
-            </a:ext>
-          </a:extLst>
-        </p:spPr>
-      </p:pic>
+                <a:latin typeface="+mj-lt"/>
+                <a:ea typeface="+mj-ea"/>
+                <a:cs typeface="+mj-cs"/>
+              </a:defRPr>
+            </a:lvl1pPr>
+          </a:lstStyle>
+          <a:p>
+            <a:r>
+              <a:rPr lang="en-US" sz="4800" dirty="0" smtClean="0"/>
+              <a:t>Manipulating </a:t>
+            </a:r>
+            <a:r>
+              <a:rPr lang="en-US" sz="4800" dirty="0"/>
+              <a:t>HTTP Responses</a:t>
+            </a:r>
+          </a:p>
+        </p:txBody>
+      </p:sp>
     </p:spTree>
     <p:extLst>
       <p:ext uri="{BB962C8B-B14F-4D97-AF65-F5344CB8AC3E}">
@@ -27141,7 +27070,7 @@
         <p:spPr bwMode="auto">
           <a:xfrm>
             <a:off x="1589" y="1158339"/>
-            <a:ext cx="12188825" cy="3967098"/>
+            <a:ext cx="12188825" cy="4244096"/>
           </a:xfrm>
           <a:prstGeom prst="rect">
             <a:avLst/>
@@ -27243,7 +27172,7 @@
         <p:spPr>
           <a:xfrm>
             <a:off x="4174191" y="1155118"/>
-            <a:ext cx="7598978" cy="3970318"/>
+            <a:ext cx="7598978" cy="4247317"/>
           </a:xfrm>
           <a:prstGeom prst="rect">
             <a:avLst/>
@@ -27278,51 +27207,59 @@
           <a:p>
             <a:r>
               <a:rPr lang="en-US" sz="1400" dirty="0">
-                <a:solidFill>
-                  <a:schemeClr val="lt1">
-                    <a:alpha val="99000"/>
-                  </a:schemeClr>
-                </a:solidFill>
-                <a:latin typeface="Consolas" pitchFamily="49" charset="0"/>
-                <a:cs typeface="Consolas" pitchFamily="49" charset="0"/>
+                <a:latin typeface="Consolas" panose="020B0609020204030204" pitchFamily="49" charset="0"/>
+              </a:rPr>
+              <a:t>[</a:t>
+            </a:r>
+            <a:r>
+              <a:rPr lang="en-US" sz="1400" dirty="0" err="1">
+                <a:latin typeface="Consolas" panose="020B0609020204030204" pitchFamily="49" charset="0"/>
+              </a:rPr>
+              <a:t>HttpPost</a:t>
+            </a:r>
+            <a:r>
+              <a:rPr lang="en-US" sz="1400" dirty="0">
+                <a:latin typeface="Consolas" panose="020B0609020204030204" pitchFamily="49" charset="0"/>
+              </a:rPr>
+              <a:t>]</a:t>
+            </a:r>
+          </a:p>
+          <a:p>
+            <a:r>
+              <a:rPr lang="en-US" sz="1400" dirty="0">
+                <a:latin typeface="Consolas" panose="020B0609020204030204" pitchFamily="49" charset="0"/>
               </a:rPr>
               <a:t>public </a:t>
             </a:r>
             <a:r>
               <a:rPr lang="en-US" sz="1400" dirty="0" err="1">
-                <a:solidFill>
-                  <a:schemeClr val="lt1">
-                    <a:alpha val="99000"/>
-                  </a:schemeClr>
-                </a:solidFill>
-                <a:latin typeface="Consolas" pitchFamily="49" charset="0"/>
-                <a:cs typeface="Consolas" pitchFamily="49" charset="0"/>
+                <a:latin typeface="Consolas" panose="020B0609020204030204" pitchFamily="49" charset="0"/>
               </a:rPr>
-              <a:t>HttpResponseMessage</a:t>
+              <a:t>ActionResult</a:t>
             </a:r>
             <a:r>
               <a:rPr lang="en-US" sz="1400" dirty="0">
-                <a:solidFill>
-                  <a:schemeClr val="lt1">
-                    <a:alpha val="99000"/>
-                  </a:schemeClr>
-                </a:solidFill>
-                <a:latin typeface="Consolas" pitchFamily="49" charset="0"/>
-                <a:cs typeface="Consolas" pitchFamily="49" charset="0"/>
+                <a:latin typeface="Consolas" panose="020B0609020204030204" pitchFamily="49" charset="0"/>
               </a:rPr>
-              <a:t> Post(Person person)</a:t>
-            </a:r>
-          </a:p>
-          <a:p>
+              <a:t> Post([</a:t>
+            </a:r>
+            <a:r>
+              <a:rPr lang="en-US" sz="1400" dirty="0" err="1">
+                <a:latin typeface="Consolas" panose="020B0609020204030204" pitchFamily="49" charset="0"/>
+              </a:rPr>
+              <a:t>FromBody</a:t>
+            </a:r>
             <a:r>
               <a:rPr lang="en-US" sz="1400" dirty="0">
-                <a:solidFill>
-                  <a:schemeClr val="lt1">
-                    <a:alpha val="99000"/>
-                  </a:schemeClr>
-                </a:solidFill>
-                <a:latin typeface="Consolas" pitchFamily="49" charset="0"/>
-                <a:cs typeface="Consolas" pitchFamily="49" charset="0"/>
+                <a:latin typeface="Consolas" panose="020B0609020204030204" pitchFamily="49" charset="0"/>
+              </a:rPr>
+              <a:t>]Person person)</a:t>
+            </a:r>
+          </a:p>
+          <a:p>
+            <a:r>
+              <a:rPr lang="en-US" sz="1400" dirty="0">
+                <a:latin typeface="Consolas" panose="020B0609020204030204" pitchFamily="49" charset="0"/>
               </a:rPr>
               <a:t>{</a:t>
             </a:r>
@@ -27330,66 +27267,217 @@
           <a:p>
             <a:r>
               <a:rPr lang="en-US" sz="1400" dirty="0">
-                <a:solidFill>
-                  <a:schemeClr val="lt1">
-                    <a:alpha val="99000"/>
-                  </a:schemeClr>
-                </a:solidFill>
-                <a:latin typeface="Consolas" pitchFamily="49" charset="0"/>
-                <a:cs typeface="Consolas" pitchFamily="49" charset="0"/>
+                <a:latin typeface="Consolas" panose="020B0609020204030204" pitchFamily="49" charset="0"/>
               </a:rPr>
               <a:t>    </a:t>
             </a:r>
             <a:r>
               <a:rPr lang="en-US" sz="1400" dirty="0" err="1">
-                <a:solidFill>
-                  <a:schemeClr val="lt1">
-                    <a:alpha val="99000"/>
-                  </a:schemeClr>
-                </a:solidFill>
-                <a:latin typeface="Consolas" pitchFamily="49" charset="0"/>
-                <a:cs typeface="Consolas" pitchFamily="49" charset="0"/>
+                <a:latin typeface="Consolas" panose="020B0609020204030204" pitchFamily="49" charset="0"/>
               </a:rPr>
               <a:t>person.Id</a:t>
             </a:r>
             <a:r>
               <a:rPr lang="en-US" sz="1400" dirty="0">
-                <a:solidFill>
-                  <a:schemeClr val="lt1">
-                    <a:alpha val="99000"/>
-                  </a:schemeClr>
-                </a:solidFill>
-                <a:latin typeface="Consolas" pitchFamily="49" charset="0"/>
-                <a:cs typeface="Consolas" pitchFamily="49" charset="0"/>
+                <a:latin typeface="Consolas" panose="020B0609020204030204" pitchFamily="49" charset="0"/>
               </a:rPr>
               <a:t> = _</a:t>
             </a:r>
             <a:r>
               <a:rPr lang="en-US" sz="1400" dirty="0" err="1">
-                <a:solidFill>
-                  <a:schemeClr val="lt1">
-                    <a:alpha val="99000"/>
-                  </a:schemeClr>
-                </a:solidFill>
-                <a:latin typeface="Consolas" pitchFamily="49" charset="0"/>
-                <a:cs typeface="Consolas" pitchFamily="49" charset="0"/>
+                <a:latin typeface="Consolas" panose="020B0609020204030204" pitchFamily="49" charset="0"/>
               </a:rPr>
               <a:t>people.Count</a:t>
             </a:r>
             <a:r>
               <a:rPr lang="en-US" sz="1400" dirty="0">
-                <a:solidFill>
-                  <a:schemeClr val="lt1">
-                    <a:alpha val="99000"/>
-                  </a:schemeClr>
-                </a:solidFill>
-                <a:latin typeface="Consolas" pitchFamily="49" charset="0"/>
-                <a:cs typeface="Consolas" pitchFamily="49" charset="0"/>
+                <a:latin typeface="Consolas" panose="020B0609020204030204" pitchFamily="49" charset="0"/>
               </a:rPr>
               <a:t> + 1;</a:t>
             </a:r>
           </a:p>
           <a:p>
+            <a:endParaRPr lang="en-US" sz="1400" dirty="0">
+              <a:latin typeface="Consolas" panose="020B0609020204030204" pitchFamily="49" charset="0"/>
+            </a:endParaRPr>
+          </a:p>
+          <a:p>
+            <a:r>
+              <a:rPr lang="en-US" sz="1400" dirty="0">
+                <a:latin typeface="Consolas" panose="020B0609020204030204" pitchFamily="49" charset="0"/>
+              </a:rPr>
+              <a:t>    if (_</a:t>
+            </a:r>
+            <a:r>
+              <a:rPr lang="en-US" sz="1400" dirty="0" err="1">
+                <a:latin typeface="Consolas" panose="020B0609020204030204" pitchFamily="49" charset="0"/>
+              </a:rPr>
+              <a:t>people.Any</a:t>
+            </a:r>
+            <a:r>
+              <a:rPr lang="en-US" sz="1400" dirty="0">
+                <a:latin typeface="Consolas" panose="020B0609020204030204" pitchFamily="49" charset="0"/>
+              </a:rPr>
+              <a:t>(x =&gt; </a:t>
+            </a:r>
+            <a:r>
+              <a:rPr lang="en-US" sz="1400" dirty="0" err="1">
+                <a:latin typeface="Consolas" panose="020B0609020204030204" pitchFamily="49" charset="0"/>
+              </a:rPr>
+              <a:t>x.Id</a:t>
+            </a:r>
+            <a:r>
+              <a:rPr lang="en-US" sz="1400" dirty="0">
+                <a:latin typeface="Consolas" panose="020B0609020204030204" pitchFamily="49" charset="0"/>
+              </a:rPr>
+              <a:t> == </a:t>
+            </a:r>
+            <a:r>
+              <a:rPr lang="en-US" sz="1400" dirty="0" err="1">
+                <a:latin typeface="Consolas" panose="020B0609020204030204" pitchFamily="49" charset="0"/>
+              </a:rPr>
+              <a:t>person.Id</a:t>
+            </a:r>
+            <a:r>
+              <a:rPr lang="en-US" sz="1400" dirty="0">
+                <a:latin typeface="Consolas" panose="020B0609020204030204" pitchFamily="49" charset="0"/>
+              </a:rPr>
+              <a:t>))</a:t>
+            </a:r>
+          </a:p>
+          <a:p>
+            <a:r>
+              <a:rPr lang="en-US" sz="1400" dirty="0">
+                <a:latin typeface="Consolas" panose="020B0609020204030204" pitchFamily="49" charset="0"/>
+              </a:rPr>
+              <a:t>        return </a:t>
+            </a:r>
+            <a:r>
+              <a:rPr lang="en-US" sz="1400" dirty="0" err="1">
+                <a:latin typeface="Consolas" panose="020B0609020204030204" pitchFamily="49" charset="0"/>
+              </a:rPr>
+              <a:t>HttpBadRequest</a:t>
+            </a:r>
+            <a:r>
+              <a:rPr lang="en-US" sz="1400" dirty="0">
+                <a:latin typeface="Consolas" panose="020B0609020204030204" pitchFamily="49" charset="0"/>
+              </a:rPr>
+              <a:t>();</a:t>
+            </a:r>
+          </a:p>
+          <a:p>
+            <a:endParaRPr lang="en-US" sz="1400" dirty="0">
+              <a:latin typeface="Consolas" panose="020B0609020204030204" pitchFamily="49" charset="0"/>
+            </a:endParaRPr>
+          </a:p>
+          <a:p>
+            <a:r>
+              <a:rPr lang="en-US" sz="1400" dirty="0">
+                <a:latin typeface="Consolas" panose="020B0609020204030204" pitchFamily="49" charset="0"/>
+              </a:rPr>
+              <a:t>    try</a:t>
+            </a:r>
+          </a:p>
+          <a:p>
+            <a:r>
+              <a:rPr lang="en-US" sz="1400" dirty="0">
+                <a:latin typeface="Consolas" panose="020B0609020204030204" pitchFamily="49" charset="0"/>
+              </a:rPr>
+              <a:t>    {</a:t>
+            </a:r>
+          </a:p>
+          <a:p>
+            <a:r>
+              <a:rPr lang="en-US" sz="1400" dirty="0">
+                <a:latin typeface="Consolas" panose="020B0609020204030204" pitchFamily="49" charset="0"/>
+              </a:rPr>
+              <a:t>        _</a:t>
+            </a:r>
+            <a:r>
+              <a:rPr lang="en-US" sz="1400" dirty="0" err="1">
+                <a:latin typeface="Consolas" panose="020B0609020204030204" pitchFamily="49" charset="0"/>
+              </a:rPr>
+              <a:t>people.Add</a:t>
+            </a:r>
+            <a:r>
+              <a:rPr lang="en-US" sz="1400" dirty="0">
+                <a:latin typeface="Consolas" panose="020B0609020204030204" pitchFamily="49" charset="0"/>
+              </a:rPr>
+              <a:t>(person);</a:t>
+            </a:r>
+          </a:p>
+          <a:p>
+            <a:r>
+              <a:rPr lang="en-US" sz="1400" dirty="0">
+                <a:latin typeface="Consolas" panose="020B0609020204030204" pitchFamily="49" charset="0"/>
+              </a:rPr>
+              <a:t>    }</a:t>
+            </a:r>
+          </a:p>
+          <a:p>
+            <a:r>
+              <a:rPr lang="en-US" sz="1400" dirty="0">
+                <a:latin typeface="Consolas" panose="020B0609020204030204" pitchFamily="49" charset="0"/>
+              </a:rPr>
+              <a:t>    catch</a:t>
+            </a:r>
+          </a:p>
+          <a:p>
+            <a:r>
+              <a:rPr lang="en-US" sz="1400" dirty="0">
+                <a:latin typeface="Consolas" panose="020B0609020204030204" pitchFamily="49" charset="0"/>
+              </a:rPr>
+              <a:t>    {</a:t>
+            </a:r>
+          </a:p>
+          <a:p>
+            <a:r>
+              <a:rPr lang="en-US" sz="1400" dirty="0">
+                <a:latin typeface="Consolas" panose="020B0609020204030204" pitchFamily="49" charset="0"/>
+              </a:rPr>
+              <a:t>        return </a:t>
+            </a:r>
+            <a:r>
+              <a:rPr lang="en-US" sz="1400" dirty="0" err="1">
+                <a:latin typeface="Consolas" panose="020B0609020204030204" pitchFamily="49" charset="0"/>
+              </a:rPr>
+              <a:t>HttpBadRequest</a:t>
+            </a:r>
+            <a:r>
+              <a:rPr lang="en-US" sz="1400" dirty="0">
+                <a:latin typeface="Consolas" panose="020B0609020204030204" pitchFamily="49" charset="0"/>
+              </a:rPr>
+              <a:t>();</a:t>
+            </a:r>
+          </a:p>
+          <a:p>
+            <a:r>
+              <a:rPr lang="en-US" sz="1400" dirty="0">
+                <a:latin typeface="Consolas" panose="020B0609020204030204" pitchFamily="49" charset="0"/>
+              </a:rPr>
+              <a:t>    }</a:t>
+            </a:r>
+          </a:p>
+          <a:p>
+            <a:endParaRPr lang="en-US" sz="1400" dirty="0">
+              <a:latin typeface="Consolas" panose="020B0609020204030204" pitchFamily="49" charset="0"/>
+            </a:endParaRPr>
+          </a:p>
+          <a:p>
+            <a:r>
+              <a:rPr lang="en-US" sz="1400" dirty="0">
+                <a:latin typeface="Consolas" panose="020B0609020204030204" pitchFamily="49" charset="0"/>
+              </a:rPr>
+              <a:t>    return Ok();</a:t>
+            </a:r>
+          </a:p>
+          <a:p>
+            <a:r>
+              <a:rPr lang="en-US" sz="1400" dirty="0">
+                <a:latin typeface="Consolas" panose="020B0609020204030204" pitchFamily="49" charset="0"/>
+              </a:rPr>
+              <a:t>}</a:t>
+            </a:r>
             <a:endParaRPr lang="en-US" sz="1400" dirty="0">
               <a:solidFill>
                 <a:schemeClr val="lt1">
@@ -27399,436 +27487,6 @@
               <a:latin typeface="Consolas" pitchFamily="49" charset="0"/>
               <a:cs typeface="Consolas" pitchFamily="49" charset="0"/>
             </a:endParaRPr>
-          </a:p>
-          <a:p>
-            <a:r>
-              <a:rPr lang="en-US" sz="1400" dirty="0">
-                <a:solidFill>
-                  <a:schemeClr val="lt1">
-                    <a:alpha val="99000"/>
-                  </a:schemeClr>
-                </a:solidFill>
-                <a:latin typeface="Consolas" pitchFamily="49" charset="0"/>
-                <a:cs typeface="Consolas" pitchFamily="49" charset="0"/>
-              </a:rPr>
-              <a:t>    if (_</a:t>
-            </a:r>
-            <a:r>
-              <a:rPr lang="en-US" sz="1400" dirty="0" err="1">
-                <a:solidFill>
-                  <a:schemeClr val="lt1">
-                    <a:alpha val="99000"/>
-                  </a:schemeClr>
-                </a:solidFill>
-                <a:latin typeface="Consolas" pitchFamily="49" charset="0"/>
-                <a:cs typeface="Consolas" pitchFamily="49" charset="0"/>
-              </a:rPr>
-              <a:t>people.Any</a:t>
-            </a:r>
-            <a:r>
-              <a:rPr lang="en-US" sz="1400" dirty="0">
-                <a:solidFill>
-                  <a:schemeClr val="lt1">
-                    <a:alpha val="99000"/>
-                  </a:schemeClr>
-                </a:solidFill>
-                <a:latin typeface="Consolas" pitchFamily="49" charset="0"/>
-                <a:cs typeface="Consolas" pitchFamily="49" charset="0"/>
-              </a:rPr>
-              <a:t>(x =&gt; </a:t>
-            </a:r>
-            <a:r>
-              <a:rPr lang="en-US" sz="1400" dirty="0" err="1">
-                <a:solidFill>
-                  <a:schemeClr val="lt1">
-                    <a:alpha val="99000"/>
-                  </a:schemeClr>
-                </a:solidFill>
-                <a:latin typeface="Consolas" pitchFamily="49" charset="0"/>
-                <a:cs typeface="Consolas" pitchFamily="49" charset="0"/>
-              </a:rPr>
-              <a:t>x.Id</a:t>
-            </a:r>
-            <a:r>
-              <a:rPr lang="en-US" sz="1400" dirty="0">
-                <a:solidFill>
-                  <a:schemeClr val="lt1">
-                    <a:alpha val="99000"/>
-                  </a:schemeClr>
-                </a:solidFill>
-                <a:latin typeface="Consolas" pitchFamily="49" charset="0"/>
-                <a:cs typeface="Consolas" pitchFamily="49" charset="0"/>
-              </a:rPr>
-              <a:t> == </a:t>
-            </a:r>
-            <a:r>
-              <a:rPr lang="en-US" sz="1400" dirty="0" err="1">
-                <a:solidFill>
-                  <a:schemeClr val="lt1">
-                    <a:alpha val="99000"/>
-                  </a:schemeClr>
-                </a:solidFill>
-                <a:latin typeface="Consolas" pitchFamily="49" charset="0"/>
-                <a:cs typeface="Consolas" pitchFamily="49" charset="0"/>
-              </a:rPr>
-              <a:t>person.Id</a:t>
-            </a:r>
-            <a:r>
-              <a:rPr lang="en-US" sz="1400" dirty="0">
-                <a:solidFill>
-                  <a:schemeClr val="lt1">
-                    <a:alpha val="99000"/>
-                  </a:schemeClr>
-                </a:solidFill>
-                <a:latin typeface="Consolas" pitchFamily="49" charset="0"/>
-                <a:cs typeface="Consolas" pitchFamily="49" charset="0"/>
-              </a:rPr>
-              <a:t>))</a:t>
-            </a:r>
-          </a:p>
-          <a:p>
-            <a:r>
-              <a:rPr lang="en-US" sz="1400" dirty="0">
-                <a:solidFill>
-                  <a:schemeClr val="lt1">
-                    <a:alpha val="99000"/>
-                  </a:schemeClr>
-                </a:solidFill>
-                <a:latin typeface="Consolas" pitchFamily="49" charset="0"/>
-                <a:cs typeface="Consolas" pitchFamily="49" charset="0"/>
-              </a:rPr>
-              <a:t>        return new </a:t>
-            </a:r>
-            <a:r>
-              <a:rPr lang="en-US" sz="1400" dirty="0" err="1">
-                <a:solidFill>
-                  <a:schemeClr val="lt1">
-                    <a:alpha val="99000"/>
-                  </a:schemeClr>
-                </a:solidFill>
-                <a:latin typeface="Consolas" pitchFamily="49" charset="0"/>
-                <a:cs typeface="Consolas" pitchFamily="49" charset="0"/>
-              </a:rPr>
-              <a:t>HttpResponseMessage</a:t>
-            </a:r>
-            <a:r>
-              <a:rPr lang="en-US" sz="1400" dirty="0">
-                <a:solidFill>
-                  <a:schemeClr val="lt1">
-                    <a:alpha val="99000"/>
-                  </a:schemeClr>
-                </a:solidFill>
-                <a:latin typeface="Consolas" pitchFamily="49" charset="0"/>
-                <a:cs typeface="Consolas" pitchFamily="49" charset="0"/>
-              </a:rPr>
-              <a:t>(</a:t>
-            </a:r>
-            <a:r>
-              <a:rPr lang="en-US" sz="1400" dirty="0" err="1">
-                <a:solidFill>
-                  <a:schemeClr val="lt1">
-                    <a:alpha val="99000"/>
-                  </a:schemeClr>
-                </a:solidFill>
-                <a:latin typeface="Consolas" pitchFamily="49" charset="0"/>
-                <a:cs typeface="Consolas" pitchFamily="49" charset="0"/>
-              </a:rPr>
-              <a:t>HttpStatusCode.BadRequest</a:t>
-            </a:r>
-            <a:r>
-              <a:rPr lang="en-US" sz="1400" dirty="0">
-                <a:solidFill>
-                  <a:schemeClr val="lt1">
-                    <a:alpha val="99000"/>
-                  </a:schemeClr>
-                </a:solidFill>
-                <a:latin typeface="Consolas" pitchFamily="49" charset="0"/>
-                <a:cs typeface="Consolas" pitchFamily="49" charset="0"/>
-              </a:rPr>
-              <a:t>);</a:t>
-            </a:r>
-          </a:p>
-          <a:p>
-            <a:endParaRPr lang="en-US" sz="1400" dirty="0">
-              <a:solidFill>
-                <a:schemeClr val="lt1">
-                  <a:alpha val="99000"/>
-                </a:schemeClr>
-              </a:solidFill>
-              <a:latin typeface="Consolas" pitchFamily="49" charset="0"/>
-              <a:cs typeface="Consolas" pitchFamily="49" charset="0"/>
-            </a:endParaRPr>
-          </a:p>
-          <a:p>
-            <a:r>
-              <a:rPr lang="en-US" sz="1400" dirty="0">
-                <a:solidFill>
-                  <a:schemeClr val="lt1">
-                    <a:alpha val="99000"/>
-                  </a:schemeClr>
-                </a:solidFill>
-                <a:latin typeface="Consolas" pitchFamily="49" charset="0"/>
-                <a:cs typeface="Consolas" pitchFamily="49" charset="0"/>
-              </a:rPr>
-              <a:t>    try</a:t>
-            </a:r>
-          </a:p>
-          <a:p>
-            <a:r>
-              <a:rPr lang="en-US" sz="1400" dirty="0">
-                <a:solidFill>
-                  <a:schemeClr val="lt1">
-                    <a:alpha val="99000"/>
-                  </a:schemeClr>
-                </a:solidFill>
-                <a:latin typeface="Consolas" pitchFamily="49" charset="0"/>
-                <a:cs typeface="Consolas" pitchFamily="49" charset="0"/>
-              </a:rPr>
-              <a:t>    {</a:t>
-            </a:r>
-          </a:p>
-          <a:p>
-            <a:r>
-              <a:rPr lang="en-US" sz="1400" dirty="0">
-                <a:solidFill>
-                  <a:schemeClr val="lt1">
-                    <a:alpha val="99000"/>
-                  </a:schemeClr>
-                </a:solidFill>
-                <a:latin typeface="Consolas" pitchFamily="49" charset="0"/>
-                <a:cs typeface="Consolas" pitchFamily="49" charset="0"/>
-              </a:rPr>
-              <a:t>        _</a:t>
-            </a:r>
-            <a:r>
-              <a:rPr lang="en-US" sz="1400" dirty="0" err="1">
-                <a:solidFill>
-                  <a:schemeClr val="lt1">
-                    <a:alpha val="99000"/>
-                  </a:schemeClr>
-                </a:solidFill>
-                <a:latin typeface="Consolas" pitchFamily="49" charset="0"/>
-                <a:cs typeface="Consolas" pitchFamily="49" charset="0"/>
-              </a:rPr>
-              <a:t>people.Add</a:t>
-            </a:r>
-            <a:r>
-              <a:rPr lang="en-US" sz="1400" dirty="0">
-                <a:solidFill>
-                  <a:schemeClr val="lt1">
-                    <a:alpha val="99000"/>
-                  </a:schemeClr>
-                </a:solidFill>
-                <a:latin typeface="Consolas" pitchFamily="49" charset="0"/>
-                <a:cs typeface="Consolas" pitchFamily="49" charset="0"/>
-              </a:rPr>
-              <a:t>(person);</a:t>
-            </a:r>
-          </a:p>
-          <a:p>
-            <a:r>
-              <a:rPr lang="en-US" sz="1400" dirty="0">
-                <a:solidFill>
-                  <a:schemeClr val="lt1">
-                    <a:alpha val="99000"/>
-                  </a:schemeClr>
-                </a:solidFill>
-                <a:latin typeface="Consolas" pitchFamily="49" charset="0"/>
-                <a:cs typeface="Consolas" pitchFamily="49" charset="0"/>
-              </a:rPr>
-              <a:t>    }</a:t>
-            </a:r>
-          </a:p>
-          <a:p>
-            <a:r>
-              <a:rPr lang="en-US" sz="1400" dirty="0">
-                <a:solidFill>
-                  <a:schemeClr val="lt1">
-                    <a:alpha val="99000"/>
-                  </a:schemeClr>
-                </a:solidFill>
-                <a:latin typeface="Consolas" pitchFamily="49" charset="0"/>
-                <a:cs typeface="Consolas" pitchFamily="49" charset="0"/>
-              </a:rPr>
-              <a:t>    catch</a:t>
-            </a:r>
-          </a:p>
-          <a:p>
-            <a:r>
-              <a:rPr lang="en-US" sz="1400" dirty="0">
-                <a:solidFill>
-                  <a:schemeClr val="lt1">
-                    <a:alpha val="99000"/>
-                  </a:schemeClr>
-                </a:solidFill>
-                <a:latin typeface="Consolas" pitchFamily="49" charset="0"/>
-                <a:cs typeface="Consolas" pitchFamily="49" charset="0"/>
-              </a:rPr>
-              <a:t>    {</a:t>
-            </a:r>
-          </a:p>
-          <a:p>
-            <a:r>
-              <a:rPr lang="en-US" sz="1400" dirty="0">
-                <a:solidFill>
-                  <a:schemeClr val="lt1">
-                    <a:alpha val="99000"/>
-                  </a:schemeClr>
-                </a:solidFill>
-                <a:latin typeface="Consolas" pitchFamily="49" charset="0"/>
-                <a:cs typeface="Consolas" pitchFamily="49" charset="0"/>
-              </a:rPr>
-              <a:t>        return new </a:t>
-            </a:r>
-            <a:r>
-              <a:rPr lang="en-US" sz="1400" dirty="0" err="1">
-                <a:solidFill>
-                  <a:schemeClr val="lt1">
-                    <a:alpha val="99000"/>
-                  </a:schemeClr>
-                </a:solidFill>
-                <a:latin typeface="Consolas" pitchFamily="49" charset="0"/>
-                <a:cs typeface="Consolas" pitchFamily="49" charset="0"/>
-              </a:rPr>
-              <a:t>HttpResponseMessage</a:t>
-            </a:r>
-            <a:r>
-              <a:rPr lang="en-US" sz="1400" dirty="0">
-                <a:solidFill>
-                  <a:schemeClr val="lt1">
-                    <a:alpha val="99000"/>
-                  </a:schemeClr>
-                </a:solidFill>
-                <a:latin typeface="Consolas" pitchFamily="49" charset="0"/>
-                <a:cs typeface="Consolas" pitchFamily="49" charset="0"/>
-              </a:rPr>
-              <a:t>(</a:t>
-            </a:r>
-            <a:r>
-              <a:rPr lang="en-US" sz="1400" dirty="0" err="1">
-                <a:solidFill>
-                  <a:schemeClr val="lt1">
-                    <a:alpha val="99000"/>
-                  </a:schemeClr>
-                </a:solidFill>
-                <a:latin typeface="Consolas" pitchFamily="49" charset="0"/>
-                <a:cs typeface="Consolas" pitchFamily="49" charset="0"/>
-              </a:rPr>
-              <a:t>HttpStatusCode.BadRequest</a:t>
-            </a:r>
-            <a:r>
-              <a:rPr lang="en-US" sz="1400" dirty="0">
-                <a:solidFill>
-                  <a:schemeClr val="lt1">
-                    <a:alpha val="99000"/>
-                  </a:schemeClr>
-                </a:solidFill>
-                <a:latin typeface="Consolas" pitchFamily="49" charset="0"/>
-                <a:cs typeface="Consolas" pitchFamily="49" charset="0"/>
-              </a:rPr>
-              <a:t>);</a:t>
-            </a:r>
-          </a:p>
-          <a:p>
-            <a:r>
-              <a:rPr lang="en-US" sz="1400" dirty="0">
-                <a:solidFill>
-                  <a:schemeClr val="lt1">
-                    <a:alpha val="99000"/>
-                  </a:schemeClr>
-                </a:solidFill>
-                <a:latin typeface="Consolas" pitchFamily="49" charset="0"/>
-                <a:cs typeface="Consolas" pitchFamily="49" charset="0"/>
-              </a:rPr>
-              <a:t>    }</a:t>
-            </a:r>
-          </a:p>
-          <a:p>
-            <a:endParaRPr lang="en-US" sz="1400" dirty="0">
-              <a:solidFill>
-                <a:schemeClr val="lt1">
-                  <a:alpha val="99000"/>
-                </a:schemeClr>
-              </a:solidFill>
-              <a:latin typeface="Consolas" pitchFamily="49" charset="0"/>
-              <a:cs typeface="Consolas" pitchFamily="49" charset="0"/>
-            </a:endParaRPr>
-          </a:p>
-          <a:p>
-            <a:r>
-              <a:rPr lang="en-US" sz="1400" dirty="0">
-                <a:solidFill>
-                  <a:schemeClr val="lt1">
-                    <a:alpha val="99000"/>
-                  </a:schemeClr>
-                </a:solidFill>
-                <a:latin typeface="Consolas" pitchFamily="49" charset="0"/>
-                <a:cs typeface="Consolas" pitchFamily="49" charset="0"/>
-              </a:rPr>
-              <a:t>    return new </a:t>
-            </a:r>
-            <a:r>
-              <a:rPr lang="en-US" sz="1400" dirty="0" err="1">
-                <a:solidFill>
-                  <a:schemeClr val="lt1">
-                    <a:alpha val="99000"/>
-                  </a:schemeClr>
-                </a:solidFill>
-                <a:latin typeface="Consolas" pitchFamily="49" charset="0"/>
-                <a:cs typeface="Consolas" pitchFamily="49" charset="0"/>
-              </a:rPr>
-              <a:t>HttpResponseMessage</a:t>
-            </a:r>
-            <a:r>
-              <a:rPr lang="en-US" sz="1400" dirty="0">
-                <a:solidFill>
-                  <a:schemeClr val="lt1">
-                    <a:alpha val="99000"/>
-                  </a:schemeClr>
-                </a:solidFill>
-                <a:latin typeface="Consolas" pitchFamily="49" charset="0"/>
-                <a:cs typeface="Consolas" pitchFamily="49" charset="0"/>
-              </a:rPr>
-              <a:t>(</a:t>
-            </a:r>
-            <a:r>
-              <a:rPr lang="en-US" sz="1400" dirty="0" err="1">
-                <a:solidFill>
-                  <a:schemeClr val="lt1">
-                    <a:alpha val="99000"/>
-                  </a:schemeClr>
-                </a:solidFill>
-                <a:latin typeface="Consolas" pitchFamily="49" charset="0"/>
-                <a:cs typeface="Consolas" pitchFamily="49" charset="0"/>
-              </a:rPr>
-              <a:t>HttpStatusCode.OK</a:t>
-            </a:r>
-            <a:r>
-              <a:rPr lang="en-US" sz="1400" dirty="0">
-                <a:solidFill>
-                  <a:schemeClr val="lt1">
-                    <a:alpha val="99000"/>
-                  </a:schemeClr>
-                </a:solidFill>
-                <a:latin typeface="Consolas" pitchFamily="49" charset="0"/>
-                <a:cs typeface="Consolas" pitchFamily="49" charset="0"/>
-              </a:rPr>
-              <a:t>);</a:t>
-            </a:r>
-          </a:p>
-          <a:p>
-            <a:r>
-              <a:rPr lang="en-US" sz="1400" dirty="0">
-                <a:solidFill>
-                  <a:schemeClr val="lt1">
-                    <a:alpha val="99000"/>
-                  </a:schemeClr>
-                </a:solidFill>
-                <a:latin typeface="Consolas" pitchFamily="49" charset="0"/>
-                <a:cs typeface="Consolas" pitchFamily="49" charset="0"/>
-              </a:rPr>
-              <a:t>}</a:t>
-            </a:r>
           </a:p>
         </p:txBody>
       </p:sp>
@@ -27920,6 +27578,30 @@
           <a:chExt cx="0" cy="0"/>
         </a:xfrm>
       </p:grpSpPr>
+      <p:pic>
+        <p:nvPicPr>
+          <p:cNvPr id="4" name="Picture 3"/>
+          <p:cNvPicPr>
+            <a:picLocks noChangeAspect="1"/>
+          </p:cNvPicPr>
+          <p:nvPr/>
+        </p:nvPicPr>
+        <p:blipFill>
+          <a:blip r:embed="rId2"/>
+          <a:stretch>
+            <a:fillRect/>
+          </a:stretch>
+        </p:blipFill>
+        <p:spPr>
+          <a:xfrm>
+            <a:off x="3278619" y="5354613"/>
+            <a:ext cx="6508009" cy="1253549"/>
+          </a:xfrm>
+          <a:prstGeom prst="rect">
+            <a:avLst/>
+          </a:prstGeom>
+        </p:spPr>
+      </p:pic>
       <p:sp>
         <p:nvSpPr>
           <p:cNvPr id="3" name="Title 2"/>
@@ -27949,239 +27631,6 @@
           </a:p>
         </p:txBody>
       </p:sp>
-      <p:pic>
-        <p:nvPicPr>
-          <p:cNvPr id="65538" name="Picture 2" descr="C:\Users\bradyg\AppData\Local\Temp\SNAGHTML672ba3.PNG"/>
-          <p:cNvPicPr>
-            <a:picLocks noChangeAspect="1" noChangeArrowheads="1"/>
-          </p:cNvPicPr>
-          <p:nvPr/>
-        </p:nvPicPr>
-        <p:blipFill>
-          <a:blip r:embed="rId2">
-            <a:extLst>
-              <a:ext uri="{28A0092B-C50C-407E-A947-70E740481C1C}">
-                <a14:useLocalDpi xmlns:a14="http://schemas.microsoft.com/office/drawing/2010/main" val="0"/>
-              </a:ext>
-            </a:extLst>
-          </a:blip>
-          <a:srcRect/>
-          <a:stretch>
-            <a:fillRect/>
-          </a:stretch>
-        </p:blipFill>
-        <p:spPr bwMode="auto">
-          <a:xfrm>
-            <a:off x="262274" y="1202172"/>
-            <a:ext cx="6270350" cy="3716667"/>
-          </a:xfrm>
-          <a:prstGeom prst="rect">
-            <a:avLst/>
-          </a:prstGeom>
-          <a:noFill/>
-          <a:extLst>
-            <a:ext uri="{909E8E84-426E-40DD-AFC4-6F175D3DCCD1}">
-              <a14:hiddenFill xmlns:a14="http://schemas.microsoft.com/office/drawing/2010/main">
-                <a:solidFill>
-                  <a:srgbClr val="FFFFFF"/>
-                </a:solidFill>
-              </a14:hiddenFill>
-            </a:ext>
-          </a:extLst>
-        </p:spPr>
-      </p:pic>
-      <p:pic>
-        <p:nvPicPr>
-          <p:cNvPr id="65539" name="Picture 3"/>
-          <p:cNvPicPr>
-            <a:picLocks noChangeAspect="1" noChangeArrowheads="1"/>
-          </p:cNvPicPr>
-          <p:nvPr/>
-        </p:nvPicPr>
-        <p:blipFill>
-          <a:blip r:embed="rId3">
-            <a:extLst>
-              <a:ext uri="{28A0092B-C50C-407E-A947-70E740481C1C}">
-                <a14:useLocalDpi xmlns:a14="http://schemas.microsoft.com/office/drawing/2010/main" val="0"/>
-              </a:ext>
-            </a:extLst>
-          </a:blip>
-          <a:srcRect/>
-          <a:stretch>
-            <a:fillRect/>
-          </a:stretch>
-        </p:blipFill>
-        <p:spPr bwMode="auto">
-          <a:xfrm>
-            <a:off x="2957157" y="5389345"/>
-            <a:ext cx="7666038" cy="1019175"/>
-          </a:xfrm>
-          <a:prstGeom prst="rect">
-            <a:avLst/>
-          </a:prstGeom>
-          <a:noFill/>
-          <a:ln>
-            <a:noFill/>
-          </a:ln>
-          <a:effectLst/>
-          <a:extLst>
-            <a:ext uri="{909E8E84-426E-40DD-AFC4-6F175D3DCCD1}">
-              <a14:hiddenFill xmlns:a14="http://schemas.microsoft.com/office/drawing/2010/main">
-                <a:solidFill>
-                  <a:schemeClr val="accent1"/>
-                </a:solidFill>
-              </a14:hiddenFill>
-            </a:ext>
-            <a:ext uri="{91240B29-F687-4F45-9708-019B960494DF}">
-              <a14:hiddenLine xmlns:a14="http://schemas.microsoft.com/office/drawing/2010/main" w="9525">
-                <a:solidFill>
-                  <a:schemeClr val="tx1"/>
-                </a:solidFill>
-                <a:miter lim="800000"/>
-                <a:headEnd/>
-                <a:tailEnd/>
-              </a14:hiddenLine>
-            </a:ext>
-            <a:ext uri="{AF507438-7753-43E0-B8FC-AC1667EBCBE1}">
-              <a14:hiddenEffects xmlns:a14="http://schemas.microsoft.com/office/drawing/2010/main">
-                <a:effectLst>
-                  <a:outerShdw dist="35921" dir="2700000" algn="ctr" rotWithShape="0">
-                    <a:schemeClr val="bg2"/>
-                  </a:outerShdw>
-                </a:effectLst>
-              </a14:hiddenEffects>
-            </a:ext>
-          </a:extLst>
-        </p:spPr>
-      </p:pic>
-      <p:pic>
-        <p:nvPicPr>
-          <p:cNvPr id="65541" name="Picture 5"/>
-          <p:cNvPicPr>
-            <a:picLocks noChangeAspect="1" noChangeArrowheads="1"/>
-          </p:cNvPicPr>
-          <p:nvPr/>
-        </p:nvPicPr>
-        <p:blipFill>
-          <a:blip r:embed="rId4">
-            <a:extLst>
-              <a:ext uri="{28A0092B-C50C-407E-A947-70E740481C1C}">
-                <a14:useLocalDpi xmlns:a14="http://schemas.microsoft.com/office/drawing/2010/main" val="0"/>
-              </a:ext>
-            </a:extLst>
-          </a:blip>
-          <a:srcRect/>
-          <a:stretch>
-            <a:fillRect/>
-          </a:stretch>
-        </p:blipFill>
-        <p:spPr bwMode="auto">
-          <a:xfrm>
-            <a:off x="6790177" y="2399315"/>
-            <a:ext cx="5191125" cy="2238375"/>
-          </a:xfrm>
-          <a:prstGeom prst="rect">
-            <a:avLst/>
-          </a:prstGeom>
-          <a:noFill/>
-          <a:ln>
-            <a:noFill/>
-          </a:ln>
-          <a:effectLst/>
-          <a:extLst>
-            <a:ext uri="{909E8E84-426E-40DD-AFC4-6F175D3DCCD1}">
-              <a14:hiddenFill xmlns:a14="http://schemas.microsoft.com/office/drawing/2010/main">
-                <a:solidFill>
-                  <a:schemeClr val="accent1"/>
-                </a:solidFill>
-              </a14:hiddenFill>
-            </a:ext>
-            <a:ext uri="{91240B29-F687-4F45-9708-019B960494DF}">
-              <a14:hiddenLine xmlns:a14="http://schemas.microsoft.com/office/drawing/2010/main" w="9525">
-                <a:solidFill>
-                  <a:schemeClr val="tx1"/>
-                </a:solidFill>
-                <a:miter lim="800000"/>
-                <a:headEnd/>
-                <a:tailEnd/>
-              </a14:hiddenLine>
-            </a:ext>
-            <a:ext uri="{AF507438-7753-43E0-B8FC-AC1667EBCBE1}">
-              <a14:hiddenEffects xmlns:a14="http://schemas.microsoft.com/office/drawing/2010/main">
-                <a:effectLst>
-                  <a:outerShdw dist="35921" dir="2700000" algn="ctr" rotWithShape="0">
-                    <a:schemeClr val="bg2"/>
-                  </a:outerShdw>
-                </a:effectLst>
-              </a14:hiddenEffects>
-            </a:ext>
-          </a:extLst>
-        </p:spPr>
-      </p:pic>
-      <p:pic>
-        <p:nvPicPr>
-          <p:cNvPr id="65542" name="Picture 6"/>
-          <p:cNvPicPr>
-            <a:picLocks noChangeAspect="1" noChangeArrowheads="1"/>
-          </p:cNvPicPr>
-          <p:nvPr/>
-        </p:nvPicPr>
-        <p:blipFill>
-          <a:blip r:embed="rId5">
-            <a:extLst>
-              <a:ext uri="{28A0092B-C50C-407E-A947-70E740481C1C}">
-                <a14:useLocalDpi xmlns:a14="http://schemas.microsoft.com/office/drawing/2010/main" val="0"/>
-              </a:ext>
-            </a:extLst>
-          </a:blip>
-          <a:srcRect/>
-          <a:stretch>
-            <a:fillRect/>
-          </a:stretch>
-        </p:blipFill>
-        <p:spPr bwMode="auto">
-          <a:xfrm>
-            <a:off x="6790177" y="1202171"/>
-            <a:ext cx="5191125" cy="1047750"/>
-          </a:xfrm>
-          <a:prstGeom prst="rect">
-            <a:avLst/>
-          </a:prstGeom>
-          <a:noFill/>
-          <a:ln>
-            <a:noFill/>
-          </a:ln>
-          <a:effectLst/>
-          <a:extLst>
-            <a:ext uri="{909E8E84-426E-40DD-AFC4-6F175D3DCCD1}">
-              <a14:hiddenFill xmlns:a14="http://schemas.microsoft.com/office/drawing/2010/main">
-                <a:solidFill>
-                  <a:schemeClr val="accent1"/>
-                </a:solidFill>
-              </a14:hiddenFill>
-            </a:ext>
-            <a:ext uri="{91240B29-F687-4F45-9708-019B960494DF}">
-              <a14:hiddenLine xmlns:a14="http://schemas.microsoft.com/office/drawing/2010/main" w="9525">
-                <a:solidFill>
-                  <a:schemeClr val="tx1"/>
-                </a:solidFill>
-                <a:miter lim="800000"/>
-                <a:headEnd/>
-                <a:tailEnd/>
-              </a14:hiddenLine>
-            </a:ext>
-            <a:ext uri="{AF507438-7753-43E0-B8FC-AC1667EBCBE1}">
-              <a14:hiddenEffects xmlns:a14="http://schemas.microsoft.com/office/drawing/2010/main">
-                <a:effectLst>
-                  <a:outerShdw dist="35921" dir="2700000" algn="ctr" rotWithShape="0">
-                    <a:schemeClr val="bg2"/>
-                  </a:outerShdw>
-                </a:effectLst>
-              </a14:hiddenEffects>
-            </a:ext>
-          </a:extLst>
-        </p:spPr>
-      </p:pic>
       <p:sp>
         <p:nvSpPr>
           <p:cNvPr id="2" name="Up Arrow 1"/>
@@ -28189,8 +27638,8 @@
           <p:nvPr/>
         </p:nvSpPr>
         <p:spPr bwMode="auto">
-          <a:xfrm rot="7200000">
-            <a:off x="2054926" y="5129019"/>
+          <a:xfrm rot="8044281">
+            <a:off x="2267375" y="4877035"/>
             <a:ext cx="893380" cy="706656"/>
           </a:xfrm>
           <a:prstGeom prst="upArrow">
@@ -28322,6 +27771,78 @@
           </a:p>
         </p:txBody>
       </p:sp>
+      <p:pic>
+        <p:nvPicPr>
+          <p:cNvPr id="7" name="Picture 6"/>
+          <p:cNvPicPr>
+            <a:picLocks noChangeAspect="1"/>
+          </p:cNvPicPr>
+          <p:nvPr/>
+        </p:nvPicPr>
+        <p:blipFill>
+          <a:blip r:embed="rId3"/>
+          <a:stretch>
+            <a:fillRect/>
+          </a:stretch>
+        </p:blipFill>
+        <p:spPr>
+          <a:xfrm>
+            <a:off x="608807" y="1944205"/>
+            <a:ext cx="5486400" cy="2719464"/>
+          </a:xfrm>
+          <a:prstGeom prst="rect">
+            <a:avLst/>
+          </a:prstGeom>
+        </p:spPr>
+      </p:pic>
+      <p:pic>
+        <p:nvPicPr>
+          <p:cNvPr id="8" name="Picture 7"/>
+          <p:cNvPicPr>
+            <a:picLocks noChangeAspect="1"/>
+          </p:cNvPicPr>
+          <p:nvPr/>
+        </p:nvPicPr>
+        <p:blipFill>
+          <a:blip r:embed="rId4"/>
+          <a:stretch>
+            <a:fillRect/>
+          </a:stretch>
+        </p:blipFill>
+        <p:spPr>
+          <a:xfrm>
+            <a:off x="7212257" y="2558694"/>
+            <a:ext cx="3914286" cy="2161905"/>
+          </a:xfrm>
+          <a:prstGeom prst="rect">
+            <a:avLst/>
+          </a:prstGeom>
+        </p:spPr>
+      </p:pic>
+      <p:pic>
+        <p:nvPicPr>
+          <p:cNvPr id="10" name="Picture 9"/>
+          <p:cNvPicPr>
+            <a:picLocks noChangeAspect="1"/>
+          </p:cNvPicPr>
+          <p:nvPr/>
+        </p:nvPicPr>
+        <p:blipFill>
+          <a:blip r:embed="rId5"/>
+          <a:stretch>
+            <a:fillRect/>
+          </a:stretch>
+        </p:blipFill>
+        <p:spPr>
+          <a:xfrm>
+            <a:off x="7212257" y="798627"/>
+            <a:ext cx="3914286" cy="1571429"/>
+          </a:xfrm>
+          <a:prstGeom prst="rect">
+            <a:avLst/>
+          </a:prstGeom>
+        </p:spPr>
+      </p:pic>
     </p:spTree>
     <p:extLst>
       <p:ext uri="{BB962C8B-B14F-4D97-AF65-F5344CB8AC3E}">
@@ -28356,7 +27877,7 @@
                             </p:stCondLst>
                             <p:childTnLst>
                               <p:par>
-                                <p:cTn id="5" presetID="10" presetClass="entr" presetSubtype="0" fill="hold" nodeType="clickEffect">
+                                <p:cTn id="5" presetID="10" presetClass="entr" presetSubtype="0" fill="hold" grpId="0" nodeType="clickEffect">
                                   <p:stCondLst>
                                     <p:cond delay="0"/>
                                   </p:stCondLst>
@@ -28369,7 +27890,7 @@
                                           </p:stCondLst>
                                         </p:cTn>
                                         <p:tgtEl>
-                                          <p:spTgt spid="65538"/>
+                                          <p:spTgt spid="2"/>
                                         </p:tgtEl>
                                         <p:attrNameLst>
                                           <p:attrName>style.visibility</p:attrName>
@@ -28383,7 +27904,7 @@
                                       <p:cBhvr>
                                         <p:cTn id="7" dur="500"/>
                                         <p:tgtEl>
-                                          <p:spTgt spid="65538"/>
+                                          <p:spTgt spid="2"/>
                                         </p:tgtEl>
                                       </p:cBhvr>
                                     </p:animEffect>
@@ -28422,7 +27943,7 @@
                                           </p:stCondLst>
                                         </p:cTn>
                                         <p:tgtEl>
-                                          <p:spTgt spid="2"/>
+                                          <p:spTgt spid="12"/>
                                         </p:tgtEl>
                                         <p:attrNameLst>
                                           <p:attrName>style.visibility</p:attrName>
@@ -28436,165 +27957,7 @@
                                       <p:cBhvr>
                                         <p:cTn id="12" dur="500"/>
                                         <p:tgtEl>
-                                          <p:spTgt spid="2"/>
-                                        </p:tgtEl>
-                                      </p:cBhvr>
-                                    </p:animEffect>
-                                  </p:childTnLst>
-                                </p:cTn>
-                              </p:par>
-                              <p:par>
-                                <p:cTn id="13" presetID="10" presetClass="entr" presetSubtype="0" fill="hold" nodeType="withEffect">
-                                  <p:stCondLst>
-                                    <p:cond delay="0"/>
-                                  </p:stCondLst>
-                                  <p:childTnLst>
-                                    <p:set>
-                                      <p:cBhvr>
-                                        <p:cTn id="14" dur="1" fill="hold">
-                                          <p:stCondLst>
-                                            <p:cond delay="0"/>
-                                          </p:stCondLst>
-                                        </p:cTn>
-                                        <p:tgtEl>
-                                          <p:spTgt spid="65539"/>
-                                        </p:tgtEl>
-                                        <p:attrNameLst>
-                                          <p:attrName>style.visibility</p:attrName>
-                                        </p:attrNameLst>
-                                      </p:cBhvr>
-                                      <p:to>
-                                        <p:strVal val="visible"/>
-                                      </p:to>
-                                    </p:set>
-                                    <p:animEffect transition="in" filter="fade">
-                                      <p:cBhvr>
-                                        <p:cTn id="15" dur="500"/>
-                                        <p:tgtEl>
-                                          <p:spTgt spid="65539"/>
-                                        </p:tgtEl>
-                                      </p:cBhvr>
-                                    </p:animEffect>
-                                  </p:childTnLst>
-                                </p:cTn>
-                              </p:par>
-                            </p:childTnLst>
-                          </p:cTn>
-                        </p:par>
-                      </p:childTnLst>
-                    </p:cTn>
-                  </p:par>
-                  <p:par>
-                    <p:cTn id="16" fill="hold">
-                      <p:stCondLst>
-                        <p:cond delay="indefinite"/>
-                      </p:stCondLst>
-                      <p:childTnLst>
-                        <p:par>
-                          <p:cTn id="17" fill="hold">
-                            <p:stCondLst>
-                              <p:cond delay="0"/>
-                            </p:stCondLst>
-                            <p:childTnLst>
-                              <p:par>
-                                <p:cTn id="18" presetID="10" presetClass="entr" presetSubtype="0" fill="hold" grpId="0" nodeType="clickEffect">
-                                  <p:stCondLst>
-                                    <p:cond delay="0"/>
-                                  </p:stCondLst>
-                                  <p:childTnLst>
-                                    <p:set>
-                                      <p:cBhvr>
-                                        <p:cTn id="19" dur="1" fill="hold">
-                                          <p:stCondLst>
-                                            <p:cond delay="0"/>
-                                          </p:stCondLst>
-                                        </p:cTn>
-                                        <p:tgtEl>
                                           <p:spTgt spid="12"/>
-                                        </p:tgtEl>
-                                        <p:attrNameLst>
-                                          <p:attrName>style.visibility</p:attrName>
-                                        </p:attrNameLst>
-                                      </p:cBhvr>
-                                      <p:to>
-                                        <p:strVal val="visible"/>
-                                      </p:to>
-                                    </p:set>
-                                    <p:animEffect transition="in" filter="fade">
-                                      <p:cBhvr>
-                                        <p:cTn id="20" dur="500"/>
-                                        <p:tgtEl>
-                                          <p:spTgt spid="12"/>
-                                        </p:tgtEl>
-                                      </p:cBhvr>
-                                    </p:animEffect>
-                                  </p:childTnLst>
-                                </p:cTn>
-                              </p:par>
-                              <p:par>
-                                <p:cTn id="21" presetID="10" presetClass="entr" presetSubtype="0" fill="hold" nodeType="withEffect">
-                                  <p:stCondLst>
-                                    <p:cond delay="0"/>
-                                  </p:stCondLst>
-                                  <p:childTnLst>
-                                    <p:set>
-                                      <p:cBhvr>
-                                        <p:cTn id="22" dur="1" fill="hold">
-                                          <p:stCondLst>
-                                            <p:cond delay="0"/>
-                                          </p:stCondLst>
-                                        </p:cTn>
-                                        <p:tgtEl>
-                                          <p:spTgt spid="65541"/>
-                                        </p:tgtEl>
-                                        <p:attrNameLst>
-                                          <p:attrName>style.visibility</p:attrName>
-                                        </p:attrNameLst>
-                                      </p:cBhvr>
-                                      <p:to>
-                                        <p:strVal val="visible"/>
-                                      </p:to>
-                                    </p:set>
-                                    <p:animEffect transition="in" filter="fade">
-                                      <p:cBhvr>
-                                        <p:cTn id="23" dur="500"/>
-                                        <p:tgtEl>
-                                          <p:spTgt spid="65541"/>
-                                        </p:tgtEl>
-                                      </p:cBhvr>
-                                    </p:animEffect>
-                                  </p:childTnLst>
-                                </p:cTn>
-                              </p:par>
-                              <p:par>
-                                <p:cTn id="24" presetID="10" presetClass="entr" presetSubtype="0" fill="hold" nodeType="withEffect">
-                                  <p:stCondLst>
-                                    <p:cond delay="0"/>
-                                  </p:stCondLst>
-                                  <p:childTnLst>
-                                    <p:set>
-                                      <p:cBhvr>
-                                        <p:cTn id="25" dur="1" fill="hold">
-                                          <p:stCondLst>
-                                            <p:cond delay="0"/>
-                                          </p:stCondLst>
-                                        </p:cTn>
-                                        <p:tgtEl>
-                                          <p:spTgt spid="65542"/>
-                                        </p:tgtEl>
-                                        <p:attrNameLst>
-                                          <p:attrName>style.visibility</p:attrName>
-                                        </p:attrNameLst>
-                                      </p:cBhvr>
-                                      <p:to>
-                                        <p:strVal val="visible"/>
-                                      </p:to>
-                                    </p:set>
-                                    <p:animEffect transition="in" filter="fade">
-                                      <p:cBhvr>
-                                        <p:cTn id="26" dur="500"/>
-                                        <p:tgtEl>
-                                          <p:spTgt spid="65542"/>
                                         </p:tgtEl>
                                       </p:cBhvr>
                                     </p:animEffect>
@@ -29192,89 +28555,6 @@
       </p:sp>
       <p:sp>
         <p:nvSpPr>
-          <p:cNvPr id="4" name="Slide Number Placeholder 3"/>
-          <p:cNvSpPr>
-            <a:spLocks noGrp="1"/>
-          </p:cNvSpPr>
-          <p:nvPr>
-            <p:ph type="sldNum" sz="quarter" idx="12"/>
-          </p:nvPr>
-        </p:nvSpPr>
-        <p:spPr/>
-        <p:txBody>
-          <a:bodyPr/>
-          <a:lstStyle/>
-          <a:p>
-            <a:pPr marL="0" marR="0" lvl="0" indent="0" algn="r" defTabSz="914400" rtl="0" eaLnBrk="1" fontAlgn="auto" latinLnBrk="0" hangingPunct="1">
-              <a:lnSpc>
-                <a:spcPct val="100000"/>
-              </a:lnSpc>
-              <a:spcBef>
-                <a:spcPts val="0"/>
-              </a:spcBef>
-              <a:spcAft>
-                <a:spcPts val="0"/>
-              </a:spcAft>
-              <a:buClrTx/>
-              <a:buSzTx/>
-              <a:buFontTx/>
-              <a:buNone/>
-              <a:tabLst/>
-              <a:defRPr/>
-            </a:pPr>
-            <a:fld id="{0A164282-434E-41D4-9582-783D542A7B68}" type="slidenum">
-              <a:rPr kumimoji="0" lang="en-US" sz="2000" b="0" i="0" u="none" strike="noStrike" kern="1200" cap="none" spc="0" normalizeH="0" baseline="0" noProof="0" smtClean="0">
-                <a:ln>
-                  <a:noFill/>
-                </a:ln>
-                <a:solidFill>
-                  <a:srgbClr val="289FD7"/>
-                </a:solidFill>
-                <a:effectLst/>
-                <a:uLnTx/>
-                <a:uFillTx/>
-                <a:latin typeface="Segoe UI Light"/>
-                <a:ea typeface="+mn-ea"/>
-                <a:cs typeface="+mn-cs"/>
-              </a:rPr>
-              <a:pPr marL="0" marR="0" lvl="0" indent="0" algn="r" defTabSz="914400" rtl="0" eaLnBrk="1" fontAlgn="auto" latinLnBrk="0" hangingPunct="1">
-                <a:lnSpc>
-                  <a:spcPct val="100000"/>
-                </a:lnSpc>
-                <a:spcBef>
-                  <a:spcPts val="0"/>
-                </a:spcBef>
-                <a:spcAft>
-                  <a:spcPts val="0"/>
-                </a:spcAft>
-                <a:buClrTx/>
-                <a:buSzTx/>
-                <a:buFontTx/>
-                <a:buNone/>
-                <a:tabLst/>
-                <a:defRPr/>
-              </a:pPr>
-              <a:t>2</a:t>
-            </a:fld>
-            <a:endParaRPr kumimoji="0" lang="en-US" sz="2000" b="0" i="0" u="none" strike="noStrike" kern="1200" cap="none" spc="0" normalizeH="0" baseline="0" noProof="0">
-              <a:ln>
-                <a:noFill/>
-              </a:ln>
-              <a:solidFill>
-                <a:srgbClr val="289FD7"/>
-              </a:solidFill>
-              <a:effectLst/>
-              <a:uLnTx/>
-              <a:uFillTx/>
-              <a:latin typeface="Segoe UI Light"/>
-              <a:ea typeface="+mn-ea"/>
-              <a:cs typeface="+mn-cs"/>
-            </a:endParaRPr>
-          </a:p>
-        </p:txBody>
-      </p:sp>
-      <p:sp>
-        <p:nvSpPr>
           <p:cNvPr id="5" name="Text Placeholder 4"/>
           <p:cNvSpPr>
             <a:spLocks noGrp="1"/>
@@ -29301,14 +28581,14 @@
           <p:nvPr>
             <p:extLst>
               <p:ext uri="{D42A27DB-BD31-4B8C-83A1-F6EECF244321}">
-                <p14:modId xmlns:p14="http://schemas.microsoft.com/office/powerpoint/2010/main" val="1781366558"/>
+                <p14:modId xmlns:p14="http://schemas.microsoft.com/office/powerpoint/2010/main" val="3216270798"/>
               </p:ext>
             </p:extLst>
           </p:nvPr>
         </p:nvGraphicFramePr>
         <p:xfrm>
-          <a:off x="454816" y="1031200"/>
-          <a:ext cx="11483183" cy="5634204"/>
+          <a:off x="421864" y="1451247"/>
+          <a:ext cx="11483183" cy="4804969"/>
         </p:xfrm>
         <a:graphic>
           <a:graphicData uri="http://schemas.openxmlformats.org/drawingml/2006/table">
@@ -29320,21 +28600,21 @@
                 <a:gridCol w="8350512">
                   <a:extLst>
                     <a:ext uri="{9D8B030D-6E8A-4147-A177-3AD203B41FA5}">
-                      <a16:colId xmlns:a16="http://schemas.microsoft.com/office/drawing/2014/main" val="20000"/>
+                      <a16:colId xmlns="" xmlns:a16="http://schemas.microsoft.com/office/drawing/2014/main" val="20000"/>
                     </a:ext>
                   </a:extLst>
                 </a:gridCol>
                 <a:gridCol w="1662043">
                   <a:extLst>
                     <a:ext uri="{9D8B030D-6E8A-4147-A177-3AD203B41FA5}">
-                      <a16:colId xmlns:a16="http://schemas.microsoft.com/office/drawing/2014/main" val="20001"/>
+                      <a16:colId xmlns="" xmlns:a16="http://schemas.microsoft.com/office/drawing/2014/main" val="20001"/>
                     </a:ext>
                   </a:extLst>
                 </a:gridCol>
                 <a:gridCol w="1470628">
                   <a:extLst>
                     <a:ext uri="{9D8B030D-6E8A-4147-A177-3AD203B41FA5}">
-                      <a16:colId xmlns:a16="http://schemas.microsoft.com/office/drawing/2014/main" val="20002"/>
+                      <a16:colId xmlns="" xmlns:a16="http://schemas.microsoft.com/office/drawing/2014/main" val="20002"/>
                     </a:ext>
                   </a:extLst>
                 </a:gridCol>
@@ -29384,7 +28664,7 @@
                 </a:tc>
                 <a:extLst>
                   <a:ext uri="{0D108BD9-81ED-4DB2-BD59-A6C34878D82A}">
-                    <a16:rowId xmlns:a16="http://schemas.microsoft.com/office/drawing/2014/main" val="10000"/>
+                    <a16:rowId xmlns="" xmlns:a16="http://schemas.microsoft.com/office/drawing/2014/main" val="10000"/>
                   </a:ext>
                 </a:extLst>
               </a:tr>
@@ -29469,7 +28749,7 @@
                 </a:tc>
                 <a:extLst>
                   <a:ext uri="{0D108BD9-81ED-4DB2-BD59-A6C34878D82A}">
-                    <a16:rowId xmlns:a16="http://schemas.microsoft.com/office/drawing/2014/main" val="10001"/>
+                    <a16:rowId xmlns="" xmlns:a16="http://schemas.microsoft.com/office/drawing/2014/main" val="10001"/>
                   </a:ext>
                 </a:extLst>
               </a:tr>
@@ -29529,7 +28809,7 @@
                             <a:srgbClr val="000000"/>
                           </a:solidFill>
                         </a:rPr>
-                        <a:t>10:00</a:t>
+                        <a:t>10:45</a:t>
                       </a:r>
                       <a:endParaRPr lang="en-US" sz="2000" dirty="0">
                         <a:solidFill>
@@ -29542,7 +28822,7 @@
                 </a:tc>
                 <a:extLst>
                   <a:ext uri="{0D108BD9-81ED-4DB2-BD59-A6C34878D82A}">
-                    <a16:rowId xmlns:a16="http://schemas.microsoft.com/office/drawing/2014/main" val="10002"/>
+                    <a16:rowId xmlns="" xmlns:a16="http://schemas.microsoft.com/office/drawing/2014/main" val="10002"/>
                   </a:ext>
                 </a:extLst>
               </a:tr>
@@ -29558,7 +28838,7 @@
                             <a:srgbClr val="000000"/>
                           </a:solidFill>
                         </a:rPr>
-                        <a:t>Building Web Applications using the latest ASP.NET technologies</a:t>
+                        <a:t>Break</a:t>
                       </a:r>
                       <a:endParaRPr lang="en-US" sz="2000" dirty="0">
                         <a:solidFill>
@@ -29580,7 +28860,7 @@
                             <a:srgbClr val="000000"/>
                           </a:solidFill>
                         </a:rPr>
-                        <a:t>10:00</a:t>
+                        <a:t>10:45</a:t>
                       </a:r>
                       <a:endParaRPr lang="en-US" sz="2000" dirty="0">
                         <a:solidFill>
@@ -29615,11 +28895,11 @@
                 </a:tc>
                 <a:extLst>
                   <a:ext uri="{0D108BD9-81ED-4DB2-BD59-A6C34878D82A}">
-                    <a16:rowId xmlns:a16="http://schemas.microsoft.com/office/drawing/2014/main" val="10003"/>
+                    <a16:rowId xmlns="" xmlns:a16="http://schemas.microsoft.com/office/drawing/2014/main" val="10004"/>
                   </a:ext>
                 </a:extLst>
               </a:tr>
-              <a:tr h="409188">
+              <a:tr h="421237">
                 <a:tc>
                   <a:txBody>
                     <a:bodyPr/>
@@ -29631,7 +28911,7 @@
                             <a:srgbClr val="000000"/>
                           </a:solidFill>
                         </a:rPr>
-                        <a:t>Break</a:t>
+                        <a:t>Building Web Applications using the latest ASP.NET technologies</a:t>
                       </a:r>
                       <a:endParaRPr lang="en-US" sz="2000" dirty="0">
                         <a:solidFill>
@@ -29675,79 +28955,6 @@
                             <a:srgbClr val="000000"/>
                           </a:solidFill>
                         </a:rPr>
-                        <a:t>11:15</a:t>
-                      </a:r>
-                      <a:endParaRPr lang="en-US" sz="2000" dirty="0">
-                        <a:solidFill>
-                          <a:srgbClr val="000000"/>
-                        </a:solidFill>
-                      </a:endParaRPr>
-                    </a:p>
-                  </a:txBody>
-                  <a:tcPr marL="45720" marR="45720"/>
-                </a:tc>
-                <a:extLst>
-                  <a:ext uri="{0D108BD9-81ED-4DB2-BD59-A6C34878D82A}">
-                    <a16:rowId xmlns:a16="http://schemas.microsoft.com/office/drawing/2014/main" val="10004"/>
-                  </a:ext>
-                </a:extLst>
-              </a:tr>
-              <a:tr h="723948">
-                <a:tc>
-                  <a:txBody>
-                    <a:bodyPr/>
-                    <a:lstStyle/>
-                    <a:p>
-                      <a:r>
-                        <a:rPr lang="en-US" sz="2000" dirty="0" smtClean="0">
-                          <a:solidFill>
-                            <a:srgbClr val="000000"/>
-                          </a:solidFill>
-                        </a:rPr>
-                        <a:t>Building web front ends for both desktop and mobile using the latest web standards</a:t>
-                      </a:r>
-                      <a:endParaRPr lang="en-US" sz="2000" dirty="0">
-                        <a:solidFill>
-                          <a:srgbClr val="000000"/>
-                        </a:solidFill>
-                      </a:endParaRPr>
-                    </a:p>
-                  </a:txBody>
-                  <a:tcPr marL="45720" marR="45720"/>
-                </a:tc>
-                <a:tc>
-                  <a:txBody>
-                    <a:bodyPr/>
-                    <a:lstStyle/>
-                    <a:p>
-                      <a:r>
-                        <a:rPr lang="en-US" sz="2000" dirty="0" smtClean="0">
-                          <a:solidFill>
-                            <a:srgbClr val="000000"/>
-                          </a:solidFill>
-                        </a:rPr>
-                        <a:t>11:15</a:t>
-                      </a:r>
-                      <a:endParaRPr lang="en-US" sz="2000" dirty="0">
-                        <a:solidFill>
-                          <a:srgbClr val="000000"/>
-                        </a:solidFill>
-                      </a:endParaRPr>
-                    </a:p>
-                  </a:txBody>
-                  <a:tcPr marL="45720" marR="45720"/>
-                </a:tc>
-                <a:tc>
-                  <a:txBody>
-                    <a:bodyPr/>
-                    <a:lstStyle/>
-                    <a:p>
-                      <a:r>
-                        <a:rPr lang="en-US" sz="2000" dirty="0" smtClean="0">
-                          <a:solidFill>
-                            <a:srgbClr val="000000"/>
-                          </a:solidFill>
-                        </a:rPr>
                         <a:t>12:15</a:t>
                       </a:r>
                       <a:endParaRPr lang="en-US" sz="2000" dirty="0">
@@ -29761,7 +28968,7 @@
                 </a:tc>
                 <a:extLst>
                   <a:ext uri="{0D108BD9-81ED-4DB2-BD59-A6C34878D82A}">
-                    <a16:rowId xmlns:a16="http://schemas.microsoft.com/office/drawing/2014/main" val="10005"/>
+                    <a16:rowId xmlns="" xmlns:a16="http://schemas.microsoft.com/office/drawing/2014/main" val="10005"/>
                   </a:ext>
                 </a:extLst>
               </a:tr>
@@ -29834,7 +29041,7 @@
                 </a:tc>
                 <a:extLst>
                   <a:ext uri="{0D108BD9-81ED-4DB2-BD59-A6C34878D82A}">
-                    <a16:rowId xmlns:a16="http://schemas.microsoft.com/office/drawing/2014/main" val="10006"/>
+                    <a16:rowId xmlns="" xmlns:a16="http://schemas.microsoft.com/office/drawing/2014/main" val="10006"/>
                   </a:ext>
                 </a:extLst>
               </a:tr>
@@ -29850,7 +29057,7 @@
                             <a:srgbClr val="000000"/>
                           </a:solidFill>
                         </a:rPr>
-                        <a:t>API Services for both web and devices</a:t>
+                        <a:t>Building web front ends for both desktop and mobile using the latest web standards</a:t>
                       </a:r>
                       <a:endParaRPr lang="en-US" sz="2000" dirty="0">
                         <a:solidFill>
@@ -29859,11 +29066,7 @@
                       </a:endParaRPr>
                     </a:p>
                   </a:txBody>
-                  <a:tcPr marL="45720" marR="45720">
-                    <a:solidFill>
-                      <a:srgbClr val="FFC000"/>
-                    </a:solidFill>
-                  </a:tcPr>
+                  <a:tcPr marL="45720" marR="45720"/>
                 </a:tc>
                 <a:tc>
                   <a:txBody>
@@ -29877,6 +29080,52 @@
                           </a:solidFill>
                         </a:rPr>
                         <a:t>1:15</a:t>
+                      </a:r>
+                      <a:endParaRPr lang="en-US" sz="2000" dirty="0">
+                        <a:solidFill>
+                          <a:srgbClr val="000000"/>
+                        </a:solidFill>
+                      </a:endParaRPr>
+                    </a:p>
+                  </a:txBody>
+                  <a:tcPr marL="45720" marR="45720"/>
+                </a:tc>
+                <a:tc>
+                  <a:txBody>
+                    <a:bodyPr/>
+                    <a:lstStyle/>
+                    <a:p>
+                      <a:r>
+                        <a:rPr lang="en-US" sz="2000" dirty="0" smtClean="0">
+                          <a:solidFill>
+                            <a:srgbClr val="000000"/>
+                          </a:solidFill>
+                        </a:rPr>
+                        <a:t>2:15</a:t>
+                      </a:r>
+                      <a:endParaRPr lang="en-US" sz="2000" dirty="0">
+                        <a:solidFill>
+                          <a:srgbClr val="000000"/>
+                        </a:solidFill>
+                      </a:endParaRPr>
+                    </a:p>
+                  </a:txBody>
+                  <a:tcPr marL="45720" marR="45720"/>
+                </a:tc>
+              </a:tr>
+              <a:tr h="409188">
+                <a:tc>
+                  <a:txBody>
+                    <a:bodyPr/>
+                    <a:lstStyle/>
+                    <a:p>
+                      <a:r>
+                        <a:rPr lang="en-US" sz="2000" dirty="0" smtClean="0">
+                          <a:solidFill>
+                            <a:srgbClr val="000000"/>
+                          </a:solidFill>
+                        </a:rPr>
+                        <a:t>API Services for both web and devices</a:t>
                       </a:r>
                       <a:endParaRPr lang="en-US" sz="2000" dirty="0">
                         <a:solidFill>
@@ -29917,57 +29166,6 @@
                     </a:solidFill>
                   </a:tcPr>
                 </a:tc>
-                <a:extLst>
-                  <a:ext uri="{0D108BD9-81ED-4DB2-BD59-A6C34878D82A}">
-                    <a16:rowId xmlns:a16="http://schemas.microsoft.com/office/drawing/2014/main" val="10007"/>
-                  </a:ext>
-                </a:extLst>
-              </a:tr>
-              <a:tr h="409188">
-                <a:tc>
-                  <a:txBody>
-                    <a:bodyPr/>
-                    <a:lstStyle/>
-                    <a:p>
-                      <a:r>
-                        <a:rPr lang="en-US" sz="2000" dirty="0" smtClean="0">
-                          <a:solidFill>
-                            <a:srgbClr val="000000"/>
-                          </a:solidFill>
-                        </a:rPr>
-                        <a:t>Running, improving and maintaining a site in the real world</a:t>
-                      </a:r>
-                      <a:endParaRPr lang="en-US" sz="2000" dirty="0">
-                        <a:solidFill>
-                          <a:srgbClr val="000000"/>
-                        </a:solidFill>
-                      </a:endParaRPr>
-                    </a:p>
-                  </a:txBody>
-                  <a:tcPr marL="45720" marR="45720"/>
-                </a:tc>
-                <a:tc>
-                  <a:txBody>
-                    <a:bodyPr/>
-                    <a:lstStyle/>
-                    <a:p>
-                      <a:r>
-                        <a:rPr lang="en-US" sz="2000" dirty="0" smtClean="0">
-                          <a:solidFill>
-                            <a:srgbClr val="000000"/>
-                          </a:solidFill>
-                        </a:rPr>
-                        <a:t>2:15</a:t>
-                      </a:r>
-                      <a:endParaRPr lang="en-US" sz="2000" dirty="0">
-                        <a:solidFill>
-                          <a:srgbClr val="000000"/>
-                        </a:solidFill>
-                      </a:endParaRPr>
-                    </a:p>
-                  </a:txBody>
-                  <a:tcPr marL="45720" marR="45720"/>
-                </a:tc>
                 <a:tc>
                   <a:txBody>
                     <a:bodyPr/>
@@ -29988,11 +29186,15 @@
                       </a:endParaRPr>
                     </a:p>
                   </a:txBody>
-                  <a:tcPr marL="45720" marR="45720"/>
+                  <a:tcPr marL="45720" marR="45720">
+                    <a:solidFill>
+                      <a:srgbClr val="FFC000"/>
+                    </a:solidFill>
+                  </a:tcPr>
                 </a:tc>
                 <a:extLst>
                   <a:ext uri="{0D108BD9-81ED-4DB2-BD59-A6C34878D82A}">
-                    <a16:rowId xmlns:a16="http://schemas.microsoft.com/office/drawing/2014/main" val="10008"/>
+                    <a16:rowId xmlns="" xmlns:a16="http://schemas.microsoft.com/office/drawing/2014/main" val="10007"/>
                   </a:ext>
                 </a:extLst>
               </a:tr>
@@ -30065,7 +29267,7 @@
                 </a:tc>
                 <a:extLst>
                   <a:ext uri="{0D108BD9-81ED-4DB2-BD59-A6C34878D82A}">
-                    <a16:rowId xmlns:a16="http://schemas.microsoft.com/office/drawing/2014/main" val="10009"/>
+                    <a16:rowId xmlns="" xmlns:a16="http://schemas.microsoft.com/office/drawing/2014/main" val="10009"/>
                   </a:ext>
                 </a:extLst>
               </a:tr>
@@ -30081,24 +29283,13 @@
                             <a:srgbClr val="000000"/>
                           </a:solidFill>
                         </a:rPr>
-                        <a:t>Real-time Communications</a:t>
+                        <a:t>Running, improving and maintaining a site in the real world</a:t>
                       </a:r>
-                      <a:r>
-                        <a:rPr lang="en-US" sz="2000" baseline="0" dirty="0" smtClean="0">
-                          <a:solidFill>
-                            <a:srgbClr val="000000"/>
-                          </a:solidFill>
-                        </a:rPr>
-                        <a:t> with </a:t>
-                      </a:r>
-                      <a:r>
-                        <a:rPr lang="en-US" sz="2000" dirty="0" smtClean="0">
-                          <a:solidFill>
-                            <a:srgbClr val="000000"/>
-                          </a:solidFill>
-                        </a:rPr>
-                        <a:t>SignalR</a:t>
-                      </a:r>
+                      <a:endParaRPr lang="en-US" sz="2000" dirty="0">
+                        <a:solidFill>
+                          <a:srgbClr val="000000"/>
+                        </a:solidFill>
+                      </a:endParaRPr>
                     </a:p>
                   </a:txBody>
                   <a:tcPr marL="45720" marR="45720"/>
@@ -30136,7 +29327,7 @@
                             <a:srgbClr val="000000"/>
                           </a:solidFill>
                         </a:rPr>
-                        <a:t>4:00</a:t>
+                        <a:t>4:30</a:t>
                       </a:r>
                       <a:endParaRPr lang="en-US" sz="2000" dirty="0">
                         <a:solidFill>
@@ -30147,79 +29338,6 @@
                   </a:txBody>
                   <a:tcPr marL="45720" marR="45720"/>
                 </a:tc>
-                <a:extLst>
-                  <a:ext uri="{0D108BD9-81ED-4DB2-BD59-A6C34878D82A}">
-                    <a16:rowId xmlns:a16="http://schemas.microsoft.com/office/drawing/2014/main" val="10010"/>
-                  </a:ext>
-                </a:extLst>
-              </a:tr>
-              <a:tr h="409188">
-                <a:tc>
-                  <a:txBody>
-                    <a:bodyPr/>
-                    <a:lstStyle/>
-                    <a:p>
-                      <a:r>
-                        <a:rPr lang="en-US" sz="2000" dirty="0" smtClean="0">
-                          <a:solidFill>
-                            <a:srgbClr val="000000"/>
-                          </a:solidFill>
-                        </a:rPr>
-                        <a:t>ASP.NET 5 Preview</a:t>
-                      </a:r>
-                    </a:p>
-                  </a:txBody>
-                  <a:tcPr marL="45720" marR="45720"/>
-                </a:tc>
-                <a:tc>
-                  <a:txBody>
-                    <a:bodyPr/>
-                    <a:lstStyle/>
-                    <a:p>
-                      <a:r>
-                        <a:rPr lang="en-US" sz="2000" dirty="0" smtClean="0">
-                          <a:solidFill>
-                            <a:srgbClr val="000000"/>
-                          </a:solidFill>
-                        </a:rPr>
-                        <a:t>4:00</a:t>
-                      </a:r>
-                      <a:endParaRPr lang="en-US" sz="2000" dirty="0">
-                        <a:solidFill>
-                          <a:srgbClr val="000000"/>
-                        </a:solidFill>
-                      </a:endParaRPr>
-                    </a:p>
-                  </a:txBody>
-                  <a:tcPr marL="45720" marR="45720"/>
-                </a:tc>
-                <a:tc>
-                  <a:txBody>
-                    <a:bodyPr/>
-                    <a:lstStyle/>
-                    <a:p>
-                      <a:r>
-                        <a:rPr lang="en-US" sz="2000" dirty="0" smtClean="0">
-                          <a:solidFill>
-                            <a:srgbClr val="000000"/>
-                          </a:solidFill>
-                        </a:rPr>
-                        <a:t>4:45</a:t>
-                      </a:r>
-                      <a:endParaRPr lang="en-US" sz="2000" dirty="0">
-                        <a:solidFill>
-                          <a:srgbClr val="000000"/>
-                        </a:solidFill>
-                      </a:endParaRPr>
-                    </a:p>
-                  </a:txBody>
-                  <a:tcPr marL="45720" marR="45720"/>
-                </a:tc>
-                <a:extLst>
-                  <a:ext uri="{0D108BD9-81ED-4DB2-BD59-A6C34878D82A}">
-                    <a16:rowId xmlns:a16="http://schemas.microsoft.com/office/drawing/2014/main" val="4181698176"/>
-                  </a:ext>
-                </a:extLst>
               </a:tr>
               <a:tr h="409188">
                 <a:tc>
@@ -30263,7 +29381,7 @@
                             <a:srgbClr val="000000"/>
                           </a:solidFill>
                         </a:rPr>
-                        <a:t>4:45</a:t>
+                        <a:t>4:30</a:t>
                       </a:r>
                       <a:endParaRPr lang="en-US" sz="2000" dirty="0">
                         <a:solidFill>
@@ -30298,7 +29416,7 @@
                 </a:tc>
                 <a:extLst>
                   <a:ext uri="{0D108BD9-81ED-4DB2-BD59-A6C34878D82A}">
-                    <a16:rowId xmlns:a16="http://schemas.microsoft.com/office/drawing/2014/main" val="10011"/>
+                    <a16:rowId xmlns="" xmlns:a16="http://schemas.microsoft.com/office/drawing/2014/main" val="10011"/>
                   </a:ext>
                 </a:extLst>
               </a:tr>
@@ -30309,7 +29427,7 @@
     </p:spTree>
     <p:extLst>
       <p:ext uri="{BB962C8B-B14F-4D97-AF65-F5344CB8AC3E}">
-        <p14:creationId xmlns:p14="http://schemas.microsoft.com/office/powerpoint/2010/main" val="437432115"/>
+        <p14:creationId xmlns:p14="http://schemas.microsoft.com/office/powerpoint/2010/main" val="3847219748"/>
       </p:ext>
     </p:extLst>
   </p:cSld>
@@ -31916,8 +31034,8 @@
         </p:nvSpPr>
         <p:spPr bwMode="auto">
           <a:xfrm>
-            <a:off x="1588" y="2430927"/>
-            <a:ext cx="12188825" cy="3108543"/>
+            <a:off x="1588" y="2579788"/>
+            <a:ext cx="12188825" cy="3323987"/>
           </a:xfrm>
           <a:prstGeom prst="rect">
             <a:avLst/>
@@ -31989,7 +31107,7 @@
         </p:nvSpPr>
         <p:spPr bwMode="auto">
           <a:xfrm>
-            <a:off x="1589" y="1158339"/>
+            <a:off x="1589" y="1254035"/>
             <a:ext cx="12188825" cy="1166331"/>
           </a:xfrm>
           <a:prstGeom prst="rect">
@@ -32091,7 +31209,7 @@
         </p:nvSpPr>
         <p:spPr>
           <a:xfrm>
-            <a:off x="5131614" y="1155119"/>
+            <a:off x="5131614" y="1250815"/>
             <a:ext cx="6211891" cy="1169551"/>
           </a:xfrm>
           <a:prstGeom prst="rect">
@@ -32228,7 +31346,7 @@
         </p:nvSpPr>
         <p:spPr>
           <a:xfrm>
-            <a:off x="435427" y="1158339"/>
+            <a:off x="435427" y="1254035"/>
             <a:ext cx="1672446" cy="984885"/>
           </a:xfrm>
           <a:prstGeom prst="rect">
@@ -32276,8 +31394,8 @@
         </p:nvSpPr>
         <p:spPr>
           <a:xfrm>
-            <a:off x="5131612" y="2430927"/>
-            <a:ext cx="6211893" cy="3108543"/>
+            <a:off x="5131612" y="2579788"/>
+            <a:ext cx="6211893" cy="3323987"/>
           </a:xfrm>
           <a:prstGeom prst="rect">
             <a:avLst/>
@@ -32320,7 +31438,66 @@
                 <a:latin typeface="Consolas" pitchFamily="49" charset="0"/>
                 <a:cs typeface="Consolas" pitchFamily="49" charset="0"/>
               </a:rPr>
-              <a:t>public class </a:t>
+              <a:t>[Route("</a:t>
+            </a:r>
+            <a:r>
+              <a:rPr lang="en-US" sz="1400" dirty="0" err="1">
+                <a:solidFill>
+                  <a:schemeClr val="lt1">
+                    <a:alpha val="99000"/>
+                  </a:schemeClr>
+                </a:solidFill>
+                <a:latin typeface="Consolas" pitchFamily="49" charset="0"/>
+                <a:cs typeface="Consolas" pitchFamily="49" charset="0"/>
+              </a:rPr>
+              <a:t>api</a:t>
+            </a:r>
+            <a:r>
+              <a:rPr lang="en-US" sz="1400" dirty="0">
+                <a:solidFill>
+                  <a:schemeClr val="lt1">
+                    <a:alpha val="99000"/>
+                  </a:schemeClr>
+                </a:solidFill>
+                <a:latin typeface="Consolas" pitchFamily="49" charset="0"/>
+                <a:cs typeface="Consolas" pitchFamily="49" charset="0"/>
+              </a:rPr>
+              <a:t>/[controller]")]</a:t>
+            </a:r>
+            <a:endParaRPr lang="en-US" sz="1400" dirty="0" smtClean="0">
+              <a:solidFill>
+                <a:schemeClr val="lt1">
+                  <a:alpha val="99000"/>
+                </a:schemeClr>
+              </a:solidFill>
+              <a:latin typeface="Consolas" pitchFamily="49" charset="0"/>
+              <a:cs typeface="Consolas" pitchFamily="49" charset="0"/>
+            </a:endParaRPr>
+          </a:p>
+          <a:p>
+            <a:r>
+              <a:rPr lang="en-US" sz="1400" dirty="0" smtClean="0">
+                <a:solidFill>
+                  <a:schemeClr val="lt1">
+                    <a:alpha val="99000"/>
+                  </a:schemeClr>
+                </a:solidFill>
+                <a:latin typeface="Consolas" pitchFamily="49" charset="0"/>
+                <a:cs typeface="Consolas" pitchFamily="49" charset="0"/>
+              </a:rPr>
+              <a:t>public </a:t>
+            </a:r>
+            <a:r>
+              <a:rPr lang="en-US" sz="1400" dirty="0">
+                <a:solidFill>
+                  <a:schemeClr val="lt1">
+                    <a:alpha val="99000"/>
+                  </a:schemeClr>
+                </a:solidFill>
+                <a:latin typeface="Consolas" pitchFamily="49" charset="0"/>
+                <a:cs typeface="Consolas" pitchFamily="49" charset="0"/>
+              </a:rPr>
+              <a:t>class </a:t>
             </a:r>
             <a:r>
               <a:rPr lang="en-US" sz="1400" dirty="0" err="1">
@@ -32347,7 +31524,7 @@
               <a:t> : </a:t>
             </a:r>
             <a:r>
-              <a:rPr lang="en-US" sz="1400" dirty="0" err="1">
+              <a:rPr lang="en-US" sz="1400" dirty="0" smtClean="0">
                 <a:solidFill>
                   <a:schemeClr val="accent4">
                     <a:lumMod val="40000"/>
@@ -32358,7 +31535,7 @@
                 <a:latin typeface="Consolas" pitchFamily="49" charset="0"/>
                 <a:cs typeface="Consolas" pitchFamily="49" charset="0"/>
               </a:rPr>
-              <a:t>ApiController</a:t>
+              <a:t>Controller</a:t>
             </a:r>
             <a:endParaRPr lang="en-US" sz="1400" dirty="0">
               <a:solidFill>
@@ -32397,7 +31574,31 @@
                 <a:latin typeface="Consolas" pitchFamily="49" charset="0"/>
                 <a:cs typeface="Consolas" pitchFamily="49" charset="0"/>
               </a:rPr>
-              <a:t>    List&lt;Person&gt; _people;</a:t>
+              <a:t>    List&lt;Person&gt; </a:t>
+            </a:r>
+            <a:r>
+              <a:rPr lang="en-US" sz="1400" dirty="0" smtClean="0">
+                <a:solidFill>
+                  <a:schemeClr val="lt1">
+                    <a:alpha val="99000"/>
+                  </a:schemeClr>
+                </a:solidFill>
+                <a:latin typeface="Consolas" pitchFamily="49" charset="0"/>
+                <a:cs typeface="Consolas" pitchFamily="49" charset="0"/>
+              </a:rPr>
+              <a:t>people</a:t>
+            </a:r>
+            <a:r>
+              <a:rPr lang="en-US" sz="1400" dirty="0">
+                <a:solidFill>
+                  <a:schemeClr val="lt1">
+                    <a:alpha val="99000"/>
+                  </a:schemeClr>
+                </a:solidFill>
+                <a:latin typeface="Consolas" pitchFamily="49" charset="0"/>
+                <a:cs typeface="Consolas" pitchFamily="49" charset="0"/>
+              </a:rPr>
+              <a:t>;</a:t>
             </a:r>
           </a:p>
           <a:p>
@@ -32463,10 +31664,32 @@
                 <a:latin typeface="Consolas" pitchFamily="49" charset="0"/>
                 <a:cs typeface="Consolas" pitchFamily="49" charset="0"/>
               </a:rPr>
-              <a:t>        _people = new List&lt;Person&gt;();</a:t>
-            </a:r>
-          </a:p>
-          <a:p>
+              <a:t>        </a:t>
+            </a:r>
+            <a:r>
+              <a:rPr lang="en-US" sz="1400" dirty="0" err="1" smtClean="0">
+                <a:solidFill>
+                  <a:schemeClr val="lt1">
+                    <a:alpha val="99000"/>
+                  </a:schemeClr>
+                </a:solidFill>
+                <a:latin typeface="Consolas" pitchFamily="49" charset="0"/>
+                <a:cs typeface="Consolas" pitchFamily="49" charset="0"/>
+              </a:rPr>
+              <a:t>this.people</a:t>
+            </a:r>
+            <a:r>
+              <a:rPr lang="en-US" sz="1400" dirty="0" smtClean="0">
+                <a:solidFill>
+                  <a:schemeClr val="lt1">
+                    <a:alpha val="99000"/>
+                  </a:schemeClr>
+                </a:solidFill>
+                <a:latin typeface="Consolas" pitchFamily="49" charset="0"/>
+                <a:cs typeface="Consolas" pitchFamily="49" charset="0"/>
+              </a:rPr>
+              <a:t> </a:t>
+            </a:r>
             <a:r>
               <a:rPr lang="en-US" sz="1400" dirty="0">
                 <a:solidFill>
@@ -32477,20 +31700,10 @@
                 <a:latin typeface="Consolas" pitchFamily="49" charset="0"/>
                 <a:cs typeface="Consolas" pitchFamily="49" charset="0"/>
               </a:rPr>
-              <a:t>        _</a:t>
-            </a:r>
-            <a:r>
-              <a:rPr lang="en-US" sz="1400" dirty="0" err="1">
-                <a:solidFill>
-                  <a:schemeClr val="lt1">
-                    <a:alpha val="99000"/>
-                  </a:schemeClr>
-                </a:solidFill>
-                <a:latin typeface="Consolas" pitchFamily="49" charset="0"/>
-                <a:cs typeface="Consolas" pitchFamily="49" charset="0"/>
-              </a:rPr>
-              <a:t>people.AddRange</a:t>
-            </a:r>
+              <a:t>= new List&lt;Person&gt;();</a:t>
+            </a:r>
+          </a:p>
+          <a:p>
             <a:r>
               <a:rPr lang="en-US" sz="1400" dirty="0">
                 <a:solidFill>
@@ -32501,7 +31714,43 @@
                 <a:latin typeface="Consolas" pitchFamily="49" charset="0"/>
                 <a:cs typeface="Consolas" pitchFamily="49" charset="0"/>
               </a:rPr>
-              <a:t>(new Person[]</a:t>
+              <a:t>        </a:t>
+            </a:r>
+            <a:r>
+              <a:rPr lang="en-US" sz="1400" dirty="0" err="1" smtClean="0">
+                <a:solidFill>
+                  <a:schemeClr val="lt1">
+                    <a:alpha val="99000"/>
+                  </a:schemeClr>
+                </a:solidFill>
+                <a:latin typeface="Consolas" pitchFamily="49" charset="0"/>
+                <a:cs typeface="Consolas" pitchFamily="49" charset="0"/>
+              </a:rPr>
+              <a:t>this.people.AddRange</a:t>
+            </a:r>
+            <a:r>
+              <a:rPr lang="en-US" sz="1400" dirty="0" smtClean="0">
+                <a:solidFill>
+                  <a:schemeClr val="lt1">
+                    <a:alpha val="99000"/>
+                  </a:schemeClr>
+                </a:solidFill>
+                <a:latin typeface="Consolas" pitchFamily="49" charset="0"/>
+                <a:cs typeface="Consolas" pitchFamily="49" charset="0"/>
+              </a:rPr>
+              <a:t>(new </a:t>
+            </a:r>
+            <a:r>
+              <a:rPr lang="en-US" sz="1400" dirty="0">
+                <a:solidFill>
+                  <a:schemeClr val="lt1">
+                    <a:alpha val="99000"/>
+                  </a:schemeClr>
+                </a:solidFill>
+                <a:latin typeface="Consolas" pitchFamily="49" charset="0"/>
+                <a:cs typeface="Consolas" pitchFamily="49" charset="0"/>
+              </a:rPr>
+              <a:t>Person[]</a:t>
             </a:r>
           </a:p>
           <a:p>
@@ -32636,7 +31885,7 @@
         </p:nvSpPr>
         <p:spPr>
           <a:xfrm>
-            <a:off x="435427" y="2430927"/>
+            <a:off x="435427" y="2579788"/>
             <a:ext cx="2416239" cy="984885"/>
           </a:xfrm>
           <a:prstGeom prst="rect">
@@ -32724,8 +31973,8 @@
         </p:nvSpPr>
         <p:spPr bwMode="auto">
           <a:xfrm>
-            <a:off x="1588" y="2547611"/>
-            <a:ext cx="12188825" cy="1169551"/>
+            <a:off x="1588" y="2802783"/>
+            <a:ext cx="12188825" cy="1384995"/>
           </a:xfrm>
           <a:prstGeom prst="rect">
             <a:avLst/>
@@ -32798,7 +32047,7 @@
         <p:spPr bwMode="auto">
           <a:xfrm>
             <a:off x="1589" y="1241467"/>
-            <a:ext cx="12188825" cy="1166331"/>
+            <a:ext cx="12188825" cy="1381775"/>
           </a:xfrm>
           <a:prstGeom prst="rect">
             <a:avLst/>
@@ -32900,7 +32149,7 @@
         <p:spPr>
           <a:xfrm>
             <a:off x="5131614" y="1238247"/>
-            <a:ext cx="5901497" cy="1169551"/>
+            <a:ext cx="5901497" cy="1384995"/>
           </a:xfrm>
           <a:prstGeom prst="rect">
             <a:avLst/>
@@ -32946,6 +32195,44 @@
               <a:t>// GET /</a:t>
             </a:r>
             <a:r>
+              <a:rPr lang="en-US" sz="1400" dirty="0" err="1" smtClean="0">
+                <a:solidFill>
+                  <a:schemeClr val="lt1">
+                    <a:alpha val="99000"/>
+                  </a:schemeClr>
+                </a:solidFill>
+                <a:latin typeface="Consolas" pitchFamily="49" charset="0"/>
+                <a:cs typeface="Consolas" pitchFamily="49" charset="0"/>
+              </a:rPr>
+              <a:t>api</a:t>
+            </a:r>
+            <a:r>
+              <a:rPr lang="en-US" sz="1400" dirty="0" smtClean="0">
+                <a:solidFill>
+                  <a:schemeClr val="lt1">
+                    <a:alpha val="99000"/>
+                  </a:schemeClr>
+                </a:solidFill>
+                <a:latin typeface="Consolas" pitchFamily="49" charset="0"/>
+                <a:cs typeface="Consolas" pitchFamily="49" charset="0"/>
+              </a:rPr>
+              <a:t>/person</a:t>
+            </a:r>
+          </a:p>
+          <a:p>
+            <a:r>
+              <a:rPr lang="en-US" sz="1400" dirty="0">
+                <a:solidFill>
+                  <a:schemeClr val="lt1">
+                    <a:alpha val="99000"/>
+                  </a:schemeClr>
+                </a:solidFill>
+                <a:latin typeface="Consolas" pitchFamily="49" charset="0"/>
+                <a:cs typeface="Consolas" pitchFamily="49" charset="0"/>
+              </a:rPr>
+              <a:t>[</a:t>
+            </a:r>
+            <a:r>
               <a:rPr lang="en-US" sz="1400" dirty="0" err="1">
                 <a:solidFill>
                   <a:schemeClr val="lt1">
@@ -32955,7 +32242,7 @@
                 <a:latin typeface="Consolas" pitchFamily="49" charset="0"/>
                 <a:cs typeface="Consolas" pitchFamily="49" charset="0"/>
               </a:rPr>
-              <a:t>api</a:t>
+              <a:t>HttpGet</a:t>
             </a:r>
             <a:r>
               <a:rPr lang="en-US" sz="1400" dirty="0">
@@ -32967,8 +32254,17 @@
                 <a:latin typeface="Consolas" pitchFamily="49" charset="0"/>
                 <a:cs typeface="Consolas" pitchFamily="49" charset="0"/>
               </a:rPr>
-              <a:t>/person</a:t>
-            </a:r>
+              <a:t>]</a:t>
+            </a:r>
+            <a:endParaRPr lang="en-US" sz="1400" dirty="0">
+              <a:solidFill>
+                <a:schemeClr val="lt1">
+                  <a:alpha val="99000"/>
+                </a:schemeClr>
+              </a:solidFill>
+              <a:latin typeface="Consolas" pitchFamily="49" charset="0"/>
+              <a:cs typeface="Consolas" pitchFamily="49" charset="0"/>
+            </a:endParaRPr>
           </a:p>
           <a:p>
             <a:r>
@@ -33059,7 +32355,31 @@
                 <a:latin typeface="Consolas" pitchFamily="49" charset="0"/>
                 <a:cs typeface="Consolas" pitchFamily="49" charset="0"/>
               </a:rPr>
-              <a:t>    return _people;</a:t>
+              <a:t>    return </a:t>
+            </a:r>
+            <a:r>
+              <a:rPr lang="en-US" sz="1400" dirty="0" err="1" smtClean="0">
+                <a:solidFill>
+                  <a:schemeClr val="lt1">
+                    <a:alpha val="99000"/>
+                  </a:schemeClr>
+                </a:solidFill>
+                <a:latin typeface="Consolas" pitchFamily="49" charset="0"/>
+                <a:cs typeface="Consolas" pitchFamily="49" charset="0"/>
+              </a:rPr>
+              <a:t>this.people</a:t>
+            </a:r>
+            <a:r>
+              <a:rPr lang="en-US" sz="1400" dirty="0">
+                <a:solidFill>
+                  <a:schemeClr val="lt1">
+                    <a:alpha val="99000"/>
+                  </a:schemeClr>
+                </a:solidFill>
+                <a:latin typeface="Consolas" pitchFamily="49" charset="0"/>
+                <a:cs typeface="Consolas" pitchFamily="49" charset="0"/>
+              </a:rPr>
+              <a:t>;</a:t>
             </a:r>
           </a:p>
           <a:p>
@@ -33134,8 +32454,8 @@
         </p:nvSpPr>
         <p:spPr>
           <a:xfrm>
-            <a:off x="5131612" y="2547611"/>
-            <a:ext cx="5901499" cy="1169551"/>
+            <a:off x="5131612" y="2802783"/>
+            <a:ext cx="5901499" cy="1384995"/>
           </a:xfrm>
           <a:prstGeom prst="rect">
             <a:avLst/>
@@ -33181,6 +32501,44 @@
               <a:t>// GET /</a:t>
             </a:r>
             <a:r>
+              <a:rPr lang="en-US" sz="1400" dirty="0" err="1" smtClean="0">
+                <a:solidFill>
+                  <a:schemeClr val="lt1">
+                    <a:alpha val="99000"/>
+                  </a:schemeClr>
+                </a:solidFill>
+                <a:latin typeface="Consolas" pitchFamily="49" charset="0"/>
+                <a:cs typeface="Consolas" pitchFamily="49" charset="0"/>
+              </a:rPr>
+              <a:t>api</a:t>
+            </a:r>
+            <a:r>
+              <a:rPr lang="en-US" sz="1400" dirty="0" smtClean="0">
+                <a:solidFill>
+                  <a:schemeClr val="lt1">
+                    <a:alpha val="99000"/>
+                  </a:schemeClr>
+                </a:solidFill>
+                <a:latin typeface="Consolas" pitchFamily="49" charset="0"/>
+                <a:cs typeface="Consolas" pitchFamily="49" charset="0"/>
+              </a:rPr>
+              <a:t>/person/5</a:t>
+            </a:r>
+          </a:p>
+          <a:p>
+            <a:r>
+              <a:rPr lang="en-US" sz="1400" dirty="0">
+                <a:solidFill>
+                  <a:schemeClr val="lt1">
+                    <a:alpha val="99000"/>
+                  </a:schemeClr>
+                </a:solidFill>
+                <a:latin typeface="Consolas" pitchFamily="49" charset="0"/>
+                <a:cs typeface="Consolas" pitchFamily="49" charset="0"/>
+              </a:rPr>
+              <a:t>[</a:t>
+            </a:r>
+            <a:r>
               <a:rPr lang="en-US" sz="1400" dirty="0" err="1">
                 <a:solidFill>
                   <a:schemeClr val="lt1">
@@ -33190,7 +32548,7 @@
                 <a:latin typeface="Consolas" pitchFamily="49" charset="0"/>
                 <a:cs typeface="Consolas" pitchFamily="49" charset="0"/>
               </a:rPr>
-              <a:t>api</a:t>
+              <a:t>HttpGet</a:t>
             </a:r>
             <a:r>
               <a:rPr lang="en-US" sz="1400" dirty="0">
@@ -33202,8 +32560,17 @@
                 <a:latin typeface="Consolas" pitchFamily="49" charset="0"/>
                 <a:cs typeface="Consolas" pitchFamily="49" charset="0"/>
               </a:rPr>
-              <a:t>/person/5</a:t>
-            </a:r>
+              <a:t>("{id}")]</a:t>
+            </a:r>
+            <a:endParaRPr lang="en-US" sz="1400" dirty="0">
+              <a:solidFill>
+                <a:schemeClr val="lt1">
+                  <a:alpha val="99000"/>
+                </a:schemeClr>
+              </a:solidFill>
+              <a:latin typeface="Consolas" pitchFamily="49" charset="0"/>
+              <a:cs typeface="Consolas" pitchFamily="49" charset="0"/>
+            </a:endParaRPr>
           </a:p>
           <a:p>
             <a:r>
@@ -33294,10 +32661,10 @@
                 <a:latin typeface="Consolas" pitchFamily="49" charset="0"/>
                 <a:cs typeface="Consolas" pitchFamily="49" charset="0"/>
               </a:rPr>
-              <a:t>    return _</a:t>
-            </a:r>
-            <a:r>
-              <a:rPr lang="en-US" sz="1400" dirty="0" err="1">
+              <a:t>    return </a:t>
+            </a:r>
+            <a:r>
+              <a:rPr lang="en-US" sz="1400" dirty="0" err="1" smtClean="0">
                 <a:solidFill>
                   <a:schemeClr val="lt1">
                     <a:alpha val="99000"/>
@@ -33306,7 +32673,19 @@
                 <a:latin typeface="Consolas" pitchFamily="49" charset="0"/>
                 <a:cs typeface="Consolas" pitchFamily="49" charset="0"/>
               </a:rPr>
-              <a:t>people.First</a:t>
+              <a:t>this.people.FirstOrDefault</a:t>
+            </a:r>
+            <a:r>
+              <a:rPr lang="en-US" sz="1400" dirty="0" smtClean="0">
+                <a:solidFill>
+                  <a:schemeClr val="lt1">
+                    <a:alpha val="99000"/>
+                  </a:schemeClr>
+                </a:solidFill>
+                <a:latin typeface="Consolas" pitchFamily="49" charset="0"/>
+                <a:cs typeface="Consolas" pitchFamily="49" charset="0"/>
+              </a:rPr>
+              <a:t>(x </a:t>
             </a:r>
             <a:r>
               <a:rPr lang="en-US" sz="1400" dirty="0">
@@ -33318,7 +32697,7 @@
                 <a:latin typeface="Consolas" pitchFamily="49" charset="0"/>
                 <a:cs typeface="Consolas" pitchFamily="49" charset="0"/>
               </a:rPr>
-              <a:t>(x =&gt; </a:t>
+              <a:t>=&gt; </a:t>
             </a:r>
             <a:r>
               <a:rPr lang="en-US" sz="1400" dirty="0" err="1">
@@ -33369,7 +32748,7 @@
         </p:nvSpPr>
         <p:spPr>
           <a:xfrm>
-            <a:off x="435426" y="2547611"/>
+            <a:off x="435426" y="2802783"/>
             <a:ext cx="1740476" cy="984885"/>
           </a:xfrm>
           <a:prstGeom prst="rect">
@@ -33449,6 +32828,30 @@
           <a:chExt cx="0" cy="0"/>
         </a:xfrm>
       </p:grpSpPr>
+      <p:pic>
+        <p:nvPicPr>
+          <p:cNvPr id="32" name="Picture 31"/>
+          <p:cNvPicPr>
+            <a:picLocks noChangeAspect="1"/>
+          </p:cNvPicPr>
+          <p:nvPr/>
+        </p:nvPicPr>
+        <p:blipFill>
+          <a:blip r:embed="rId3"/>
+          <a:stretch>
+            <a:fillRect/>
+          </a:stretch>
+        </p:blipFill>
+        <p:spPr>
+          <a:xfrm>
+            <a:off x="3838962" y="2936960"/>
+            <a:ext cx="6190476" cy="1828571"/>
+          </a:xfrm>
+          <a:prstGeom prst="rect">
+            <a:avLst/>
+          </a:prstGeom>
+        </p:spPr>
+      </p:pic>
       <p:sp>
         <p:nvSpPr>
           <p:cNvPr id="14" name="Rectangle 13"/>
@@ -33458,7 +32861,7 @@
         <p:spPr bwMode="auto">
           <a:xfrm>
             <a:off x="1589" y="1397332"/>
-            <a:ext cx="12188825" cy="1812662"/>
+            <a:ext cx="12188825" cy="1381774"/>
           </a:xfrm>
           <a:prstGeom prst="rect">
             <a:avLst/>
@@ -33560,7 +32963,7 @@
         <p:spPr>
           <a:xfrm>
             <a:off x="5131614" y="1394111"/>
-            <a:ext cx="6211891" cy="1815882"/>
+            <a:ext cx="6211891" cy="1384995"/>
           </a:xfrm>
           <a:prstGeom prst="rect">
             <a:avLst/>
@@ -33594,6 +32997,18 @@
           <a:lstStyle/>
           <a:p>
             <a:r>
+              <a:rPr lang="en-US" sz="1400" dirty="0" err="1">
+                <a:solidFill>
+                  <a:schemeClr val="lt1">
+                    <a:alpha val="99000"/>
+                  </a:schemeClr>
+                </a:solidFill>
+                <a:latin typeface="Consolas" pitchFamily="49" charset="0"/>
+                <a:cs typeface="Consolas" pitchFamily="49" charset="0"/>
+              </a:rPr>
+              <a:t>app.UseMvc</a:t>
+            </a:r>
+            <a:r>
               <a:rPr lang="en-US" sz="1400" dirty="0">
                 <a:solidFill>
                   <a:schemeClr val="lt1">
@@ -33603,7 +33018,35 @@
                 <a:latin typeface="Consolas" pitchFamily="49" charset="0"/>
                 <a:cs typeface="Consolas" pitchFamily="49" charset="0"/>
               </a:rPr>
-              <a:t>public static void </a:t>
+              <a:t>(routes =&gt;</a:t>
+            </a:r>
+          </a:p>
+          <a:p>
+            <a:r>
+              <a:rPr lang="en-US" sz="1400" dirty="0">
+                <a:solidFill>
+                  <a:schemeClr val="lt1">
+                    <a:alpha val="99000"/>
+                  </a:schemeClr>
+                </a:solidFill>
+                <a:latin typeface="Consolas" pitchFamily="49" charset="0"/>
+                <a:cs typeface="Consolas" pitchFamily="49" charset="0"/>
+              </a:rPr>
+              <a:t>{</a:t>
+            </a:r>
+          </a:p>
+          <a:p>
+            <a:r>
+              <a:rPr lang="en-US" sz="1400" dirty="0">
+                <a:solidFill>
+                  <a:schemeClr val="lt1">
+                    <a:alpha val="99000"/>
+                  </a:schemeClr>
+                </a:solidFill>
+                <a:latin typeface="Consolas" pitchFamily="49" charset="0"/>
+                <a:cs typeface="Consolas" pitchFamily="49" charset="0"/>
+              </a:rPr>
+              <a:t>    </a:t>
             </a:r>
             <a:r>
               <a:rPr lang="en-US" sz="1400" dirty="0" err="1">
@@ -33615,7 +33058,7 @@
                 <a:latin typeface="Consolas" pitchFamily="49" charset="0"/>
                 <a:cs typeface="Consolas" pitchFamily="49" charset="0"/>
               </a:rPr>
-              <a:t>RegisterRoutes</a:t>
+              <a:t>routes.MapRoute</a:t>
             </a:r>
             <a:r>
               <a:rPr lang="en-US" sz="1400" dirty="0">
@@ -33629,18 +33072,8 @@
               </a:rPr>
               <a:t>(</a:t>
             </a:r>
-            <a:r>
-              <a:rPr lang="en-US" sz="1400" dirty="0" err="1">
-                <a:solidFill>
-                  <a:schemeClr val="lt1">
-                    <a:alpha val="99000"/>
-                  </a:schemeClr>
-                </a:solidFill>
-                <a:latin typeface="Consolas" pitchFamily="49" charset="0"/>
-                <a:cs typeface="Consolas" pitchFamily="49" charset="0"/>
-              </a:rPr>
-              <a:t>RouteCollection</a:t>
-            </a:r>
+          </a:p>
+          <a:p>
             <a:r>
               <a:rPr lang="en-US" sz="1400" dirty="0">
                 <a:solidFill>
@@ -33651,7 +33084,7 @@
                 <a:latin typeface="Consolas" pitchFamily="49" charset="0"/>
                 <a:cs typeface="Consolas" pitchFamily="49" charset="0"/>
               </a:rPr>
-              <a:t> routes)</a:t>
+              <a:t>        name: "default",</a:t>
             </a:r>
           </a:p>
           <a:p>
@@ -33665,7 +33098,7 @@
                 <a:latin typeface="Consolas" pitchFamily="49" charset="0"/>
                 <a:cs typeface="Consolas" pitchFamily="49" charset="0"/>
               </a:rPr>
-              <a:t>{    </a:t>
+              <a:t>        template: "{controller=Home}/{action=Index}/{id?}");</a:t>
             </a:r>
           </a:p>
           <a:p>
@@ -33679,214 +33112,17 @@
                 <a:latin typeface="Consolas" pitchFamily="49" charset="0"/>
                 <a:cs typeface="Consolas" pitchFamily="49" charset="0"/>
               </a:rPr>
-              <a:t>    </a:t>
-            </a:r>
-            <a:r>
-              <a:rPr lang="en-US" sz="1400" dirty="0" err="1">
-                <a:solidFill>
-                  <a:schemeClr val="lt1">
-                    <a:alpha val="99000"/>
-                  </a:schemeClr>
-                </a:solidFill>
-                <a:latin typeface="Consolas" pitchFamily="49" charset="0"/>
-                <a:cs typeface="Consolas" pitchFamily="49" charset="0"/>
-              </a:rPr>
-              <a:t>routes.MapHttpRoute</a:t>
-            </a:r>
-            <a:r>
-              <a:rPr lang="en-US" sz="1400" dirty="0">
-                <a:solidFill>
-                  <a:schemeClr val="lt1">
-                    <a:alpha val="99000"/>
-                  </a:schemeClr>
-                </a:solidFill>
-                <a:latin typeface="Consolas" pitchFamily="49" charset="0"/>
-                <a:cs typeface="Consolas" pitchFamily="49" charset="0"/>
-              </a:rPr>
-              <a:t>(</a:t>
-            </a:r>
-          </a:p>
-          <a:p>
-            <a:r>
-              <a:rPr lang="en-US" sz="1400" dirty="0">
-                <a:solidFill>
-                  <a:schemeClr val="lt1">
-                    <a:alpha val="99000"/>
-                  </a:schemeClr>
-                </a:solidFill>
-                <a:latin typeface="Consolas" pitchFamily="49" charset="0"/>
-                <a:cs typeface="Consolas" pitchFamily="49" charset="0"/>
-              </a:rPr>
-              <a:t>        name: "</a:t>
-            </a:r>
-            <a:r>
-              <a:rPr lang="en-US" sz="1400" dirty="0" err="1">
-                <a:solidFill>
-                  <a:schemeClr val="lt1">
-                    <a:alpha val="99000"/>
-                  </a:schemeClr>
-                </a:solidFill>
-                <a:latin typeface="Consolas" pitchFamily="49" charset="0"/>
-                <a:cs typeface="Consolas" pitchFamily="49" charset="0"/>
-              </a:rPr>
-              <a:t>DefaultApi</a:t>
-            </a:r>
-            <a:r>
-              <a:rPr lang="en-US" sz="1400" dirty="0">
-                <a:solidFill>
-                  <a:schemeClr val="lt1">
-                    <a:alpha val="99000"/>
-                  </a:schemeClr>
-                </a:solidFill>
-                <a:latin typeface="Consolas" pitchFamily="49" charset="0"/>
-                <a:cs typeface="Consolas" pitchFamily="49" charset="0"/>
-              </a:rPr>
-              <a:t>",</a:t>
-            </a:r>
-          </a:p>
-          <a:p>
-            <a:r>
-              <a:rPr lang="en-US" sz="1400" dirty="0">
-                <a:solidFill>
-                  <a:schemeClr val="lt1">
-                    <a:alpha val="99000"/>
-                  </a:schemeClr>
-                </a:solidFill>
-                <a:latin typeface="Consolas" pitchFamily="49" charset="0"/>
-                <a:cs typeface="Consolas" pitchFamily="49" charset="0"/>
-              </a:rPr>
-              <a:t>        </a:t>
-            </a:r>
-            <a:r>
-              <a:rPr lang="en-US" sz="1400" dirty="0" err="1">
-                <a:solidFill>
-                  <a:schemeClr val="lt1">
-                    <a:alpha val="99000"/>
-                  </a:schemeClr>
-                </a:solidFill>
-                <a:latin typeface="Consolas" pitchFamily="49" charset="0"/>
-                <a:cs typeface="Consolas" pitchFamily="49" charset="0"/>
-              </a:rPr>
-              <a:t>routeTemplate</a:t>
-            </a:r>
-            <a:r>
-              <a:rPr lang="en-US" sz="1400" dirty="0">
-                <a:solidFill>
-                  <a:schemeClr val="lt1">
-                    <a:alpha val="99000"/>
-                  </a:schemeClr>
-                </a:solidFill>
-                <a:latin typeface="Consolas" pitchFamily="49" charset="0"/>
-                <a:cs typeface="Consolas" pitchFamily="49" charset="0"/>
-              </a:rPr>
-              <a:t>: "</a:t>
-            </a:r>
-            <a:r>
-              <a:rPr lang="en-US" sz="1400" dirty="0" err="1">
-                <a:solidFill>
-                  <a:schemeClr val="accent4">
-                    <a:lumMod val="60000"/>
-                    <a:lumOff val="40000"/>
-                    <a:alpha val="99000"/>
-                  </a:schemeClr>
-                </a:solidFill>
-                <a:latin typeface="Consolas" pitchFamily="49" charset="0"/>
-                <a:cs typeface="Consolas" pitchFamily="49" charset="0"/>
-              </a:rPr>
-              <a:t>api</a:t>
-            </a:r>
-            <a:r>
-              <a:rPr lang="en-US" sz="1400" dirty="0">
-                <a:solidFill>
-                  <a:schemeClr val="accent4">
-                    <a:lumMod val="60000"/>
-                    <a:lumOff val="40000"/>
-                    <a:alpha val="99000"/>
-                  </a:schemeClr>
-                </a:solidFill>
-                <a:latin typeface="Consolas" pitchFamily="49" charset="0"/>
-                <a:cs typeface="Consolas" pitchFamily="49" charset="0"/>
-              </a:rPr>
-              <a:t>/{controller}/{id}</a:t>
-            </a:r>
-            <a:r>
-              <a:rPr lang="en-US" sz="1400" dirty="0">
-                <a:solidFill>
-                  <a:schemeClr val="lt1">
-                    <a:alpha val="99000"/>
-                  </a:schemeClr>
-                </a:solidFill>
-                <a:latin typeface="Consolas" pitchFamily="49" charset="0"/>
-                <a:cs typeface="Consolas" pitchFamily="49" charset="0"/>
-              </a:rPr>
-              <a:t>",</a:t>
-            </a:r>
-          </a:p>
-          <a:p>
-            <a:r>
-              <a:rPr lang="en-US" sz="1400" dirty="0">
-                <a:solidFill>
-                  <a:schemeClr val="lt1">
-                    <a:alpha val="99000"/>
-                  </a:schemeClr>
-                </a:solidFill>
-                <a:latin typeface="Consolas" pitchFamily="49" charset="0"/>
-                <a:cs typeface="Consolas" pitchFamily="49" charset="0"/>
-              </a:rPr>
-              <a:t>        defaults: new { id = </a:t>
-            </a:r>
-            <a:r>
-              <a:rPr lang="en-US" sz="1400" dirty="0" err="1">
-                <a:solidFill>
-                  <a:schemeClr val="lt1">
-                    <a:alpha val="99000"/>
-                  </a:schemeClr>
-                </a:solidFill>
-                <a:latin typeface="Consolas" pitchFamily="49" charset="0"/>
-                <a:cs typeface="Consolas" pitchFamily="49" charset="0"/>
-              </a:rPr>
-              <a:t>RouteParameter.Optional</a:t>
-            </a:r>
-            <a:r>
-              <a:rPr lang="en-US" sz="1400" dirty="0">
-                <a:solidFill>
-                  <a:schemeClr val="lt1">
-                    <a:alpha val="99000"/>
-                  </a:schemeClr>
-                </a:solidFill>
-                <a:latin typeface="Consolas" pitchFamily="49" charset="0"/>
-                <a:cs typeface="Consolas" pitchFamily="49" charset="0"/>
-              </a:rPr>
-              <a:t> }</a:t>
-            </a:r>
-          </a:p>
-          <a:p>
-            <a:r>
-              <a:rPr lang="en-US" sz="1400" dirty="0">
-                <a:solidFill>
-                  <a:schemeClr val="lt1">
-                    <a:alpha val="99000"/>
-                  </a:schemeClr>
-                </a:solidFill>
-                <a:latin typeface="Consolas" pitchFamily="49" charset="0"/>
-                <a:cs typeface="Consolas" pitchFamily="49" charset="0"/>
-              </a:rPr>
-              <a:t>    );</a:t>
-            </a:r>
-          </a:p>
-          <a:p>
-            <a:r>
-              <a:rPr lang="en-US" sz="1400" dirty="0">
-                <a:solidFill>
-                  <a:schemeClr val="lt1">
-                    <a:alpha val="99000"/>
-                  </a:schemeClr>
-                </a:solidFill>
-                <a:latin typeface="Consolas" pitchFamily="49" charset="0"/>
-                <a:cs typeface="Consolas" pitchFamily="49" charset="0"/>
-              </a:rPr>
-              <a:t>}</a:t>
-            </a:r>
+              <a:t>});</a:t>
+            </a:r>
+            <a:endParaRPr lang="en-US" sz="1400" dirty="0">
+              <a:solidFill>
+                <a:schemeClr val="lt1">
+                  <a:alpha val="99000"/>
+                </a:schemeClr>
+              </a:solidFill>
+              <a:latin typeface="Consolas" pitchFamily="49" charset="0"/>
+              <a:cs typeface="Consolas" pitchFamily="49" charset="0"/>
+            </a:endParaRPr>
           </a:p>
         </p:txBody>
       </p:sp>
@@ -33959,47 +33195,437 @@
           </a:p>
         </p:txBody>
       </p:sp>
-      <p:pic>
-        <p:nvPicPr>
-          <p:cNvPr id="64520" name="Picture 8" descr="C:\Users\bradyg\AppData\Local\Temp\SNAGHTML48d144.PNG"/>
-          <p:cNvPicPr>
-            <a:picLocks noChangeAspect="1" noChangeArrowheads="1"/>
-          </p:cNvPicPr>
+      <p:sp>
+        <p:nvSpPr>
+          <p:cNvPr id="13" name="Rectangle 12"/>
+          <p:cNvSpPr/>
           <p:nvPr/>
-        </p:nvPicPr>
-        <p:blipFill>
-          <a:blip r:embed="rId2">
-            <a:extLst>
-              <a:ext uri="{28A0092B-C50C-407E-A947-70E740481C1C}">
-                <a14:useLocalDpi xmlns:a14="http://schemas.microsoft.com/office/drawing/2010/main" val="0"/>
-              </a:ext>
-            </a:extLst>
-          </a:blip>
-          <a:srcRect/>
-          <a:stretch>
-            <a:fillRect/>
-          </a:stretch>
-        </p:blipFill>
+        </p:nvSpPr>
         <p:spPr bwMode="auto">
           <a:xfrm>
-            <a:off x="3169770" y="3938155"/>
-            <a:ext cx="8402335" cy="1483448"/>
+            <a:off x="0" y="4964229"/>
+            <a:ext cx="12188825" cy="1381774"/>
           </a:xfrm>
           <a:prstGeom prst="rect">
             <a:avLst/>
           </a:prstGeom>
-          <a:noFill/>
-          <a:extLst>
-            <a:ext uri="{909E8E84-426E-40DD-AFC4-6F175D3DCCD1}">
-              <a14:hiddenFill xmlns:a14="http://schemas.microsoft.com/office/drawing/2010/main">
+          <a:solidFill>
+            <a:schemeClr val="accent2">
+              <a:lumMod val="20000"/>
+              <a:lumOff val="80000"/>
+            </a:schemeClr>
+          </a:solidFill>
+          <a:ln>
+            <a:noFill/>
+            <a:headEnd type="none" w="med" len="med"/>
+            <a:tailEnd type="none" w="med" len="med"/>
+          </a:ln>
+          <a:effectLst/>
+        </p:spPr>
+        <p:style>
+          <a:lnRef idx="1">
+            <a:schemeClr val="accent2"/>
+          </a:lnRef>
+          <a:fillRef idx="3">
+            <a:schemeClr val="accent2"/>
+          </a:fillRef>
+          <a:effectRef idx="2">
+            <a:schemeClr val="accent2"/>
+          </a:effectRef>
+          <a:fontRef idx="minor">
+            <a:schemeClr val="lt1"/>
+          </a:fontRef>
+        </p:style>
+        <p:txBody>
+          <a:bodyPr vert="horz" wrap="square" lIns="91436" tIns="45718" rIns="91436" bIns="45718" numCol="1" rtlCol="0" anchor="ctr" anchorCtr="0" compatLnSpc="1">
+            <a:prstTxWarp prst="textNoShape">
+              <a:avLst/>
+            </a:prstTxWarp>
+          </a:bodyPr>
+          <a:lstStyle/>
+          <a:p>
+            <a:pPr algn="ctr" defTabSz="914099" fontAlgn="base">
+              <a:spcBef>
+                <a:spcPct val="0"/>
+              </a:spcBef>
+              <a:spcAft>
+                <a:spcPct val="0"/>
+              </a:spcAft>
+            </a:pPr>
+            <a:endParaRPr lang="en-US" sz="2200" dirty="0">
+              <a:gradFill>
+                <a:gsLst>
+                  <a:gs pos="0">
+                    <a:srgbClr val="FFFFFF"/>
+                  </a:gs>
+                  <a:gs pos="100000">
+                    <a:srgbClr val="FFFFFF"/>
+                  </a:gs>
+                </a:gsLst>
+                <a:lin ang="5400000" scaled="0"/>
+              </a:gradFill>
+            </a:endParaRPr>
+          </a:p>
+        </p:txBody>
+      </p:sp>
+      <p:sp>
+        <p:nvSpPr>
+          <p:cNvPr id="15" name="TextBox 14"/>
+          <p:cNvSpPr txBox="1"/>
+          <p:nvPr/>
+        </p:nvSpPr>
+        <p:spPr>
+          <a:xfrm>
+            <a:off x="5130025" y="4966408"/>
+            <a:ext cx="6211891" cy="1384995"/>
+          </a:xfrm>
+          <a:prstGeom prst="rect">
+            <a:avLst/>
+          </a:prstGeom>
+          <a:solidFill>
+            <a:schemeClr val="accent6"/>
+          </a:solidFill>
+          <a:ln>
+            <a:noFill/>
+          </a:ln>
+          <a:effectLst/>
+        </p:spPr>
+        <p:style>
+          <a:lnRef idx="3">
+            <a:schemeClr val="lt1"/>
+          </a:lnRef>
+          <a:fillRef idx="1">
+            <a:schemeClr val="accent3"/>
+          </a:fillRef>
+          <a:effectRef idx="1">
+            <a:schemeClr val="accent3"/>
+          </a:effectRef>
+          <a:fontRef idx="minor">
+            <a:schemeClr val="lt1"/>
+          </a:fontRef>
+        </p:style>
+        <p:txBody>
+          <a:bodyPr wrap="square" rtlCol="0">
+            <a:spAutoFit/>
+          </a:bodyPr>
+          <a:lstStyle/>
+          <a:p>
+            <a:r>
+              <a:rPr lang="en-US" sz="1400" dirty="0">
                 <a:solidFill>
-                  <a:srgbClr val="FFFFFF"/>
+                  <a:schemeClr val="lt1">
+                    <a:alpha val="99000"/>
+                  </a:schemeClr>
                 </a:solidFill>
-              </a14:hiddenFill>
-            </a:ext>
-          </a:extLst>
+                <a:latin typeface="Consolas" pitchFamily="49" charset="0"/>
+                <a:cs typeface="Consolas" pitchFamily="49" charset="0"/>
+              </a:rPr>
+              <a:t>[Route("</a:t>
+            </a:r>
+            <a:r>
+              <a:rPr lang="en-US" sz="1400" dirty="0" err="1">
+                <a:solidFill>
+                  <a:schemeClr val="lt1">
+                    <a:alpha val="99000"/>
+                  </a:schemeClr>
+                </a:solidFill>
+                <a:latin typeface="Consolas" pitchFamily="49" charset="0"/>
+                <a:cs typeface="Consolas" pitchFamily="49" charset="0"/>
+              </a:rPr>
+              <a:t>api</a:t>
+            </a:r>
+            <a:r>
+              <a:rPr lang="en-US" sz="1400" dirty="0">
+                <a:solidFill>
+                  <a:schemeClr val="lt1">
+                    <a:alpha val="99000"/>
+                  </a:schemeClr>
+                </a:solidFill>
+                <a:latin typeface="Consolas" pitchFamily="49" charset="0"/>
+                <a:cs typeface="Consolas" pitchFamily="49" charset="0"/>
+              </a:rPr>
+              <a:t>/[controller]")]</a:t>
+            </a:r>
+          </a:p>
+          <a:p>
+            <a:r>
+              <a:rPr lang="en-US" sz="1400" dirty="0">
+                <a:solidFill>
+                  <a:schemeClr val="lt1">
+                    <a:alpha val="99000"/>
+                  </a:schemeClr>
+                </a:solidFill>
+                <a:latin typeface="Consolas" pitchFamily="49" charset="0"/>
+                <a:cs typeface="Consolas" pitchFamily="49" charset="0"/>
+              </a:rPr>
+              <a:t>public class </a:t>
+            </a:r>
+            <a:r>
+              <a:rPr lang="en-US" sz="1400" dirty="0" err="1">
+                <a:solidFill>
+                  <a:schemeClr val="lt1">
+                    <a:alpha val="99000"/>
+                  </a:schemeClr>
+                </a:solidFill>
+                <a:latin typeface="Consolas" pitchFamily="49" charset="0"/>
+                <a:cs typeface="Consolas" pitchFamily="49" charset="0"/>
+              </a:rPr>
+              <a:t>PersonController</a:t>
+            </a:r>
+            <a:r>
+              <a:rPr lang="en-US" sz="1400" dirty="0">
+                <a:solidFill>
+                  <a:schemeClr val="lt1">
+                    <a:alpha val="99000"/>
+                  </a:schemeClr>
+                </a:solidFill>
+                <a:latin typeface="Consolas" pitchFamily="49" charset="0"/>
+                <a:cs typeface="Consolas" pitchFamily="49" charset="0"/>
+              </a:rPr>
+              <a:t> : </a:t>
+            </a:r>
+            <a:r>
+              <a:rPr lang="en-US" sz="1400" dirty="0" smtClean="0">
+                <a:solidFill>
+                  <a:schemeClr val="accent4">
+                    <a:lumMod val="40000"/>
+                    <a:lumOff val="60000"/>
+                    <a:alpha val="99000"/>
+                  </a:schemeClr>
+                </a:solidFill>
+                <a:latin typeface="Consolas" pitchFamily="49" charset="0"/>
+                <a:cs typeface="Consolas" pitchFamily="49" charset="0"/>
+              </a:rPr>
+              <a:t>Controller</a:t>
+            </a:r>
+            <a:r>
+              <a:rPr lang="en-US" sz="1400" dirty="0" smtClean="0">
+                <a:solidFill>
+                  <a:schemeClr val="bg2">
+                    <a:alpha val="99000"/>
+                  </a:schemeClr>
+                </a:solidFill>
+                <a:latin typeface="Consolas" pitchFamily="49" charset="0"/>
+                <a:cs typeface="Consolas" pitchFamily="49" charset="0"/>
+              </a:rPr>
+              <a:t> { </a:t>
+            </a:r>
+          </a:p>
+          <a:p>
+            <a:endParaRPr lang="en-US" sz="1400" dirty="0" smtClean="0">
+              <a:solidFill>
+                <a:schemeClr val="bg2">
+                  <a:alpha val="99000"/>
+                </a:schemeClr>
+              </a:solidFill>
+              <a:latin typeface="Consolas" pitchFamily="49" charset="0"/>
+              <a:cs typeface="Consolas" pitchFamily="49" charset="0"/>
+            </a:endParaRPr>
+          </a:p>
+          <a:p>
+            <a:r>
+              <a:rPr lang="en-US" sz="1400" dirty="0">
+                <a:solidFill>
+                  <a:schemeClr val="bg2">
+                    <a:alpha val="99000"/>
+                  </a:schemeClr>
+                </a:solidFill>
+                <a:latin typeface="Consolas" pitchFamily="49" charset="0"/>
+                <a:cs typeface="Consolas" pitchFamily="49" charset="0"/>
+              </a:rPr>
+              <a:t> </a:t>
+            </a:r>
+            <a:r>
+              <a:rPr lang="en-US" sz="1400" dirty="0" smtClean="0">
+                <a:solidFill>
+                  <a:schemeClr val="bg2">
+                    <a:alpha val="99000"/>
+                  </a:schemeClr>
+                </a:solidFill>
+                <a:latin typeface="Consolas" pitchFamily="49" charset="0"/>
+                <a:cs typeface="Consolas" pitchFamily="49" charset="0"/>
+              </a:rPr>
+              <a:t>   [</a:t>
+            </a:r>
+            <a:r>
+              <a:rPr lang="en-US" sz="1400" dirty="0" err="1">
+                <a:solidFill>
+                  <a:schemeClr val="bg2">
+                    <a:alpha val="99000"/>
+                  </a:schemeClr>
+                </a:solidFill>
+                <a:latin typeface="Consolas" pitchFamily="49" charset="0"/>
+                <a:cs typeface="Consolas" pitchFamily="49" charset="0"/>
+              </a:rPr>
+              <a:t>HttpGet</a:t>
+            </a:r>
+            <a:r>
+              <a:rPr lang="en-US" sz="1400" dirty="0">
+                <a:solidFill>
+                  <a:schemeClr val="bg2">
+                    <a:alpha val="99000"/>
+                  </a:schemeClr>
+                </a:solidFill>
+                <a:latin typeface="Consolas" pitchFamily="49" charset="0"/>
+                <a:cs typeface="Consolas" pitchFamily="49" charset="0"/>
+              </a:rPr>
+              <a:t>("{id}")]</a:t>
+            </a:r>
+          </a:p>
+          <a:p>
+            <a:r>
+              <a:rPr lang="en-US" sz="1400" dirty="0" smtClean="0">
+                <a:solidFill>
+                  <a:schemeClr val="bg2">
+                    <a:alpha val="99000"/>
+                  </a:schemeClr>
+                </a:solidFill>
+                <a:latin typeface="Consolas" pitchFamily="49" charset="0"/>
+                <a:cs typeface="Consolas" pitchFamily="49" charset="0"/>
+              </a:rPr>
+              <a:t>    public </a:t>
+            </a:r>
+            <a:r>
+              <a:rPr lang="en-US" sz="1400" dirty="0">
+                <a:solidFill>
+                  <a:schemeClr val="bg2">
+                    <a:alpha val="99000"/>
+                  </a:schemeClr>
+                </a:solidFill>
+                <a:latin typeface="Consolas" pitchFamily="49" charset="0"/>
+                <a:cs typeface="Consolas" pitchFamily="49" charset="0"/>
+              </a:rPr>
+              <a:t>Person Get(</a:t>
+            </a:r>
+            <a:r>
+              <a:rPr lang="en-US" sz="1400" dirty="0" err="1">
+                <a:solidFill>
+                  <a:schemeClr val="bg2">
+                    <a:alpha val="99000"/>
+                  </a:schemeClr>
+                </a:solidFill>
+                <a:latin typeface="Consolas" pitchFamily="49" charset="0"/>
+                <a:cs typeface="Consolas" pitchFamily="49" charset="0"/>
+              </a:rPr>
+              <a:t>int</a:t>
+            </a:r>
+            <a:r>
+              <a:rPr lang="en-US" sz="1400" dirty="0">
+                <a:solidFill>
+                  <a:schemeClr val="bg2">
+                    <a:alpha val="99000"/>
+                  </a:schemeClr>
+                </a:solidFill>
+                <a:latin typeface="Consolas" pitchFamily="49" charset="0"/>
+                <a:cs typeface="Consolas" pitchFamily="49" charset="0"/>
+              </a:rPr>
+              <a:t> id</a:t>
+            </a:r>
+            <a:r>
+              <a:rPr lang="en-US" sz="1400" dirty="0" smtClean="0">
+                <a:solidFill>
+                  <a:schemeClr val="bg2">
+                    <a:alpha val="99000"/>
+                  </a:schemeClr>
+                </a:solidFill>
+                <a:latin typeface="Consolas" pitchFamily="49" charset="0"/>
+                <a:cs typeface="Consolas" pitchFamily="49" charset="0"/>
+              </a:rPr>
+              <a:t>) { /* ... */ }</a:t>
+            </a:r>
+          </a:p>
+          <a:p>
+            <a:r>
+              <a:rPr lang="en-US" sz="1400" dirty="0">
+                <a:solidFill>
+                  <a:schemeClr val="bg2">
+                    <a:alpha val="99000"/>
+                  </a:schemeClr>
+                </a:solidFill>
+                <a:latin typeface="Consolas" pitchFamily="49" charset="0"/>
+                <a:cs typeface="Consolas" pitchFamily="49" charset="0"/>
+              </a:rPr>
+              <a:t>}</a:t>
+            </a:r>
+            <a:endParaRPr lang="en-US" sz="1400" dirty="0" smtClean="0">
+              <a:solidFill>
+                <a:schemeClr val="bg2">
+                  <a:alpha val="99000"/>
+                </a:schemeClr>
+              </a:solidFill>
+              <a:latin typeface="Consolas" pitchFamily="49" charset="0"/>
+              <a:cs typeface="Consolas" pitchFamily="49" charset="0"/>
+            </a:endParaRPr>
+          </a:p>
+        </p:txBody>
+      </p:sp>
+      <p:sp>
+        <p:nvSpPr>
+          <p:cNvPr id="16" name="Rectangle 15"/>
+          <p:cNvSpPr/>
+          <p:nvPr/>
+        </p:nvSpPr>
+        <p:spPr>
+          <a:xfrm>
+            <a:off x="433839" y="4863298"/>
+            <a:ext cx="3846246" cy="984885"/>
+          </a:xfrm>
+          <a:prstGeom prst="rect">
+            <a:avLst/>
+          </a:prstGeom>
         </p:spPr>
-      </p:pic>
+        <p:txBody>
+          <a:bodyPr wrap="none">
+            <a:spAutoFit/>
+          </a:bodyPr>
+          <a:lstStyle/>
+          <a:p>
+            <a:r>
+              <a:rPr lang="en-US" sz="4000" dirty="0" smtClean="0">
+                <a:solidFill>
+                  <a:schemeClr val="accent2">
+                    <a:alpha val="99000"/>
+                  </a:schemeClr>
+                </a:solidFill>
+                <a:latin typeface="Segoe UI Light" pitchFamily="34" charset="0"/>
+              </a:rPr>
+              <a:t>Attribute routing</a:t>
+            </a:r>
+            <a:r>
+              <a:rPr lang="en-US" sz="4000" dirty="0">
+                <a:solidFill>
+                  <a:schemeClr val="accent2">
+                    <a:alpha val="99000"/>
+                  </a:schemeClr>
+                </a:solidFill>
+                <a:latin typeface="Segoe UI Light" pitchFamily="34" charset="0"/>
+              </a:rPr>
+              <a:t>:</a:t>
+            </a:r>
+          </a:p>
+          <a:p>
+            <a:r>
+              <a:rPr lang="en-US" dirty="0" smtClean="0">
+                <a:solidFill>
+                  <a:schemeClr val="tx2">
+                    <a:alpha val="99000"/>
+                  </a:schemeClr>
+                </a:solidFill>
+                <a:latin typeface="Segoe UI Light" pitchFamily="34" charset="0"/>
+              </a:rPr>
+              <a:t>Easy to configure</a:t>
+            </a:r>
+            <a:endParaRPr lang="en-US" dirty="0">
+              <a:solidFill>
+                <a:schemeClr val="tx2">
+                  <a:alpha val="99000"/>
+                </a:schemeClr>
+              </a:solidFill>
+              <a:latin typeface="Segoe UI Light" pitchFamily="34" charset="0"/>
+            </a:endParaRPr>
+          </a:p>
+        </p:txBody>
+      </p:sp>
       <p:cxnSp>
         <p:nvCxnSpPr>
           <p:cNvPr id="7" name="Straight Arrow Connector 6"/>
@@ -34007,9 +33633,9 @@
           <p:nvPr/>
         </p:nvCxnSpPr>
         <p:spPr>
-          <a:xfrm flipH="1">
-            <a:off x="5924406" y="2545773"/>
-            <a:ext cx="1776846" cy="1766454"/>
+          <a:xfrm flipV="1">
+            <a:off x="6094413" y="3558540"/>
+            <a:ext cx="268564" cy="1502559"/>
           </a:xfrm>
           <a:prstGeom prst="straightConnector1">
             <a:avLst/>
@@ -34019,14 +33645,14 @@
           </a:ln>
         </p:spPr>
         <p:style>
-          <a:lnRef idx="2">
-            <a:schemeClr val="accent5"/>
+          <a:lnRef idx="3">
+            <a:schemeClr val="accent1"/>
           </a:lnRef>
           <a:fillRef idx="0">
-            <a:schemeClr val="accent5"/>
+            <a:schemeClr val="accent1"/>
           </a:fillRef>
-          <a:effectRef idx="1">
-            <a:schemeClr val="accent5"/>
+          <a:effectRef idx="2">
+            <a:schemeClr val="accent1"/>
           </a:effectRef>
           <a:fontRef idx="minor">
             <a:schemeClr val="tx1"/>
@@ -34040,9 +33666,9 @@
           <p:nvPr/>
         </p:nvCxnSpPr>
         <p:spPr>
-          <a:xfrm flipH="1">
-            <a:off x="6340044" y="2545773"/>
-            <a:ext cx="2036619" cy="1766454"/>
+          <a:xfrm flipH="1" flipV="1">
+            <a:off x="6723450" y="3558540"/>
+            <a:ext cx="26487" cy="1502559"/>
           </a:xfrm>
           <a:prstGeom prst="straightConnector1">
             <a:avLst/>
@@ -34052,53 +33678,128 @@
           </a:ln>
         </p:spPr>
         <p:style>
-          <a:lnRef idx="2">
-            <a:schemeClr val="accent5"/>
+          <a:lnRef idx="3">
+            <a:schemeClr val="accent1"/>
           </a:lnRef>
           <a:fillRef idx="0">
-            <a:schemeClr val="accent5"/>
+            <a:schemeClr val="accent1"/>
           </a:fillRef>
-          <a:effectRef idx="1">
-            <a:schemeClr val="accent5"/>
+          <a:effectRef idx="2">
+            <a:schemeClr val="accent1"/>
           </a:effectRef>
           <a:fontRef idx="minor">
             <a:schemeClr val="tx1"/>
           </a:fontRef>
         </p:style>
       </p:cxnSp>
-      <p:cxnSp>
-        <p:nvCxnSpPr>
-          <p:cNvPr id="25" name="Straight Arrow Connector 24"/>
-          <p:cNvCxnSpPr/>
+      <p:grpSp>
+        <p:nvGrpSpPr>
+          <p:cNvPr id="64543" name="Group 64542"/>
+          <p:cNvGrpSpPr/>
           <p:nvPr/>
-        </p:nvCxnSpPr>
-        <p:spPr>
-          <a:xfrm flipH="1">
-            <a:off x="6579033" y="2545773"/>
-            <a:ext cx="2878284" cy="1859972"/>
+        </p:nvGrpSpPr>
+        <p:grpSpPr>
+          <a:xfrm>
+            <a:off x="7018020" y="3568973"/>
+            <a:ext cx="2656200" cy="2187302"/>
+            <a:chOff x="7018020" y="3568973"/>
+            <a:chExt cx="2656200" cy="2187302"/>
           </a:xfrm>
-          <a:prstGeom prst="straightConnector1">
-            <a:avLst/>
-          </a:prstGeom>
-          <a:ln>
-            <a:tailEnd type="arrow"/>
-          </a:ln>
-        </p:spPr>
-        <p:style>
-          <a:lnRef idx="2">
-            <a:schemeClr val="accent5"/>
-          </a:lnRef>
-          <a:fillRef idx="0">
-            <a:schemeClr val="accent5"/>
-          </a:fillRef>
-          <a:effectRef idx="1">
-            <a:schemeClr val="accent5"/>
-          </a:effectRef>
-          <a:fontRef idx="minor">
-            <a:schemeClr val="tx1"/>
-          </a:fontRef>
-        </p:style>
-      </p:cxnSp>
+        </p:grpSpPr>
+        <p:cxnSp>
+          <p:nvCxnSpPr>
+            <p:cNvPr id="64528" name="Straight Connector 64527"/>
+            <p:cNvCxnSpPr/>
+            <p:nvPr/>
+          </p:nvCxnSpPr>
+          <p:spPr>
+            <a:xfrm>
+              <a:off x="7362820" y="5756275"/>
+              <a:ext cx="2311400" cy="0"/>
+            </a:xfrm>
+            <a:prstGeom prst="line">
+              <a:avLst/>
+            </a:prstGeom>
+          </p:spPr>
+          <p:style>
+            <a:lnRef idx="3">
+              <a:schemeClr val="accent1"/>
+            </a:lnRef>
+            <a:fillRef idx="0">
+              <a:schemeClr val="accent1"/>
+            </a:fillRef>
+            <a:effectRef idx="2">
+              <a:schemeClr val="accent1"/>
+            </a:effectRef>
+            <a:fontRef idx="minor">
+              <a:schemeClr val="tx1"/>
+            </a:fontRef>
+          </p:style>
+        </p:cxnSp>
+        <p:cxnSp>
+          <p:nvCxnSpPr>
+            <p:cNvPr id="55" name="Straight Connector 54"/>
+            <p:cNvCxnSpPr/>
+            <p:nvPr/>
+          </p:nvCxnSpPr>
+          <p:spPr>
+            <a:xfrm>
+              <a:off x="9674220" y="4733925"/>
+              <a:ext cx="0" cy="1022350"/>
+            </a:xfrm>
+            <a:prstGeom prst="line">
+              <a:avLst/>
+            </a:prstGeom>
+          </p:spPr>
+          <p:style>
+            <a:lnRef idx="3">
+              <a:schemeClr val="accent1"/>
+            </a:lnRef>
+            <a:fillRef idx="0">
+              <a:schemeClr val="accent1"/>
+            </a:fillRef>
+            <a:effectRef idx="2">
+              <a:schemeClr val="accent1"/>
+            </a:effectRef>
+            <a:fontRef idx="minor">
+              <a:schemeClr val="tx1"/>
+            </a:fontRef>
+          </p:style>
+        </p:cxnSp>
+        <p:cxnSp>
+          <p:nvCxnSpPr>
+            <p:cNvPr id="64541" name="Straight Arrow Connector 64540"/>
+            <p:cNvCxnSpPr/>
+            <p:nvPr/>
+          </p:nvCxnSpPr>
+          <p:spPr>
+            <a:xfrm flipH="1" flipV="1">
+              <a:off x="7018020" y="3568973"/>
+              <a:ext cx="2654618" cy="1169716"/>
+            </a:xfrm>
+            <a:prstGeom prst="straightConnector1">
+              <a:avLst/>
+            </a:prstGeom>
+            <a:ln>
+              <a:tailEnd type="triangle"/>
+            </a:ln>
+          </p:spPr>
+          <p:style>
+            <a:lnRef idx="3">
+              <a:schemeClr val="accent1"/>
+            </a:lnRef>
+            <a:fillRef idx="0">
+              <a:schemeClr val="accent1"/>
+            </a:fillRef>
+            <a:effectRef idx="2">
+              <a:schemeClr val="accent1"/>
+            </a:effectRef>
+            <a:fontRef idx="minor">
+              <a:schemeClr val="tx1"/>
+            </a:fontRef>
+          </p:style>
+        </p:cxnSp>
+      </p:grpSp>
     </p:spTree>
     <p:extLst>
       <p:ext uri="{BB962C8B-B14F-4D97-AF65-F5344CB8AC3E}">
@@ -34252,7 +33953,7 @@
                                           </p:stCondLst>
                                         </p:cTn>
                                         <p:tgtEl>
-                                          <p:spTgt spid="25"/>
+                                          <p:spTgt spid="64543"/>
                                         </p:tgtEl>
                                         <p:attrNameLst>
                                           <p:attrName>style.visibility</p:attrName>
@@ -34266,7 +33967,7 @@
                                       <p:cBhvr>
                                         <p:cTn id="17" dur="500"/>
                                         <p:tgtEl>
-                                          <p:spTgt spid="25"/>
+                                          <p:spTgt spid="64543"/>
                                         </p:tgtEl>
                                       </p:cBhvr>
                                     </p:animEffect>
@@ -34312,7 +34013,7 @@
 
 <file path=ppt/tags/tag2.xml><?xml version="1.0" encoding="utf-8"?>
 <p:tagLst xmlns:a="http://schemas.openxmlformats.org/drawingml/2006/main" xmlns:r="http://schemas.openxmlformats.org/officeDocument/2006/relationships" xmlns:p="http://schemas.openxmlformats.org/presentationml/2006/main">
-  <p:tag name="THINKCELLSHAPEDONOTDELETE" val="p7.K6bBAJvkS3.ukwBGLqdg"/>
+  <p:tag name="THINKCELLSHAPEDONOTDELETE" val="pCDymgjsaf0qp25wa8mnEJA"/>
 </p:tagLst>
 </file>
 
@@ -34323,12 +34024,6 @@
 </file>
 
 <file path=ppt/tags/tag4.xml><?xml version="1.0" encoding="utf-8"?>
-<p:tagLst xmlns:a="http://schemas.openxmlformats.org/drawingml/2006/main" xmlns:r="http://schemas.openxmlformats.org/officeDocument/2006/relationships" xmlns:p="http://schemas.openxmlformats.org/presentationml/2006/main">
-  <p:tag name="THINKCELLSHAPEDONOTDELETE" val="pCDymgjsaf0qp25wa8mnEJA"/>
-</p:tagLst>
-</file>
-
-<file path=ppt/tags/tag5.xml><?xml version="1.0" encoding="utf-8"?>
 <p:tagLst xmlns:a="http://schemas.openxmlformats.org/drawingml/2006/main" xmlns:r="http://schemas.openxmlformats.org/officeDocument/2006/relationships" xmlns:p="http://schemas.openxmlformats.org/presentationml/2006/main">
   <p:tag name="THINKCELLSHAPEDONOTDELETE" val="pCDymgjsaf0qp25wa8mnEJA"/>
 </p:tagLst>
